--- a/jquerytutorial.pptx
+++ b/jquerytutorial.pptx
@@ -8,7 +8,8 @@
     <p:sldId id="256" r:id="rId2"/>
     <p:sldId id="257" r:id="rId3"/>
     <p:sldId id="259" r:id="rId4"/>
-    <p:sldId id="258" r:id="rId5"/>
+    <p:sldId id="260" r:id="rId5"/>
+    <p:sldId id="258" r:id="rId6"/>
   </p:sldIdLst>
   <p:sldSz cx="12192000" cy="6858000"/>
   <p:notesSz cx="6858000" cy="9144000"/>
@@ -107,10 +108,934 @@
       </a:defRPr>
     </a:lvl9pPr>
   </p:defaultTextStyle>
+  <p:extLst>
+    <p:ext uri="{EFAFB233-063F-42B5-8137-9DF3F51BA10A}">
+      <p15:sldGuideLst xmlns:p15="http://schemas.microsoft.com/office/powerpoint/2012/main"/>
+    </p:ext>
+  </p:extLst>
 </p:presentation>
 </file>
 
 <file path=ppt/diagrams/colors1.xml><?xml version="1.0" encoding="utf-8"?>
+<dgm:colorsDef xmlns:dgm="http://schemas.openxmlformats.org/drawingml/2006/diagram" xmlns:a="http://schemas.openxmlformats.org/drawingml/2006/main" uniqueId="urn:microsoft.com/office/officeart/2005/8/colors/colorful1">
+  <dgm:title val=""/>
+  <dgm:desc val=""/>
+  <dgm:catLst>
+    <dgm:cat type="colorful" pri="10100"/>
+  </dgm:catLst>
+  <dgm:styleLbl name="node0">
+    <dgm:fillClrLst meth="repeat">
+      <a:schemeClr val="accent1"/>
+    </dgm:fillClrLst>
+    <dgm:linClrLst meth="repeat">
+      <a:schemeClr val="lt1"/>
+    </dgm:linClrLst>
+    <dgm:effectClrLst/>
+    <dgm:txLinClrLst/>
+    <dgm:txFillClrLst/>
+    <dgm:txEffectClrLst/>
+  </dgm:styleLbl>
+  <dgm:styleLbl name="node1">
+    <dgm:fillClrLst meth="repeat">
+      <a:schemeClr val="accent2"/>
+      <a:schemeClr val="accent3"/>
+      <a:schemeClr val="accent4"/>
+      <a:schemeClr val="accent5"/>
+      <a:schemeClr val="accent6"/>
+    </dgm:fillClrLst>
+    <dgm:linClrLst meth="repeat">
+      <a:schemeClr val="lt1"/>
+    </dgm:linClrLst>
+    <dgm:effectClrLst/>
+    <dgm:txLinClrLst/>
+    <dgm:txFillClrLst/>
+    <dgm:txEffectClrLst/>
+  </dgm:styleLbl>
+  <dgm:styleLbl name="alignNode1">
+    <dgm:fillClrLst meth="repeat">
+      <a:schemeClr val="accent2"/>
+      <a:schemeClr val="accent3"/>
+      <a:schemeClr val="accent4"/>
+      <a:schemeClr val="accent5"/>
+      <a:schemeClr val="accent6"/>
+    </dgm:fillClrLst>
+    <dgm:linClrLst meth="repeat">
+      <a:schemeClr val="accent2"/>
+      <a:schemeClr val="accent3"/>
+      <a:schemeClr val="accent4"/>
+      <a:schemeClr val="accent5"/>
+      <a:schemeClr val="accent6"/>
+    </dgm:linClrLst>
+    <dgm:effectClrLst/>
+    <dgm:txLinClrLst/>
+    <dgm:txFillClrLst/>
+    <dgm:txEffectClrLst/>
+  </dgm:styleLbl>
+  <dgm:styleLbl name="lnNode1">
+    <dgm:fillClrLst meth="repeat">
+      <a:schemeClr val="accent2"/>
+      <a:schemeClr val="accent3"/>
+      <a:schemeClr val="accent4"/>
+      <a:schemeClr val="accent5"/>
+      <a:schemeClr val="accent6"/>
+    </dgm:fillClrLst>
+    <dgm:linClrLst meth="repeat">
+      <a:schemeClr val="lt1"/>
+    </dgm:linClrLst>
+    <dgm:effectClrLst/>
+    <dgm:txLinClrLst/>
+    <dgm:txFillClrLst/>
+    <dgm:txEffectClrLst/>
+  </dgm:styleLbl>
+  <dgm:styleLbl name="vennNode1">
+    <dgm:fillClrLst meth="repeat">
+      <a:schemeClr val="accent2">
+        <a:alpha val="50000"/>
+      </a:schemeClr>
+      <a:schemeClr val="accent3">
+        <a:alpha val="50000"/>
+      </a:schemeClr>
+      <a:schemeClr val="accent4">
+        <a:alpha val="50000"/>
+      </a:schemeClr>
+      <a:schemeClr val="accent5">
+        <a:alpha val="50000"/>
+      </a:schemeClr>
+      <a:schemeClr val="accent6">
+        <a:alpha val="50000"/>
+      </a:schemeClr>
+    </dgm:fillClrLst>
+    <dgm:linClrLst meth="repeat">
+      <a:schemeClr val="lt1"/>
+    </dgm:linClrLst>
+    <dgm:effectClrLst/>
+    <dgm:txLinClrLst/>
+    <dgm:txFillClrLst/>
+    <dgm:txEffectClrLst/>
+  </dgm:styleLbl>
+  <dgm:styleLbl name="node2">
+    <dgm:fillClrLst>
+      <a:schemeClr val="accent2"/>
+    </dgm:fillClrLst>
+    <dgm:linClrLst meth="repeat">
+      <a:schemeClr val="lt1"/>
+    </dgm:linClrLst>
+    <dgm:effectClrLst/>
+    <dgm:txLinClrLst/>
+    <dgm:txFillClrLst/>
+    <dgm:txEffectClrLst/>
+  </dgm:styleLbl>
+  <dgm:styleLbl name="node3">
+    <dgm:fillClrLst>
+      <a:schemeClr val="accent3"/>
+    </dgm:fillClrLst>
+    <dgm:linClrLst meth="repeat">
+      <a:schemeClr val="lt1"/>
+    </dgm:linClrLst>
+    <dgm:effectClrLst/>
+    <dgm:txLinClrLst/>
+    <dgm:txFillClrLst/>
+    <dgm:txEffectClrLst/>
+  </dgm:styleLbl>
+  <dgm:styleLbl name="node4">
+    <dgm:fillClrLst>
+      <a:schemeClr val="accent4"/>
+    </dgm:fillClrLst>
+    <dgm:linClrLst meth="repeat">
+      <a:schemeClr val="lt1"/>
+    </dgm:linClrLst>
+    <dgm:effectClrLst/>
+    <dgm:txLinClrLst/>
+    <dgm:txFillClrLst/>
+    <dgm:txEffectClrLst/>
+  </dgm:styleLbl>
+  <dgm:styleLbl name="fgImgPlace1">
+    <dgm:fillClrLst meth="repeat">
+      <a:schemeClr val="accent2">
+        <a:tint val="50000"/>
+      </a:schemeClr>
+      <a:schemeClr val="accent3">
+        <a:tint val="50000"/>
+      </a:schemeClr>
+      <a:schemeClr val="accent4">
+        <a:tint val="50000"/>
+      </a:schemeClr>
+      <a:schemeClr val="accent5">
+        <a:tint val="50000"/>
+      </a:schemeClr>
+      <a:schemeClr val="accent6">
+        <a:tint val="50000"/>
+      </a:schemeClr>
+    </dgm:fillClrLst>
+    <dgm:linClrLst meth="repeat">
+      <a:schemeClr val="lt1"/>
+    </dgm:linClrLst>
+    <dgm:effectClrLst/>
+    <dgm:txLinClrLst/>
+    <dgm:txFillClrLst meth="repeat">
+      <a:schemeClr val="lt1"/>
+    </dgm:txFillClrLst>
+    <dgm:txEffectClrLst/>
+  </dgm:styleLbl>
+  <dgm:styleLbl name="alignImgPlace1">
+    <dgm:fillClrLst>
+      <a:schemeClr val="accent1">
+        <a:tint val="50000"/>
+      </a:schemeClr>
+      <a:schemeClr val="accent2">
+        <a:tint val="20000"/>
+      </a:schemeClr>
+    </dgm:fillClrLst>
+    <dgm:linClrLst meth="repeat">
+      <a:schemeClr val="lt1"/>
+    </dgm:linClrLst>
+    <dgm:effectClrLst/>
+    <dgm:txLinClrLst/>
+    <dgm:txFillClrLst meth="repeat">
+      <a:schemeClr val="lt1"/>
+    </dgm:txFillClrLst>
+    <dgm:txEffectClrLst/>
+  </dgm:styleLbl>
+  <dgm:styleLbl name="bgImgPlace1">
+    <dgm:fillClrLst>
+      <a:schemeClr val="accent1">
+        <a:tint val="50000"/>
+      </a:schemeClr>
+      <a:schemeClr val="accent2">
+        <a:tint val="20000"/>
+      </a:schemeClr>
+    </dgm:fillClrLst>
+    <dgm:linClrLst meth="repeat">
+      <a:schemeClr val="lt1"/>
+    </dgm:linClrLst>
+    <dgm:effectClrLst/>
+    <dgm:txLinClrLst/>
+    <dgm:txFillClrLst meth="repeat">
+      <a:schemeClr val="lt1"/>
+    </dgm:txFillClrLst>
+    <dgm:txEffectClrLst/>
+  </dgm:styleLbl>
+  <dgm:styleLbl name="sibTrans2D1">
+    <dgm:fillClrLst meth="repeat">
+      <a:schemeClr val="accent2"/>
+      <a:schemeClr val="accent3"/>
+      <a:schemeClr val="accent4"/>
+      <a:schemeClr val="accent5"/>
+      <a:schemeClr val="accent6"/>
+    </dgm:fillClrLst>
+    <dgm:linClrLst meth="cycle">
+      <a:schemeClr val="lt1"/>
+    </dgm:linClrLst>
+    <dgm:effectClrLst/>
+    <dgm:txLinClrLst/>
+    <dgm:txFillClrLst/>
+    <dgm:txEffectClrLst/>
+  </dgm:styleLbl>
+  <dgm:styleLbl name="fgSibTrans2D1">
+    <dgm:fillClrLst meth="repeat">
+      <a:schemeClr val="accent2"/>
+      <a:schemeClr val="accent3"/>
+      <a:schemeClr val="accent4"/>
+      <a:schemeClr val="accent5"/>
+      <a:schemeClr val="accent6"/>
+    </dgm:fillClrLst>
+    <dgm:linClrLst meth="cycle">
+      <a:schemeClr val="lt1"/>
+    </dgm:linClrLst>
+    <dgm:effectClrLst/>
+    <dgm:txLinClrLst/>
+    <dgm:txFillClrLst meth="repeat">
+      <a:schemeClr val="lt1"/>
+    </dgm:txFillClrLst>
+    <dgm:txEffectClrLst/>
+  </dgm:styleLbl>
+  <dgm:styleLbl name="bgSibTrans2D1">
+    <dgm:fillClrLst meth="repeat">
+      <a:schemeClr val="accent2"/>
+      <a:schemeClr val="accent3"/>
+      <a:schemeClr val="accent4"/>
+      <a:schemeClr val="accent5"/>
+      <a:schemeClr val="accent6"/>
+    </dgm:fillClrLst>
+    <dgm:linClrLst meth="cycle">
+      <a:schemeClr val="lt1"/>
+    </dgm:linClrLst>
+    <dgm:effectClrLst/>
+    <dgm:txLinClrLst/>
+    <dgm:txFillClrLst meth="repeat">
+      <a:schemeClr val="lt1"/>
+    </dgm:txFillClrLst>
+    <dgm:txEffectClrLst/>
+  </dgm:styleLbl>
+  <dgm:styleLbl name="sibTrans1D1">
+    <dgm:fillClrLst meth="repeat">
+      <a:schemeClr val="accent2"/>
+      <a:schemeClr val="accent3"/>
+      <a:schemeClr val="accent4"/>
+      <a:schemeClr val="accent5"/>
+      <a:schemeClr val="accent6"/>
+    </dgm:fillClrLst>
+    <dgm:linClrLst meth="repeat">
+      <a:schemeClr val="accent2"/>
+      <a:schemeClr val="accent3"/>
+      <a:schemeClr val="accent4"/>
+      <a:schemeClr val="accent5"/>
+      <a:schemeClr val="accent6"/>
+    </dgm:linClrLst>
+    <dgm:effectClrLst/>
+    <dgm:txLinClrLst/>
+    <dgm:txFillClrLst meth="repeat">
+      <a:schemeClr val="tx1"/>
+    </dgm:txFillClrLst>
+    <dgm:txEffectClrLst/>
+  </dgm:styleLbl>
+  <dgm:styleLbl name="callout">
+    <dgm:fillClrLst meth="repeat">
+      <a:schemeClr val="accent2"/>
+    </dgm:fillClrLst>
+    <dgm:linClrLst meth="repeat">
+      <a:schemeClr val="accent2">
+        <a:tint val="50000"/>
+      </a:schemeClr>
+    </dgm:linClrLst>
+    <dgm:effectClrLst/>
+    <dgm:txLinClrLst/>
+    <dgm:txFillClrLst meth="repeat">
+      <a:schemeClr val="tx1"/>
+    </dgm:txFillClrLst>
+    <dgm:txEffectClrLst/>
+  </dgm:styleLbl>
+  <dgm:styleLbl name="asst0">
+    <dgm:fillClrLst meth="repeat">
+      <a:schemeClr val="accent1"/>
+    </dgm:fillClrLst>
+    <dgm:linClrLst meth="repeat">
+      <a:schemeClr val="lt1"/>
+    </dgm:linClrLst>
+    <dgm:effectClrLst/>
+    <dgm:txLinClrLst/>
+    <dgm:txFillClrLst/>
+    <dgm:txEffectClrLst/>
+  </dgm:styleLbl>
+  <dgm:styleLbl name="asst1">
+    <dgm:fillClrLst meth="repeat">
+      <a:schemeClr val="accent2"/>
+    </dgm:fillClrLst>
+    <dgm:linClrLst meth="repeat">
+      <a:schemeClr val="lt1"/>
+    </dgm:linClrLst>
+    <dgm:effectClrLst/>
+    <dgm:txLinClrLst/>
+    <dgm:txFillClrLst/>
+    <dgm:txEffectClrLst/>
+  </dgm:styleLbl>
+  <dgm:styleLbl name="asst2">
+    <dgm:fillClrLst>
+      <a:schemeClr val="accent3"/>
+    </dgm:fillClrLst>
+    <dgm:linClrLst meth="repeat">
+      <a:schemeClr val="lt1"/>
+    </dgm:linClrLst>
+    <dgm:effectClrLst/>
+    <dgm:txLinClrLst/>
+    <dgm:txFillClrLst/>
+    <dgm:txEffectClrLst/>
+  </dgm:styleLbl>
+  <dgm:styleLbl name="asst3">
+    <dgm:fillClrLst>
+      <a:schemeClr val="accent4"/>
+    </dgm:fillClrLst>
+    <dgm:linClrLst meth="repeat">
+      <a:schemeClr val="lt1"/>
+    </dgm:linClrLst>
+    <dgm:effectClrLst/>
+    <dgm:txLinClrLst/>
+    <dgm:txFillClrLst/>
+    <dgm:txEffectClrLst/>
+  </dgm:styleLbl>
+  <dgm:styleLbl name="asst4">
+    <dgm:fillClrLst>
+      <a:schemeClr val="accent5"/>
+    </dgm:fillClrLst>
+    <dgm:linClrLst meth="repeat">
+      <a:schemeClr val="lt1"/>
+    </dgm:linClrLst>
+    <dgm:effectClrLst/>
+    <dgm:txLinClrLst/>
+    <dgm:txFillClrLst/>
+    <dgm:txEffectClrLst/>
+  </dgm:styleLbl>
+  <dgm:styleLbl name="parChTrans2D1">
+    <dgm:fillClrLst meth="repeat">
+      <a:schemeClr val="accent2"/>
+    </dgm:fillClrLst>
+    <dgm:linClrLst meth="repeat">
+      <a:schemeClr val="lt1"/>
+    </dgm:linClrLst>
+    <dgm:effectClrLst/>
+    <dgm:txLinClrLst/>
+    <dgm:txFillClrLst meth="repeat">
+      <a:schemeClr val="lt1"/>
+    </dgm:txFillClrLst>
+    <dgm:txEffectClrLst/>
+  </dgm:styleLbl>
+  <dgm:styleLbl name="parChTrans2D2">
+    <dgm:fillClrLst meth="repeat">
+      <a:schemeClr val="accent3"/>
+    </dgm:fillClrLst>
+    <dgm:linClrLst meth="repeat">
+      <a:schemeClr val="lt1"/>
+    </dgm:linClrLst>
+    <dgm:effectClrLst/>
+    <dgm:txLinClrLst/>
+    <dgm:txFillClrLst/>
+    <dgm:txEffectClrLst/>
+  </dgm:styleLbl>
+  <dgm:styleLbl name="parChTrans2D3">
+    <dgm:fillClrLst meth="repeat">
+      <a:schemeClr val="accent4"/>
+    </dgm:fillClrLst>
+    <dgm:linClrLst meth="repeat">
+      <a:schemeClr val="lt1"/>
+    </dgm:linClrLst>
+    <dgm:effectClrLst/>
+    <dgm:txLinClrLst/>
+    <dgm:txFillClrLst/>
+    <dgm:txEffectClrLst/>
+  </dgm:styleLbl>
+  <dgm:styleLbl name="parChTrans2D4">
+    <dgm:fillClrLst meth="repeat">
+      <a:schemeClr val="accent5"/>
+    </dgm:fillClrLst>
+    <dgm:linClrLst meth="repeat">
+      <a:schemeClr val="lt1"/>
+    </dgm:linClrLst>
+    <dgm:effectClrLst/>
+    <dgm:txLinClrLst/>
+    <dgm:txFillClrLst meth="repeat">
+      <a:schemeClr val="lt1"/>
+    </dgm:txFillClrLst>
+    <dgm:txEffectClrLst/>
+  </dgm:styleLbl>
+  <dgm:styleLbl name="parChTrans1D1">
+    <dgm:fillClrLst meth="repeat">
+      <a:schemeClr val="accent2"/>
+    </dgm:fillClrLst>
+    <dgm:linClrLst meth="repeat">
+      <a:schemeClr val="accent1"/>
+    </dgm:linClrLst>
+    <dgm:effectClrLst/>
+    <dgm:txLinClrLst/>
+    <dgm:txFillClrLst meth="repeat">
+      <a:schemeClr val="tx1"/>
+    </dgm:txFillClrLst>
+    <dgm:txEffectClrLst/>
+  </dgm:styleLbl>
+  <dgm:styleLbl name="parChTrans1D2">
+    <dgm:fillClrLst meth="repeat">
+      <a:schemeClr val="accent3">
+        <a:tint val="90000"/>
+      </a:schemeClr>
+    </dgm:fillClrLst>
+    <dgm:linClrLst meth="repeat">
+      <a:schemeClr val="accent2"/>
+    </dgm:linClrLst>
+    <dgm:effectClrLst/>
+    <dgm:txLinClrLst/>
+    <dgm:txFillClrLst meth="repeat">
+      <a:schemeClr val="tx1"/>
+    </dgm:txFillClrLst>
+    <dgm:txEffectClrLst/>
+  </dgm:styleLbl>
+  <dgm:styleLbl name="parChTrans1D3">
+    <dgm:fillClrLst meth="repeat">
+      <a:schemeClr val="accent4">
+        <a:tint val="70000"/>
+      </a:schemeClr>
+    </dgm:fillClrLst>
+    <dgm:linClrLst meth="repeat">
+      <a:schemeClr val="accent3"/>
+    </dgm:linClrLst>
+    <dgm:effectClrLst/>
+    <dgm:txLinClrLst/>
+    <dgm:txFillClrLst meth="repeat">
+      <a:schemeClr val="tx1"/>
+    </dgm:txFillClrLst>
+    <dgm:txEffectClrLst/>
+  </dgm:styleLbl>
+  <dgm:styleLbl name="parChTrans1D4">
+    <dgm:fillClrLst meth="repeat">
+      <a:schemeClr val="accent5">
+        <a:tint val="50000"/>
+      </a:schemeClr>
+    </dgm:fillClrLst>
+    <dgm:linClrLst meth="repeat">
+      <a:schemeClr val="accent4"/>
+    </dgm:linClrLst>
+    <dgm:effectClrLst/>
+    <dgm:txLinClrLst/>
+    <dgm:txFillClrLst meth="repeat">
+      <a:schemeClr val="tx1"/>
+    </dgm:txFillClrLst>
+    <dgm:txEffectClrLst/>
+  </dgm:styleLbl>
+  <dgm:styleLbl name="fgAcc1">
+    <dgm:fillClrLst meth="repeat">
+      <a:schemeClr val="lt1">
+        <a:alpha val="90000"/>
+      </a:schemeClr>
+    </dgm:fillClrLst>
+    <dgm:linClrLst meth="repeat">
+      <a:schemeClr val="accent2"/>
+      <a:schemeClr val="accent3"/>
+      <a:schemeClr val="accent4"/>
+      <a:schemeClr val="accent5"/>
+      <a:schemeClr val="accent6"/>
+    </dgm:linClrLst>
+    <dgm:effectClrLst/>
+    <dgm:txLinClrLst/>
+    <dgm:txFillClrLst meth="repeat">
+      <a:schemeClr val="dk1"/>
+    </dgm:txFillClrLst>
+    <dgm:txEffectClrLst/>
+  </dgm:styleLbl>
+  <dgm:styleLbl name="conFgAcc1">
+    <dgm:fillClrLst meth="repeat">
+      <a:schemeClr val="lt1">
+        <a:alpha val="90000"/>
+      </a:schemeClr>
+    </dgm:fillClrLst>
+    <dgm:linClrLst meth="repeat">
+      <a:schemeClr val="accent2"/>
+      <a:schemeClr val="accent3"/>
+      <a:schemeClr val="accent4"/>
+      <a:schemeClr val="accent5"/>
+      <a:schemeClr val="accent6"/>
+    </dgm:linClrLst>
+    <dgm:effectClrLst/>
+    <dgm:txLinClrLst/>
+    <dgm:txFillClrLst meth="repeat">
+      <a:schemeClr val="dk1"/>
+    </dgm:txFillClrLst>
+    <dgm:txEffectClrLst/>
+  </dgm:styleLbl>
+  <dgm:styleLbl name="alignAcc1">
+    <dgm:fillClrLst meth="repeat">
+      <a:schemeClr val="lt1">
+        <a:alpha val="90000"/>
+      </a:schemeClr>
+    </dgm:fillClrLst>
+    <dgm:linClrLst meth="repeat">
+      <a:schemeClr val="accent2"/>
+      <a:schemeClr val="accent3"/>
+      <a:schemeClr val="accent4"/>
+      <a:schemeClr val="accent5"/>
+      <a:schemeClr val="accent6"/>
+    </dgm:linClrLst>
+    <dgm:effectClrLst/>
+    <dgm:txLinClrLst/>
+    <dgm:txFillClrLst meth="repeat">
+      <a:schemeClr val="dk1"/>
+    </dgm:txFillClrLst>
+    <dgm:txEffectClrLst/>
+  </dgm:styleLbl>
+  <dgm:styleLbl name="trAlignAcc1">
+    <dgm:fillClrLst meth="repeat">
+      <a:schemeClr val="lt1">
+        <a:alpha val="40000"/>
+      </a:schemeClr>
+    </dgm:fillClrLst>
+    <dgm:linClrLst meth="repeat">
+      <a:schemeClr val="accent1"/>
+    </dgm:linClrLst>
+    <dgm:effectClrLst/>
+    <dgm:txLinClrLst/>
+    <dgm:txFillClrLst meth="repeat">
+      <a:schemeClr val="dk1"/>
+    </dgm:txFillClrLst>
+    <dgm:txEffectClrLst/>
+  </dgm:styleLbl>
+  <dgm:styleLbl name="bgAcc1">
+    <dgm:fillClrLst meth="repeat">
+      <a:schemeClr val="lt1">
+        <a:alpha val="90000"/>
+      </a:schemeClr>
+    </dgm:fillClrLst>
+    <dgm:linClrLst meth="repeat">
+      <a:schemeClr val="accent2"/>
+      <a:schemeClr val="accent3"/>
+      <a:schemeClr val="accent4"/>
+      <a:schemeClr val="accent5"/>
+      <a:schemeClr val="accent6"/>
+    </dgm:linClrLst>
+    <dgm:effectClrLst/>
+    <dgm:txLinClrLst/>
+    <dgm:txFillClrLst meth="repeat">
+      <a:schemeClr val="dk1"/>
+    </dgm:txFillClrLst>
+    <dgm:txEffectClrLst/>
+  </dgm:styleLbl>
+  <dgm:styleLbl name="solidFgAcc1">
+    <dgm:fillClrLst meth="repeat">
+      <a:schemeClr val="lt1"/>
+    </dgm:fillClrLst>
+    <dgm:linClrLst meth="repeat">
+      <a:schemeClr val="accent2"/>
+      <a:schemeClr val="accent3"/>
+      <a:schemeClr val="accent4"/>
+      <a:schemeClr val="accent5"/>
+      <a:schemeClr val="accent6"/>
+    </dgm:linClrLst>
+    <dgm:effectClrLst/>
+    <dgm:txLinClrLst/>
+    <dgm:txFillClrLst meth="repeat">
+      <a:schemeClr val="dk1"/>
+    </dgm:txFillClrLst>
+    <dgm:txEffectClrLst/>
+  </dgm:styleLbl>
+  <dgm:styleLbl name="solidAlignAcc1">
+    <dgm:fillClrLst meth="repeat">
+      <a:schemeClr val="lt1"/>
+    </dgm:fillClrLst>
+    <dgm:linClrLst meth="repeat">
+      <a:schemeClr val="accent2"/>
+      <a:schemeClr val="accent3"/>
+      <a:schemeClr val="accent4"/>
+      <a:schemeClr val="accent5"/>
+      <a:schemeClr val="accent6"/>
+    </dgm:linClrLst>
+    <dgm:effectClrLst/>
+    <dgm:txLinClrLst/>
+    <dgm:txFillClrLst meth="repeat">
+      <a:schemeClr val="dk1"/>
+    </dgm:txFillClrLst>
+    <dgm:txEffectClrLst/>
+  </dgm:styleLbl>
+  <dgm:styleLbl name="solidBgAcc1">
+    <dgm:fillClrLst meth="repeat">
+      <a:schemeClr val="lt1"/>
+    </dgm:fillClrLst>
+    <dgm:linClrLst meth="repeat">
+      <a:schemeClr val="accent2"/>
+      <a:schemeClr val="accent3"/>
+      <a:schemeClr val="accent4"/>
+      <a:schemeClr val="accent5"/>
+      <a:schemeClr val="accent6"/>
+    </dgm:linClrLst>
+    <dgm:effectClrLst/>
+    <dgm:txLinClrLst/>
+    <dgm:txFillClrLst meth="repeat">
+      <a:schemeClr val="dk1"/>
+    </dgm:txFillClrLst>
+    <dgm:txEffectClrLst/>
+  </dgm:styleLbl>
+  <dgm:styleLbl name="fgAccFollowNode1">
+    <dgm:fillClrLst meth="repeat">
+      <a:schemeClr val="accent2">
+        <a:tint val="40000"/>
+        <a:alpha val="90000"/>
+      </a:schemeClr>
+      <a:schemeClr val="accent3">
+        <a:tint val="40000"/>
+        <a:alpha val="90000"/>
+      </a:schemeClr>
+      <a:schemeClr val="accent4">
+        <a:tint val="40000"/>
+        <a:alpha val="90000"/>
+      </a:schemeClr>
+      <a:schemeClr val="accent5">
+        <a:tint val="40000"/>
+        <a:alpha val="90000"/>
+      </a:schemeClr>
+      <a:schemeClr val="accent6">
+        <a:tint val="40000"/>
+        <a:alpha val="90000"/>
+      </a:schemeClr>
+    </dgm:fillClrLst>
+    <dgm:linClrLst meth="repeat">
+      <a:schemeClr val="accent2">
+        <a:tint val="40000"/>
+        <a:alpha val="90000"/>
+      </a:schemeClr>
+      <a:schemeClr val="accent3">
+        <a:tint val="40000"/>
+        <a:alpha val="90000"/>
+      </a:schemeClr>
+      <a:schemeClr val="accent4">
+        <a:tint val="40000"/>
+        <a:alpha val="90000"/>
+      </a:schemeClr>
+      <a:schemeClr val="accent5">
+        <a:tint val="40000"/>
+        <a:alpha val="90000"/>
+      </a:schemeClr>
+      <a:schemeClr val="accent6">
+        <a:tint val="40000"/>
+        <a:alpha val="90000"/>
+      </a:schemeClr>
+    </dgm:linClrLst>
+    <dgm:effectClrLst/>
+    <dgm:txLinClrLst/>
+    <dgm:txFillClrLst meth="repeat">
+      <a:schemeClr val="dk1"/>
+    </dgm:txFillClrLst>
+    <dgm:txEffectClrLst/>
+  </dgm:styleLbl>
+  <dgm:styleLbl name="alignAccFollowNode1">
+    <dgm:fillClrLst meth="repeat">
+      <a:schemeClr val="accent2">
+        <a:tint val="40000"/>
+        <a:alpha val="90000"/>
+      </a:schemeClr>
+      <a:schemeClr val="accent3">
+        <a:tint val="40000"/>
+        <a:alpha val="90000"/>
+      </a:schemeClr>
+      <a:schemeClr val="accent4">
+        <a:tint val="40000"/>
+        <a:alpha val="90000"/>
+      </a:schemeClr>
+      <a:schemeClr val="accent5">
+        <a:tint val="40000"/>
+        <a:alpha val="90000"/>
+      </a:schemeClr>
+      <a:schemeClr val="accent6">
+        <a:tint val="40000"/>
+        <a:alpha val="90000"/>
+      </a:schemeClr>
+    </dgm:fillClrLst>
+    <dgm:linClrLst meth="repeat">
+      <a:schemeClr val="accent2">
+        <a:tint val="40000"/>
+        <a:alpha val="90000"/>
+      </a:schemeClr>
+      <a:schemeClr val="accent3">
+        <a:tint val="40000"/>
+        <a:alpha val="90000"/>
+      </a:schemeClr>
+      <a:schemeClr val="accent4">
+        <a:tint val="40000"/>
+        <a:alpha val="90000"/>
+      </a:schemeClr>
+      <a:schemeClr val="accent5">
+        <a:tint val="40000"/>
+        <a:alpha val="90000"/>
+      </a:schemeClr>
+      <a:schemeClr val="accent6">
+        <a:tint val="40000"/>
+        <a:alpha val="90000"/>
+      </a:schemeClr>
+    </dgm:linClrLst>
+    <dgm:effectClrLst/>
+    <dgm:txLinClrLst/>
+    <dgm:txFillClrLst meth="repeat">
+      <a:schemeClr val="dk1"/>
+    </dgm:txFillClrLst>
+    <dgm:txEffectClrLst/>
+  </dgm:styleLbl>
+  <dgm:styleLbl name="bgAccFollowNode1">
+    <dgm:fillClrLst meth="repeat">
+      <a:schemeClr val="accent2">
+        <a:tint val="40000"/>
+        <a:alpha val="90000"/>
+      </a:schemeClr>
+      <a:schemeClr val="accent3">
+        <a:tint val="40000"/>
+        <a:alpha val="90000"/>
+      </a:schemeClr>
+      <a:schemeClr val="accent4">
+        <a:tint val="40000"/>
+        <a:alpha val="90000"/>
+      </a:schemeClr>
+      <a:schemeClr val="accent5">
+        <a:tint val="40000"/>
+        <a:alpha val="90000"/>
+      </a:schemeClr>
+      <a:schemeClr val="accent6">
+        <a:tint val="40000"/>
+        <a:alpha val="90000"/>
+      </a:schemeClr>
+    </dgm:fillClrLst>
+    <dgm:linClrLst meth="repeat">
+      <a:schemeClr val="accent2">
+        <a:tint val="40000"/>
+        <a:alpha val="90000"/>
+      </a:schemeClr>
+      <a:schemeClr val="accent3">
+        <a:tint val="40000"/>
+        <a:alpha val="90000"/>
+      </a:schemeClr>
+      <a:schemeClr val="accent4">
+        <a:tint val="40000"/>
+        <a:alpha val="90000"/>
+      </a:schemeClr>
+      <a:schemeClr val="accent5">
+        <a:tint val="40000"/>
+        <a:alpha val="90000"/>
+      </a:schemeClr>
+      <a:schemeClr val="accent6">
+        <a:tint val="40000"/>
+        <a:alpha val="90000"/>
+      </a:schemeClr>
+    </dgm:linClrLst>
+    <dgm:effectClrLst/>
+    <dgm:txLinClrLst/>
+    <dgm:txFillClrLst meth="repeat">
+      <a:schemeClr val="dk1"/>
+    </dgm:txFillClrLst>
+    <dgm:txEffectClrLst/>
+  </dgm:styleLbl>
+  <dgm:styleLbl name="fgAcc0">
+    <dgm:fillClrLst meth="repeat">
+      <a:schemeClr val="lt1">
+        <a:alpha val="90000"/>
+      </a:schemeClr>
+    </dgm:fillClrLst>
+    <dgm:linClrLst>
+      <a:schemeClr val="accent1"/>
+    </dgm:linClrLst>
+    <dgm:effectClrLst/>
+    <dgm:txLinClrLst/>
+    <dgm:txFillClrLst meth="repeat">
+      <a:schemeClr val="dk1"/>
+    </dgm:txFillClrLst>
+    <dgm:txEffectClrLst/>
+  </dgm:styleLbl>
+  <dgm:styleLbl name="fgAcc2">
+    <dgm:fillClrLst meth="repeat">
+      <a:schemeClr val="lt1">
+        <a:alpha val="90000"/>
+      </a:schemeClr>
+    </dgm:fillClrLst>
+    <dgm:linClrLst>
+      <a:schemeClr val="accent2"/>
+    </dgm:linClrLst>
+    <dgm:effectClrLst/>
+    <dgm:txLinClrLst/>
+    <dgm:txFillClrLst meth="repeat">
+      <a:schemeClr val="dk1"/>
+    </dgm:txFillClrLst>
+    <dgm:txEffectClrLst/>
+  </dgm:styleLbl>
+  <dgm:styleLbl name="fgAcc3">
+    <dgm:fillClrLst meth="repeat">
+      <a:schemeClr val="lt1">
+        <a:alpha val="90000"/>
+      </a:schemeClr>
+    </dgm:fillClrLst>
+    <dgm:linClrLst>
+      <a:schemeClr val="accent3"/>
+    </dgm:linClrLst>
+    <dgm:effectClrLst/>
+    <dgm:txLinClrLst/>
+    <dgm:txFillClrLst meth="repeat">
+      <a:schemeClr val="dk1"/>
+    </dgm:txFillClrLst>
+    <dgm:txEffectClrLst/>
+  </dgm:styleLbl>
+  <dgm:styleLbl name="fgAcc4">
+    <dgm:fillClrLst meth="repeat">
+      <a:schemeClr val="lt1">
+        <a:alpha val="90000"/>
+      </a:schemeClr>
+    </dgm:fillClrLst>
+    <dgm:linClrLst>
+      <a:schemeClr val="accent4"/>
+    </dgm:linClrLst>
+    <dgm:effectClrLst/>
+    <dgm:txLinClrLst/>
+    <dgm:txFillClrLst meth="repeat">
+      <a:schemeClr val="dk1"/>
+    </dgm:txFillClrLst>
+    <dgm:txEffectClrLst/>
+  </dgm:styleLbl>
+  <dgm:styleLbl name="bgShp">
+    <dgm:fillClrLst meth="repeat">
+      <a:schemeClr val="accent2">
+        <a:tint val="40000"/>
+      </a:schemeClr>
+    </dgm:fillClrLst>
+    <dgm:linClrLst meth="repeat">
+      <a:schemeClr val="dk1"/>
+    </dgm:linClrLst>
+    <dgm:effectClrLst/>
+    <dgm:txLinClrLst/>
+    <dgm:txFillClrLst meth="repeat">
+      <a:schemeClr val="dk1"/>
+    </dgm:txFillClrLst>
+    <dgm:txEffectClrLst/>
+  </dgm:styleLbl>
+  <dgm:styleLbl name="dkBgShp">
+    <dgm:fillClrLst meth="repeat">
+      <a:schemeClr val="accent2">
+        <a:shade val="90000"/>
+      </a:schemeClr>
+    </dgm:fillClrLst>
+    <dgm:linClrLst meth="repeat">
+      <a:schemeClr val="dk1"/>
+    </dgm:linClrLst>
+    <dgm:effectClrLst/>
+    <dgm:txLinClrLst/>
+    <dgm:txFillClrLst meth="repeat">
+      <a:schemeClr val="lt1"/>
+    </dgm:txFillClrLst>
+    <dgm:txEffectClrLst/>
+  </dgm:styleLbl>
+  <dgm:styleLbl name="trBgShp">
+    <dgm:fillClrLst meth="repeat">
+      <a:schemeClr val="accent1">
+        <a:tint val="50000"/>
+        <a:alpha val="40000"/>
+      </a:schemeClr>
+    </dgm:fillClrLst>
+    <dgm:linClrLst meth="repeat">
+      <a:schemeClr val="accent2"/>
+    </dgm:linClrLst>
+    <dgm:effectClrLst/>
+    <dgm:txLinClrLst/>
+    <dgm:txFillClrLst meth="repeat">
+      <a:schemeClr val="lt1"/>
+    </dgm:txFillClrLst>
+    <dgm:txEffectClrLst/>
+  </dgm:styleLbl>
+  <dgm:styleLbl name="fgShp">
+    <dgm:fillClrLst meth="repeat">
+      <a:schemeClr val="accent2">
+        <a:tint val="40000"/>
+      </a:schemeClr>
+    </dgm:fillClrLst>
+    <dgm:linClrLst meth="repeat">
+      <a:schemeClr val="lt1"/>
+    </dgm:linClrLst>
+    <dgm:effectClrLst/>
+    <dgm:txLinClrLst/>
+    <dgm:txFillClrLst meth="repeat">
+      <a:schemeClr val="dk1"/>
+    </dgm:txFillClrLst>
+    <dgm:txEffectClrLst/>
+  </dgm:styleLbl>
+  <dgm:styleLbl name="revTx">
+    <dgm:fillClrLst meth="repeat">
+      <a:schemeClr val="lt1">
+        <a:alpha val="0"/>
+      </a:schemeClr>
+    </dgm:fillClrLst>
+    <dgm:linClrLst meth="repeat">
+      <a:schemeClr val="dk1">
+        <a:alpha val="0"/>
+      </a:schemeClr>
+    </dgm:linClrLst>
+    <dgm:effectClrLst/>
+    <dgm:txLinClrLst/>
+    <dgm:txFillClrLst meth="repeat">
+      <a:schemeClr val="tx1"/>
+    </dgm:txFillClrLst>
+    <dgm:txEffectClrLst/>
+  </dgm:styleLbl>
+</dgm:colorsDef>
+</file>
+
+<file path=ppt/diagrams/colors2.xml><?xml version="1.0" encoding="utf-8"?>
 <dgm:colorsDef xmlns:dgm="http://schemas.openxmlformats.org/drawingml/2006/diagram" xmlns:a="http://schemas.openxmlformats.org/drawingml/2006/main" uniqueId="urn:microsoft.com/office/officeart/2005/8/colors/colorful1">
   <dgm:title val=""/>
   <dgm:desc val=""/>
@@ -1598,6 +2523,13 @@
         </dgm:presLayoutVars>
       </dgm:prSet>
       <dgm:spPr/>
+      <dgm:t>
+        <a:bodyPr/>
+        <a:lstStyle/>
+        <a:p>
+          <a:endParaRPr lang="zh-TW" altLang="en-US"/>
+        </a:p>
+      </dgm:t>
     </dgm:pt>
     <dgm:pt modelId="{3D833F03-B299-654A-A73E-08E916B2E060}" type="pres">
       <dgm:prSet presAssocID="{ABD5719C-606C-4745-B738-4A1D68A62A31}" presName="parentLin" presStyleCnt="0"/>
@@ -1606,6 +2538,13 @@
     <dgm:pt modelId="{BD7E7D36-3B3F-2B49-B4B9-7523550378CF}" type="pres">
       <dgm:prSet presAssocID="{ABD5719C-606C-4745-B738-4A1D68A62A31}" presName="parentLeftMargin" presStyleLbl="node1" presStyleIdx="0" presStyleCnt="8"/>
       <dgm:spPr/>
+      <dgm:t>
+        <a:bodyPr/>
+        <a:lstStyle/>
+        <a:p>
+          <a:endParaRPr lang="zh-TW" altLang="en-US"/>
+        </a:p>
+      </dgm:t>
     </dgm:pt>
     <dgm:pt modelId="{6F605CB8-E4E6-4C4A-B1EB-8BB043CA0E33}" type="pres">
       <dgm:prSet presAssocID="{ABD5719C-606C-4745-B738-4A1D68A62A31}" presName="parentText" presStyleLbl="node1" presStyleIdx="0" presStyleCnt="8">
@@ -1646,6 +2585,13 @@
     <dgm:pt modelId="{C0DA7406-62CD-9147-8D62-DB7F6F3B8104}" type="pres">
       <dgm:prSet presAssocID="{C5B27A02-E798-5A4A-813A-517517565590}" presName="parentLeftMargin" presStyleLbl="node1" presStyleIdx="0" presStyleCnt="8"/>
       <dgm:spPr/>
+      <dgm:t>
+        <a:bodyPr/>
+        <a:lstStyle/>
+        <a:p>
+          <a:endParaRPr lang="zh-TW" altLang="en-US"/>
+        </a:p>
+      </dgm:t>
     </dgm:pt>
     <dgm:pt modelId="{281A77FE-B553-6D44-9276-7E02154521CA}" type="pres">
       <dgm:prSet presAssocID="{C5B27A02-E798-5A4A-813A-517517565590}" presName="parentText" presStyleLbl="node1" presStyleIdx="1" presStyleCnt="8">
@@ -1655,6 +2601,13 @@
         </dgm:presLayoutVars>
       </dgm:prSet>
       <dgm:spPr/>
+      <dgm:t>
+        <a:bodyPr/>
+        <a:lstStyle/>
+        <a:p>
+          <a:endParaRPr lang="zh-TW" altLang="en-US"/>
+        </a:p>
+      </dgm:t>
     </dgm:pt>
     <dgm:pt modelId="{A1953033-89C9-D443-8B7C-6B614C6C95DE}" type="pres">
       <dgm:prSet presAssocID="{C5B27A02-E798-5A4A-813A-517517565590}" presName="negativeSpace" presStyleCnt="0"/>
@@ -1679,6 +2632,13 @@
     <dgm:pt modelId="{F50E57BC-B812-0D47-8E04-2074260FB643}" type="pres">
       <dgm:prSet presAssocID="{505B314C-A934-5047-8B80-A015316D4B4C}" presName="parentLeftMargin" presStyleLbl="node1" presStyleIdx="1" presStyleCnt="8"/>
       <dgm:spPr/>
+      <dgm:t>
+        <a:bodyPr/>
+        <a:lstStyle/>
+        <a:p>
+          <a:endParaRPr lang="zh-TW" altLang="en-US"/>
+        </a:p>
+      </dgm:t>
     </dgm:pt>
     <dgm:pt modelId="{7531408A-52A1-FB4F-AAA8-DEAEEAF5B69A}" type="pres">
       <dgm:prSet presAssocID="{505B314C-A934-5047-8B80-A015316D4B4C}" presName="parentText" presStyleLbl="node1" presStyleIdx="2" presStyleCnt="8">
@@ -1688,6 +2648,13 @@
         </dgm:presLayoutVars>
       </dgm:prSet>
       <dgm:spPr/>
+      <dgm:t>
+        <a:bodyPr/>
+        <a:lstStyle/>
+        <a:p>
+          <a:endParaRPr lang="zh-TW" altLang="en-US"/>
+        </a:p>
+      </dgm:t>
     </dgm:pt>
     <dgm:pt modelId="{70211A35-C63D-E34A-981B-1149ED017753}" type="pres">
       <dgm:prSet presAssocID="{505B314C-A934-5047-8B80-A015316D4B4C}" presName="negativeSpace" presStyleCnt="0"/>
@@ -1712,6 +2679,13 @@
     <dgm:pt modelId="{F1579EEC-6123-9947-8765-C348DD67D91C}" type="pres">
       <dgm:prSet presAssocID="{E942311A-82E1-EB42-ABA1-18D2611EAD65}" presName="parentLeftMargin" presStyleLbl="node1" presStyleIdx="2" presStyleCnt="8"/>
       <dgm:spPr/>
+      <dgm:t>
+        <a:bodyPr/>
+        <a:lstStyle/>
+        <a:p>
+          <a:endParaRPr lang="zh-TW" altLang="en-US"/>
+        </a:p>
+      </dgm:t>
     </dgm:pt>
     <dgm:pt modelId="{0274C5BA-1C1E-FE42-85DA-3DFF7A3E0E1A}" type="pres">
       <dgm:prSet presAssocID="{E942311A-82E1-EB42-ABA1-18D2611EAD65}" presName="parentText" presStyleLbl="node1" presStyleIdx="3" presStyleCnt="8">
@@ -1752,6 +2726,13 @@
     <dgm:pt modelId="{6664C50E-0B5F-A945-894D-F8FF65506516}" type="pres">
       <dgm:prSet presAssocID="{89B6CDBD-4E01-514D-8985-732135A457BB}" presName="parentLeftMargin" presStyleLbl="node1" presStyleIdx="3" presStyleCnt="8"/>
       <dgm:spPr/>
+      <dgm:t>
+        <a:bodyPr/>
+        <a:lstStyle/>
+        <a:p>
+          <a:endParaRPr lang="zh-TW" altLang="en-US"/>
+        </a:p>
+      </dgm:t>
     </dgm:pt>
     <dgm:pt modelId="{104FF4B2-1025-234C-8728-0F5CA33C6758}" type="pres">
       <dgm:prSet presAssocID="{89B6CDBD-4E01-514D-8985-732135A457BB}" presName="parentText" presStyleLbl="node1" presStyleIdx="4" presStyleCnt="8">
@@ -1792,6 +2773,13 @@
     <dgm:pt modelId="{CB29F890-DFC0-D147-BE0B-15410C21DB5E}" type="pres">
       <dgm:prSet presAssocID="{52A9651C-B9EB-F147-8532-357CF0DCE3AF}" presName="parentLeftMargin" presStyleLbl="node1" presStyleIdx="4" presStyleCnt="8"/>
       <dgm:spPr/>
+      <dgm:t>
+        <a:bodyPr/>
+        <a:lstStyle/>
+        <a:p>
+          <a:endParaRPr lang="zh-TW" altLang="en-US"/>
+        </a:p>
+      </dgm:t>
     </dgm:pt>
     <dgm:pt modelId="{9E33A944-5052-4D4A-9963-C5347F38B943}" type="pres">
       <dgm:prSet presAssocID="{52A9651C-B9EB-F147-8532-357CF0DCE3AF}" presName="parentText" presStyleLbl="node1" presStyleIdx="5" presStyleCnt="8">
@@ -1832,6 +2820,13 @@
     <dgm:pt modelId="{C407C5CE-3668-2A4A-A575-15F449AE2841}" type="pres">
       <dgm:prSet presAssocID="{480D03D4-5DF8-6744-BDCF-893FF8A55C03}" presName="parentLeftMargin" presStyleLbl="node1" presStyleIdx="5" presStyleCnt="8"/>
       <dgm:spPr/>
+      <dgm:t>
+        <a:bodyPr/>
+        <a:lstStyle/>
+        <a:p>
+          <a:endParaRPr lang="zh-TW" altLang="en-US"/>
+        </a:p>
+      </dgm:t>
     </dgm:pt>
     <dgm:pt modelId="{FCDD1306-1B36-634E-A92F-8380AB2936B4}" type="pres">
       <dgm:prSet presAssocID="{480D03D4-5DF8-6744-BDCF-893FF8A55C03}" presName="parentText" presStyleLbl="node1" presStyleIdx="6" presStyleCnt="8">
@@ -1872,6 +2867,13 @@
     <dgm:pt modelId="{23324418-E542-CB4E-BBA2-F5C5EC564517}" type="pres">
       <dgm:prSet presAssocID="{C0F88658-D69B-CE49-B5F6-308640BA9F3A}" presName="parentLeftMargin" presStyleLbl="node1" presStyleIdx="6" presStyleCnt="8"/>
       <dgm:spPr/>
+      <dgm:t>
+        <a:bodyPr/>
+        <a:lstStyle/>
+        <a:p>
+          <a:endParaRPr lang="zh-TW" altLang="en-US"/>
+        </a:p>
+      </dgm:t>
     </dgm:pt>
     <dgm:pt modelId="{D38B4E33-2EC5-2844-B393-FDD68E272FB6}" type="pres">
       <dgm:prSet presAssocID="{C0F88658-D69B-CE49-B5F6-308640BA9F3A}" presName="parentText" presStyleLbl="node1" presStyleIdx="7" presStyleCnt="8">
@@ -1916,8 +2918,8 @@
     <dgm:cxn modelId="{75F6802A-F295-9B42-9296-6CC53DC97F09}" type="presOf" srcId="{C0F88658-D69B-CE49-B5F6-308640BA9F3A}" destId="{D38B4E33-2EC5-2844-B393-FDD68E272FB6}" srcOrd="1" destOrd="0" presId="urn:microsoft.com/office/officeart/2005/8/layout/list1"/>
     <dgm:cxn modelId="{E73BBE06-B4B0-7144-A14D-034CE21F2325}" srcId="{D10C642B-8746-874E-9E9C-4CBB616251EE}" destId="{C5B27A02-E798-5A4A-813A-517517565590}" srcOrd="1" destOrd="0" parTransId="{15F1B033-456B-4044-B854-24B01660B3DD}" sibTransId="{460E2638-ECEE-7A4A-AA64-E6802AF28203}"/>
     <dgm:cxn modelId="{DDD34845-0484-564B-BADF-D6DA9E9CD62F}" type="presOf" srcId="{ABD5719C-606C-4745-B738-4A1D68A62A31}" destId="{6F605CB8-E4E6-4C4A-B1EB-8BB043CA0E33}" srcOrd="1" destOrd="0" presId="urn:microsoft.com/office/officeart/2005/8/layout/list1"/>
+    <dgm:cxn modelId="{9DFEC3BF-D8DB-2645-BD8F-B6D5022689C3}" type="presOf" srcId="{C0F88658-D69B-CE49-B5F6-308640BA9F3A}" destId="{23324418-E542-CB4E-BBA2-F5C5EC564517}" srcOrd="0" destOrd="0" presId="urn:microsoft.com/office/officeart/2005/8/layout/list1"/>
     <dgm:cxn modelId="{B7C6BA5A-DEA0-7143-AF85-4FA901A4C28D}" srcId="{D10C642B-8746-874E-9E9C-4CBB616251EE}" destId="{E942311A-82E1-EB42-ABA1-18D2611EAD65}" srcOrd="3" destOrd="0" parTransId="{773AAF9C-EFEC-C242-8DB9-D4B7DF5E3FDF}" sibTransId="{7A2E36C7-1F68-5C43-B708-CAFE45AE20AF}"/>
-    <dgm:cxn modelId="{9DFEC3BF-D8DB-2645-BD8F-B6D5022689C3}" type="presOf" srcId="{C0F88658-D69B-CE49-B5F6-308640BA9F3A}" destId="{23324418-E542-CB4E-BBA2-F5C5EC564517}" srcOrd="0" destOrd="0" presId="urn:microsoft.com/office/officeart/2005/8/layout/list1"/>
     <dgm:cxn modelId="{6DB22FAA-4A74-6544-AF2A-FCFEB6BF068A}" srcId="{D10C642B-8746-874E-9E9C-4CBB616251EE}" destId="{ABD5719C-606C-4745-B738-4A1D68A62A31}" srcOrd="0" destOrd="0" parTransId="{B82A5E77-9927-3041-BF6B-1DACC148035A}" sibTransId="{43DA067D-1371-9C40-87C3-174746ED491C}"/>
     <dgm:cxn modelId="{709B79A9-1166-B64D-A243-3C6F70BC0EF5}" type="presOf" srcId="{52A9651C-B9EB-F147-8532-357CF0DCE3AF}" destId="{9E33A944-5052-4D4A-9963-C5347F38B943}" srcOrd="1" destOrd="0" presId="urn:microsoft.com/office/officeart/2005/8/layout/list1"/>
     <dgm:cxn modelId="{36600338-5F77-E34B-BEBB-5D6E2960A37A}" srcId="{D10C642B-8746-874E-9E9C-4CBB616251EE}" destId="{505B314C-A934-5047-8B80-A015316D4B4C}" srcOrd="2" destOrd="0" parTransId="{79AB199A-8AEF-5F47-9636-C0086F140B11}" sibTransId="{60A7BF18-D39E-BF49-A4AD-8373FDEF82B5}"/>
@@ -1975,6 +2977,384 @@
     <dgm:cxn modelId="{007ECD5E-4C24-DA4B-854E-FEE37781A8A0}" type="presParOf" srcId="{43A3BD99-9936-144D-AF43-43C6252AC4DB}" destId="{D38B4E33-2EC5-2844-B393-FDD68E272FB6}" srcOrd="1" destOrd="0" presId="urn:microsoft.com/office/officeart/2005/8/layout/list1"/>
     <dgm:cxn modelId="{3BAF3CB1-243C-2349-8A76-CEE55B4375E1}" type="presParOf" srcId="{4CA62D10-D4CD-D64B-9944-14391267F36A}" destId="{0DE26540-CF3E-7F4D-B06A-563DE739A371}" srcOrd="29" destOrd="0" presId="urn:microsoft.com/office/officeart/2005/8/layout/list1"/>
     <dgm:cxn modelId="{293CA193-0CF6-6A40-8617-1721A39C5BEA}" type="presParOf" srcId="{4CA62D10-D4CD-D64B-9944-14391267F36A}" destId="{19A67170-2804-504E-B775-37AE6FF56167}" srcOrd="30" destOrd="0" presId="urn:microsoft.com/office/officeart/2005/8/layout/list1"/>
+  </dgm:cxnLst>
+  <dgm:bg/>
+  <dgm:whole/>
+  <dgm:extLst>
+    <a:ext uri="http://schemas.microsoft.com/office/drawing/2008/diagram">
+      <dsp:dataModelExt xmlns:dsp="http://schemas.microsoft.com/office/drawing/2008/diagram" relId="rId6" minVer="http://schemas.openxmlformats.org/drawingml/2006/diagram"/>
+    </a:ext>
+  </dgm:extLst>
+</dgm:dataModel>
+</file>
+
+<file path=ppt/diagrams/data2.xml><?xml version="1.0" encoding="utf-8"?>
+<dgm:dataModel xmlns:dgm="http://schemas.openxmlformats.org/drawingml/2006/diagram" xmlns:a="http://schemas.openxmlformats.org/drawingml/2006/main">
+  <dgm:ptLst>
+    <dgm:pt modelId="{E4C4CC2F-F6A7-394C-B5E8-1C5384BDB989}" type="doc">
+      <dgm:prSet loTypeId="urn:microsoft.com/office/officeart/2005/8/layout/orgChart1" loCatId="" qsTypeId="urn:microsoft.com/office/officeart/2005/8/quickstyle/simple4" qsCatId="simple" csTypeId="urn:microsoft.com/office/officeart/2005/8/colors/colorful1" csCatId="colorful" phldr="1"/>
+      <dgm:spPr/>
+      <dgm:t>
+        <a:bodyPr/>
+        <a:lstStyle/>
+        <a:p>
+          <a:endParaRPr lang="zh-TW" altLang="en-US"/>
+        </a:p>
+      </dgm:t>
+    </dgm:pt>
+    <dgm:pt modelId="{3508AEB0-FE9A-1D4F-86F4-8876427F7D40}">
+      <dgm:prSet phldrT="[文字]"/>
+      <dgm:spPr/>
+      <dgm:t>
+        <a:bodyPr/>
+        <a:lstStyle/>
+        <a:p>
+          <a:r>
+            <a:rPr lang="en-US" altLang="zh-TW" dirty="0" smtClean="0"/>
+            <a:t>html</a:t>
+          </a:r>
+          <a:endParaRPr lang="zh-TW" altLang="en-US" dirty="0"/>
+        </a:p>
+      </dgm:t>
+    </dgm:pt>
+    <dgm:pt modelId="{269A2813-1E92-8F48-83E6-C8AFB2E8E8EB}" type="parTrans" cxnId="{1CB77799-4778-A549-A043-D9C1DB360E4E}">
+      <dgm:prSet/>
+      <dgm:spPr/>
+      <dgm:t>
+        <a:bodyPr/>
+        <a:lstStyle/>
+        <a:p>
+          <a:endParaRPr lang="zh-TW" altLang="en-US"/>
+        </a:p>
+      </dgm:t>
+    </dgm:pt>
+    <dgm:pt modelId="{AE291052-D4D1-3940-AA39-194F0F786E6F}" type="sibTrans" cxnId="{1CB77799-4778-A549-A043-D9C1DB360E4E}">
+      <dgm:prSet/>
+      <dgm:spPr/>
+      <dgm:t>
+        <a:bodyPr/>
+        <a:lstStyle/>
+        <a:p>
+          <a:endParaRPr lang="zh-TW" altLang="en-US"/>
+        </a:p>
+      </dgm:t>
+    </dgm:pt>
+    <dgm:pt modelId="{CD9EE388-7219-664F-84F1-AD7E9A318605}">
+      <dgm:prSet phldrT="[文字]"/>
+      <dgm:spPr/>
+      <dgm:t>
+        <a:bodyPr/>
+        <a:lstStyle/>
+        <a:p>
+          <a:r>
+            <a:rPr lang="en-US" altLang="zh-TW" dirty="0" smtClean="0"/>
+            <a:t>head</a:t>
+          </a:r>
+          <a:endParaRPr lang="zh-TW" altLang="en-US" dirty="0"/>
+        </a:p>
+      </dgm:t>
+    </dgm:pt>
+    <dgm:pt modelId="{1E0A919C-E1F3-8C4F-B2C9-9D77A984CE7E}" type="parTrans" cxnId="{4509CA39-A133-894A-9929-E42065888097}">
+      <dgm:prSet/>
+      <dgm:spPr/>
+      <dgm:t>
+        <a:bodyPr/>
+        <a:lstStyle/>
+        <a:p>
+          <a:endParaRPr lang="zh-TW" altLang="en-US"/>
+        </a:p>
+      </dgm:t>
+    </dgm:pt>
+    <dgm:pt modelId="{1EE838BF-D4F2-8149-A0FA-1B9C34EC4433}" type="sibTrans" cxnId="{4509CA39-A133-894A-9929-E42065888097}">
+      <dgm:prSet/>
+      <dgm:spPr/>
+      <dgm:t>
+        <a:bodyPr/>
+        <a:lstStyle/>
+        <a:p>
+          <a:endParaRPr lang="zh-TW" altLang="en-US"/>
+        </a:p>
+      </dgm:t>
+    </dgm:pt>
+    <dgm:pt modelId="{91A0A43B-667A-6F45-845B-CC95337C31B6}">
+      <dgm:prSet phldrT="[文字]"/>
+      <dgm:spPr/>
+      <dgm:t>
+        <a:bodyPr/>
+        <a:lstStyle/>
+        <a:p>
+          <a:r>
+            <a:rPr lang="en-US" altLang="zh-TW" dirty="0" smtClean="0"/>
+            <a:t>body</a:t>
+          </a:r>
+          <a:endParaRPr lang="zh-TW" altLang="en-US" dirty="0"/>
+        </a:p>
+      </dgm:t>
+    </dgm:pt>
+    <dgm:pt modelId="{FF7AFBB5-198B-5E43-B130-F2342CFAFDF4}" type="parTrans" cxnId="{2378657F-87DD-AF46-A975-A849547FF3A8}">
+      <dgm:prSet/>
+      <dgm:spPr/>
+      <dgm:t>
+        <a:bodyPr/>
+        <a:lstStyle/>
+        <a:p>
+          <a:endParaRPr lang="zh-TW" altLang="en-US"/>
+        </a:p>
+      </dgm:t>
+    </dgm:pt>
+    <dgm:pt modelId="{AFF827AD-DEDD-094D-A713-572C2F79E922}" type="sibTrans" cxnId="{2378657F-87DD-AF46-A975-A849547FF3A8}">
+      <dgm:prSet/>
+      <dgm:spPr/>
+      <dgm:t>
+        <a:bodyPr/>
+        <a:lstStyle/>
+        <a:p>
+          <a:endParaRPr lang="zh-TW" altLang="en-US"/>
+        </a:p>
+      </dgm:t>
+    </dgm:pt>
+    <dgm:pt modelId="{4E158C13-669D-9044-9FFF-00076ACA3C72}">
+      <dgm:prSet phldrT="[文字]"/>
+      <dgm:spPr/>
+      <dgm:t>
+        <a:bodyPr/>
+        <a:lstStyle/>
+        <a:p>
+          <a:r>
+            <a:rPr lang="en-US" altLang="zh-TW" dirty="0" smtClean="0"/>
+            <a:t>title</a:t>
+          </a:r>
+          <a:endParaRPr lang="zh-TW" altLang="en-US" dirty="0"/>
+        </a:p>
+      </dgm:t>
+    </dgm:pt>
+    <dgm:pt modelId="{838841C7-2933-F249-A2FF-A00098A04267}" type="parTrans" cxnId="{57ED55BF-B3A5-6C45-93D9-B2335F76345D}">
+      <dgm:prSet/>
+      <dgm:spPr/>
+      <dgm:t>
+        <a:bodyPr/>
+        <a:lstStyle/>
+        <a:p>
+          <a:endParaRPr lang="zh-TW" altLang="en-US"/>
+        </a:p>
+      </dgm:t>
+    </dgm:pt>
+    <dgm:pt modelId="{0E3D2A80-E704-BF40-954C-23C5699D1551}" type="sibTrans" cxnId="{57ED55BF-B3A5-6C45-93D9-B2335F76345D}">
+      <dgm:prSet/>
+      <dgm:spPr/>
+      <dgm:t>
+        <a:bodyPr/>
+        <a:lstStyle/>
+        <a:p>
+          <a:endParaRPr lang="zh-TW" altLang="en-US"/>
+        </a:p>
+      </dgm:t>
+    </dgm:pt>
+    <dgm:pt modelId="{D4F2AA69-3851-FC49-ACE3-BD70B1DAE1E7}" type="pres">
+      <dgm:prSet presAssocID="{E4C4CC2F-F6A7-394C-B5E8-1C5384BDB989}" presName="hierChild1" presStyleCnt="0">
+        <dgm:presLayoutVars>
+          <dgm:orgChart val="1"/>
+          <dgm:chPref val="1"/>
+          <dgm:dir/>
+          <dgm:animOne val="branch"/>
+          <dgm:animLvl val="lvl"/>
+          <dgm:resizeHandles/>
+        </dgm:presLayoutVars>
+      </dgm:prSet>
+      <dgm:spPr/>
+    </dgm:pt>
+    <dgm:pt modelId="{005354CA-B6AF-7E45-A9E8-C6A707894EEA}" type="pres">
+      <dgm:prSet presAssocID="{3508AEB0-FE9A-1D4F-86F4-8876427F7D40}" presName="hierRoot1" presStyleCnt="0">
+        <dgm:presLayoutVars>
+          <dgm:hierBranch val="init"/>
+        </dgm:presLayoutVars>
+      </dgm:prSet>
+      <dgm:spPr/>
+    </dgm:pt>
+    <dgm:pt modelId="{80675D6B-96DA-1B42-80C5-98DC673C026E}" type="pres">
+      <dgm:prSet presAssocID="{3508AEB0-FE9A-1D4F-86F4-8876427F7D40}" presName="rootComposite1" presStyleCnt="0"/>
+      <dgm:spPr/>
+    </dgm:pt>
+    <dgm:pt modelId="{692E464D-A5B7-014B-8D6B-92C9514B3DDD}" type="pres">
+      <dgm:prSet presAssocID="{3508AEB0-FE9A-1D4F-86F4-8876427F7D40}" presName="rootText1" presStyleLbl="node0" presStyleIdx="0" presStyleCnt="1">
+        <dgm:presLayoutVars>
+          <dgm:chPref val="3"/>
+        </dgm:presLayoutVars>
+      </dgm:prSet>
+      <dgm:spPr/>
+    </dgm:pt>
+    <dgm:pt modelId="{DE6AD4C7-9861-8346-B79F-14A60C030635}" type="pres">
+      <dgm:prSet presAssocID="{3508AEB0-FE9A-1D4F-86F4-8876427F7D40}" presName="rootConnector1" presStyleLbl="node1" presStyleIdx="0" presStyleCnt="0"/>
+      <dgm:spPr/>
+    </dgm:pt>
+    <dgm:pt modelId="{72C1BE13-40EF-FB40-AE70-8D90277F8841}" type="pres">
+      <dgm:prSet presAssocID="{3508AEB0-FE9A-1D4F-86F4-8876427F7D40}" presName="hierChild2" presStyleCnt="0"/>
+      <dgm:spPr/>
+    </dgm:pt>
+    <dgm:pt modelId="{4EABEFEC-7695-3B45-A88F-E2BEB53EDCFE}" type="pres">
+      <dgm:prSet presAssocID="{1E0A919C-E1F3-8C4F-B2C9-9D77A984CE7E}" presName="Name37" presStyleLbl="parChTrans1D2" presStyleIdx="0" presStyleCnt="2"/>
+      <dgm:spPr/>
+    </dgm:pt>
+    <dgm:pt modelId="{ED7880E7-3A75-A440-A9AC-64C009874D76}" type="pres">
+      <dgm:prSet presAssocID="{CD9EE388-7219-664F-84F1-AD7E9A318605}" presName="hierRoot2" presStyleCnt="0">
+        <dgm:presLayoutVars>
+          <dgm:hierBranch val="init"/>
+        </dgm:presLayoutVars>
+      </dgm:prSet>
+      <dgm:spPr/>
+    </dgm:pt>
+    <dgm:pt modelId="{BCF087BC-191D-5947-80EE-2906469664E0}" type="pres">
+      <dgm:prSet presAssocID="{CD9EE388-7219-664F-84F1-AD7E9A318605}" presName="rootComposite" presStyleCnt="0"/>
+      <dgm:spPr/>
+    </dgm:pt>
+    <dgm:pt modelId="{64E78AB6-D812-EA47-ABAD-A01EE8DB5658}" type="pres">
+      <dgm:prSet presAssocID="{CD9EE388-7219-664F-84F1-AD7E9A318605}" presName="rootText" presStyleLbl="node2" presStyleIdx="0" presStyleCnt="2">
+        <dgm:presLayoutVars>
+          <dgm:chPref val="3"/>
+        </dgm:presLayoutVars>
+      </dgm:prSet>
+      <dgm:spPr/>
+    </dgm:pt>
+    <dgm:pt modelId="{47354800-F961-E940-A917-978711E90772}" type="pres">
+      <dgm:prSet presAssocID="{CD9EE388-7219-664F-84F1-AD7E9A318605}" presName="rootConnector" presStyleLbl="node2" presStyleIdx="0" presStyleCnt="2"/>
+      <dgm:spPr/>
+    </dgm:pt>
+    <dgm:pt modelId="{65F777C0-C3DD-204C-8749-DF76D25E1DE9}" type="pres">
+      <dgm:prSet presAssocID="{CD9EE388-7219-664F-84F1-AD7E9A318605}" presName="hierChild4" presStyleCnt="0"/>
+      <dgm:spPr/>
+    </dgm:pt>
+    <dgm:pt modelId="{945C1E65-F4E0-DF46-9FBB-C0BC802C4590}" type="pres">
+      <dgm:prSet presAssocID="{838841C7-2933-F249-A2FF-A00098A04267}" presName="Name37" presStyleLbl="parChTrans1D3" presStyleIdx="0" presStyleCnt="1"/>
+      <dgm:spPr/>
+    </dgm:pt>
+    <dgm:pt modelId="{BDD00B7E-F8B0-7B4A-848E-B574E49A7CD8}" type="pres">
+      <dgm:prSet presAssocID="{4E158C13-669D-9044-9FFF-00076ACA3C72}" presName="hierRoot2" presStyleCnt="0">
+        <dgm:presLayoutVars>
+          <dgm:hierBranch val="init"/>
+        </dgm:presLayoutVars>
+      </dgm:prSet>
+      <dgm:spPr/>
+    </dgm:pt>
+    <dgm:pt modelId="{2811550A-7877-AD47-B263-FDB4B3B4494C}" type="pres">
+      <dgm:prSet presAssocID="{4E158C13-669D-9044-9FFF-00076ACA3C72}" presName="rootComposite" presStyleCnt="0"/>
+      <dgm:spPr/>
+    </dgm:pt>
+    <dgm:pt modelId="{86DC5E27-C6A6-6A43-B761-BD082EA2D0BC}" type="pres">
+      <dgm:prSet presAssocID="{4E158C13-669D-9044-9FFF-00076ACA3C72}" presName="rootText" presStyleLbl="node3" presStyleIdx="0" presStyleCnt="1">
+        <dgm:presLayoutVars>
+          <dgm:chPref val="3"/>
+        </dgm:presLayoutVars>
+      </dgm:prSet>
+      <dgm:spPr/>
+      <dgm:t>
+        <a:bodyPr/>
+        <a:lstStyle/>
+        <a:p>
+          <a:endParaRPr lang="zh-TW" altLang="en-US"/>
+        </a:p>
+      </dgm:t>
+    </dgm:pt>
+    <dgm:pt modelId="{6EE4A430-4360-C944-8418-82DED00309BC}" type="pres">
+      <dgm:prSet presAssocID="{4E158C13-669D-9044-9FFF-00076ACA3C72}" presName="rootConnector" presStyleLbl="node3" presStyleIdx="0" presStyleCnt="1"/>
+      <dgm:spPr/>
+    </dgm:pt>
+    <dgm:pt modelId="{86D32B64-488C-E24C-B113-774B07B829D0}" type="pres">
+      <dgm:prSet presAssocID="{4E158C13-669D-9044-9FFF-00076ACA3C72}" presName="hierChild4" presStyleCnt="0"/>
+      <dgm:spPr/>
+    </dgm:pt>
+    <dgm:pt modelId="{277F23C4-9FEF-4240-9602-D073BA7C5FDA}" type="pres">
+      <dgm:prSet presAssocID="{4E158C13-669D-9044-9FFF-00076ACA3C72}" presName="hierChild5" presStyleCnt="0"/>
+      <dgm:spPr/>
+    </dgm:pt>
+    <dgm:pt modelId="{28AEE703-823C-C143-9E85-068BB8135AAB}" type="pres">
+      <dgm:prSet presAssocID="{CD9EE388-7219-664F-84F1-AD7E9A318605}" presName="hierChild5" presStyleCnt="0"/>
+      <dgm:spPr/>
+    </dgm:pt>
+    <dgm:pt modelId="{1180A75B-B978-C341-822F-79E7EAF44E9A}" type="pres">
+      <dgm:prSet presAssocID="{FF7AFBB5-198B-5E43-B130-F2342CFAFDF4}" presName="Name37" presStyleLbl="parChTrans1D2" presStyleIdx="1" presStyleCnt="2"/>
+      <dgm:spPr/>
+    </dgm:pt>
+    <dgm:pt modelId="{34AFCEA8-EAA0-BC46-A3F6-61BBC673562E}" type="pres">
+      <dgm:prSet presAssocID="{91A0A43B-667A-6F45-845B-CC95337C31B6}" presName="hierRoot2" presStyleCnt="0">
+        <dgm:presLayoutVars>
+          <dgm:hierBranch val="init"/>
+        </dgm:presLayoutVars>
+      </dgm:prSet>
+      <dgm:spPr/>
+    </dgm:pt>
+    <dgm:pt modelId="{8A79308F-A0C1-5448-89C9-EF9D490894B4}" type="pres">
+      <dgm:prSet presAssocID="{91A0A43B-667A-6F45-845B-CC95337C31B6}" presName="rootComposite" presStyleCnt="0"/>
+      <dgm:spPr/>
+    </dgm:pt>
+    <dgm:pt modelId="{98757D78-FC82-1344-8A46-DE02A9AAB254}" type="pres">
+      <dgm:prSet presAssocID="{91A0A43B-667A-6F45-845B-CC95337C31B6}" presName="rootText" presStyleLbl="node2" presStyleIdx="1" presStyleCnt="2">
+        <dgm:presLayoutVars>
+          <dgm:chPref val="3"/>
+        </dgm:presLayoutVars>
+      </dgm:prSet>
+      <dgm:spPr/>
+    </dgm:pt>
+    <dgm:pt modelId="{03D57D47-DCC3-EF45-A0D2-9EC7B65C0178}" type="pres">
+      <dgm:prSet presAssocID="{91A0A43B-667A-6F45-845B-CC95337C31B6}" presName="rootConnector" presStyleLbl="node2" presStyleIdx="1" presStyleCnt="2"/>
+      <dgm:spPr/>
+    </dgm:pt>
+    <dgm:pt modelId="{898D11FE-75BF-F047-B350-B6819D80F514}" type="pres">
+      <dgm:prSet presAssocID="{91A0A43B-667A-6F45-845B-CC95337C31B6}" presName="hierChild4" presStyleCnt="0"/>
+      <dgm:spPr/>
+    </dgm:pt>
+    <dgm:pt modelId="{F40A5BF3-9DA8-5647-9322-DB69E72DC77A}" type="pres">
+      <dgm:prSet presAssocID="{91A0A43B-667A-6F45-845B-CC95337C31B6}" presName="hierChild5" presStyleCnt="0"/>
+      <dgm:spPr/>
+    </dgm:pt>
+    <dgm:pt modelId="{0C758A06-668F-8A47-896D-37A54538EA74}" type="pres">
+      <dgm:prSet presAssocID="{3508AEB0-FE9A-1D4F-86F4-8876427F7D40}" presName="hierChild3" presStyleCnt="0"/>
+      <dgm:spPr/>
+    </dgm:pt>
+  </dgm:ptLst>
+  <dgm:cxnLst>
+    <dgm:cxn modelId="{8F2FA405-AF8F-D84F-840C-6A2BDD66AFC2}" type="presOf" srcId="{838841C7-2933-F249-A2FF-A00098A04267}" destId="{945C1E65-F4E0-DF46-9FBB-C0BC802C4590}" srcOrd="0" destOrd="0" presId="urn:microsoft.com/office/officeart/2005/8/layout/orgChart1"/>
+    <dgm:cxn modelId="{1CB77799-4778-A549-A043-D9C1DB360E4E}" srcId="{E4C4CC2F-F6A7-394C-B5E8-1C5384BDB989}" destId="{3508AEB0-FE9A-1D4F-86F4-8876427F7D40}" srcOrd="0" destOrd="0" parTransId="{269A2813-1E92-8F48-83E6-C8AFB2E8E8EB}" sibTransId="{AE291052-D4D1-3940-AA39-194F0F786E6F}"/>
+    <dgm:cxn modelId="{2378657F-87DD-AF46-A975-A849547FF3A8}" srcId="{3508AEB0-FE9A-1D4F-86F4-8876427F7D40}" destId="{91A0A43B-667A-6F45-845B-CC95337C31B6}" srcOrd="1" destOrd="0" parTransId="{FF7AFBB5-198B-5E43-B130-F2342CFAFDF4}" sibTransId="{AFF827AD-DEDD-094D-A713-572C2F79E922}"/>
+    <dgm:cxn modelId="{887945C8-ADF8-8A4F-827B-5AA66C24A48E}" type="presOf" srcId="{4E158C13-669D-9044-9FFF-00076ACA3C72}" destId="{6EE4A430-4360-C944-8418-82DED00309BC}" srcOrd="1" destOrd="0" presId="urn:microsoft.com/office/officeart/2005/8/layout/orgChart1"/>
+    <dgm:cxn modelId="{4509CA39-A133-894A-9929-E42065888097}" srcId="{3508AEB0-FE9A-1D4F-86F4-8876427F7D40}" destId="{CD9EE388-7219-664F-84F1-AD7E9A318605}" srcOrd="0" destOrd="0" parTransId="{1E0A919C-E1F3-8C4F-B2C9-9D77A984CE7E}" sibTransId="{1EE838BF-D4F2-8149-A0FA-1B9C34EC4433}"/>
+    <dgm:cxn modelId="{C20C5957-6934-6946-AFF9-B0A0C0ECF6E3}" type="presOf" srcId="{E4C4CC2F-F6A7-394C-B5E8-1C5384BDB989}" destId="{D4F2AA69-3851-FC49-ACE3-BD70B1DAE1E7}" srcOrd="0" destOrd="0" presId="urn:microsoft.com/office/officeart/2005/8/layout/orgChart1"/>
+    <dgm:cxn modelId="{66BA0E54-5B02-544F-AE50-78C0B69AA9C9}" type="presOf" srcId="{CD9EE388-7219-664F-84F1-AD7E9A318605}" destId="{47354800-F961-E940-A917-978711E90772}" srcOrd="1" destOrd="0" presId="urn:microsoft.com/office/officeart/2005/8/layout/orgChart1"/>
+    <dgm:cxn modelId="{58DB1D3C-D541-624F-B229-E96303399EBB}" type="presOf" srcId="{4E158C13-669D-9044-9FFF-00076ACA3C72}" destId="{86DC5E27-C6A6-6A43-B761-BD082EA2D0BC}" srcOrd="0" destOrd="0" presId="urn:microsoft.com/office/officeart/2005/8/layout/orgChart1"/>
+    <dgm:cxn modelId="{9B8E6CD0-1194-BF45-89AF-26633FA70D99}" type="presOf" srcId="{FF7AFBB5-198B-5E43-B130-F2342CFAFDF4}" destId="{1180A75B-B978-C341-822F-79E7EAF44E9A}" srcOrd="0" destOrd="0" presId="urn:microsoft.com/office/officeart/2005/8/layout/orgChart1"/>
+    <dgm:cxn modelId="{A283E344-BA10-A540-82E8-CB02A184C982}" type="presOf" srcId="{1E0A919C-E1F3-8C4F-B2C9-9D77A984CE7E}" destId="{4EABEFEC-7695-3B45-A88F-E2BEB53EDCFE}" srcOrd="0" destOrd="0" presId="urn:microsoft.com/office/officeart/2005/8/layout/orgChart1"/>
+    <dgm:cxn modelId="{5E50DCC6-2B0E-9A4A-821D-4CFCC748E747}" type="presOf" srcId="{3508AEB0-FE9A-1D4F-86F4-8876427F7D40}" destId="{692E464D-A5B7-014B-8D6B-92C9514B3DDD}" srcOrd="0" destOrd="0" presId="urn:microsoft.com/office/officeart/2005/8/layout/orgChart1"/>
+    <dgm:cxn modelId="{57ED55BF-B3A5-6C45-93D9-B2335F76345D}" srcId="{CD9EE388-7219-664F-84F1-AD7E9A318605}" destId="{4E158C13-669D-9044-9FFF-00076ACA3C72}" srcOrd="0" destOrd="0" parTransId="{838841C7-2933-F249-A2FF-A00098A04267}" sibTransId="{0E3D2A80-E704-BF40-954C-23C5699D1551}"/>
+    <dgm:cxn modelId="{09B75C84-E3AA-9F4F-BB7D-97415FEDA9B6}" type="presOf" srcId="{91A0A43B-667A-6F45-845B-CC95337C31B6}" destId="{03D57D47-DCC3-EF45-A0D2-9EC7B65C0178}" srcOrd="1" destOrd="0" presId="urn:microsoft.com/office/officeart/2005/8/layout/orgChart1"/>
+    <dgm:cxn modelId="{0257244D-D76C-774F-9EF7-FD2D7E65750A}" type="presOf" srcId="{3508AEB0-FE9A-1D4F-86F4-8876427F7D40}" destId="{DE6AD4C7-9861-8346-B79F-14A60C030635}" srcOrd="1" destOrd="0" presId="urn:microsoft.com/office/officeart/2005/8/layout/orgChart1"/>
+    <dgm:cxn modelId="{00B9855E-65D4-7B45-BADD-85C9B2933728}" type="presOf" srcId="{CD9EE388-7219-664F-84F1-AD7E9A318605}" destId="{64E78AB6-D812-EA47-ABAD-A01EE8DB5658}" srcOrd="0" destOrd="0" presId="urn:microsoft.com/office/officeart/2005/8/layout/orgChart1"/>
+    <dgm:cxn modelId="{0516ACB1-15FA-1D41-9F5E-2A9D10B33D1A}" type="presOf" srcId="{91A0A43B-667A-6F45-845B-CC95337C31B6}" destId="{98757D78-FC82-1344-8A46-DE02A9AAB254}" srcOrd="0" destOrd="0" presId="urn:microsoft.com/office/officeart/2005/8/layout/orgChart1"/>
+    <dgm:cxn modelId="{F92FF163-BE0C-D74D-B2C4-E5D3D3C16A11}" type="presParOf" srcId="{D4F2AA69-3851-FC49-ACE3-BD70B1DAE1E7}" destId="{005354CA-B6AF-7E45-A9E8-C6A707894EEA}" srcOrd="0" destOrd="0" presId="urn:microsoft.com/office/officeart/2005/8/layout/orgChart1"/>
+    <dgm:cxn modelId="{52559D00-E599-E244-BA5D-E6C1FF80D79C}" type="presParOf" srcId="{005354CA-B6AF-7E45-A9E8-C6A707894EEA}" destId="{80675D6B-96DA-1B42-80C5-98DC673C026E}" srcOrd="0" destOrd="0" presId="urn:microsoft.com/office/officeart/2005/8/layout/orgChart1"/>
+    <dgm:cxn modelId="{F8D804A8-C1F1-2B41-B59E-7B25750A9C4E}" type="presParOf" srcId="{80675D6B-96DA-1B42-80C5-98DC673C026E}" destId="{692E464D-A5B7-014B-8D6B-92C9514B3DDD}" srcOrd="0" destOrd="0" presId="urn:microsoft.com/office/officeart/2005/8/layout/orgChart1"/>
+    <dgm:cxn modelId="{AEF891ED-2CED-9A4F-B280-7E4C5C7A3D6C}" type="presParOf" srcId="{80675D6B-96DA-1B42-80C5-98DC673C026E}" destId="{DE6AD4C7-9861-8346-B79F-14A60C030635}" srcOrd="1" destOrd="0" presId="urn:microsoft.com/office/officeart/2005/8/layout/orgChart1"/>
+    <dgm:cxn modelId="{DE0DDE54-A939-B24A-8535-EA837B80C811}" type="presParOf" srcId="{005354CA-B6AF-7E45-A9E8-C6A707894EEA}" destId="{72C1BE13-40EF-FB40-AE70-8D90277F8841}" srcOrd="1" destOrd="0" presId="urn:microsoft.com/office/officeart/2005/8/layout/orgChart1"/>
+    <dgm:cxn modelId="{C098E899-06CF-1C41-9963-B414F9F7DF45}" type="presParOf" srcId="{72C1BE13-40EF-FB40-AE70-8D90277F8841}" destId="{4EABEFEC-7695-3B45-A88F-E2BEB53EDCFE}" srcOrd="0" destOrd="0" presId="urn:microsoft.com/office/officeart/2005/8/layout/orgChart1"/>
+    <dgm:cxn modelId="{E7C8455F-A29E-7D47-A21C-6FD5D6C65F32}" type="presParOf" srcId="{72C1BE13-40EF-FB40-AE70-8D90277F8841}" destId="{ED7880E7-3A75-A440-A9AC-64C009874D76}" srcOrd="1" destOrd="0" presId="urn:microsoft.com/office/officeart/2005/8/layout/orgChart1"/>
+    <dgm:cxn modelId="{AFBAA0D0-442F-BA45-8A83-CB890360455E}" type="presParOf" srcId="{ED7880E7-3A75-A440-A9AC-64C009874D76}" destId="{BCF087BC-191D-5947-80EE-2906469664E0}" srcOrd="0" destOrd="0" presId="urn:microsoft.com/office/officeart/2005/8/layout/orgChart1"/>
+    <dgm:cxn modelId="{36F67E77-219F-C149-9EE7-A7FA909BA5B2}" type="presParOf" srcId="{BCF087BC-191D-5947-80EE-2906469664E0}" destId="{64E78AB6-D812-EA47-ABAD-A01EE8DB5658}" srcOrd="0" destOrd="0" presId="urn:microsoft.com/office/officeart/2005/8/layout/orgChart1"/>
+    <dgm:cxn modelId="{3583A9C0-6EB6-7F4A-905A-E9AA996CE3C3}" type="presParOf" srcId="{BCF087BC-191D-5947-80EE-2906469664E0}" destId="{47354800-F961-E940-A917-978711E90772}" srcOrd="1" destOrd="0" presId="urn:microsoft.com/office/officeart/2005/8/layout/orgChart1"/>
+    <dgm:cxn modelId="{4CA840D6-6E5F-724F-A372-7770FDEB943A}" type="presParOf" srcId="{ED7880E7-3A75-A440-A9AC-64C009874D76}" destId="{65F777C0-C3DD-204C-8749-DF76D25E1DE9}" srcOrd="1" destOrd="0" presId="urn:microsoft.com/office/officeart/2005/8/layout/orgChart1"/>
+    <dgm:cxn modelId="{4174B553-8971-C74D-BBF3-C632BEE6AF16}" type="presParOf" srcId="{65F777C0-C3DD-204C-8749-DF76D25E1DE9}" destId="{945C1E65-F4E0-DF46-9FBB-C0BC802C4590}" srcOrd="0" destOrd="0" presId="urn:microsoft.com/office/officeart/2005/8/layout/orgChart1"/>
+    <dgm:cxn modelId="{F0FFE457-52B6-F640-98B3-AE55E91C2B85}" type="presParOf" srcId="{65F777C0-C3DD-204C-8749-DF76D25E1DE9}" destId="{BDD00B7E-F8B0-7B4A-848E-B574E49A7CD8}" srcOrd="1" destOrd="0" presId="urn:microsoft.com/office/officeart/2005/8/layout/orgChart1"/>
+    <dgm:cxn modelId="{25CB6580-BFE8-E44F-92C3-CE6F2C67E0D8}" type="presParOf" srcId="{BDD00B7E-F8B0-7B4A-848E-B574E49A7CD8}" destId="{2811550A-7877-AD47-B263-FDB4B3B4494C}" srcOrd="0" destOrd="0" presId="urn:microsoft.com/office/officeart/2005/8/layout/orgChart1"/>
+    <dgm:cxn modelId="{8097E73B-3AD0-F341-BB9D-A6E3A6FFCC1F}" type="presParOf" srcId="{2811550A-7877-AD47-B263-FDB4B3B4494C}" destId="{86DC5E27-C6A6-6A43-B761-BD082EA2D0BC}" srcOrd="0" destOrd="0" presId="urn:microsoft.com/office/officeart/2005/8/layout/orgChart1"/>
+    <dgm:cxn modelId="{02758466-1DA8-1C44-A90C-38AC7239C526}" type="presParOf" srcId="{2811550A-7877-AD47-B263-FDB4B3B4494C}" destId="{6EE4A430-4360-C944-8418-82DED00309BC}" srcOrd="1" destOrd="0" presId="urn:microsoft.com/office/officeart/2005/8/layout/orgChart1"/>
+    <dgm:cxn modelId="{63C355B0-3C20-7C42-B2C5-C35C0B011086}" type="presParOf" srcId="{BDD00B7E-F8B0-7B4A-848E-B574E49A7CD8}" destId="{86D32B64-488C-E24C-B113-774B07B829D0}" srcOrd="1" destOrd="0" presId="urn:microsoft.com/office/officeart/2005/8/layout/orgChart1"/>
+    <dgm:cxn modelId="{F3E7C651-869E-8846-BA61-E2429F9682A8}" type="presParOf" srcId="{BDD00B7E-F8B0-7B4A-848E-B574E49A7CD8}" destId="{277F23C4-9FEF-4240-9602-D073BA7C5FDA}" srcOrd="2" destOrd="0" presId="urn:microsoft.com/office/officeart/2005/8/layout/orgChart1"/>
+    <dgm:cxn modelId="{71A99646-7951-7542-B24C-FFA92C402276}" type="presParOf" srcId="{ED7880E7-3A75-A440-A9AC-64C009874D76}" destId="{28AEE703-823C-C143-9E85-068BB8135AAB}" srcOrd="2" destOrd="0" presId="urn:microsoft.com/office/officeart/2005/8/layout/orgChart1"/>
+    <dgm:cxn modelId="{A61FD4A3-ECD4-4445-8575-B5D6BE9D6525}" type="presParOf" srcId="{72C1BE13-40EF-FB40-AE70-8D90277F8841}" destId="{1180A75B-B978-C341-822F-79E7EAF44E9A}" srcOrd="2" destOrd="0" presId="urn:microsoft.com/office/officeart/2005/8/layout/orgChart1"/>
+    <dgm:cxn modelId="{24846828-4C41-1648-870A-0A2AB13261FE}" type="presParOf" srcId="{72C1BE13-40EF-FB40-AE70-8D90277F8841}" destId="{34AFCEA8-EAA0-BC46-A3F6-61BBC673562E}" srcOrd="3" destOrd="0" presId="urn:microsoft.com/office/officeart/2005/8/layout/orgChart1"/>
+    <dgm:cxn modelId="{26AE2813-1178-B74A-8911-76777BC16546}" type="presParOf" srcId="{34AFCEA8-EAA0-BC46-A3F6-61BBC673562E}" destId="{8A79308F-A0C1-5448-89C9-EF9D490894B4}" srcOrd="0" destOrd="0" presId="urn:microsoft.com/office/officeart/2005/8/layout/orgChart1"/>
+    <dgm:cxn modelId="{3A628737-E8A1-D141-8F3C-63B3F7AF8DA8}" type="presParOf" srcId="{8A79308F-A0C1-5448-89C9-EF9D490894B4}" destId="{98757D78-FC82-1344-8A46-DE02A9AAB254}" srcOrd="0" destOrd="0" presId="urn:microsoft.com/office/officeart/2005/8/layout/orgChart1"/>
+    <dgm:cxn modelId="{9B5FEF51-4DCB-9345-B006-0745C87FE234}" type="presParOf" srcId="{8A79308F-A0C1-5448-89C9-EF9D490894B4}" destId="{03D57D47-DCC3-EF45-A0D2-9EC7B65C0178}" srcOrd="1" destOrd="0" presId="urn:microsoft.com/office/officeart/2005/8/layout/orgChart1"/>
+    <dgm:cxn modelId="{F1B35805-834C-EC48-BECF-46A627B3277B}" type="presParOf" srcId="{34AFCEA8-EAA0-BC46-A3F6-61BBC673562E}" destId="{898D11FE-75BF-F047-B350-B6819D80F514}" srcOrd="1" destOrd="0" presId="urn:microsoft.com/office/officeart/2005/8/layout/orgChart1"/>
+    <dgm:cxn modelId="{49F65FD0-1EAB-B44A-940C-AB35563A959E}" type="presParOf" srcId="{34AFCEA8-EAA0-BC46-A3F6-61BBC673562E}" destId="{F40A5BF3-9DA8-5647-9322-DB69E72DC77A}" srcOrd="2" destOrd="0" presId="urn:microsoft.com/office/officeart/2005/8/layout/orgChart1"/>
+    <dgm:cxn modelId="{8C3B0E0D-7E81-7B4B-A6CB-16594B72FB31}" type="presParOf" srcId="{005354CA-B6AF-7E45-A9E8-C6A707894EEA}" destId="{0C758A06-668F-8A47-896D-37A54538EA74}" srcOrd="2" destOrd="0" presId="urn:microsoft.com/office/officeart/2005/8/layout/orgChart1"/>
   </dgm:cxnLst>
   <dgm:bg/>
   <dgm:whole/>
@@ -3334,6 +4714,594 @@
 </dsp:drawing>
 </file>
 
+<file path=ppt/diagrams/drawing2.xml><?xml version="1.0" encoding="utf-8"?>
+<dsp:drawing xmlns:dgm="http://schemas.openxmlformats.org/drawingml/2006/diagram" xmlns:dsp="http://schemas.microsoft.com/office/drawing/2008/diagram" xmlns:a="http://schemas.openxmlformats.org/drawingml/2006/main">
+  <dsp:spTree>
+    <dsp:nvGrpSpPr>
+      <dsp:cNvPr id="0" name=""/>
+      <dsp:cNvGrpSpPr/>
+    </dsp:nvGrpSpPr>
+    <dsp:grpSpPr/>
+    <dsp:sp modelId="{1180A75B-B978-C341-822F-79E7EAF44E9A}">
+      <dsp:nvSpPr>
+        <dsp:cNvPr id="0" name=""/>
+        <dsp:cNvSpPr/>
+      </dsp:nvSpPr>
+      <dsp:spPr>
+        <a:xfrm>
+          <a:off x="1516647" y="1234948"/>
+          <a:ext cx="829980" cy="288092"/>
+        </a:xfrm>
+        <a:custGeom>
+          <a:avLst/>
+          <a:gdLst/>
+          <a:ahLst/>
+          <a:cxnLst/>
+          <a:rect l="0" t="0" r="0" b="0"/>
+          <a:pathLst>
+            <a:path>
+              <a:moveTo>
+                <a:pt x="0" y="0"/>
+              </a:moveTo>
+              <a:lnTo>
+                <a:pt x="0" y="144046"/>
+              </a:lnTo>
+              <a:lnTo>
+                <a:pt x="829980" y="144046"/>
+              </a:lnTo>
+              <a:lnTo>
+                <a:pt x="829980" y="288092"/>
+              </a:lnTo>
+            </a:path>
+          </a:pathLst>
+        </a:custGeom>
+        <a:noFill/>
+        <a:ln w="6350" cap="flat" cmpd="sng" algn="ctr">
+          <a:solidFill>
+            <a:schemeClr val="accent2">
+              <a:hueOff val="0"/>
+              <a:satOff val="0"/>
+              <a:lumOff val="0"/>
+              <a:alphaOff val="0"/>
+            </a:schemeClr>
+          </a:solidFill>
+          <a:prstDash val="solid"/>
+          <a:miter lim="800000"/>
+        </a:ln>
+        <a:effectLst/>
+      </dsp:spPr>
+      <dsp:style>
+        <a:lnRef idx="1">
+          <a:scrgbClr r="0" g="0" b="0"/>
+        </a:lnRef>
+        <a:fillRef idx="0">
+          <a:scrgbClr r="0" g="0" b="0"/>
+        </a:fillRef>
+        <a:effectRef idx="0">
+          <a:scrgbClr r="0" g="0" b="0"/>
+        </a:effectRef>
+        <a:fontRef idx="minor"/>
+      </dsp:style>
+    </dsp:sp>
+    <dsp:sp modelId="{945C1E65-F4E0-DF46-9FBB-C0BC802C4590}">
+      <dsp:nvSpPr>
+        <dsp:cNvPr id="0" name=""/>
+        <dsp:cNvSpPr/>
+      </dsp:nvSpPr>
+      <dsp:spPr>
+        <a:xfrm>
+          <a:off x="137918" y="2208975"/>
+          <a:ext cx="205780" cy="631059"/>
+        </a:xfrm>
+        <a:custGeom>
+          <a:avLst/>
+          <a:gdLst/>
+          <a:ahLst/>
+          <a:cxnLst/>
+          <a:rect l="0" t="0" r="0" b="0"/>
+          <a:pathLst>
+            <a:path>
+              <a:moveTo>
+                <a:pt x="0" y="0"/>
+              </a:moveTo>
+              <a:lnTo>
+                <a:pt x="0" y="631059"/>
+              </a:lnTo>
+              <a:lnTo>
+                <a:pt x="205780" y="631059"/>
+              </a:lnTo>
+            </a:path>
+          </a:pathLst>
+        </a:custGeom>
+        <a:noFill/>
+        <a:ln w="6350" cap="flat" cmpd="sng" algn="ctr">
+          <a:solidFill>
+            <a:schemeClr val="accent3">
+              <a:hueOff val="0"/>
+              <a:satOff val="0"/>
+              <a:lumOff val="0"/>
+              <a:alphaOff val="0"/>
+            </a:schemeClr>
+          </a:solidFill>
+          <a:prstDash val="solid"/>
+          <a:miter lim="800000"/>
+        </a:ln>
+        <a:effectLst/>
+      </dsp:spPr>
+      <dsp:style>
+        <a:lnRef idx="1">
+          <a:scrgbClr r="0" g="0" b="0"/>
+        </a:lnRef>
+        <a:fillRef idx="0">
+          <a:scrgbClr r="0" g="0" b="0"/>
+        </a:fillRef>
+        <a:effectRef idx="0">
+          <a:scrgbClr r="0" g="0" b="0"/>
+        </a:effectRef>
+        <a:fontRef idx="minor"/>
+      </dsp:style>
+    </dsp:sp>
+    <dsp:sp modelId="{4EABEFEC-7695-3B45-A88F-E2BEB53EDCFE}">
+      <dsp:nvSpPr>
+        <dsp:cNvPr id="0" name=""/>
+        <dsp:cNvSpPr/>
+      </dsp:nvSpPr>
+      <dsp:spPr>
+        <a:xfrm>
+          <a:off x="686666" y="1234948"/>
+          <a:ext cx="829980" cy="288092"/>
+        </a:xfrm>
+        <a:custGeom>
+          <a:avLst/>
+          <a:gdLst/>
+          <a:ahLst/>
+          <a:cxnLst/>
+          <a:rect l="0" t="0" r="0" b="0"/>
+          <a:pathLst>
+            <a:path>
+              <a:moveTo>
+                <a:pt x="829980" y="0"/>
+              </a:moveTo>
+              <a:lnTo>
+                <a:pt x="829980" y="144046"/>
+              </a:lnTo>
+              <a:lnTo>
+                <a:pt x="0" y="144046"/>
+              </a:lnTo>
+              <a:lnTo>
+                <a:pt x="0" y="288092"/>
+              </a:lnTo>
+            </a:path>
+          </a:pathLst>
+        </a:custGeom>
+        <a:noFill/>
+        <a:ln w="6350" cap="flat" cmpd="sng" algn="ctr">
+          <a:solidFill>
+            <a:schemeClr val="accent2">
+              <a:hueOff val="0"/>
+              <a:satOff val="0"/>
+              <a:lumOff val="0"/>
+              <a:alphaOff val="0"/>
+            </a:schemeClr>
+          </a:solidFill>
+          <a:prstDash val="solid"/>
+          <a:miter lim="800000"/>
+        </a:ln>
+        <a:effectLst/>
+      </dsp:spPr>
+      <dsp:style>
+        <a:lnRef idx="1">
+          <a:scrgbClr r="0" g="0" b="0"/>
+        </a:lnRef>
+        <a:fillRef idx="0">
+          <a:scrgbClr r="0" g="0" b="0"/>
+        </a:fillRef>
+        <a:effectRef idx="0">
+          <a:scrgbClr r="0" g="0" b="0"/>
+        </a:effectRef>
+        <a:fontRef idx="minor"/>
+      </dsp:style>
+    </dsp:sp>
+    <dsp:sp modelId="{692E464D-A5B7-014B-8D6B-92C9514B3DDD}">
+      <dsp:nvSpPr>
+        <dsp:cNvPr id="0" name=""/>
+        <dsp:cNvSpPr/>
+      </dsp:nvSpPr>
+      <dsp:spPr>
+        <a:xfrm>
+          <a:off x="830712" y="549013"/>
+          <a:ext cx="1371869" cy="685934"/>
+        </a:xfrm>
+        <a:prstGeom prst="rect">
+          <a:avLst/>
+        </a:prstGeom>
+        <a:gradFill rotWithShape="0">
+          <a:gsLst>
+            <a:gs pos="0">
+              <a:schemeClr val="accent1">
+                <a:hueOff val="0"/>
+                <a:satOff val="0"/>
+                <a:lumOff val="0"/>
+                <a:alphaOff val="0"/>
+                <a:satMod val="103000"/>
+                <a:lumMod val="102000"/>
+                <a:tint val="94000"/>
+              </a:schemeClr>
+            </a:gs>
+            <a:gs pos="50000">
+              <a:schemeClr val="accent1">
+                <a:hueOff val="0"/>
+                <a:satOff val="0"/>
+                <a:lumOff val="0"/>
+                <a:alphaOff val="0"/>
+                <a:satMod val="110000"/>
+                <a:lumMod val="100000"/>
+                <a:shade val="100000"/>
+              </a:schemeClr>
+            </a:gs>
+            <a:gs pos="100000">
+              <a:schemeClr val="accent1">
+                <a:hueOff val="0"/>
+                <a:satOff val="0"/>
+                <a:lumOff val="0"/>
+                <a:alphaOff val="0"/>
+                <a:lumMod val="99000"/>
+                <a:satMod val="120000"/>
+                <a:shade val="78000"/>
+              </a:schemeClr>
+            </a:gs>
+          </a:gsLst>
+          <a:lin ang="5400000" scaled="0"/>
+        </a:gradFill>
+        <a:ln>
+          <a:noFill/>
+        </a:ln>
+        <a:effectLst/>
+      </dsp:spPr>
+      <dsp:style>
+        <a:lnRef idx="0">
+          <a:scrgbClr r="0" g="0" b="0"/>
+        </a:lnRef>
+        <a:fillRef idx="3">
+          <a:scrgbClr r="0" g="0" b="0"/>
+        </a:fillRef>
+        <a:effectRef idx="2">
+          <a:scrgbClr r="0" g="0" b="0"/>
+        </a:effectRef>
+        <a:fontRef idx="minor">
+          <a:schemeClr val="lt1"/>
+        </a:fontRef>
+      </dsp:style>
+      <dsp:txBody>
+        <a:bodyPr spcFirstLastPara="0" vert="horz" wrap="square" lIns="29210" tIns="29210" rIns="29210" bIns="29210" numCol="1" spcCol="1270" anchor="ctr" anchorCtr="0">
+          <a:noAutofit/>
+        </a:bodyPr>
+        <a:lstStyle/>
+        <a:p>
+          <a:pPr lvl="0" algn="ctr" defTabSz="2044700">
+            <a:lnSpc>
+              <a:spcPct val="90000"/>
+            </a:lnSpc>
+            <a:spcBef>
+              <a:spcPct val="0"/>
+            </a:spcBef>
+            <a:spcAft>
+              <a:spcPct val="35000"/>
+            </a:spcAft>
+          </a:pPr>
+          <a:r>
+            <a:rPr lang="en-US" altLang="zh-TW" sz="4600" kern="1200" dirty="0" smtClean="0"/>
+            <a:t>html</a:t>
+          </a:r>
+          <a:endParaRPr lang="zh-TW" altLang="en-US" sz="4600" kern="1200" dirty="0"/>
+        </a:p>
+      </dsp:txBody>
+      <dsp:txXfrm>
+        <a:off x="830712" y="549013"/>
+        <a:ext cx="1371869" cy="685934"/>
+      </dsp:txXfrm>
+    </dsp:sp>
+    <dsp:sp modelId="{64E78AB6-D812-EA47-ABAD-A01EE8DB5658}">
+      <dsp:nvSpPr>
+        <dsp:cNvPr id="0" name=""/>
+        <dsp:cNvSpPr/>
+      </dsp:nvSpPr>
+      <dsp:spPr>
+        <a:xfrm>
+          <a:off x="731" y="1523041"/>
+          <a:ext cx="1371869" cy="685934"/>
+        </a:xfrm>
+        <a:prstGeom prst="rect">
+          <a:avLst/>
+        </a:prstGeom>
+        <a:gradFill rotWithShape="0">
+          <a:gsLst>
+            <a:gs pos="0">
+              <a:schemeClr val="accent2">
+                <a:hueOff val="0"/>
+                <a:satOff val="0"/>
+                <a:lumOff val="0"/>
+                <a:alphaOff val="0"/>
+                <a:satMod val="103000"/>
+                <a:lumMod val="102000"/>
+                <a:tint val="94000"/>
+              </a:schemeClr>
+            </a:gs>
+            <a:gs pos="50000">
+              <a:schemeClr val="accent2">
+                <a:hueOff val="0"/>
+                <a:satOff val="0"/>
+                <a:lumOff val="0"/>
+                <a:alphaOff val="0"/>
+                <a:satMod val="110000"/>
+                <a:lumMod val="100000"/>
+                <a:shade val="100000"/>
+              </a:schemeClr>
+            </a:gs>
+            <a:gs pos="100000">
+              <a:schemeClr val="accent2">
+                <a:hueOff val="0"/>
+                <a:satOff val="0"/>
+                <a:lumOff val="0"/>
+                <a:alphaOff val="0"/>
+                <a:lumMod val="99000"/>
+                <a:satMod val="120000"/>
+                <a:shade val="78000"/>
+              </a:schemeClr>
+            </a:gs>
+          </a:gsLst>
+          <a:lin ang="5400000" scaled="0"/>
+        </a:gradFill>
+        <a:ln>
+          <a:noFill/>
+        </a:ln>
+        <a:effectLst/>
+      </dsp:spPr>
+      <dsp:style>
+        <a:lnRef idx="0">
+          <a:scrgbClr r="0" g="0" b="0"/>
+        </a:lnRef>
+        <a:fillRef idx="3">
+          <a:scrgbClr r="0" g="0" b="0"/>
+        </a:fillRef>
+        <a:effectRef idx="2">
+          <a:scrgbClr r="0" g="0" b="0"/>
+        </a:effectRef>
+        <a:fontRef idx="minor">
+          <a:schemeClr val="lt1"/>
+        </a:fontRef>
+      </dsp:style>
+      <dsp:txBody>
+        <a:bodyPr spcFirstLastPara="0" vert="horz" wrap="square" lIns="29210" tIns="29210" rIns="29210" bIns="29210" numCol="1" spcCol="1270" anchor="ctr" anchorCtr="0">
+          <a:noAutofit/>
+        </a:bodyPr>
+        <a:lstStyle/>
+        <a:p>
+          <a:pPr lvl="0" algn="ctr" defTabSz="2044700">
+            <a:lnSpc>
+              <a:spcPct val="90000"/>
+            </a:lnSpc>
+            <a:spcBef>
+              <a:spcPct val="0"/>
+            </a:spcBef>
+            <a:spcAft>
+              <a:spcPct val="35000"/>
+            </a:spcAft>
+          </a:pPr>
+          <a:r>
+            <a:rPr lang="en-US" altLang="zh-TW" sz="4600" kern="1200" dirty="0" smtClean="0"/>
+            <a:t>head</a:t>
+          </a:r>
+          <a:endParaRPr lang="zh-TW" altLang="en-US" sz="4600" kern="1200" dirty="0"/>
+        </a:p>
+      </dsp:txBody>
+      <dsp:txXfrm>
+        <a:off x="731" y="1523041"/>
+        <a:ext cx="1371869" cy="685934"/>
+      </dsp:txXfrm>
+    </dsp:sp>
+    <dsp:sp modelId="{86DC5E27-C6A6-6A43-B761-BD082EA2D0BC}">
+      <dsp:nvSpPr>
+        <dsp:cNvPr id="0" name=""/>
+        <dsp:cNvSpPr/>
+      </dsp:nvSpPr>
+      <dsp:spPr>
+        <a:xfrm>
+          <a:off x="343698" y="2497068"/>
+          <a:ext cx="1371869" cy="685934"/>
+        </a:xfrm>
+        <a:prstGeom prst="rect">
+          <a:avLst/>
+        </a:prstGeom>
+        <a:gradFill rotWithShape="0">
+          <a:gsLst>
+            <a:gs pos="0">
+              <a:schemeClr val="accent3">
+                <a:hueOff val="0"/>
+                <a:satOff val="0"/>
+                <a:lumOff val="0"/>
+                <a:alphaOff val="0"/>
+                <a:satMod val="103000"/>
+                <a:lumMod val="102000"/>
+                <a:tint val="94000"/>
+              </a:schemeClr>
+            </a:gs>
+            <a:gs pos="50000">
+              <a:schemeClr val="accent3">
+                <a:hueOff val="0"/>
+                <a:satOff val="0"/>
+                <a:lumOff val="0"/>
+                <a:alphaOff val="0"/>
+                <a:satMod val="110000"/>
+                <a:lumMod val="100000"/>
+                <a:shade val="100000"/>
+              </a:schemeClr>
+            </a:gs>
+            <a:gs pos="100000">
+              <a:schemeClr val="accent3">
+                <a:hueOff val="0"/>
+                <a:satOff val="0"/>
+                <a:lumOff val="0"/>
+                <a:alphaOff val="0"/>
+                <a:lumMod val="99000"/>
+                <a:satMod val="120000"/>
+                <a:shade val="78000"/>
+              </a:schemeClr>
+            </a:gs>
+          </a:gsLst>
+          <a:lin ang="5400000" scaled="0"/>
+        </a:gradFill>
+        <a:ln>
+          <a:noFill/>
+        </a:ln>
+        <a:effectLst/>
+      </dsp:spPr>
+      <dsp:style>
+        <a:lnRef idx="0">
+          <a:scrgbClr r="0" g="0" b="0"/>
+        </a:lnRef>
+        <a:fillRef idx="3">
+          <a:scrgbClr r="0" g="0" b="0"/>
+        </a:fillRef>
+        <a:effectRef idx="2">
+          <a:scrgbClr r="0" g="0" b="0"/>
+        </a:effectRef>
+        <a:fontRef idx="minor">
+          <a:schemeClr val="lt1"/>
+        </a:fontRef>
+      </dsp:style>
+      <dsp:txBody>
+        <a:bodyPr spcFirstLastPara="0" vert="horz" wrap="square" lIns="29210" tIns="29210" rIns="29210" bIns="29210" numCol="1" spcCol="1270" anchor="ctr" anchorCtr="0">
+          <a:noAutofit/>
+        </a:bodyPr>
+        <a:lstStyle/>
+        <a:p>
+          <a:pPr lvl="0" algn="ctr" defTabSz="2044700">
+            <a:lnSpc>
+              <a:spcPct val="90000"/>
+            </a:lnSpc>
+            <a:spcBef>
+              <a:spcPct val="0"/>
+            </a:spcBef>
+            <a:spcAft>
+              <a:spcPct val="35000"/>
+            </a:spcAft>
+          </a:pPr>
+          <a:r>
+            <a:rPr lang="en-US" altLang="zh-TW" sz="4600" kern="1200" dirty="0" smtClean="0"/>
+            <a:t>title</a:t>
+          </a:r>
+          <a:endParaRPr lang="zh-TW" altLang="en-US" sz="4600" kern="1200" dirty="0"/>
+        </a:p>
+      </dsp:txBody>
+      <dsp:txXfrm>
+        <a:off x="343698" y="2497068"/>
+        <a:ext cx="1371869" cy="685934"/>
+      </dsp:txXfrm>
+    </dsp:sp>
+    <dsp:sp modelId="{98757D78-FC82-1344-8A46-DE02A9AAB254}">
+      <dsp:nvSpPr>
+        <dsp:cNvPr id="0" name=""/>
+        <dsp:cNvSpPr/>
+      </dsp:nvSpPr>
+      <dsp:spPr>
+        <a:xfrm>
+          <a:off x="1660693" y="1523041"/>
+          <a:ext cx="1371869" cy="685934"/>
+        </a:xfrm>
+        <a:prstGeom prst="rect">
+          <a:avLst/>
+        </a:prstGeom>
+        <a:gradFill rotWithShape="0">
+          <a:gsLst>
+            <a:gs pos="0">
+              <a:schemeClr val="accent2">
+                <a:hueOff val="0"/>
+                <a:satOff val="0"/>
+                <a:lumOff val="0"/>
+                <a:alphaOff val="0"/>
+                <a:satMod val="103000"/>
+                <a:lumMod val="102000"/>
+                <a:tint val="94000"/>
+              </a:schemeClr>
+            </a:gs>
+            <a:gs pos="50000">
+              <a:schemeClr val="accent2">
+                <a:hueOff val="0"/>
+                <a:satOff val="0"/>
+                <a:lumOff val="0"/>
+                <a:alphaOff val="0"/>
+                <a:satMod val="110000"/>
+                <a:lumMod val="100000"/>
+                <a:shade val="100000"/>
+              </a:schemeClr>
+            </a:gs>
+            <a:gs pos="100000">
+              <a:schemeClr val="accent2">
+                <a:hueOff val="0"/>
+                <a:satOff val="0"/>
+                <a:lumOff val="0"/>
+                <a:alphaOff val="0"/>
+                <a:lumMod val="99000"/>
+                <a:satMod val="120000"/>
+                <a:shade val="78000"/>
+              </a:schemeClr>
+            </a:gs>
+          </a:gsLst>
+          <a:lin ang="5400000" scaled="0"/>
+        </a:gradFill>
+        <a:ln>
+          <a:noFill/>
+        </a:ln>
+        <a:effectLst/>
+      </dsp:spPr>
+      <dsp:style>
+        <a:lnRef idx="0">
+          <a:scrgbClr r="0" g="0" b="0"/>
+        </a:lnRef>
+        <a:fillRef idx="3">
+          <a:scrgbClr r="0" g="0" b="0"/>
+        </a:fillRef>
+        <a:effectRef idx="2">
+          <a:scrgbClr r="0" g="0" b="0"/>
+        </a:effectRef>
+        <a:fontRef idx="minor">
+          <a:schemeClr val="lt1"/>
+        </a:fontRef>
+      </dsp:style>
+      <dsp:txBody>
+        <a:bodyPr spcFirstLastPara="0" vert="horz" wrap="square" lIns="29210" tIns="29210" rIns="29210" bIns="29210" numCol="1" spcCol="1270" anchor="ctr" anchorCtr="0">
+          <a:noAutofit/>
+        </a:bodyPr>
+        <a:lstStyle/>
+        <a:p>
+          <a:pPr lvl="0" algn="ctr" defTabSz="2044700">
+            <a:lnSpc>
+              <a:spcPct val="90000"/>
+            </a:lnSpc>
+            <a:spcBef>
+              <a:spcPct val="0"/>
+            </a:spcBef>
+            <a:spcAft>
+              <a:spcPct val="35000"/>
+            </a:spcAft>
+          </a:pPr>
+          <a:r>
+            <a:rPr lang="en-US" altLang="zh-TW" sz="4600" kern="1200" dirty="0" smtClean="0"/>
+            <a:t>body</a:t>
+          </a:r>
+          <a:endParaRPr lang="zh-TW" altLang="en-US" sz="4600" kern="1200" dirty="0"/>
+        </a:p>
+      </dsp:txBody>
+      <dsp:txXfrm>
+        <a:off x="1660693" y="1523041"/>
+        <a:ext cx="1371869" cy="685934"/>
+      </dsp:txXfrm>
+    </dsp:sp>
+  </dsp:spTree>
+</dsp:drawing>
+</file>
+
 <file path=ppt/diagrams/layout1.xml><?xml version="1.0" encoding="utf-8"?>
 <dgm:layoutDef xmlns:dgm="http://schemas.openxmlformats.org/drawingml/2006/diagram" xmlns:a="http://schemas.openxmlformats.org/drawingml/2006/main" uniqueId="urn:microsoft.com/office/officeart/2005/8/layout/list1">
   <dgm:title val=""/>
@@ -3559,7 +5527,2187 @@
 </dgm:layoutDef>
 </file>
 
+<file path=ppt/diagrams/layout2.xml><?xml version="1.0" encoding="utf-8"?>
+<dgm:layoutDef xmlns:dgm="http://schemas.openxmlformats.org/drawingml/2006/diagram" xmlns:a="http://schemas.openxmlformats.org/drawingml/2006/main" uniqueId="urn:microsoft.com/office/officeart/2005/8/layout/orgChart1">
+  <dgm:title val=""/>
+  <dgm:desc val=""/>
+  <dgm:catLst>
+    <dgm:cat type="hierarchy" pri="1000"/>
+    <dgm:cat type="convert" pri="6000"/>
+  </dgm:catLst>
+  <dgm:sampData>
+    <dgm:dataModel>
+      <dgm:ptLst>
+        <dgm:pt modelId="0" type="doc"/>
+        <dgm:pt modelId="1">
+          <dgm:prSet phldr="1"/>
+        </dgm:pt>
+        <dgm:pt modelId="2" type="asst">
+          <dgm:prSet phldr="1"/>
+        </dgm:pt>
+        <dgm:pt modelId="3">
+          <dgm:prSet phldr="1"/>
+        </dgm:pt>
+        <dgm:pt modelId="4">
+          <dgm:prSet phldr="1"/>
+        </dgm:pt>
+        <dgm:pt modelId="5">
+          <dgm:prSet phldr="1"/>
+        </dgm:pt>
+      </dgm:ptLst>
+      <dgm:cxnLst>
+        <dgm:cxn modelId="5" srcId="0" destId="1" srcOrd="0" destOrd="0"/>
+        <dgm:cxn modelId="6" srcId="1" destId="2" srcOrd="0" destOrd="0"/>
+        <dgm:cxn modelId="7" srcId="1" destId="3" srcOrd="1" destOrd="0"/>
+        <dgm:cxn modelId="8" srcId="1" destId="4" srcOrd="2" destOrd="0"/>
+        <dgm:cxn modelId="9" srcId="1" destId="5" srcOrd="3" destOrd="0"/>
+      </dgm:cxnLst>
+      <dgm:bg/>
+      <dgm:whole/>
+    </dgm:dataModel>
+  </dgm:sampData>
+  <dgm:styleData>
+    <dgm:dataModel>
+      <dgm:ptLst>
+        <dgm:pt modelId="0" type="doc"/>
+        <dgm:pt modelId="1"/>
+        <dgm:pt modelId="12"/>
+        <dgm:pt modelId="13"/>
+      </dgm:ptLst>
+      <dgm:cxnLst>
+        <dgm:cxn modelId="2" srcId="0" destId="1" srcOrd="0" destOrd="0"/>
+        <dgm:cxn modelId="16" srcId="1" destId="12" srcOrd="1" destOrd="0"/>
+        <dgm:cxn modelId="17" srcId="1" destId="13" srcOrd="2" destOrd="0"/>
+      </dgm:cxnLst>
+      <dgm:bg/>
+      <dgm:whole/>
+    </dgm:dataModel>
+  </dgm:styleData>
+  <dgm:clrData>
+    <dgm:dataModel>
+      <dgm:ptLst>
+        <dgm:pt modelId="0" type="doc"/>
+        <dgm:pt modelId="1"/>
+        <dgm:pt modelId="11" type="asst"/>
+        <dgm:pt modelId="12"/>
+        <dgm:pt modelId="13"/>
+        <dgm:pt modelId="14"/>
+      </dgm:ptLst>
+      <dgm:cxnLst>
+        <dgm:cxn modelId="2" srcId="0" destId="1" srcOrd="0" destOrd="0"/>
+        <dgm:cxn modelId="15" srcId="1" destId="11" srcOrd="0" destOrd="0"/>
+        <dgm:cxn modelId="16" srcId="1" destId="12" srcOrd="1" destOrd="0"/>
+        <dgm:cxn modelId="17" srcId="1" destId="13" srcOrd="2" destOrd="0"/>
+        <dgm:cxn modelId="18" srcId="1" destId="14" srcOrd="2" destOrd="0"/>
+      </dgm:cxnLst>
+      <dgm:bg/>
+      <dgm:whole/>
+    </dgm:dataModel>
+  </dgm:clrData>
+  <dgm:layoutNode name="hierChild1">
+    <dgm:varLst>
+      <dgm:orgChart val="1"/>
+      <dgm:chPref val="1"/>
+      <dgm:dir/>
+      <dgm:animOne val="branch"/>
+      <dgm:animLvl val="lvl"/>
+      <dgm:resizeHandles/>
+    </dgm:varLst>
+    <dgm:choose name="Name0">
+      <dgm:if name="Name1" func="var" arg="dir" op="equ" val="norm">
+        <dgm:alg type="hierChild">
+          <dgm:param type="linDir" val="fromL"/>
+        </dgm:alg>
+      </dgm:if>
+      <dgm:else name="Name2">
+        <dgm:alg type="hierChild">
+          <dgm:param type="linDir" val="fromR"/>
+        </dgm:alg>
+      </dgm:else>
+    </dgm:choose>
+    <dgm:shape xmlns:r="http://schemas.openxmlformats.org/officeDocument/2006/relationships" r:blip="">
+      <dgm:adjLst/>
+    </dgm:shape>
+    <dgm:presOf/>
+    <dgm:constrLst>
+      <dgm:constr type="w" for="des" forName="rootComposite1" refType="w" fact="10"/>
+      <dgm:constr type="h" for="des" forName="rootComposite1" refType="w" refFor="des" refForName="rootComposite1" fact="0.5"/>
+      <dgm:constr type="w" for="des" forName="rootComposite" refType="w" fact="10"/>
+      <dgm:constr type="h" for="des" forName="rootComposite" refType="w" refFor="des" refForName="rootComposite1" fact="0.5"/>
+      <dgm:constr type="w" for="des" forName="rootComposite3" refType="w" fact="10"/>
+      <dgm:constr type="h" for="des" forName="rootComposite3" refType="w" refFor="des" refForName="rootComposite1" fact="0.5"/>
+      <dgm:constr type="primFontSz" for="des" ptType="node" op="equ"/>
+      <dgm:constr type="sp" for="des" op="equ"/>
+      <dgm:constr type="sp" for="des" forName="hierRoot1" refType="w" refFor="des" refForName="rootComposite1" fact="0.21"/>
+      <dgm:constr type="sp" for="des" forName="hierRoot2" refType="sp" refFor="des" refForName="hierRoot1"/>
+      <dgm:constr type="sp" for="des" forName="hierRoot3" refType="sp" refFor="des" refForName="hierRoot1"/>
+      <dgm:constr type="sibSp" refType="w" refFor="des" refForName="rootComposite1" fact="0.21"/>
+      <dgm:constr type="sibSp" for="des" forName="hierChild2" refType="sibSp"/>
+      <dgm:constr type="sibSp" for="des" forName="hierChild3" refType="sibSp"/>
+      <dgm:constr type="sibSp" for="des" forName="hierChild4" refType="sibSp"/>
+      <dgm:constr type="sibSp" for="des" forName="hierChild5" refType="sibSp"/>
+      <dgm:constr type="sibSp" for="des" forName="hierChild6" refType="sibSp"/>
+      <dgm:constr type="sibSp" for="des" forName="hierChild7" refType="sibSp"/>
+      <dgm:constr type="secSibSp" refType="w" refFor="des" refForName="rootComposite1" fact="0.21"/>
+      <dgm:constr type="secSibSp" for="des" forName="hierChild2" refType="secSibSp"/>
+      <dgm:constr type="secSibSp" for="des" forName="hierChild3" refType="secSibSp"/>
+      <dgm:constr type="secSibSp" for="des" forName="hierChild4" refType="secSibSp"/>
+      <dgm:constr type="secSibSp" for="des" forName="hierChild5" refType="secSibSp"/>
+      <dgm:constr type="secSibSp" for="des" forName="hierChild6" refType="secSibSp"/>
+      <dgm:constr type="secSibSp" for="des" forName="hierChild7" refType="secSibSp"/>
+    </dgm:constrLst>
+    <dgm:ruleLst/>
+    <dgm:forEach name="Name3" axis="ch">
+      <dgm:forEach name="Name4" axis="self" ptType="node">
+        <dgm:layoutNode name="hierRoot1">
+          <dgm:varLst>
+            <dgm:hierBranch val="init"/>
+          </dgm:varLst>
+          <dgm:choose name="Name5">
+            <dgm:if name="Name6" func="var" arg="hierBranch" op="equ" val="l">
+              <dgm:choose name="Name7">
+                <dgm:if name="Name8" axis="ch" ptType="asst" func="cnt" op="gte" val="1">
+                  <dgm:alg type="hierRoot">
+                    <dgm:param type="hierAlign" val="tR"/>
+                  </dgm:alg>
+                  <dgm:constrLst>
+                    <dgm:constr type="alignOff" val="0.65"/>
+                  </dgm:constrLst>
+                </dgm:if>
+                <dgm:else name="Name9">
+                  <dgm:alg type="hierRoot">
+                    <dgm:param type="hierAlign" val="tR"/>
+                  </dgm:alg>
+                  <dgm:constrLst>
+                    <dgm:constr type="alignOff" val="0.25"/>
+                  </dgm:constrLst>
+                </dgm:else>
+              </dgm:choose>
+            </dgm:if>
+            <dgm:if name="Name10" func="var" arg="hierBranch" op="equ" val="r">
+              <dgm:choose name="Name11">
+                <dgm:if name="Name12" axis="ch" ptType="asst" func="cnt" op="gte" val="1">
+                  <dgm:alg type="hierRoot">
+                    <dgm:param type="hierAlign" val="tL"/>
+                  </dgm:alg>
+                  <dgm:constrLst>
+                    <dgm:constr type="alignOff" val="0.65"/>
+                  </dgm:constrLst>
+                </dgm:if>
+                <dgm:else name="Name13">
+                  <dgm:alg type="hierRoot">
+                    <dgm:param type="hierAlign" val="tL"/>
+                  </dgm:alg>
+                  <dgm:constrLst>
+                    <dgm:constr type="alignOff" val="0.25"/>
+                  </dgm:constrLst>
+                </dgm:else>
+              </dgm:choose>
+            </dgm:if>
+            <dgm:if name="Name14" func="var" arg="hierBranch" op="equ" val="hang">
+              <dgm:alg type="hierRoot"/>
+              <dgm:constrLst>
+                <dgm:constr type="alignOff" val="0.65"/>
+              </dgm:constrLst>
+            </dgm:if>
+            <dgm:else name="Name15">
+              <dgm:alg type="hierRoot"/>
+              <dgm:constrLst>
+                <dgm:constr type="alignOff"/>
+                <dgm:constr type="bendDist" for="des" ptType="parTrans" refType="sp" fact="0.5"/>
+              </dgm:constrLst>
+            </dgm:else>
+          </dgm:choose>
+          <dgm:shape xmlns:r="http://schemas.openxmlformats.org/officeDocument/2006/relationships" r:blip="">
+            <dgm:adjLst/>
+          </dgm:shape>
+          <dgm:presOf/>
+          <dgm:ruleLst/>
+          <dgm:layoutNode name="rootComposite1">
+            <dgm:alg type="composite"/>
+            <dgm:shape xmlns:r="http://schemas.openxmlformats.org/officeDocument/2006/relationships" r:blip="">
+              <dgm:adjLst/>
+            </dgm:shape>
+            <dgm:presOf axis="self" ptType="node" cnt="1"/>
+            <dgm:choose name="Name16">
+              <dgm:if name="Name17" func="var" arg="hierBranch" op="equ" val="init">
+                <dgm:constrLst>
+                  <dgm:constr type="l" for="ch" forName="rootText1"/>
+                  <dgm:constr type="t" for="ch" forName="rootText1"/>
+                  <dgm:constr type="w" for="ch" forName="rootText1" refType="w"/>
+                  <dgm:constr type="h" for="ch" forName="rootText1" refType="h"/>
+                  <dgm:constr type="l" for="ch" forName="rootConnector1"/>
+                  <dgm:constr type="t" for="ch" forName="rootConnector1"/>
+                  <dgm:constr type="w" for="ch" forName="rootConnector1" refType="w" refFor="ch" refForName="rootText1" fact="0.2"/>
+                  <dgm:constr type="h" for="ch" forName="rootConnector1" refType="h" refFor="ch" refForName="rootText1"/>
+                </dgm:constrLst>
+              </dgm:if>
+              <dgm:if name="Name18" func="var" arg="hierBranch" op="equ" val="l">
+                <dgm:constrLst>
+                  <dgm:constr type="l" for="ch" forName="rootText1"/>
+                  <dgm:constr type="t" for="ch" forName="rootText1"/>
+                  <dgm:constr type="w" for="ch" forName="rootText1" refType="w"/>
+                  <dgm:constr type="h" for="ch" forName="rootText1" refType="h"/>
+                  <dgm:constr type="r" for="ch" forName="rootConnector1" refType="w"/>
+                  <dgm:constr type="t" for="ch" forName="rootConnector1"/>
+                  <dgm:constr type="w" for="ch" forName="rootConnector1" refType="w" refFor="ch" refForName="rootText1" fact="0.2"/>
+                  <dgm:constr type="h" for="ch" forName="rootConnector1" refType="h" refFor="ch" refForName="rootText1"/>
+                </dgm:constrLst>
+              </dgm:if>
+              <dgm:if name="Name19" func="var" arg="hierBranch" op="equ" val="r">
+                <dgm:constrLst>
+                  <dgm:constr type="l" for="ch" forName="rootText1"/>
+                  <dgm:constr type="t" for="ch" forName="rootText1"/>
+                  <dgm:constr type="w" for="ch" forName="rootText1" refType="w"/>
+                  <dgm:constr type="h" for="ch" forName="rootText1" refType="h"/>
+                  <dgm:constr type="l" for="ch" forName="rootConnector1"/>
+                  <dgm:constr type="t" for="ch" forName="rootConnector1"/>
+                  <dgm:constr type="w" for="ch" forName="rootConnector1" refType="w" refFor="ch" refForName="rootText1" fact="0.2"/>
+                  <dgm:constr type="h" for="ch" forName="rootConnector1" refType="h" refFor="ch" refForName="rootText1"/>
+                </dgm:constrLst>
+              </dgm:if>
+              <dgm:else name="Name20">
+                <dgm:constrLst>
+                  <dgm:constr type="l" for="ch" forName="rootText1"/>
+                  <dgm:constr type="t" for="ch" forName="rootText1"/>
+                  <dgm:constr type="w" for="ch" forName="rootText1" refType="w"/>
+                  <dgm:constr type="h" for="ch" forName="rootText1" refType="h"/>
+                  <dgm:constr type="r" for="ch" forName="rootConnector1" refType="w"/>
+                  <dgm:constr type="t" for="ch" forName="rootConnector1"/>
+                  <dgm:constr type="w" for="ch" forName="rootConnector1" refType="w" refFor="ch" refForName="rootText1" fact="0.2"/>
+                  <dgm:constr type="h" for="ch" forName="rootConnector1" refType="h" refFor="ch" refForName="rootText1"/>
+                </dgm:constrLst>
+              </dgm:else>
+            </dgm:choose>
+            <dgm:ruleLst/>
+            <dgm:layoutNode name="rootText1" styleLbl="node0">
+              <dgm:varLst>
+                <dgm:chPref val="3"/>
+              </dgm:varLst>
+              <dgm:alg type="tx"/>
+              <dgm:shape xmlns:r="http://schemas.openxmlformats.org/officeDocument/2006/relationships" type="rect" r:blip="">
+                <dgm:adjLst/>
+              </dgm:shape>
+              <dgm:presOf axis="self" ptType="node" cnt="1"/>
+              <dgm:constrLst>
+                <dgm:constr type="primFontSz" val="65"/>
+                <dgm:constr type="lMarg" refType="primFontSz" fact="0.05"/>
+                <dgm:constr type="rMarg" refType="primFontSz" fact="0.05"/>
+                <dgm:constr type="tMarg" refType="primFontSz" fact="0.05"/>
+                <dgm:constr type="bMarg" refType="primFontSz" fact="0.05"/>
+              </dgm:constrLst>
+              <dgm:ruleLst>
+                <dgm:rule type="primFontSz" val="5" fact="NaN" max="NaN"/>
+              </dgm:ruleLst>
+            </dgm:layoutNode>
+            <dgm:layoutNode name="rootConnector1" moveWith="rootText1">
+              <dgm:alg type="sp"/>
+              <dgm:shape xmlns:r="http://schemas.openxmlformats.org/officeDocument/2006/relationships" type="rect" r:blip="" hideGeom="1">
+                <dgm:adjLst/>
+              </dgm:shape>
+              <dgm:presOf axis="self" ptType="node" cnt="1"/>
+              <dgm:constrLst/>
+              <dgm:ruleLst/>
+            </dgm:layoutNode>
+          </dgm:layoutNode>
+          <dgm:layoutNode name="hierChild2">
+            <dgm:choose name="Name21">
+              <dgm:if name="Name22" func="var" arg="hierBranch" op="equ" val="l">
+                <dgm:alg type="hierChild">
+                  <dgm:param type="chAlign" val="r"/>
+                  <dgm:param type="linDir" val="fromT"/>
+                </dgm:alg>
+              </dgm:if>
+              <dgm:if name="Name23" func="var" arg="hierBranch" op="equ" val="r">
+                <dgm:alg type="hierChild">
+                  <dgm:param type="chAlign" val="l"/>
+                  <dgm:param type="linDir" val="fromT"/>
+                </dgm:alg>
+              </dgm:if>
+              <dgm:if name="Name24" func="var" arg="hierBranch" op="equ" val="hang">
+                <dgm:choose name="Name25">
+                  <dgm:if name="Name26" func="var" arg="dir" op="equ" val="norm">
+                    <dgm:alg type="hierChild">
+                      <dgm:param type="chAlign" val="l"/>
+                      <dgm:param type="linDir" val="fromL"/>
+                      <dgm:param type="secChAlign" val="t"/>
+                      <dgm:param type="secLinDir" val="fromT"/>
+                    </dgm:alg>
+                  </dgm:if>
+                  <dgm:else name="Name27">
+                    <dgm:alg type="hierChild">
+                      <dgm:param type="chAlign" val="l"/>
+                      <dgm:param type="linDir" val="fromR"/>
+                      <dgm:param type="secChAlign" val="t"/>
+                      <dgm:param type="secLinDir" val="fromT"/>
+                    </dgm:alg>
+                  </dgm:else>
+                </dgm:choose>
+              </dgm:if>
+              <dgm:else name="Name28">
+                <dgm:choose name="Name29">
+                  <dgm:if name="Name30" func="var" arg="dir" op="equ" val="norm">
+                    <dgm:alg type="hierChild"/>
+                  </dgm:if>
+                  <dgm:else name="Name31">
+                    <dgm:alg type="hierChild">
+                      <dgm:param type="linDir" val="fromR"/>
+                    </dgm:alg>
+                  </dgm:else>
+                </dgm:choose>
+              </dgm:else>
+            </dgm:choose>
+            <dgm:shape xmlns:r="http://schemas.openxmlformats.org/officeDocument/2006/relationships" r:blip="">
+              <dgm:adjLst/>
+            </dgm:shape>
+            <dgm:presOf/>
+            <dgm:constrLst/>
+            <dgm:ruleLst/>
+            <dgm:forEach name="rep2a" axis="ch" ptType="nonAsst">
+              <dgm:forEach name="Name32" axis="precedSib" ptType="parTrans" st="-1" cnt="1">
+                <dgm:choose name="Name33">
+                  <dgm:if name="Name34" func="var" arg="hierBranch" op="equ" val="std">
+                    <dgm:layoutNode name="Name35">
+                      <dgm:alg type="conn">
+                        <dgm:param type="connRout" val="bend"/>
+                        <dgm:param type="dim" val="1D"/>
+                        <dgm:param type="endSty" val="noArr"/>
+                        <dgm:param type="begPts" val="bCtr"/>
+                        <dgm:param type="endPts" val="tCtr"/>
+                        <dgm:param type="bendPt" val="end"/>
+                      </dgm:alg>
+                      <dgm:shape xmlns:r="http://schemas.openxmlformats.org/officeDocument/2006/relationships" type="conn" r:blip="" zOrderOff="-99999">
+                        <dgm:adjLst/>
+                      </dgm:shape>
+                      <dgm:presOf axis="self"/>
+                      <dgm:constrLst>
+                        <dgm:constr type="begPad"/>
+                        <dgm:constr type="endPad"/>
+                      </dgm:constrLst>
+                      <dgm:ruleLst/>
+                    </dgm:layoutNode>
+                  </dgm:if>
+                  <dgm:if name="Name36" func="var" arg="hierBranch" op="equ" val="init">
+                    <dgm:layoutNode name="Name37">
+                      <dgm:choose name="Name38">
+                        <dgm:if name="Name39" axis="self" func="depth" op="lte" val="2">
+                          <dgm:alg type="conn">
+                            <dgm:param type="connRout" val="bend"/>
+                            <dgm:param type="dim" val="1D"/>
+                            <dgm:param type="endSty" val="noArr"/>
+                            <dgm:param type="begPts" val="bCtr"/>
+                            <dgm:param type="endPts" val="tCtr"/>
+                            <dgm:param type="bendPt" val="end"/>
+                          </dgm:alg>
+                        </dgm:if>
+                        <dgm:else name="Name40">
+                          <dgm:choose name="Name41">
+                            <dgm:if name="Name42" axis="par des" func="maxDepth" op="lte" val="1">
+                              <dgm:choose name="Name43">
+                                <dgm:if name="Name44" axis="par ch" ptType="node asst" func="cnt" op="gte" val="1">
+                                  <dgm:alg type="conn">
+                                    <dgm:param type="connRout" val="bend"/>
+                                    <dgm:param type="dim" val="1D"/>
+                                    <dgm:param type="endSty" val="noArr"/>
+                                    <dgm:param type="begPts" val="bCtr"/>
+                                    <dgm:param type="endPts" val="midL midR"/>
+                                  </dgm:alg>
+                                </dgm:if>
+                                <dgm:else name="Name45">
+                                  <dgm:alg type="conn">
+                                    <dgm:param type="connRout" val="bend"/>
+                                    <dgm:param type="dim" val="1D"/>
+                                    <dgm:param type="endSty" val="noArr"/>
+                                    <dgm:param type="begPts" val="bCtr"/>
+                                    <dgm:param type="endPts" val="midL midR"/>
+                                    <dgm:param type="srcNode" val="rootConnector"/>
+                                  </dgm:alg>
+                                </dgm:else>
+                              </dgm:choose>
+                            </dgm:if>
+                            <dgm:else name="Name46">
+                              <dgm:alg type="conn">
+                                <dgm:param type="connRout" val="bend"/>
+                                <dgm:param type="dim" val="1D"/>
+                                <dgm:param type="endSty" val="noArr"/>
+                                <dgm:param type="begPts" val="bCtr"/>
+                                <dgm:param type="endPts" val="tCtr"/>
+                                <dgm:param type="bendPt" val="end"/>
+                              </dgm:alg>
+                            </dgm:else>
+                          </dgm:choose>
+                        </dgm:else>
+                      </dgm:choose>
+                      <dgm:shape xmlns:r="http://schemas.openxmlformats.org/officeDocument/2006/relationships" type="conn" r:blip="" zOrderOff="-99999">
+                        <dgm:adjLst/>
+                      </dgm:shape>
+                      <dgm:presOf axis="self"/>
+                      <dgm:constrLst>
+                        <dgm:constr type="begPad"/>
+                        <dgm:constr type="endPad"/>
+                      </dgm:constrLst>
+                      <dgm:ruleLst/>
+                    </dgm:layoutNode>
+                  </dgm:if>
+                  <dgm:if name="Name47" func="var" arg="hierBranch" op="equ" val="hang">
+                    <dgm:layoutNode name="Name48">
+                      <dgm:alg type="conn">
+                        <dgm:param type="connRout" val="bend"/>
+                        <dgm:param type="dim" val="1D"/>
+                        <dgm:param type="endSty" val="noArr"/>
+                        <dgm:param type="begPts" val="bCtr"/>
+                        <dgm:param type="endPts" val="midL midR"/>
+                      </dgm:alg>
+                      <dgm:shape xmlns:r="http://schemas.openxmlformats.org/officeDocument/2006/relationships" type="conn" r:blip="" zOrderOff="-99999">
+                        <dgm:adjLst/>
+                      </dgm:shape>
+                      <dgm:presOf axis="self"/>
+                      <dgm:constrLst>
+                        <dgm:constr type="begPad"/>
+                        <dgm:constr type="endPad"/>
+                      </dgm:constrLst>
+                      <dgm:ruleLst/>
+                    </dgm:layoutNode>
+                  </dgm:if>
+                  <dgm:else name="Name49">
+                    <dgm:layoutNode name="Name50">
+                      <dgm:choose name="Name51">
+                        <dgm:if name="Name52" axis="self" func="depth" op="lte" val="2">
+                          <dgm:choose name="Name53">
+                            <dgm:if name="Name54" axis="par ch" ptType="node asst" func="cnt" op="gte" val="1">
+                              <dgm:alg type="conn">
+                                <dgm:param type="connRout" val="bend"/>
+                                <dgm:param type="dim" val="1D"/>
+                                <dgm:param type="endSty" val="noArr"/>
+                                <dgm:param type="begPts" val="bCtr"/>
+                                <dgm:param type="endPts" val="midL midR"/>
+                              </dgm:alg>
+                            </dgm:if>
+                            <dgm:else name="Name55">
+                              <dgm:alg type="conn">
+                                <dgm:param type="connRout" val="bend"/>
+                                <dgm:param type="dim" val="1D"/>
+                                <dgm:param type="endSty" val="noArr"/>
+                                <dgm:param type="begPts" val="bCtr"/>
+                                <dgm:param type="endPts" val="midL midR"/>
+                                <dgm:param type="srcNode" val="rootConnector1"/>
+                              </dgm:alg>
+                            </dgm:else>
+                          </dgm:choose>
+                        </dgm:if>
+                        <dgm:else name="Name56">
+                          <dgm:choose name="Name57">
+                            <dgm:if name="Name58" axis="par ch" ptType="node asst" func="cnt" op="gte" val="1">
+                              <dgm:alg type="conn">
+                                <dgm:param type="connRout" val="bend"/>
+                                <dgm:param type="dim" val="1D"/>
+                                <dgm:param type="endSty" val="noArr"/>
+                                <dgm:param type="begPts" val="bCtr"/>
+                                <dgm:param type="endPts" val="midL midR"/>
+                              </dgm:alg>
+                            </dgm:if>
+                            <dgm:else name="Name59">
+                              <dgm:alg type="conn">
+                                <dgm:param type="connRout" val="bend"/>
+                                <dgm:param type="dim" val="1D"/>
+                                <dgm:param type="endSty" val="noArr"/>
+                                <dgm:param type="begPts" val="bCtr"/>
+                                <dgm:param type="endPts" val="midL midR"/>
+                                <dgm:param type="srcNode" val="rootConnector"/>
+                              </dgm:alg>
+                            </dgm:else>
+                          </dgm:choose>
+                        </dgm:else>
+                      </dgm:choose>
+                      <dgm:shape xmlns:r="http://schemas.openxmlformats.org/officeDocument/2006/relationships" type="conn" r:blip="" zOrderOff="-99999">
+                        <dgm:adjLst/>
+                      </dgm:shape>
+                      <dgm:presOf axis="self"/>
+                      <dgm:constrLst>
+                        <dgm:constr type="begPad"/>
+                        <dgm:constr type="endPad"/>
+                      </dgm:constrLst>
+                      <dgm:ruleLst/>
+                    </dgm:layoutNode>
+                  </dgm:else>
+                </dgm:choose>
+              </dgm:forEach>
+              <dgm:layoutNode name="hierRoot2">
+                <dgm:varLst>
+                  <dgm:hierBranch val="init"/>
+                </dgm:varLst>
+                <dgm:choose name="Name60">
+                  <dgm:if name="Name61" func="var" arg="hierBranch" op="equ" val="l">
+                    <dgm:choose name="Name62">
+                      <dgm:if name="Name63" axis="ch" ptType="asst" func="cnt" op="gte" val="1">
+                        <dgm:alg type="hierRoot">
+                          <dgm:param type="hierAlign" val="tR"/>
+                        </dgm:alg>
+                        <dgm:shape xmlns:r="http://schemas.openxmlformats.org/officeDocument/2006/relationships" r:blip="">
+                          <dgm:adjLst/>
+                        </dgm:shape>
+                        <dgm:presOf/>
+                        <dgm:constrLst>
+                          <dgm:constr type="alignOff" val="0.65"/>
+                        </dgm:constrLst>
+                      </dgm:if>
+                      <dgm:else name="Name64">
+                        <dgm:alg type="hierRoot">
+                          <dgm:param type="hierAlign" val="tR"/>
+                        </dgm:alg>
+                        <dgm:shape xmlns:r="http://schemas.openxmlformats.org/officeDocument/2006/relationships" r:blip="">
+                          <dgm:adjLst/>
+                        </dgm:shape>
+                        <dgm:presOf/>
+                        <dgm:constrLst>
+                          <dgm:constr type="alignOff" val="0.25"/>
+                        </dgm:constrLst>
+                      </dgm:else>
+                    </dgm:choose>
+                  </dgm:if>
+                  <dgm:if name="Name65" func="var" arg="hierBranch" op="equ" val="r">
+                    <dgm:choose name="Name66">
+                      <dgm:if name="Name67" axis="ch" ptType="asst" func="cnt" op="gte" val="1">
+                        <dgm:alg type="hierRoot">
+                          <dgm:param type="hierAlign" val="tL"/>
+                        </dgm:alg>
+                        <dgm:shape xmlns:r="http://schemas.openxmlformats.org/officeDocument/2006/relationships" r:blip="">
+                          <dgm:adjLst/>
+                        </dgm:shape>
+                        <dgm:presOf/>
+                        <dgm:constrLst>
+                          <dgm:constr type="alignOff" val="0.65"/>
+                        </dgm:constrLst>
+                      </dgm:if>
+                      <dgm:else name="Name68">
+                        <dgm:alg type="hierRoot">
+                          <dgm:param type="hierAlign" val="tL"/>
+                        </dgm:alg>
+                        <dgm:shape xmlns:r="http://schemas.openxmlformats.org/officeDocument/2006/relationships" r:blip="">
+                          <dgm:adjLst/>
+                        </dgm:shape>
+                        <dgm:presOf/>
+                        <dgm:constrLst>
+                          <dgm:constr type="alignOff" val="0.25"/>
+                        </dgm:constrLst>
+                      </dgm:else>
+                    </dgm:choose>
+                  </dgm:if>
+                  <dgm:if name="Name69" func="var" arg="hierBranch" op="equ" val="std">
+                    <dgm:alg type="hierRoot"/>
+                    <dgm:shape xmlns:r="http://schemas.openxmlformats.org/officeDocument/2006/relationships" r:blip="">
+                      <dgm:adjLst/>
+                    </dgm:shape>
+                    <dgm:presOf/>
+                    <dgm:constrLst>
+                      <dgm:constr type="alignOff"/>
+                      <dgm:constr type="bendDist" for="des" ptType="parTrans" refType="sp" fact="0.5"/>
+                    </dgm:constrLst>
+                  </dgm:if>
+                  <dgm:if name="Name70" func="var" arg="hierBranch" op="equ" val="init">
+                    <dgm:choose name="Name71">
+                      <dgm:if name="Name72" axis="des" func="maxDepth" op="lte" val="1">
+                        <dgm:choose name="Name73">
+                          <dgm:if name="Name74" axis="ch" ptType="asst" func="cnt" op="gte" val="1">
+                            <dgm:alg type="hierRoot">
+                              <dgm:param type="hierAlign" val="tL"/>
+                            </dgm:alg>
+                            <dgm:shape xmlns:r="http://schemas.openxmlformats.org/officeDocument/2006/relationships" r:blip="">
+                              <dgm:adjLst/>
+                            </dgm:shape>
+                            <dgm:presOf/>
+                            <dgm:constrLst>
+                              <dgm:constr type="alignOff" val="0.65"/>
+                            </dgm:constrLst>
+                          </dgm:if>
+                          <dgm:else name="Name75">
+                            <dgm:alg type="hierRoot">
+                              <dgm:param type="hierAlign" val="tL"/>
+                            </dgm:alg>
+                            <dgm:shape xmlns:r="http://schemas.openxmlformats.org/officeDocument/2006/relationships" r:blip="">
+                              <dgm:adjLst/>
+                            </dgm:shape>
+                            <dgm:presOf/>
+                            <dgm:constrLst>
+                              <dgm:constr type="alignOff" val="0.25"/>
+                            </dgm:constrLst>
+                          </dgm:else>
+                        </dgm:choose>
+                      </dgm:if>
+                      <dgm:else name="Name76">
+                        <dgm:alg type="hierRoot"/>
+                        <dgm:shape xmlns:r="http://schemas.openxmlformats.org/officeDocument/2006/relationships" r:blip="">
+                          <dgm:adjLst/>
+                        </dgm:shape>
+                        <dgm:presOf/>
+                        <dgm:constrLst>
+                          <dgm:constr type="alignOff"/>
+                          <dgm:constr type="bendDist" for="des" ptType="parTrans" refType="sp" fact="0.5"/>
+                        </dgm:constrLst>
+                      </dgm:else>
+                    </dgm:choose>
+                  </dgm:if>
+                  <dgm:else name="Name77">
+                    <dgm:alg type="hierRoot"/>
+                    <dgm:shape xmlns:r="http://schemas.openxmlformats.org/officeDocument/2006/relationships" r:blip="">
+                      <dgm:adjLst/>
+                    </dgm:shape>
+                    <dgm:presOf/>
+                    <dgm:constrLst>
+                      <dgm:constr type="alignOff" val="0.65"/>
+                    </dgm:constrLst>
+                  </dgm:else>
+                </dgm:choose>
+                <dgm:ruleLst/>
+                <dgm:layoutNode name="rootComposite">
+                  <dgm:alg type="composite"/>
+                  <dgm:shape xmlns:r="http://schemas.openxmlformats.org/officeDocument/2006/relationships" r:blip="">
+                    <dgm:adjLst/>
+                  </dgm:shape>
+                  <dgm:presOf axis="self" ptType="node" cnt="1"/>
+                  <dgm:choose name="Name78">
+                    <dgm:if name="Name79" func="var" arg="hierBranch" op="equ" val="init">
+                      <dgm:constrLst>
+                        <dgm:constr type="l" for="ch" forName="rootText"/>
+                        <dgm:constr type="t" for="ch" forName="rootText"/>
+                        <dgm:constr type="w" for="ch" forName="rootText" refType="w"/>
+                        <dgm:constr type="h" for="ch" forName="rootText" refType="h"/>
+                        <dgm:constr type="l" for="ch" forName="rootConnector"/>
+                        <dgm:constr type="t" for="ch" forName="rootConnector"/>
+                        <dgm:constr type="w" for="ch" forName="rootConnector" refType="w" refFor="ch" refForName="rootText" fact="0.2"/>
+                        <dgm:constr type="h" for="ch" forName="rootConnector" refType="h" refFor="ch" refForName="rootText"/>
+                      </dgm:constrLst>
+                    </dgm:if>
+                    <dgm:if name="Name80" func="var" arg="hierBranch" op="equ" val="l">
+                      <dgm:constrLst>
+                        <dgm:constr type="l" for="ch" forName="rootText"/>
+                        <dgm:constr type="t" for="ch" forName="rootText"/>
+                        <dgm:constr type="w" for="ch" forName="rootText" refType="w"/>
+                        <dgm:constr type="h" for="ch" forName="rootText" refType="h"/>
+                        <dgm:constr type="r" for="ch" forName="rootConnector" refType="w"/>
+                        <dgm:constr type="t" for="ch" forName="rootConnector"/>
+                        <dgm:constr type="w" for="ch" forName="rootConnector" refType="w" refFor="ch" refForName="rootText" fact="0.2"/>
+                        <dgm:constr type="h" for="ch" forName="rootConnector" refType="h" refFor="ch" refForName="rootText"/>
+                      </dgm:constrLst>
+                    </dgm:if>
+                    <dgm:if name="Name81" func="var" arg="hierBranch" op="equ" val="r">
+                      <dgm:constrLst>
+                        <dgm:constr type="l" for="ch" forName="rootText"/>
+                        <dgm:constr type="t" for="ch" forName="rootText"/>
+                        <dgm:constr type="w" for="ch" forName="rootText" refType="w"/>
+                        <dgm:constr type="h" for="ch" forName="rootText" refType="h"/>
+                        <dgm:constr type="l" for="ch" forName="rootConnector"/>
+                        <dgm:constr type="t" for="ch" forName="rootConnector"/>
+                        <dgm:constr type="w" for="ch" forName="rootConnector" refType="w" refFor="ch" refForName="rootText" fact="0.2"/>
+                        <dgm:constr type="h" for="ch" forName="rootConnector" refType="h" refFor="ch" refForName="rootText"/>
+                      </dgm:constrLst>
+                    </dgm:if>
+                    <dgm:else name="Name82">
+                      <dgm:constrLst>
+                        <dgm:constr type="l" for="ch" forName="rootText"/>
+                        <dgm:constr type="t" for="ch" forName="rootText"/>
+                        <dgm:constr type="w" for="ch" forName="rootText" refType="w"/>
+                        <dgm:constr type="h" for="ch" forName="rootText" refType="h"/>
+                        <dgm:constr type="r" for="ch" forName="rootConnector" refType="w"/>
+                        <dgm:constr type="t" for="ch" forName="rootConnector"/>
+                        <dgm:constr type="w" for="ch" forName="rootConnector" refType="w" refFor="ch" refForName="rootText" fact="0.2"/>
+                        <dgm:constr type="h" for="ch" forName="rootConnector" refType="h" refFor="ch" refForName="rootText"/>
+                      </dgm:constrLst>
+                    </dgm:else>
+                  </dgm:choose>
+                  <dgm:ruleLst/>
+                  <dgm:layoutNode name="rootText">
+                    <dgm:varLst>
+                      <dgm:chPref val="3"/>
+                    </dgm:varLst>
+                    <dgm:alg type="tx"/>
+                    <dgm:shape xmlns:r="http://schemas.openxmlformats.org/officeDocument/2006/relationships" type="rect" r:blip="">
+                      <dgm:adjLst/>
+                    </dgm:shape>
+                    <dgm:presOf axis="self" ptType="node" cnt="1"/>
+                    <dgm:constrLst>
+                      <dgm:constr type="primFontSz" val="65"/>
+                      <dgm:constr type="lMarg" refType="primFontSz" fact="0.05"/>
+                      <dgm:constr type="rMarg" refType="primFontSz" fact="0.05"/>
+                      <dgm:constr type="tMarg" refType="primFontSz" fact="0.05"/>
+                      <dgm:constr type="bMarg" refType="primFontSz" fact="0.05"/>
+                    </dgm:constrLst>
+                    <dgm:ruleLst>
+                      <dgm:rule type="primFontSz" val="5" fact="NaN" max="NaN"/>
+                    </dgm:ruleLst>
+                  </dgm:layoutNode>
+                  <dgm:layoutNode name="rootConnector" moveWith="rootText">
+                    <dgm:alg type="sp"/>
+                    <dgm:shape xmlns:r="http://schemas.openxmlformats.org/officeDocument/2006/relationships" type="rect" r:blip="" hideGeom="1">
+                      <dgm:adjLst/>
+                    </dgm:shape>
+                    <dgm:presOf axis="self" ptType="node" cnt="1"/>
+                    <dgm:constrLst/>
+                    <dgm:ruleLst/>
+                  </dgm:layoutNode>
+                </dgm:layoutNode>
+                <dgm:layoutNode name="hierChild4">
+                  <dgm:choose name="Name83">
+                    <dgm:if name="Name84" func="var" arg="hierBranch" op="equ" val="l">
+                      <dgm:alg type="hierChild">
+                        <dgm:param type="chAlign" val="r"/>
+                        <dgm:param type="linDir" val="fromT"/>
+                      </dgm:alg>
+                    </dgm:if>
+                    <dgm:if name="Name85" func="var" arg="hierBranch" op="equ" val="r">
+                      <dgm:alg type="hierChild">
+                        <dgm:param type="chAlign" val="l"/>
+                        <dgm:param type="linDir" val="fromT"/>
+                      </dgm:alg>
+                    </dgm:if>
+                    <dgm:if name="Name86" func="var" arg="hierBranch" op="equ" val="hang">
+                      <dgm:choose name="Name87">
+                        <dgm:if name="Name88" func="var" arg="dir" op="equ" val="norm">
+                          <dgm:alg type="hierChild">
+                            <dgm:param type="chAlign" val="l"/>
+                            <dgm:param type="linDir" val="fromL"/>
+                            <dgm:param type="secChAlign" val="t"/>
+                            <dgm:param type="secLinDir" val="fromT"/>
+                          </dgm:alg>
+                        </dgm:if>
+                        <dgm:else name="Name89">
+                          <dgm:alg type="hierChild">
+                            <dgm:param type="chAlign" val="l"/>
+                            <dgm:param type="linDir" val="fromR"/>
+                            <dgm:param type="secChAlign" val="t"/>
+                            <dgm:param type="secLinDir" val="fromT"/>
+                          </dgm:alg>
+                        </dgm:else>
+                      </dgm:choose>
+                    </dgm:if>
+                    <dgm:if name="Name90" func="var" arg="hierBranch" op="equ" val="std">
+                      <dgm:choose name="Name91">
+                        <dgm:if name="Name92" func="var" arg="dir" op="equ" val="norm">
+                          <dgm:alg type="hierChild"/>
+                        </dgm:if>
+                        <dgm:else name="Name93">
+                          <dgm:alg type="hierChild">
+                            <dgm:param type="linDir" val="fromR"/>
+                          </dgm:alg>
+                        </dgm:else>
+                      </dgm:choose>
+                    </dgm:if>
+                    <dgm:if name="Name94" func="var" arg="hierBranch" op="equ" val="init">
+                      <dgm:choose name="Name95">
+                        <dgm:if name="Name96" axis="des" func="maxDepth" op="lte" val="1">
+                          <dgm:alg type="hierChild">
+                            <dgm:param type="chAlign" val="l"/>
+                            <dgm:param type="linDir" val="fromT"/>
+                          </dgm:alg>
+                        </dgm:if>
+                        <dgm:else name="Name97">
+                          <dgm:choose name="Name98">
+                            <dgm:if name="Name99" func="var" arg="dir" op="equ" val="norm">
+                              <dgm:alg type="hierChild"/>
+                            </dgm:if>
+                            <dgm:else name="Name100">
+                              <dgm:alg type="hierChild">
+                                <dgm:param type="linDir" val="fromR"/>
+                              </dgm:alg>
+                            </dgm:else>
+                          </dgm:choose>
+                        </dgm:else>
+                      </dgm:choose>
+                    </dgm:if>
+                    <dgm:else name="Name101"/>
+                  </dgm:choose>
+                  <dgm:shape xmlns:r="http://schemas.openxmlformats.org/officeDocument/2006/relationships" r:blip="">
+                    <dgm:adjLst/>
+                  </dgm:shape>
+                  <dgm:presOf/>
+                  <dgm:constrLst/>
+                  <dgm:ruleLst/>
+                  <dgm:forEach name="Name102" ref="rep2a"/>
+                </dgm:layoutNode>
+                <dgm:layoutNode name="hierChild5">
+                  <dgm:choose name="Name103">
+                    <dgm:if name="Name104" func="var" arg="dir" op="equ" val="norm">
+                      <dgm:alg type="hierChild">
+                        <dgm:param type="chAlign" val="l"/>
+                        <dgm:param type="linDir" val="fromL"/>
+                        <dgm:param type="secChAlign" val="t"/>
+                        <dgm:param type="secLinDir" val="fromT"/>
+                      </dgm:alg>
+                    </dgm:if>
+                    <dgm:else name="Name105">
+                      <dgm:alg type="hierChild">
+                        <dgm:param type="chAlign" val="l"/>
+                        <dgm:param type="linDir" val="fromR"/>
+                        <dgm:param type="secChAlign" val="t"/>
+                        <dgm:param type="secLinDir" val="fromT"/>
+                      </dgm:alg>
+                    </dgm:else>
+                  </dgm:choose>
+                  <dgm:shape xmlns:r="http://schemas.openxmlformats.org/officeDocument/2006/relationships" r:blip="">
+                    <dgm:adjLst/>
+                  </dgm:shape>
+                  <dgm:presOf/>
+                  <dgm:constrLst/>
+                  <dgm:ruleLst/>
+                  <dgm:forEach name="Name106" ref="rep2b"/>
+                </dgm:layoutNode>
+              </dgm:layoutNode>
+            </dgm:forEach>
+          </dgm:layoutNode>
+          <dgm:layoutNode name="hierChild3">
+            <dgm:choose name="Name107">
+              <dgm:if name="Name108" func="var" arg="dir" op="equ" val="norm">
+                <dgm:alg type="hierChild">
+                  <dgm:param type="chAlign" val="l"/>
+                  <dgm:param type="linDir" val="fromL"/>
+                  <dgm:param type="secChAlign" val="t"/>
+                  <dgm:param type="secLinDir" val="fromT"/>
+                </dgm:alg>
+              </dgm:if>
+              <dgm:else name="Name109">
+                <dgm:alg type="hierChild">
+                  <dgm:param type="chAlign" val="l"/>
+                  <dgm:param type="linDir" val="fromR"/>
+                  <dgm:param type="secChAlign" val="t"/>
+                  <dgm:param type="secLinDir" val="fromT"/>
+                </dgm:alg>
+              </dgm:else>
+            </dgm:choose>
+            <dgm:shape xmlns:r="http://schemas.openxmlformats.org/officeDocument/2006/relationships" r:blip="">
+              <dgm:adjLst/>
+            </dgm:shape>
+            <dgm:presOf/>
+            <dgm:constrLst/>
+            <dgm:ruleLst/>
+            <dgm:forEach name="rep2b" axis="ch" ptType="asst">
+              <dgm:forEach name="Name110" axis="precedSib" ptType="parTrans" st="-1" cnt="1">
+                <dgm:layoutNode name="Name111">
+                  <dgm:alg type="conn">
+                    <dgm:param type="connRout" val="bend"/>
+                    <dgm:param type="dim" val="1D"/>
+                    <dgm:param type="endSty" val="noArr"/>
+                    <dgm:param type="begPts" val="bCtr"/>
+                    <dgm:param type="endPts" val="midL midR"/>
+                  </dgm:alg>
+                  <dgm:shape xmlns:r="http://schemas.openxmlformats.org/officeDocument/2006/relationships" type="conn" r:blip="" zOrderOff="-99999">
+                    <dgm:adjLst/>
+                  </dgm:shape>
+                  <dgm:presOf axis="self"/>
+                  <dgm:constrLst>
+                    <dgm:constr type="begPad"/>
+                    <dgm:constr type="endPad"/>
+                  </dgm:constrLst>
+                  <dgm:ruleLst/>
+                </dgm:layoutNode>
+              </dgm:forEach>
+              <dgm:layoutNode name="hierRoot3">
+                <dgm:varLst>
+                  <dgm:hierBranch val="init"/>
+                </dgm:varLst>
+                <dgm:choose name="Name112">
+                  <dgm:if name="Name113" func="var" arg="hierBranch" op="equ" val="l">
+                    <dgm:alg type="hierRoot">
+                      <dgm:param type="hierAlign" val="tR"/>
+                    </dgm:alg>
+                    <dgm:shape xmlns:r="http://schemas.openxmlformats.org/officeDocument/2006/relationships" r:blip="">
+                      <dgm:adjLst/>
+                    </dgm:shape>
+                    <dgm:presOf/>
+                    <dgm:constrLst>
+                      <dgm:constr type="alignOff" val="0.65"/>
+                    </dgm:constrLst>
+                  </dgm:if>
+                  <dgm:if name="Name114" func="var" arg="hierBranch" op="equ" val="r">
+                    <dgm:alg type="hierRoot">
+                      <dgm:param type="hierAlign" val="tL"/>
+                    </dgm:alg>
+                    <dgm:shape xmlns:r="http://schemas.openxmlformats.org/officeDocument/2006/relationships" r:blip="">
+                      <dgm:adjLst/>
+                    </dgm:shape>
+                    <dgm:presOf/>
+                    <dgm:constrLst>
+                      <dgm:constr type="alignOff" val="0.65"/>
+                    </dgm:constrLst>
+                  </dgm:if>
+                  <dgm:if name="Name115" func="var" arg="hierBranch" op="equ" val="hang">
+                    <dgm:alg type="hierRoot"/>
+                    <dgm:shape xmlns:r="http://schemas.openxmlformats.org/officeDocument/2006/relationships" r:blip="">
+                      <dgm:adjLst/>
+                    </dgm:shape>
+                    <dgm:presOf/>
+                    <dgm:constrLst>
+                      <dgm:constr type="alignOff" val="0.65"/>
+                    </dgm:constrLst>
+                  </dgm:if>
+                  <dgm:if name="Name116" func="var" arg="hierBranch" op="equ" val="std">
+                    <dgm:alg type="hierRoot"/>
+                    <dgm:shape xmlns:r="http://schemas.openxmlformats.org/officeDocument/2006/relationships" r:blip="">
+                      <dgm:adjLst/>
+                    </dgm:shape>
+                    <dgm:presOf/>
+                    <dgm:constrLst>
+                      <dgm:constr type="alignOff"/>
+                      <dgm:constr type="bendDist" for="des" ptType="parTrans" refType="sp" fact="0.5"/>
+                    </dgm:constrLst>
+                  </dgm:if>
+                  <dgm:if name="Name117" func="var" arg="hierBranch" op="equ" val="init">
+                    <dgm:choose name="Name118">
+                      <dgm:if name="Name119" axis="des" func="maxDepth" op="lte" val="1">
+                        <dgm:alg type="hierRoot">
+                          <dgm:param type="hierAlign" val="tL"/>
+                        </dgm:alg>
+                        <dgm:shape xmlns:r="http://schemas.openxmlformats.org/officeDocument/2006/relationships" r:blip="">
+                          <dgm:adjLst/>
+                        </dgm:shape>
+                        <dgm:presOf/>
+                        <dgm:constrLst>
+                          <dgm:constr type="alignOff" val="0.65"/>
+                        </dgm:constrLst>
+                      </dgm:if>
+                      <dgm:else name="Name120">
+                        <dgm:alg type="hierRoot"/>
+                        <dgm:shape xmlns:r="http://schemas.openxmlformats.org/officeDocument/2006/relationships" r:blip="">
+                          <dgm:adjLst/>
+                        </dgm:shape>
+                        <dgm:presOf/>
+                        <dgm:constrLst>
+                          <dgm:constr type="alignOff"/>
+                          <dgm:constr type="bendDist" for="des" ptType="parTrans" refType="sp" fact="0.5"/>
+                        </dgm:constrLst>
+                      </dgm:else>
+                    </dgm:choose>
+                  </dgm:if>
+                  <dgm:else name="Name121"/>
+                </dgm:choose>
+                <dgm:ruleLst/>
+                <dgm:layoutNode name="rootComposite3">
+                  <dgm:alg type="composite"/>
+                  <dgm:shape xmlns:r="http://schemas.openxmlformats.org/officeDocument/2006/relationships" r:blip="">
+                    <dgm:adjLst/>
+                  </dgm:shape>
+                  <dgm:presOf axis="self" ptType="node" cnt="1"/>
+                  <dgm:choose name="Name122">
+                    <dgm:if name="Name123" func="var" arg="hierBranch" op="equ" val="init">
+                      <dgm:constrLst>
+                        <dgm:constr type="l" for="ch" forName="rootText3"/>
+                        <dgm:constr type="t" for="ch" forName="rootText3"/>
+                        <dgm:constr type="w" for="ch" forName="rootText3" refType="w"/>
+                        <dgm:constr type="h" for="ch" forName="rootText3" refType="h"/>
+                        <dgm:constr type="l" for="ch" forName="rootConnector3"/>
+                        <dgm:constr type="t" for="ch" forName="rootConnector3"/>
+                        <dgm:constr type="w" for="ch" forName="rootConnector3" refType="w" refFor="ch" refForName="rootText3" fact="0.2"/>
+                        <dgm:constr type="h" for="ch" forName="rootConnector3" refType="h" refFor="ch" refForName="rootText3"/>
+                      </dgm:constrLst>
+                    </dgm:if>
+                    <dgm:if name="Name124" func="var" arg="hierBranch" op="equ" val="l">
+                      <dgm:constrLst>
+                        <dgm:constr type="l" for="ch" forName="rootText3"/>
+                        <dgm:constr type="t" for="ch" forName="rootText3"/>
+                        <dgm:constr type="w" for="ch" forName="rootText3" refType="w"/>
+                        <dgm:constr type="h" for="ch" forName="rootText3" refType="h"/>
+                        <dgm:constr type="r" for="ch" forName="rootConnector3" refType="w"/>
+                        <dgm:constr type="t" for="ch" forName="rootConnector3"/>
+                        <dgm:constr type="w" for="ch" forName="rootConnector3" refType="w" refFor="ch" refForName="rootText3" fact="0.2"/>
+                        <dgm:constr type="h" for="ch" forName="rootConnector3" refType="h" refFor="ch" refForName="rootText3"/>
+                      </dgm:constrLst>
+                    </dgm:if>
+                    <dgm:if name="Name125" func="var" arg="hierBranch" op="equ" val="r">
+                      <dgm:constrLst>
+                        <dgm:constr type="l" for="ch" forName="rootText3"/>
+                        <dgm:constr type="t" for="ch" forName="rootText3"/>
+                        <dgm:constr type="w" for="ch" forName="rootText3" refType="w"/>
+                        <dgm:constr type="h" for="ch" forName="rootText3" refType="h"/>
+                        <dgm:constr type="l" for="ch" forName="rootConnector3"/>
+                        <dgm:constr type="t" for="ch" forName="rootConnector3"/>
+                        <dgm:constr type="w" for="ch" forName="rootConnector3" refType="w" refFor="ch" refForName="rootText3" fact="0.2"/>
+                        <dgm:constr type="h" for="ch" forName="rootConnector3" refType="h" refFor="ch" refForName="rootText3"/>
+                      </dgm:constrLst>
+                    </dgm:if>
+                    <dgm:else name="Name126">
+                      <dgm:constrLst>
+                        <dgm:constr type="l" for="ch" forName="rootText3"/>
+                        <dgm:constr type="t" for="ch" forName="rootText3"/>
+                        <dgm:constr type="w" for="ch" forName="rootText3" refType="w"/>
+                        <dgm:constr type="h" for="ch" forName="rootText3" refType="h"/>
+                        <dgm:constr type="r" for="ch" forName="rootConnector3" refType="w"/>
+                        <dgm:constr type="t" for="ch" forName="rootConnector3"/>
+                        <dgm:constr type="w" for="ch" forName="rootConnector3" refType="w" refFor="ch" refForName="rootText3" fact="0.2"/>
+                        <dgm:constr type="h" for="ch" forName="rootConnector3" refType="h" refFor="ch" refForName="rootText3"/>
+                      </dgm:constrLst>
+                    </dgm:else>
+                  </dgm:choose>
+                  <dgm:ruleLst/>
+                  <dgm:layoutNode name="rootText3">
+                    <dgm:varLst>
+                      <dgm:chPref val="3"/>
+                    </dgm:varLst>
+                    <dgm:alg type="tx"/>
+                    <dgm:shape xmlns:r="http://schemas.openxmlformats.org/officeDocument/2006/relationships" type="rect" r:blip="">
+                      <dgm:adjLst/>
+                    </dgm:shape>
+                    <dgm:presOf axis="self" ptType="node" cnt="1"/>
+                    <dgm:constrLst>
+                      <dgm:constr type="primFontSz" val="65"/>
+                      <dgm:constr type="lMarg" refType="primFontSz" fact="0.05"/>
+                      <dgm:constr type="rMarg" refType="primFontSz" fact="0.05"/>
+                      <dgm:constr type="tMarg" refType="primFontSz" fact="0.05"/>
+                      <dgm:constr type="bMarg" refType="primFontSz" fact="0.05"/>
+                    </dgm:constrLst>
+                    <dgm:ruleLst>
+                      <dgm:rule type="primFontSz" val="5" fact="NaN" max="NaN"/>
+                    </dgm:ruleLst>
+                  </dgm:layoutNode>
+                  <dgm:layoutNode name="rootConnector3" moveWith="rootText1">
+                    <dgm:alg type="sp"/>
+                    <dgm:shape xmlns:r="http://schemas.openxmlformats.org/officeDocument/2006/relationships" type="rect" r:blip="" hideGeom="1">
+                      <dgm:adjLst/>
+                    </dgm:shape>
+                    <dgm:presOf axis="self" ptType="node" cnt="1"/>
+                    <dgm:constrLst/>
+                    <dgm:ruleLst/>
+                  </dgm:layoutNode>
+                </dgm:layoutNode>
+                <dgm:layoutNode name="hierChild6">
+                  <dgm:choose name="Name127">
+                    <dgm:if name="Name128" func="var" arg="hierBranch" op="equ" val="l">
+                      <dgm:alg type="hierChild">
+                        <dgm:param type="chAlign" val="r"/>
+                        <dgm:param type="linDir" val="fromT"/>
+                      </dgm:alg>
+                    </dgm:if>
+                    <dgm:if name="Name129" func="var" arg="hierBranch" op="equ" val="r">
+                      <dgm:alg type="hierChild">
+                        <dgm:param type="chAlign" val="l"/>
+                        <dgm:param type="linDir" val="fromT"/>
+                      </dgm:alg>
+                    </dgm:if>
+                    <dgm:if name="Name130" func="var" arg="hierBranch" op="equ" val="hang">
+                      <dgm:choose name="Name131">
+                        <dgm:if name="Name132" func="var" arg="dir" op="equ" val="norm">
+                          <dgm:alg type="hierChild">
+                            <dgm:param type="chAlign" val="l"/>
+                            <dgm:param type="linDir" val="fromL"/>
+                            <dgm:param type="secChAlign" val="t"/>
+                            <dgm:param type="secLinDir" val="fromT"/>
+                          </dgm:alg>
+                        </dgm:if>
+                        <dgm:else name="Name133">
+                          <dgm:alg type="hierChild">
+                            <dgm:param type="chAlign" val="l"/>
+                            <dgm:param type="linDir" val="fromR"/>
+                            <dgm:param type="secChAlign" val="t"/>
+                            <dgm:param type="secLinDir" val="fromT"/>
+                          </dgm:alg>
+                        </dgm:else>
+                      </dgm:choose>
+                    </dgm:if>
+                    <dgm:if name="Name134" func="var" arg="hierBranch" op="equ" val="std">
+                      <dgm:choose name="Name135">
+                        <dgm:if name="Name136" func="var" arg="dir" op="equ" val="norm">
+                          <dgm:alg type="hierChild"/>
+                        </dgm:if>
+                        <dgm:else name="Name137">
+                          <dgm:alg type="hierChild">
+                            <dgm:param type="linDir" val="fromR"/>
+                          </dgm:alg>
+                        </dgm:else>
+                      </dgm:choose>
+                    </dgm:if>
+                    <dgm:if name="Name138" func="var" arg="hierBranch" op="equ" val="init">
+                      <dgm:choose name="Name139">
+                        <dgm:if name="Name140" axis="des" func="maxDepth" op="lte" val="1">
+                          <dgm:alg type="hierChild">
+                            <dgm:param type="chAlign" val="l"/>
+                            <dgm:param type="linDir" val="fromT"/>
+                          </dgm:alg>
+                        </dgm:if>
+                        <dgm:else name="Name141">
+                          <dgm:alg type="hierChild"/>
+                        </dgm:else>
+                      </dgm:choose>
+                    </dgm:if>
+                    <dgm:else name="Name142"/>
+                  </dgm:choose>
+                  <dgm:shape xmlns:r="http://schemas.openxmlformats.org/officeDocument/2006/relationships" r:blip="">
+                    <dgm:adjLst/>
+                  </dgm:shape>
+                  <dgm:presOf/>
+                  <dgm:constrLst/>
+                  <dgm:ruleLst/>
+                  <dgm:forEach name="Name143" ref="rep2a"/>
+                </dgm:layoutNode>
+                <dgm:layoutNode name="hierChild7">
+                  <dgm:choose name="Name144">
+                    <dgm:if name="Name145" func="var" arg="dir" op="equ" val="norm">
+                      <dgm:alg type="hierChild">
+                        <dgm:param type="chAlign" val="l"/>
+                        <dgm:param type="linDir" val="fromL"/>
+                        <dgm:param type="secChAlign" val="t"/>
+                        <dgm:param type="secLinDir" val="fromT"/>
+                      </dgm:alg>
+                    </dgm:if>
+                    <dgm:else name="Name146">
+                      <dgm:alg type="hierChild">
+                        <dgm:param type="chAlign" val="l"/>
+                        <dgm:param type="linDir" val="fromR"/>
+                        <dgm:param type="secChAlign" val="t"/>
+                        <dgm:param type="secLinDir" val="fromT"/>
+                      </dgm:alg>
+                    </dgm:else>
+                  </dgm:choose>
+                  <dgm:shape xmlns:r="http://schemas.openxmlformats.org/officeDocument/2006/relationships" r:blip="">
+                    <dgm:adjLst/>
+                  </dgm:shape>
+                  <dgm:presOf/>
+                  <dgm:constrLst/>
+                  <dgm:ruleLst/>
+                  <dgm:forEach name="Name147" ref="rep2b"/>
+                </dgm:layoutNode>
+              </dgm:layoutNode>
+            </dgm:forEach>
+          </dgm:layoutNode>
+        </dgm:layoutNode>
+      </dgm:forEach>
+    </dgm:forEach>
+  </dgm:layoutNode>
+</dgm:layoutDef>
+</file>
+
 <file path=ppt/diagrams/quickStyle1.xml><?xml version="1.0" encoding="utf-8"?>
+<dgm:styleDef xmlns:dgm="http://schemas.openxmlformats.org/drawingml/2006/diagram" xmlns:a="http://schemas.openxmlformats.org/drawingml/2006/main" uniqueId="urn:microsoft.com/office/officeart/2005/8/quickstyle/simple4">
+  <dgm:title val=""/>
+  <dgm:desc val=""/>
+  <dgm:catLst>
+    <dgm:cat type="simple" pri="10400"/>
+  </dgm:catLst>
+  <dgm:scene3d>
+    <a:camera prst="orthographicFront"/>
+    <a:lightRig rig="threePt" dir="t"/>
+  </dgm:scene3d>
+  <dgm:styleLbl name="node0">
+    <dgm:scene3d>
+      <a:camera prst="orthographicFront"/>
+      <a:lightRig rig="threePt" dir="t"/>
+    </dgm:scene3d>
+    <dgm:sp3d/>
+    <dgm:txPr/>
+    <dgm:style>
+      <a:lnRef idx="0">
+        <a:scrgbClr r="0" g="0" b="0"/>
+      </a:lnRef>
+      <a:fillRef idx="3">
+        <a:scrgbClr r="0" g="0" b="0"/>
+      </a:fillRef>
+      <a:effectRef idx="2">
+        <a:scrgbClr r="0" g="0" b="0"/>
+      </a:effectRef>
+      <a:fontRef idx="minor">
+        <a:schemeClr val="lt1"/>
+      </a:fontRef>
+    </dgm:style>
+  </dgm:styleLbl>
+  <dgm:styleLbl name="lnNode1">
+    <dgm:scene3d>
+      <a:camera prst="orthographicFront"/>
+      <a:lightRig rig="threePt" dir="t"/>
+    </dgm:scene3d>
+    <dgm:sp3d/>
+    <dgm:txPr/>
+    <dgm:style>
+      <a:lnRef idx="1">
+        <a:scrgbClr r="0" g="0" b="0"/>
+      </a:lnRef>
+      <a:fillRef idx="3">
+        <a:scrgbClr r="0" g="0" b="0"/>
+      </a:fillRef>
+      <a:effectRef idx="2">
+        <a:scrgbClr r="0" g="0" b="0"/>
+      </a:effectRef>
+      <a:fontRef idx="minor">
+        <a:schemeClr val="lt1"/>
+      </a:fontRef>
+    </dgm:style>
+  </dgm:styleLbl>
+  <dgm:styleLbl name="vennNode1">
+    <dgm:scene3d>
+      <a:camera prst="orthographicFront"/>
+      <a:lightRig rig="threePt" dir="t"/>
+    </dgm:scene3d>
+    <dgm:sp3d/>
+    <dgm:txPr/>
+    <dgm:style>
+      <a:lnRef idx="0">
+        <a:scrgbClr r="0" g="0" b="0"/>
+      </a:lnRef>
+      <a:fillRef idx="3">
+        <a:scrgbClr r="0" g="0" b="0"/>
+      </a:fillRef>
+      <a:effectRef idx="0">
+        <a:scrgbClr r="0" g="0" b="0"/>
+      </a:effectRef>
+      <a:fontRef idx="minor">
+        <a:schemeClr val="tx1"/>
+      </a:fontRef>
+    </dgm:style>
+  </dgm:styleLbl>
+  <dgm:styleLbl name="alignNode1">
+    <dgm:scene3d>
+      <a:camera prst="orthographicFront"/>
+      <a:lightRig rig="threePt" dir="t"/>
+    </dgm:scene3d>
+    <dgm:sp3d/>
+    <dgm:txPr/>
+    <dgm:style>
+      <a:lnRef idx="1">
+        <a:scrgbClr r="0" g="0" b="0"/>
+      </a:lnRef>
+      <a:fillRef idx="3">
+        <a:scrgbClr r="0" g="0" b="0"/>
+      </a:fillRef>
+      <a:effectRef idx="2">
+        <a:scrgbClr r="0" g="0" b="0"/>
+      </a:effectRef>
+      <a:fontRef idx="minor">
+        <a:schemeClr val="lt1"/>
+      </a:fontRef>
+    </dgm:style>
+  </dgm:styleLbl>
+  <dgm:styleLbl name="node1">
+    <dgm:scene3d>
+      <a:camera prst="orthographicFront"/>
+      <a:lightRig rig="threePt" dir="t"/>
+    </dgm:scene3d>
+    <dgm:sp3d/>
+    <dgm:txPr/>
+    <dgm:style>
+      <a:lnRef idx="0">
+        <a:scrgbClr r="0" g="0" b="0"/>
+      </a:lnRef>
+      <a:fillRef idx="3">
+        <a:scrgbClr r="0" g="0" b="0"/>
+      </a:fillRef>
+      <a:effectRef idx="2">
+        <a:scrgbClr r="0" g="0" b="0"/>
+      </a:effectRef>
+      <a:fontRef idx="minor">
+        <a:schemeClr val="lt1"/>
+      </a:fontRef>
+    </dgm:style>
+  </dgm:styleLbl>
+  <dgm:styleLbl name="node2">
+    <dgm:scene3d>
+      <a:camera prst="orthographicFront"/>
+      <a:lightRig rig="threePt" dir="t"/>
+    </dgm:scene3d>
+    <dgm:sp3d/>
+    <dgm:txPr/>
+    <dgm:style>
+      <a:lnRef idx="0">
+        <a:scrgbClr r="0" g="0" b="0"/>
+      </a:lnRef>
+      <a:fillRef idx="3">
+        <a:scrgbClr r="0" g="0" b="0"/>
+      </a:fillRef>
+      <a:effectRef idx="2">
+        <a:scrgbClr r="0" g="0" b="0"/>
+      </a:effectRef>
+      <a:fontRef idx="minor">
+        <a:schemeClr val="lt1"/>
+      </a:fontRef>
+    </dgm:style>
+  </dgm:styleLbl>
+  <dgm:styleLbl name="node3">
+    <dgm:scene3d>
+      <a:camera prst="orthographicFront"/>
+      <a:lightRig rig="threePt" dir="t"/>
+    </dgm:scene3d>
+    <dgm:sp3d/>
+    <dgm:txPr/>
+    <dgm:style>
+      <a:lnRef idx="0">
+        <a:scrgbClr r="0" g="0" b="0"/>
+      </a:lnRef>
+      <a:fillRef idx="3">
+        <a:scrgbClr r="0" g="0" b="0"/>
+      </a:fillRef>
+      <a:effectRef idx="2">
+        <a:scrgbClr r="0" g="0" b="0"/>
+      </a:effectRef>
+      <a:fontRef idx="minor">
+        <a:schemeClr val="lt1"/>
+      </a:fontRef>
+    </dgm:style>
+  </dgm:styleLbl>
+  <dgm:styleLbl name="node4">
+    <dgm:scene3d>
+      <a:camera prst="orthographicFront"/>
+      <a:lightRig rig="threePt" dir="t"/>
+    </dgm:scene3d>
+    <dgm:sp3d/>
+    <dgm:txPr/>
+    <dgm:style>
+      <a:lnRef idx="0">
+        <a:scrgbClr r="0" g="0" b="0"/>
+      </a:lnRef>
+      <a:fillRef idx="3">
+        <a:scrgbClr r="0" g="0" b="0"/>
+      </a:fillRef>
+      <a:effectRef idx="2">
+        <a:scrgbClr r="0" g="0" b="0"/>
+      </a:effectRef>
+      <a:fontRef idx="minor">
+        <a:schemeClr val="lt1"/>
+      </a:fontRef>
+    </dgm:style>
+  </dgm:styleLbl>
+  <dgm:styleLbl name="fgImgPlace1">
+    <dgm:scene3d>
+      <a:camera prst="orthographicFront"/>
+      <a:lightRig rig="threePt" dir="t"/>
+    </dgm:scene3d>
+    <dgm:sp3d/>
+    <dgm:txPr/>
+    <dgm:style>
+      <a:lnRef idx="0">
+        <a:scrgbClr r="0" g="0" b="0"/>
+      </a:lnRef>
+      <a:fillRef idx="1">
+        <a:scrgbClr r="0" g="0" b="0"/>
+      </a:fillRef>
+      <a:effectRef idx="2">
+        <a:scrgbClr r="0" g="0" b="0"/>
+      </a:effectRef>
+      <a:fontRef idx="minor"/>
+    </dgm:style>
+  </dgm:styleLbl>
+  <dgm:styleLbl name="alignImgPlace1">
+    <dgm:scene3d>
+      <a:camera prst="orthographicFront"/>
+      <a:lightRig rig="threePt" dir="t"/>
+    </dgm:scene3d>
+    <dgm:sp3d/>
+    <dgm:txPr/>
+    <dgm:style>
+      <a:lnRef idx="0">
+        <a:scrgbClr r="0" g="0" b="0"/>
+      </a:lnRef>
+      <a:fillRef idx="1">
+        <a:scrgbClr r="0" g="0" b="0"/>
+      </a:fillRef>
+      <a:effectRef idx="2">
+        <a:scrgbClr r="0" g="0" b="0"/>
+      </a:effectRef>
+      <a:fontRef idx="minor"/>
+    </dgm:style>
+  </dgm:styleLbl>
+  <dgm:styleLbl name="bgImgPlace1">
+    <dgm:scene3d>
+      <a:camera prst="orthographicFront"/>
+      <a:lightRig rig="threePt" dir="t"/>
+    </dgm:scene3d>
+    <dgm:sp3d/>
+    <dgm:txPr/>
+    <dgm:style>
+      <a:lnRef idx="0">
+        <a:scrgbClr r="0" g="0" b="0"/>
+      </a:lnRef>
+      <a:fillRef idx="1">
+        <a:scrgbClr r="0" g="0" b="0"/>
+      </a:fillRef>
+      <a:effectRef idx="2">
+        <a:scrgbClr r="0" g="0" b="0"/>
+      </a:effectRef>
+      <a:fontRef idx="minor"/>
+    </dgm:style>
+  </dgm:styleLbl>
+  <dgm:styleLbl name="sibTrans2D1">
+    <dgm:scene3d>
+      <a:camera prst="orthographicFront"/>
+      <a:lightRig rig="threePt" dir="t"/>
+    </dgm:scene3d>
+    <dgm:sp3d/>
+    <dgm:txPr/>
+    <dgm:style>
+      <a:lnRef idx="0">
+        <a:scrgbClr r="0" g="0" b="0"/>
+      </a:lnRef>
+      <a:fillRef idx="3">
+        <a:scrgbClr r="0" g="0" b="0"/>
+      </a:fillRef>
+      <a:effectRef idx="2">
+        <a:scrgbClr r="0" g="0" b="0"/>
+      </a:effectRef>
+      <a:fontRef idx="minor">
+        <a:schemeClr val="lt1"/>
+      </a:fontRef>
+    </dgm:style>
+  </dgm:styleLbl>
+  <dgm:styleLbl name="fgSibTrans2D1">
+    <dgm:scene3d>
+      <a:camera prst="orthographicFront"/>
+      <a:lightRig rig="threePt" dir="t"/>
+    </dgm:scene3d>
+    <dgm:sp3d/>
+    <dgm:txPr/>
+    <dgm:style>
+      <a:lnRef idx="0">
+        <a:scrgbClr r="0" g="0" b="0"/>
+      </a:lnRef>
+      <a:fillRef idx="3">
+        <a:scrgbClr r="0" g="0" b="0"/>
+      </a:fillRef>
+      <a:effectRef idx="2">
+        <a:scrgbClr r="0" g="0" b="0"/>
+      </a:effectRef>
+      <a:fontRef idx="minor">
+        <a:schemeClr val="lt1"/>
+      </a:fontRef>
+    </dgm:style>
+  </dgm:styleLbl>
+  <dgm:styleLbl name="bgSibTrans2D1">
+    <dgm:scene3d>
+      <a:camera prst="orthographicFront"/>
+      <a:lightRig rig="threePt" dir="t"/>
+    </dgm:scene3d>
+    <dgm:sp3d/>
+    <dgm:txPr/>
+    <dgm:style>
+      <a:lnRef idx="0">
+        <a:scrgbClr r="0" g="0" b="0"/>
+      </a:lnRef>
+      <a:fillRef idx="3">
+        <a:scrgbClr r="0" g="0" b="0"/>
+      </a:fillRef>
+      <a:effectRef idx="2">
+        <a:scrgbClr r="0" g="0" b="0"/>
+      </a:effectRef>
+      <a:fontRef idx="minor">
+        <a:schemeClr val="lt1"/>
+      </a:fontRef>
+    </dgm:style>
+  </dgm:styleLbl>
+  <dgm:styleLbl name="sibTrans1D1">
+    <dgm:scene3d>
+      <a:camera prst="orthographicFront"/>
+      <a:lightRig rig="threePt" dir="t"/>
+    </dgm:scene3d>
+    <dgm:sp3d/>
+    <dgm:txPr/>
+    <dgm:style>
+      <a:lnRef idx="1">
+        <a:scrgbClr r="0" g="0" b="0"/>
+      </a:lnRef>
+      <a:fillRef idx="0">
+        <a:scrgbClr r="0" g="0" b="0"/>
+      </a:fillRef>
+      <a:effectRef idx="0">
+        <a:scrgbClr r="0" g="0" b="0"/>
+      </a:effectRef>
+      <a:fontRef idx="minor"/>
+    </dgm:style>
+  </dgm:styleLbl>
+  <dgm:styleLbl name="callout">
+    <dgm:scene3d>
+      <a:camera prst="orthographicFront"/>
+      <a:lightRig rig="threePt" dir="t"/>
+    </dgm:scene3d>
+    <dgm:sp3d/>
+    <dgm:txPr/>
+    <dgm:style>
+      <a:lnRef idx="2">
+        <a:scrgbClr r="0" g="0" b="0"/>
+      </a:lnRef>
+      <a:fillRef idx="1">
+        <a:scrgbClr r="0" g="0" b="0"/>
+      </a:fillRef>
+      <a:effectRef idx="1">
+        <a:scrgbClr r="0" g="0" b="0"/>
+      </a:effectRef>
+      <a:fontRef idx="minor"/>
+    </dgm:style>
+  </dgm:styleLbl>
+  <dgm:styleLbl name="asst0">
+    <dgm:scene3d>
+      <a:camera prst="orthographicFront"/>
+      <a:lightRig rig="threePt" dir="t"/>
+    </dgm:scene3d>
+    <dgm:sp3d/>
+    <dgm:txPr/>
+    <dgm:style>
+      <a:lnRef idx="0">
+        <a:scrgbClr r="0" g="0" b="0"/>
+      </a:lnRef>
+      <a:fillRef idx="3">
+        <a:scrgbClr r="0" g="0" b="0"/>
+      </a:fillRef>
+      <a:effectRef idx="2">
+        <a:scrgbClr r="0" g="0" b="0"/>
+      </a:effectRef>
+      <a:fontRef idx="minor">
+        <a:schemeClr val="lt1"/>
+      </a:fontRef>
+    </dgm:style>
+  </dgm:styleLbl>
+  <dgm:styleLbl name="asst1">
+    <dgm:scene3d>
+      <a:camera prst="orthographicFront"/>
+      <a:lightRig rig="threePt" dir="t"/>
+    </dgm:scene3d>
+    <dgm:sp3d/>
+    <dgm:txPr/>
+    <dgm:style>
+      <a:lnRef idx="0">
+        <a:scrgbClr r="0" g="0" b="0"/>
+      </a:lnRef>
+      <a:fillRef idx="3">
+        <a:scrgbClr r="0" g="0" b="0"/>
+      </a:fillRef>
+      <a:effectRef idx="2">
+        <a:scrgbClr r="0" g="0" b="0"/>
+      </a:effectRef>
+      <a:fontRef idx="minor">
+        <a:schemeClr val="lt1"/>
+      </a:fontRef>
+    </dgm:style>
+  </dgm:styleLbl>
+  <dgm:styleLbl name="asst2">
+    <dgm:scene3d>
+      <a:camera prst="orthographicFront"/>
+      <a:lightRig rig="threePt" dir="t"/>
+    </dgm:scene3d>
+    <dgm:sp3d/>
+    <dgm:txPr/>
+    <dgm:style>
+      <a:lnRef idx="0">
+        <a:scrgbClr r="0" g="0" b="0"/>
+      </a:lnRef>
+      <a:fillRef idx="3">
+        <a:scrgbClr r="0" g="0" b="0"/>
+      </a:fillRef>
+      <a:effectRef idx="2">
+        <a:scrgbClr r="0" g="0" b="0"/>
+      </a:effectRef>
+      <a:fontRef idx="minor">
+        <a:schemeClr val="lt1"/>
+      </a:fontRef>
+    </dgm:style>
+  </dgm:styleLbl>
+  <dgm:styleLbl name="asst3">
+    <dgm:scene3d>
+      <a:camera prst="orthographicFront"/>
+      <a:lightRig rig="threePt" dir="t"/>
+    </dgm:scene3d>
+    <dgm:sp3d/>
+    <dgm:txPr/>
+    <dgm:style>
+      <a:lnRef idx="0">
+        <a:scrgbClr r="0" g="0" b="0"/>
+      </a:lnRef>
+      <a:fillRef idx="3">
+        <a:scrgbClr r="0" g="0" b="0"/>
+      </a:fillRef>
+      <a:effectRef idx="2">
+        <a:scrgbClr r="0" g="0" b="0"/>
+      </a:effectRef>
+      <a:fontRef idx="minor">
+        <a:schemeClr val="lt1"/>
+      </a:fontRef>
+    </dgm:style>
+  </dgm:styleLbl>
+  <dgm:styleLbl name="asst4">
+    <dgm:scene3d>
+      <a:camera prst="orthographicFront"/>
+      <a:lightRig rig="threePt" dir="t"/>
+    </dgm:scene3d>
+    <dgm:sp3d/>
+    <dgm:txPr/>
+    <dgm:style>
+      <a:lnRef idx="0">
+        <a:scrgbClr r="0" g="0" b="0"/>
+      </a:lnRef>
+      <a:fillRef idx="3">
+        <a:scrgbClr r="0" g="0" b="0"/>
+      </a:fillRef>
+      <a:effectRef idx="2">
+        <a:scrgbClr r="0" g="0" b="0"/>
+      </a:effectRef>
+      <a:fontRef idx="minor">
+        <a:schemeClr val="lt1"/>
+      </a:fontRef>
+    </dgm:style>
+  </dgm:styleLbl>
+  <dgm:styleLbl name="parChTrans2D1">
+    <dgm:scene3d>
+      <a:camera prst="orthographicFront"/>
+      <a:lightRig rig="threePt" dir="t"/>
+    </dgm:scene3d>
+    <dgm:sp3d/>
+    <dgm:txPr/>
+    <dgm:style>
+      <a:lnRef idx="0">
+        <a:scrgbClr r="0" g="0" b="0"/>
+      </a:lnRef>
+      <a:fillRef idx="3">
+        <a:scrgbClr r="0" g="0" b="0"/>
+      </a:fillRef>
+      <a:effectRef idx="2">
+        <a:scrgbClr r="0" g="0" b="0"/>
+      </a:effectRef>
+      <a:fontRef idx="minor">
+        <a:schemeClr val="lt1"/>
+      </a:fontRef>
+    </dgm:style>
+  </dgm:styleLbl>
+  <dgm:styleLbl name="parChTrans2D2">
+    <dgm:scene3d>
+      <a:camera prst="orthographicFront"/>
+      <a:lightRig rig="threePt" dir="t"/>
+    </dgm:scene3d>
+    <dgm:sp3d/>
+    <dgm:txPr/>
+    <dgm:style>
+      <a:lnRef idx="0">
+        <a:scrgbClr r="0" g="0" b="0"/>
+      </a:lnRef>
+      <a:fillRef idx="3">
+        <a:scrgbClr r="0" g="0" b="0"/>
+      </a:fillRef>
+      <a:effectRef idx="2">
+        <a:scrgbClr r="0" g="0" b="0"/>
+      </a:effectRef>
+      <a:fontRef idx="minor">
+        <a:schemeClr val="lt1"/>
+      </a:fontRef>
+    </dgm:style>
+  </dgm:styleLbl>
+  <dgm:styleLbl name="parChTrans2D3">
+    <dgm:scene3d>
+      <a:camera prst="orthographicFront"/>
+      <a:lightRig rig="threePt" dir="t"/>
+    </dgm:scene3d>
+    <dgm:sp3d/>
+    <dgm:txPr/>
+    <dgm:style>
+      <a:lnRef idx="1">
+        <a:scrgbClr r="0" g="0" b="0"/>
+      </a:lnRef>
+      <a:fillRef idx="3">
+        <a:scrgbClr r="0" g="0" b="0"/>
+      </a:fillRef>
+      <a:effectRef idx="2">
+        <a:scrgbClr r="0" g="0" b="0"/>
+      </a:effectRef>
+      <a:fontRef idx="minor">
+        <a:schemeClr val="lt1"/>
+      </a:fontRef>
+    </dgm:style>
+  </dgm:styleLbl>
+  <dgm:styleLbl name="parChTrans2D4">
+    <dgm:scene3d>
+      <a:camera prst="orthographicFront"/>
+      <a:lightRig rig="threePt" dir="t"/>
+    </dgm:scene3d>
+    <dgm:sp3d/>
+    <dgm:txPr/>
+    <dgm:style>
+      <a:lnRef idx="1">
+        <a:scrgbClr r="0" g="0" b="0"/>
+      </a:lnRef>
+      <a:fillRef idx="3">
+        <a:scrgbClr r="0" g="0" b="0"/>
+      </a:fillRef>
+      <a:effectRef idx="2">
+        <a:scrgbClr r="0" g="0" b="0"/>
+      </a:effectRef>
+      <a:fontRef idx="minor">
+        <a:schemeClr val="lt1"/>
+      </a:fontRef>
+    </dgm:style>
+  </dgm:styleLbl>
+  <dgm:styleLbl name="parChTrans1D1">
+    <dgm:scene3d>
+      <a:camera prst="orthographicFront"/>
+      <a:lightRig rig="threePt" dir="t"/>
+    </dgm:scene3d>
+    <dgm:sp3d/>
+    <dgm:txPr/>
+    <dgm:style>
+      <a:lnRef idx="1">
+        <a:scrgbClr r="0" g="0" b="0"/>
+      </a:lnRef>
+      <a:fillRef idx="0">
+        <a:scrgbClr r="0" g="0" b="0"/>
+      </a:fillRef>
+      <a:effectRef idx="0">
+        <a:scrgbClr r="0" g="0" b="0"/>
+      </a:effectRef>
+      <a:fontRef idx="minor"/>
+    </dgm:style>
+  </dgm:styleLbl>
+  <dgm:styleLbl name="parChTrans1D2">
+    <dgm:scene3d>
+      <a:camera prst="orthographicFront"/>
+      <a:lightRig rig="threePt" dir="t"/>
+    </dgm:scene3d>
+    <dgm:sp3d/>
+    <dgm:txPr/>
+    <dgm:style>
+      <a:lnRef idx="1">
+        <a:scrgbClr r="0" g="0" b="0"/>
+      </a:lnRef>
+      <a:fillRef idx="0">
+        <a:scrgbClr r="0" g="0" b="0"/>
+      </a:fillRef>
+      <a:effectRef idx="0">
+        <a:scrgbClr r="0" g="0" b="0"/>
+      </a:effectRef>
+      <a:fontRef idx="minor"/>
+    </dgm:style>
+  </dgm:styleLbl>
+  <dgm:styleLbl name="parChTrans1D3">
+    <dgm:scene3d>
+      <a:camera prst="orthographicFront"/>
+      <a:lightRig rig="threePt" dir="t"/>
+    </dgm:scene3d>
+    <dgm:sp3d/>
+    <dgm:txPr/>
+    <dgm:style>
+      <a:lnRef idx="1">
+        <a:scrgbClr r="0" g="0" b="0"/>
+      </a:lnRef>
+      <a:fillRef idx="0">
+        <a:scrgbClr r="0" g="0" b="0"/>
+      </a:fillRef>
+      <a:effectRef idx="0">
+        <a:scrgbClr r="0" g="0" b="0"/>
+      </a:effectRef>
+      <a:fontRef idx="minor"/>
+    </dgm:style>
+  </dgm:styleLbl>
+  <dgm:styleLbl name="parChTrans1D4">
+    <dgm:scene3d>
+      <a:camera prst="orthographicFront"/>
+      <a:lightRig rig="threePt" dir="t"/>
+    </dgm:scene3d>
+    <dgm:sp3d/>
+    <dgm:txPr/>
+    <dgm:style>
+      <a:lnRef idx="1">
+        <a:scrgbClr r="0" g="0" b="0"/>
+      </a:lnRef>
+      <a:fillRef idx="0">
+        <a:scrgbClr r="0" g="0" b="0"/>
+      </a:fillRef>
+      <a:effectRef idx="0">
+        <a:scrgbClr r="0" g="0" b="0"/>
+      </a:effectRef>
+      <a:fontRef idx="minor"/>
+    </dgm:style>
+  </dgm:styleLbl>
+  <dgm:styleLbl name="fgAcc1">
+    <dgm:scene3d>
+      <a:camera prst="orthographicFront"/>
+      <a:lightRig rig="threePt" dir="t"/>
+    </dgm:scene3d>
+    <dgm:sp3d/>
+    <dgm:txPr/>
+    <dgm:style>
+      <a:lnRef idx="1">
+        <a:scrgbClr r="0" g="0" b="0"/>
+      </a:lnRef>
+      <a:fillRef idx="1">
+        <a:scrgbClr r="0" g="0" b="0"/>
+      </a:fillRef>
+      <a:effectRef idx="0">
+        <a:scrgbClr r="0" g="0" b="0"/>
+      </a:effectRef>
+      <a:fontRef idx="minor"/>
+    </dgm:style>
+  </dgm:styleLbl>
+  <dgm:styleLbl name="conFgAcc1">
+    <dgm:scene3d>
+      <a:camera prst="orthographicFront"/>
+      <a:lightRig rig="threePt" dir="t"/>
+    </dgm:scene3d>
+    <dgm:sp3d/>
+    <dgm:txPr/>
+    <dgm:style>
+      <a:lnRef idx="1">
+        <a:scrgbClr r="0" g="0" b="0"/>
+      </a:lnRef>
+      <a:fillRef idx="1">
+        <a:scrgbClr r="0" g="0" b="0"/>
+      </a:fillRef>
+      <a:effectRef idx="0">
+        <a:scrgbClr r="0" g="0" b="0"/>
+      </a:effectRef>
+      <a:fontRef idx="minor"/>
+    </dgm:style>
+  </dgm:styleLbl>
+  <dgm:styleLbl name="alignAcc1">
+    <dgm:scene3d>
+      <a:camera prst="orthographicFront"/>
+      <a:lightRig rig="threePt" dir="t"/>
+    </dgm:scene3d>
+    <dgm:sp3d/>
+    <dgm:txPr/>
+    <dgm:style>
+      <a:lnRef idx="1">
+        <a:scrgbClr r="0" g="0" b="0"/>
+      </a:lnRef>
+      <a:fillRef idx="1">
+        <a:scrgbClr r="0" g="0" b="0"/>
+      </a:fillRef>
+      <a:effectRef idx="0">
+        <a:scrgbClr r="0" g="0" b="0"/>
+      </a:effectRef>
+      <a:fontRef idx="minor"/>
+    </dgm:style>
+  </dgm:styleLbl>
+  <dgm:styleLbl name="trAlignAcc1">
+    <dgm:scene3d>
+      <a:camera prst="orthographicFront"/>
+      <a:lightRig rig="threePt" dir="t"/>
+    </dgm:scene3d>
+    <dgm:sp3d/>
+    <dgm:txPr/>
+    <dgm:style>
+      <a:lnRef idx="1">
+        <a:scrgbClr r="0" g="0" b="0"/>
+      </a:lnRef>
+      <a:fillRef idx="1">
+        <a:scrgbClr r="0" g="0" b="0"/>
+      </a:fillRef>
+      <a:effectRef idx="0">
+        <a:scrgbClr r="0" g="0" b="0"/>
+      </a:effectRef>
+      <a:fontRef idx="minor"/>
+    </dgm:style>
+  </dgm:styleLbl>
+  <dgm:styleLbl name="bgAcc1">
+    <dgm:scene3d>
+      <a:camera prst="orthographicFront"/>
+      <a:lightRig rig="threePt" dir="t"/>
+    </dgm:scene3d>
+    <dgm:sp3d/>
+    <dgm:txPr/>
+    <dgm:style>
+      <a:lnRef idx="1">
+        <a:scrgbClr r="0" g="0" b="0"/>
+      </a:lnRef>
+      <a:fillRef idx="1">
+        <a:scrgbClr r="0" g="0" b="0"/>
+      </a:fillRef>
+      <a:effectRef idx="0">
+        <a:scrgbClr r="0" g="0" b="0"/>
+      </a:effectRef>
+      <a:fontRef idx="minor"/>
+    </dgm:style>
+  </dgm:styleLbl>
+  <dgm:styleLbl name="solidFgAcc1">
+    <dgm:scene3d>
+      <a:camera prst="orthographicFront"/>
+      <a:lightRig rig="threePt" dir="t"/>
+    </dgm:scene3d>
+    <dgm:sp3d/>
+    <dgm:txPr/>
+    <dgm:style>
+      <a:lnRef idx="1">
+        <a:scrgbClr r="0" g="0" b="0"/>
+      </a:lnRef>
+      <a:fillRef idx="1">
+        <a:scrgbClr r="0" g="0" b="0"/>
+      </a:fillRef>
+      <a:effectRef idx="0">
+        <a:scrgbClr r="0" g="0" b="0"/>
+      </a:effectRef>
+      <a:fontRef idx="minor"/>
+    </dgm:style>
+  </dgm:styleLbl>
+  <dgm:styleLbl name="solidAlignAcc1">
+    <dgm:scene3d>
+      <a:camera prst="orthographicFront"/>
+      <a:lightRig rig="threePt" dir="t"/>
+    </dgm:scene3d>
+    <dgm:sp3d/>
+    <dgm:txPr/>
+    <dgm:style>
+      <a:lnRef idx="1">
+        <a:scrgbClr r="0" g="0" b="0"/>
+      </a:lnRef>
+      <a:fillRef idx="1">
+        <a:scrgbClr r="0" g="0" b="0"/>
+      </a:fillRef>
+      <a:effectRef idx="0">
+        <a:scrgbClr r="0" g="0" b="0"/>
+      </a:effectRef>
+      <a:fontRef idx="minor"/>
+    </dgm:style>
+  </dgm:styleLbl>
+  <dgm:styleLbl name="solidBgAcc1">
+    <dgm:scene3d>
+      <a:camera prst="orthographicFront"/>
+      <a:lightRig rig="threePt" dir="t"/>
+    </dgm:scene3d>
+    <dgm:sp3d/>
+    <dgm:txPr/>
+    <dgm:style>
+      <a:lnRef idx="1">
+        <a:scrgbClr r="0" g="0" b="0"/>
+      </a:lnRef>
+      <a:fillRef idx="1">
+        <a:scrgbClr r="0" g="0" b="0"/>
+      </a:fillRef>
+      <a:effectRef idx="0">
+        <a:scrgbClr r="0" g="0" b="0"/>
+      </a:effectRef>
+      <a:fontRef idx="minor"/>
+    </dgm:style>
+  </dgm:styleLbl>
+  <dgm:styleLbl name="fgAccFollowNode1">
+    <dgm:scene3d>
+      <a:camera prst="orthographicFront"/>
+      <a:lightRig rig="threePt" dir="t"/>
+    </dgm:scene3d>
+    <dgm:sp3d/>
+    <dgm:txPr/>
+    <dgm:style>
+      <a:lnRef idx="1">
+        <a:scrgbClr r="0" g="0" b="0"/>
+      </a:lnRef>
+      <a:fillRef idx="1">
+        <a:scrgbClr r="0" g="0" b="0"/>
+      </a:fillRef>
+      <a:effectRef idx="0">
+        <a:scrgbClr r="0" g="0" b="0"/>
+      </a:effectRef>
+      <a:fontRef idx="minor"/>
+    </dgm:style>
+  </dgm:styleLbl>
+  <dgm:styleLbl name="alignAccFollowNode1">
+    <dgm:scene3d>
+      <a:camera prst="orthographicFront"/>
+      <a:lightRig rig="threePt" dir="t"/>
+    </dgm:scene3d>
+    <dgm:sp3d/>
+    <dgm:txPr/>
+    <dgm:style>
+      <a:lnRef idx="1">
+        <a:scrgbClr r="0" g="0" b="0"/>
+      </a:lnRef>
+      <a:fillRef idx="1">
+        <a:scrgbClr r="0" g="0" b="0"/>
+      </a:fillRef>
+      <a:effectRef idx="0">
+        <a:scrgbClr r="0" g="0" b="0"/>
+      </a:effectRef>
+      <a:fontRef idx="minor"/>
+    </dgm:style>
+  </dgm:styleLbl>
+  <dgm:styleLbl name="bgAccFollowNode1">
+    <dgm:scene3d>
+      <a:camera prst="orthographicFront"/>
+      <a:lightRig rig="threePt" dir="t"/>
+    </dgm:scene3d>
+    <dgm:sp3d/>
+    <dgm:txPr/>
+    <dgm:style>
+      <a:lnRef idx="1">
+        <a:scrgbClr r="0" g="0" b="0"/>
+      </a:lnRef>
+      <a:fillRef idx="1">
+        <a:scrgbClr r="0" g="0" b="0"/>
+      </a:fillRef>
+      <a:effectRef idx="0">
+        <a:scrgbClr r="0" g="0" b="0"/>
+      </a:effectRef>
+      <a:fontRef idx="minor"/>
+    </dgm:style>
+  </dgm:styleLbl>
+  <dgm:styleLbl name="fgAcc0">
+    <dgm:scene3d>
+      <a:camera prst="orthographicFront"/>
+      <a:lightRig rig="threePt" dir="t"/>
+    </dgm:scene3d>
+    <dgm:sp3d/>
+    <dgm:txPr/>
+    <dgm:style>
+      <a:lnRef idx="1">
+        <a:scrgbClr r="0" g="0" b="0"/>
+      </a:lnRef>
+      <a:fillRef idx="1">
+        <a:scrgbClr r="0" g="0" b="0"/>
+      </a:fillRef>
+      <a:effectRef idx="0">
+        <a:scrgbClr r="0" g="0" b="0"/>
+      </a:effectRef>
+      <a:fontRef idx="minor"/>
+    </dgm:style>
+  </dgm:styleLbl>
+  <dgm:styleLbl name="fgAcc2">
+    <dgm:scene3d>
+      <a:camera prst="orthographicFront"/>
+      <a:lightRig rig="threePt" dir="t"/>
+    </dgm:scene3d>
+    <dgm:sp3d/>
+    <dgm:txPr/>
+    <dgm:style>
+      <a:lnRef idx="1">
+        <a:scrgbClr r="0" g="0" b="0"/>
+      </a:lnRef>
+      <a:fillRef idx="1">
+        <a:scrgbClr r="0" g="0" b="0"/>
+      </a:fillRef>
+      <a:effectRef idx="0">
+        <a:scrgbClr r="0" g="0" b="0"/>
+      </a:effectRef>
+      <a:fontRef idx="minor"/>
+    </dgm:style>
+  </dgm:styleLbl>
+  <dgm:styleLbl name="fgAcc3">
+    <dgm:scene3d>
+      <a:camera prst="orthographicFront"/>
+      <a:lightRig rig="threePt" dir="t"/>
+    </dgm:scene3d>
+    <dgm:sp3d/>
+    <dgm:txPr/>
+    <dgm:style>
+      <a:lnRef idx="1">
+        <a:scrgbClr r="0" g="0" b="0"/>
+      </a:lnRef>
+      <a:fillRef idx="1">
+        <a:scrgbClr r="0" g="0" b="0"/>
+      </a:fillRef>
+      <a:effectRef idx="0">
+        <a:scrgbClr r="0" g="0" b="0"/>
+      </a:effectRef>
+      <a:fontRef idx="minor"/>
+    </dgm:style>
+  </dgm:styleLbl>
+  <dgm:styleLbl name="fgAcc4">
+    <dgm:scene3d>
+      <a:camera prst="orthographicFront"/>
+      <a:lightRig rig="threePt" dir="t"/>
+    </dgm:scene3d>
+    <dgm:sp3d/>
+    <dgm:txPr/>
+    <dgm:style>
+      <a:lnRef idx="1">
+        <a:scrgbClr r="0" g="0" b="0"/>
+      </a:lnRef>
+      <a:fillRef idx="1">
+        <a:scrgbClr r="0" g="0" b="0"/>
+      </a:fillRef>
+      <a:effectRef idx="0">
+        <a:scrgbClr r="0" g="0" b="0"/>
+      </a:effectRef>
+      <a:fontRef idx="minor"/>
+    </dgm:style>
+  </dgm:styleLbl>
+  <dgm:styleLbl name="bgShp">
+    <dgm:scene3d>
+      <a:camera prst="orthographicFront"/>
+      <a:lightRig rig="threePt" dir="t"/>
+    </dgm:scene3d>
+    <dgm:sp3d/>
+    <dgm:txPr/>
+    <dgm:style>
+      <a:lnRef idx="0">
+        <a:scrgbClr r="0" g="0" b="0"/>
+      </a:lnRef>
+      <a:fillRef idx="1">
+        <a:scrgbClr r="0" g="0" b="0"/>
+      </a:fillRef>
+      <a:effectRef idx="2">
+        <a:scrgbClr r="0" g="0" b="0"/>
+      </a:effectRef>
+      <a:fontRef idx="minor"/>
+    </dgm:style>
+  </dgm:styleLbl>
+  <dgm:styleLbl name="dkBgShp">
+    <dgm:scene3d>
+      <a:camera prst="orthographicFront"/>
+      <a:lightRig rig="threePt" dir="t"/>
+    </dgm:scene3d>
+    <dgm:sp3d/>
+    <dgm:txPr/>
+    <dgm:style>
+      <a:lnRef idx="0">
+        <a:scrgbClr r="0" g="0" b="0"/>
+      </a:lnRef>
+      <a:fillRef idx="1">
+        <a:scrgbClr r="0" g="0" b="0"/>
+      </a:fillRef>
+      <a:effectRef idx="2">
+        <a:scrgbClr r="0" g="0" b="0"/>
+      </a:effectRef>
+      <a:fontRef idx="minor"/>
+    </dgm:style>
+  </dgm:styleLbl>
+  <dgm:styleLbl name="trBgShp">
+    <dgm:scene3d>
+      <a:camera prst="orthographicFront"/>
+      <a:lightRig rig="threePt" dir="t"/>
+    </dgm:scene3d>
+    <dgm:sp3d/>
+    <dgm:txPr/>
+    <dgm:style>
+      <a:lnRef idx="0">
+        <a:scrgbClr r="0" g="0" b="0"/>
+      </a:lnRef>
+      <a:fillRef idx="1">
+        <a:scrgbClr r="0" g="0" b="0"/>
+      </a:fillRef>
+      <a:effectRef idx="0">
+        <a:scrgbClr r="0" g="0" b="0"/>
+      </a:effectRef>
+      <a:fontRef idx="minor"/>
+    </dgm:style>
+  </dgm:styleLbl>
+  <dgm:styleLbl name="fgShp">
+    <dgm:scene3d>
+      <a:camera prst="orthographicFront"/>
+      <a:lightRig rig="threePt" dir="t"/>
+    </dgm:scene3d>
+    <dgm:sp3d/>
+    <dgm:txPr/>
+    <dgm:style>
+      <a:lnRef idx="0">
+        <a:scrgbClr r="0" g="0" b="0"/>
+      </a:lnRef>
+      <a:fillRef idx="3">
+        <a:scrgbClr r="0" g="0" b="0"/>
+      </a:fillRef>
+      <a:effectRef idx="2">
+        <a:scrgbClr r="0" g="0" b="0"/>
+      </a:effectRef>
+      <a:fontRef idx="minor"/>
+    </dgm:style>
+  </dgm:styleLbl>
+  <dgm:styleLbl name="revTx">
+    <dgm:scene3d>
+      <a:camera prst="orthographicFront"/>
+      <a:lightRig rig="threePt" dir="t"/>
+    </dgm:scene3d>
+    <dgm:sp3d/>
+    <dgm:txPr/>
+    <dgm:style>
+      <a:lnRef idx="0">
+        <a:scrgbClr r="0" g="0" b="0"/>
+      </a:lnRef>
+      <a:fillRef idx="0">
+        <a:scrgbClr r="0" g="0" b="0"/>
+      </a:fillRef>
+      <a:effectRef idx="0">
+        <a:scrgbClr r="0" g="0" b="0"/>
+      </a:effectRef>
+      <a:fontRef idx="minor"/>
+    </dgm:style>
+  </dgm:styleLbl>
+</dgm:styleDef>
+</file>
+
+<file path=ppt/diagrams/quickStyle2.xml><?xml version="1.0" encoding="utf-8"?>
 <dgm:styleDef xmlns:dgm="http://schemas.openxmlformats.org/drawingml/2006/diagram" xmlns:a="http://schemas.openxmlformats.org/drawingml/2006/main" uniqueId="urn:microsoft.com/office/officeart/2005/8/quickstyle/simple4">
   <dgm:title val=""/>
   <dgm:desc val=""/>
@@ -7644,7 +11792,12 @@
             <p:ph type="title"/>
           </p:nvPr>
         </p:nvSpPr>
-        <p:spPr/>
+        <p:spPr>
+          <a:xfrm>
+            <a:off x="224589" y="115051"/>
+            <a:ext cx="10515600" cy="1325563"/>
+          </a:xfrm>
+        </p:spPr>
         <p:txBody>
           <a:bodyPr/>
           <a:lstStyle/>
@@ -7667,20 +11820,64 @@
             <p:ph idx="1"/>
           </p:nvPr>
         </p:nvSpPr>
-        <p:spPr/>
+        <p:spPr>
+          <a:xfrm>
+            <a:off x="585536" y="1236077"/>
+            <a:ext cx="10515600" cy="4351338"/>
+          </a:xfrm>
+        </p:spPr>
         <p:txBody>
           <a:bodyPr/>
           <a:lstStyle/>
           <a:p>
             <a:r>
+              <a:rPr kumimoji="1" lang="zh-TW" altLang="en-US" dirty="0" smtClean="0"/>
+              <a:t>網頁 </a:t>
+            </a:r>
+            <a:r>
+              <a:rPr kumimoji="1" lang="en-US" altLang="zh-TW" dirty="0" smtClean="0"/>
+              <a:t>(HTML)</a:t>
+            </a:r>
+            <a:r>
+              <a:rPr kumimoji="1" lang="zh-TW" altLang="en-US" dirty="0" smtClean="0"/>
+              <a:t> 是由</a:t>
+            </a:r>
+            <a:r>
               <a:rPr kumimoji="1" lang="en-US" altLang="zh-TW" dirty="0" smtClean="0"/>
               <a:t>DOM</a:t>
+            </a:r>
+            <a:r>
+              <a:rPr kumimoji="1" lang="zh-TW" altLang="en-US" dirty="0" smtClean="0"/>
+              <a:t>的物件</a:t>
+            </a:r>
+            <a:r>
+              <a:rPr kumimoji="1" lang="zh-TW" altLang="en-US" dirty="0" smtClean="0"/>
+              <a:t>所組成</a:t>
+            </a:r>
+            <a:endParaRPr kumimoji="1" lang="en-US" altLang="zh-TW" dirty="0" smtClean="0"/>
+          </a:p>
+          <a:p>
+            <a:r>
+              <a:rPr kumimoji="1" lang="en-US" altLang="zh-TW" dirty="0" smtClean="0"/>
+              <a:t>DOM (Document Object Model)</a:t>
             </a:r>
           </a:p>
           <a:p>
             <a:pPr lvl="1"/>
             <a:r>
-              <a:rPr lang="en-US" altLang="zh-TW" dirty="0"/>
+              <a:rPr kumimoji="1" lang="zh-TW" altLang="en-US" dirty="0" smtClean="0"/>
+              <a:t>以樹狀結構描述文件</a:t>
+            </a:r>
+            <a:endParaRPr kumimoji="1" lang="en-US" altLang="zh-TW" dirty="0" smtClean="0"/>
+          </a:p>
+          <a:p>
+            <a:pPr lvl="1"/>
+            <a:r>
+              <a:rPr lang="en-US" altLang="zh-TW" dirty="0">
+                <a:solidFill>
+                  <a:srgbClr val="FF0000"/>
+                </a:solidFill>
+              </a:rPr>
               <a:t>HTML</a:t>
             </a:r>
             <a:r>
@@ -7707,6 +11904,345 @@
           </a:p>
         </p:txBody>
       </p:sp>
+      <p:sp>
+        <p:nvSpPr>
+          <p:cNvPr id="4" name="矩形 3"/>
+          <p:cNvSpPr/>
+          <p:nvPr/>
+        </p:nvSpPr>
+        <p:spPr>
+          <a:xfrm>
+            <a:off x="8121315" y="2954260"/>
+            <a:ext cx="5237747" cy="3785652"/>
+          </a:xfrm>
+          <a:prstGeom prst="rect">
+            <a:avLst/>
+          </a:prstGeom>
+        </p:spPr>
+        <p:txBody>
+          <a:bodyPr wrap="square">
+            <a:spAutoFit/>
+          </a:bodyPr>
+          <a:lstStyle/>
+          <a:p>
+            <a:r>
+              <a:rPr lang="en-US" altLang="zh-TW" sz="2400" dirty="0">
+                <a:solidFill>
+                  <a:srgbClr val="000000"/>
+                </a:solidFill>
+                <a:latin typeface="Menlo" charset="0"/>
+              </a:rPr>
+              <a:t>&lt;</a:t>
+            </a:r>
+            <a:r>
+              <a:rPr lang="en-US" altLang="zh-TW" sz="2400" dirty="0">
+                <a:solidFill>
+                  <a:srgbClr val="F92672"/>
+                </a:solidFill>
+                <a:latin typeface="Menlo" charset="0"/>
+              </a:rPr>
+              <a:t>html</a:t>
+            </a:r>
+            <a:r>
+              <a:rPr lang="en-US" altLang="zh-TW" sz="2400" dirty="0" smtClean="0">
+                <a:solidFill>
+                  <a:srgbClr val="000000"/>
+                </a:solidFill>
+                <a:latin typeface="Menlo" charset="0"/>
+              </a:rPr>
+              <a:t>&gt;</a:t>
+            </a:r>
+          </a:p>
+          <a:p>
+            <a:endParaRPr lang="en-US" altLang="zh-TW" sz="2400" dirty="0">
+              <a:solidFill>
+                <a:srgbClr val="000000"/>
+              </a:solidFill>
+              <a:latin typeface="Menlo" charset="0"/>
+            </a:endParaRPr>
+          </a:p>
+          <a:p>
+            <a:r>
+              <a:rPr lang="en-US" altLang="zh-TW" sz="2400" dirty="0" smtClean="0">
+                <a:solidFill>
+                  <a:srgbClr val="000000"/>
+                </a:solidFill>
+                <a:latin typeface="Menlo" charset="0"/>
+              </a:rPr>
+              <a:t>  &lt;</a:t>
+            </a:r>
+            <a:r>
+              <a:rPr lang="en-US" altLang="zh-TW" sz="2400" dirty="0">
+                <a:solidFill>
+                  <a:srgbClr val="F92672"/>
+                </a:solidFill>
+                <a:latin typeface="Menlo" charset="0"/>
+              </a:rPr>
+              <a:t>head</a:t>
+            </a:r>
+            <a:r>
+              <a:rPr lang="en-US" altLang="zh-TW" sz="2400" dirty="0">
+                <a:solidFill>
+                  <a:srgbClr val="000000"/>
+                </a:solidFill>
+                <a:latin typeface="Menlo" charset="0"/>
+              </a:rPr>
+              <a:t>&gt;</a:t>
+            </a:r>
+          </a:p>
+          <a:p>
+            <a:r>
+              <a:rPr lang="en-US" altLang="zh-TW" sz="2400" dirty="0" smtClean="0">
+                <a:solidFill>
+                  <a:srgbClr val="000000"/>
+                </a:solidFill>
+                <a:latin typeface="Menlo" charset="0"/>
+              </a:rPr>
+              <a:t>     &lt;</a:t>
+            </a:r>
+            <a:r>
+              <a:rPr lang="en-US" altLang="zh-TW" sz="2400" dirty="0">
+                <a:solidFill>
+                  <a:srgbClr val="F92672"/>
+                </a:solidFill>
+                <a:latin typeface="Menlo" charset="0"/>
+              </a:rPr>
+              <a:t>title</a:t>
+            </a:r>
+            <a:r>
+              <a:rPr lang="en-US" altLang="zh-TW" sz="2400" dirty="0">
+                <a:solidFill>
+                  <a:srgbClr val="000000"/>
+                </a:solidFill>
+                <a:latin typeface="Menlo" charset="0"/>
+              </a:rPr>
+              <a:t>&gt;&lt;/</a:t>
+            </a:r>
+            <a:r>
+              <a:rPr lang="en-US" altLang="zh-TW" sz="2400" dirty="0">
+                <a:solidFill>
+                  <a:srgbClr val="F92672"/>
+                </a:solidFill>
+                <a:latin typeface="Menlo" charset="0"/>
+              </a:rPr>
+              <a:t>title</a:t>
+            </a:r>
+            <a:r>
+              <a:rPr lang="en-US" altLang="zh-TW" sz="2400" dirty="0">
+                <a:solidFill>
+                  <a:srgbClr val="000000"/>
+                </a:solidFill>
+                <a:latin typeface="Menlo" charset="0"/>
+              </a:rPr>
+              <a:t>&gt;</a:t>
+            </a:r>
+          </a:p>
+          <a:p>
+            <a:r>
+              <a:rPr lang="en-US" altLang="zh-TW" sz="2400" dirty="0" smtClean="0">
+                <a:solidFill>
+                  <a:srgbClr val="000000"/>
+                </a:solidFill>
+                <a:latin typeface="Menlo" charset="0"/>
+              </a:rPr>
+              <a:t>  &lt;/</a:t>
+            </a:r>
+            <a:r>
+              <a:rPr lang="en-US" altLang="zh-TW" sz="2400" dirty="0">
+                <a:solidFill>
+                  <a:srgbClr val="F92672"/>
+                </a:solidFill>
+                <a:latin typeface="Menlo" charset="0"/>
+              </a:rPr>
+              <a:t>head</a:t>
+            </a:r>
+            <a:r>
+              <a:rPr lang="en-US" altLang="zh-TW" sz="2400" dirty="0" smtClean="0">
+                <a:solidFill>
+                  <a:srgbClr val="000000"/>
+                </a:solidFill>
+                <a:latin typeface="Menlo" charset="0"/>
+              </a:rPr>
+              <a:t>&gt;</a:t>
+            </a:r>
+          </a:p>
+          <a:p>
+            <a:endParaRPr lang="en-US" altLang="zh-TW" sz="2400" dirty="0">
+              <a:solidFill>
+                <a:srgbClr val="000000"/>
+              </a:solidFill>
+              <a:latin typeface="Menlo" charset="0"/>
+            </a:endParaRPr>
+          </a:p>
+          <a:p>
+            <a:r>
+              <a:rPr lang="en-US" altLang="zh-TW" sz="2400" dirty="0" smtClean="0">
+                <a:solidFill>
+                  <a:srgbClr val="000000"/>
+                </a:solidFill>
+                <a:latin typeface="Menlo" charset="0"/>
+              </a:rPr>
+              <a:t>  &lt;</a:t>
+            </a:r>
+            <a:r>
+              <a:rPr lang="en-US" altLang="zh-TW" sz="2400" dirty="0">
+                <a:solidFill>
+                  <a:srgbClr val="F92672"/>
+                </a:solidFill>
+                <a:latin typeface="Menlo" charset="0"/>
+              </a:rPr>
+              <a:t>body</a:t>
+            </a:r>
+            <a:r>
+              <a:rPr lang="en-US" altLang="zh-TW" sz="2400" dirty="0">
+                <a:solidFill>
+                  <a:srgbClr val="000000"/>
+                </a:solidFill>
+                <a:latin typeface="Menlo" charset="0"/>
+              </a:rPr>
+              <a:t>&gt; </a:t>
+            </a:r>
+          </a:p>
+          <a:p>
+            <a:r>
+              <a:rPr lang="en-US" altLang="zh-TW" sz="2400" dirty="0" smtClean="0">
+                <a:solidFill>
+                  <a:srgbClr val="000000"/>
+                </a:solidFill>
+                <a:latin typeface="Menlo" charset="0"/>
+              </a:rPr>
+              <a:t>  &lt;/</a:t>
+            </a:r>
+            <a:r>
+              <a:rPr lang="en-US" altLang="zh-TW" sz="2400" dirty="0">
+                <a:solidFill>
+                  <a:srgbClr val="F92672"/>
+                </a:solidFill>
+                <a:latin typeface="Menlo" charset="0"/>
+              </a:rPr>
+              <a:t>body</a:t>
+            </a:r>
+            <a:r>
+              <a:rPr lang="en-US" altLang="zh-TW" sz="2400" dirty="0" smtClean="0">
+                <a:solidFill>
+                  <a:srgbClr val="000000"/>
+                </a:solidFill>
+                <a:latin typeface="Menlo" charset="0"/>
+              </a:rPr>
+              <a:t>&gt;</a:t>
+            </a:r>
+          </a:p>
+          <a:p>
+            <a:endParaRPr lang="en-US" altLang="zh-TW" sz="2400" dirty="0">
+              <a:solidFill>
+                <a:srgbClr val="000000"/>
+              </a:solidFill>
+              <a:latin typeface="Menlo" charset="0"/>
+            </a:endParaRPr>
+          </a:p>
+          <a:p>
+            <a:r>
+              <a:rPr lang="en-US" altLang="zh-TW" sz="2400" dirty="0">
+                <a:solidFill>
+                  <a:srgbClr val="000000"/>
+                </a:solidFill>
+                <a:latin typeface="Menlo" charset="0"/>
+              </a:rPr>
+              <a:t>&lt;/</a:t>
+            </a:r>
+            <a:r>
+              <a:rPr lang="en-US" altLang="zh-TW" sz="2400" dirty="0">
+                <a:solidFill>
+                  <a:srgbClr val="F92672"/>
+                </a:solidFill>
+                <a:latin typeface="Menlo" charset="0"/>
+              </a:rPr>
+              <a:t>html</a:t>
+            </a:r>
+            <a:r>
+              <a:rPr lang="en-US" altLang="zh-TW" sz="2400" dirty="0">
+                <a:solidFill>
+                  <a:srgbClr val="000000"/>
+                </a:solidFill>
+                <a:latin typeface="Menlo" charset="0"/>
+              </a:rPr>
+              <a:t>&gt;</a:t>
+            </a:r>
+            <a:endParaRPr lang="en-US" altLang="zh-TW" sz="2400" b="0" dirty="0">
+              <a:solidFill>
+                <a:srgbClr val="000000"/>
+              </a:solidFill>
+              <a:effectLst/>
+              <a:latin typeface="Menlo" charset="0"/>
+            </a:endParaRPr>
+          </a:p>
+        </p:txBody>
+      </p:sp>
+      <p:graphicFrame>
+        <p:nvGraphicFramePr>
+          <p:cNvPr id="5" name="資料圖表 4"/>
+          <p:cNvGraphicFramePr/>
+          <p:nvPr>
+            <p:extLst>
+              <p:ext uri="{D42A27DB-BD31-4B8C-83A1-F6EECF244321}">
+                <p14:modId xmlns:p14="http://schemas.microsoft.com/office/powerpoint/2010/main" val="1804025116"/>
+              </p:ext>
+            </p:extLst>
+          </p:nvPr>
+        </p:nvGraphicFramePr>
+        <p:xfrm>
+          <a:off x="3547979" y="2983831"/>
+          <a:ext cx="3033294" cy="3732017"/>
+        </p:xfrm>
+        <a:graphic>
+          <a:graphicData uri="http://schemas.openxmlformats.org/drawingml/2006/diagram">
+            <dgm:relIds xmlns:dgm="http://schemas.openxmlformats.org/drawingml/2006/diagram" xmlns:r="http://schemas.openxmlformats.org/officeDocument/2006/relationships" r:dm="rId2" r:lo="rId3" r:qs="rId4" r:cs="rId5"/>
+          </a:graphicData>
+        </a:graphic>
+      </p:graphicFrame>
+      <p:sp>
+        <p:nvSpPr>
+          <p:cNvPr id="6" name="向右箭號 5"/>
+          <p:cNvSpPr/>
+          <p:nvPr/>
+        </p:nvSpPr>
+        <p:spPr>
+          <a:xfrm>
+            <a:off x="6954252" y="4383870"/>
+            <a:ext cx="986589" cy="661737"/>
+          </a:xfrm>
+          <a:prstGeom prst="rightArrow">
+            <a:avLst/>
+          </a:prstGeom>
+          <a:solidFill>
+            <a:schemeClr val="accent4"/>
+          </a:solidFill>
+        </p:spPr>
+        <p:style>
+          <a:lnRef idx="2">
+            <a:schemeClr val="accent1">
+              <a:shade val="50000"/>
+            </a:schemeClr>
+          </a:lnRef>
+          <a:fillRef idx="1">
+            <a:schemeClr val="accent1"/>
+          </a:fillRef>
+          <a:effectRef idx="0">
+            <a:schemeClr val="accent1"/>
+          </a:effectRef>
+          <a:fontRef idx="minor">
+            <a:schemeClr val="lt1"/>
+          </a:fontRef>
+        </p:style>
+        <p:txBody>
+          <a:bodyPr rtlCol="0" anchor="ctr"/>
+          <a:lstStyle/>
+          <a:p>
+            <a:pPr algn="ctr"/>
+            <a:endParaRPr kumimoji="1" lang="zh-TW" altLang="en-US"/>
+          </a:p>
+        </p:txBody>
+      </p:sp>
     </p:spTree>
     <p:extLst>
       <p:ext uri="{BB962C8B-B14F-4D97-AF65-F5344CB8AC3E}">
@@ -7728,6 +12264,138 @@
 </file>
 
 <file path=ppt/slides/slide4.xml><?xml version="1.0" encoding="utf-8"?>
+<p:sld xmlns:a="http://schemas.openxmlformats.org/drawingml/2006/main" xmlns:r="http://schemas.openxmlformats.org/officeDocument/2006/relationships" xmlns:p="http://schemas.openxmlformats.org/presentationml/2006/main">
+  <p:cSld>
+    <p:spTree>
+      <p:nvGrpSpPr>
+        <p:cNvPr id="1" name=""/>
+        <p:cNvGrpSpPr/>
+        <p:nvPr/>
+      </p:nvGrpSpPr>
+      <p:grpSpPr>
+        <a:xfrm>
+          <a:off x="0" y="0"/>
+          <a:ext cx="0" cy="0"/>
+          <a:chOff x="0" y="0"/>
+          <a:chExt cx="0" cy="0"/>
+        </a:xfrm>
+      </p:grpSpPr>
+      <p:sp>
+        <p:nvSpPr>
+          <p:cNvPr id="2" name="標題 1"/>
+          <p:cNvSpPr>
+            <a:spLocks noGrp="1"/>
+          </p:cNvSpPr>
+          <p:nvPr>
+            <p:ph type="title"/>
+          </p:nvPr>
+        </p:nvSpPr>
+        <p:spPr/>
+        <p:txBody>
+          <a:bodyPr/>
+          <a:lstStyle/>
+          <a:p>
+            <a:r>
+              <a:rPr kumimoji="1" lang="zh-TW" altLang="en-US" dirty="0" smtClean="0"/>
+              <a:t>一、簡介</a:t>
+            </a:r>
+            <a:endParaRPr kumimoji="1" lang="zh-TW" altLang="en-US" dirty="0"/>
+          </a:p>
+        </p:txBody>
+      </p:sp>
+      <p:sp>
+        <p:nvSpPr>
+          <p:cNvPr id="3" name="內容版面配置區 2"/>
+          <p:cNvSpPr>
+            <a:spLocks noGrp="1"/>
+          </p:cNvSpPr>
+          <p:nvPr>
+            <p:ph idx="1"/>
+          </p:nvPr>
+        </p:nvSpPr>
+        <p:spPr/>
+        <p:txBody>
+          <a:bodyPr>
+            <a:normAutofit/>
+          </a:bodyPr>
+          <a:lstStyle/>
+          <a:p>
+            <a:r>
+              <a:rPr kumimoji="1" lang="en-US" altLang="zh-TW" sz="4400" dirty="0" smtClean="0"/>
+              <a:t>jQuery</a:t>
+            </a:r>
+          </a:p>
+          <a:p>
+            <a:pPr lvl="1"/>
+            <a:r>
+              <a:rPr kumimoji="1" lang="zh-TW" altLang="en-US" sz="4000" dirty="0" smtClean="0"/>
+              <a:t>操作</a:t>
+            </a:r>
+            <a:r>
+              <a:rPr kumimoji="1" lang="zh-TW" altLang="en-US" sz="4000" dirty="0" smtClean="0"/>
+              <a:t>網頁裡</a:t>
+            </a:r>
+            <a:r>
+              <a:rPr kumimoji="1" lang="zh-TW" altLang="en-US" sz="4000" dirty="0" smtClean="0"/>
+              <a:t>的</a:t>
+            </a:r>
+            <a:r>
+              <a:rPr kumimoji="1" lang="en-US" altLang="zh-TW" sz="4000" dirty="0" smtClean="0"/>
+              <a:t>DOM</a:t>
+            </a:r>
+            <a:r>
+              <a:rPr kumimoji="1" lang="zh-TW" altLang="en-US" sz="4000" dirty="0" smtClean="0"/>
+              <a:t>物件</a:t>
+            </a:r>
+            <a:endParaRPr kumimoji="1" lang="en-US" altLang="zh-TW" sz="4000" dirty="0" smtClean="0"/>
+          </a:p>
+          <a:p>
+            <a:pPr lvl="1"/>
+            <a:r>
+              <a:rPr kumimoji="1" lang="zh-TW" altLang="en-US" sz="4000" dirty="0" smtClean="0"/>
+              <a:t>加入網頁特效</a:t>
+            </a:r>
+            <a:endParaRPr kumimoji="1" lang="en-US" altLang="zh-TW" sz="4000" dirty="0" smtClean="0"/>
+          </a:p>
+          <a:p>
+            <a:pPr lvl="1"/>
+            <a:r>
+              <a:rPr kumimoji="1" lang="en-US" altLang="zh-TW" sz="4000" dirty="0" smtClean="0"/>
+              <a:t>AJAX</a:t>
+            </a:r>
+            <a:r>
+              <a:rPr kumimoji="1" lang="zh-TW" altLang="en-US" sz="4000" smtClean="0"/>
+              <a:t>非同步資料處理</a:t>
+            </a:r>
+            <a:endParaRPr kumimoji="1" lang="en-US" altLang="zh-TW" sz="4000" dirty="0" smtClean="0"/>
+          </a:p>
+          <a:p>
+            <a:pPr lvl="1"/>
+            <a:endParaRPr kumimoji="1" lang="en-US" altLang="zh-TW" sz="4000" dirty="0" smtClean="0"/>
+          </a:p>
+        </p:txBody>
+      </p:sp>
+    </p:spTree>
+    <p:extLst>
+      <p:ext uri="{BB962C8B-B14F-4D97-AF65-F5344CB8AC3E}">
+        <p14:creationId xmlns:p14="http://schemas.microsoft.com/office/powerpoint/2010/main" val="1408496158"/>
+      </p:ext>
+    </p:extLst>
+  </p:cSld>
+  <p:clrMapOvr>
+    <a:masterClrMapping/>
+  </p:clrMapOvr>
+  <p:timing>
+    <p:tnLst>
+      <p:par>
+        <p:cTn id="1" dur="indefinite" restart="never" nodeType="tmRoot"/>
+      </p:par>
+    </p:tnLst>
+  </p:timing>
+</p:sld>
+</file>
+
+<file path=ppt/slides/slide5.xml><?xml version="1.0" encoding="utf-8"?>
 <p:sld xmlns:a="http://schemas.openxmlformats.org/drawingml/2006/main" xmlns:r="http://schemas.openxmlformats.org/officeDocument/2006/relationships" xmlns:p="http://schemas.openxmlformats.org/presentationml/2006/main">
   <p:cSld>
     <p:spTree>

--- a/jquerytutorial.pptx
+++ b/jquerytutorial.pptx
@@ -3162,6 +3162,13 @@
         </dgm:presLayoutVars>
       </dgm:prSet>
       <dgm:spPr/>
+      <dgm:t>
+        <a:bodyPr/>
+        <a:lstStyle/>
+        <a:p>
+          <a:endParaRPr lang="zh-TW" altLang="en-US"/>
+        </a:p>
+      </dgm:t>
     </dgm:pt>
     <dgm:pt modelId="{005354CA-B6AF-7E45-A9E8-C6A707894EEA}" type="pres">
       <dgm:prSet presAssocID="{3508AEB0-FE9A-1D4F-86F4-8876427F7D40}" presName="hierRoot1" presStyleCnt="0">
@@ -3182,10 +3189,24 @@
         </dgm:presLayoutVars>
       </dgm:prSet>
       <dgm:spPr/>
+      <dgm:t>
+        <a:bodyPr/>
+        <a:lstStyle/>
+        <a:p>
+          <a:endParaRPr lang="zh-TW" altLang="en-US"/>
+        </a:p>
+      </dgm:t>
     </dgm:pt>
     <dgm:pt modelId="{DE6AD4C7-9861-8346-B79F-14A60C030635}" type="pres">
       <dgm:prSet presAssocID="{3508AEB0-FE9A-1D4F-86F4-8876427F7D40}" presName="rootConnector1" presStyleLbl="node1" presStyleIdx="0" presStyleCnt="0"/>
       <dgm:spPr/>
+      <dgm:t>
+        <a:bodyPr/>
+        <a:lstStyle/>
+        <a:p>
+          <a:endParaRPr lang="zh-TW" altLang="en-US"/>
+        </a:p>
+      </dgm:t>
     </dgm:pt>
     <dgm:pt modelId="{72C1BE13-40EF-FB40-AE70-8D90277F8841}" type="pres">
       <dgm:prSet presAssocID="{3508AEB0-FE9A-1D4F-86F4-8876427F7D40}" presName="hierChild2" presStyleCnt="0"/>
@@ -3194,6 +3215,13 @@
     <dgm:pt modelId="{4EABEFEC-7695-3B45-A88F-E2BEB53EDCFE}" type="pres">
       <dgm:prSet presAssocID="{1E0A919C-E1F3-8C4F-B2C9-9D77A984CE7E}" presName="Name37" presStyleLbl="parChTrans1D2" presStyleIdx="0" presStyleCnt="2"/>
       <dgm:spPr/>
+      <dgm:t>
+        <a:bodyPr/>
+        <a:lstStyle/>
+        <a:p>
+          <a:endParaRPr lang="zh-TW" altLang="en-US"/>
+        </a:p>
+      </dgm:t>
     </dgm:pt>
     <dgm:pt modelId="{ED7880E7-3A75-A440-A9AC-64C009874D76}" type="pres">
       <dgm:prSet presAssocID="{CD9EE388-7219-664F-84F1-AD7E9A318605}" presName="hierRoot2" presStyleCnt="0">
@@ -3214,10 +3242,24 @@
         </dgm:presLayoutVars>
       </dgm:prSet>
       <dgm:spPr/>
+      <dgm:t>
+        <a:bodyPr/>
+        <a:lstStyle/>
+        <a:p>
+          <a:endParaRPr lang="zh-TW" altLang="en-US"/>
+        </a:p>
+      </dgm:t>
     </dgm:pt>
     <dgm:pt modelId="{47354800-F961-E940-A917-978711E90772}" type="pres">
       <dgm:prSet presAssocID="{CD9EE388-7219-664F-84F1-AD7E9A318605}" presName="rootConnector" presStyleLbl="node2" presStyleIdx="0" presStyleCnt="2"/>
       <dgm:spPr/>
+      <dgm:t>
+        <a:bodyPr/>
+        <a:lstStyle/>
+        <a:p>
+          <a:endParaRPr lang="zh-TW" altLang="en-US"/>
+        </a:p>
+      </dgm:t>
     </dgm:pt>
     <dgm:pt modelId="{65F777C0-C3DD-204C-8749-DF76D25E1DE9}" type="pres">
       <dgm:prSet presAssocID="{CD9EE388-7219-664F-84F1-AD7E9A318605}" presName="hierChild4" presStyleCnt="0"/>
@@ -3226,6 +3268,13 @@
     <dgm:pt modelId="{945C1E65-F4E0-DF46-9FBB-C0BC802C4590}" type="pres">
       <dgm:prSet presAssocID="{838841C7-2933-F249-A2FF-A00098A04267}" presName="Name37" presStyleLbl="parChTrans1D3" presStyleIdx="0" presStyleCnt="1"/>
       <dgm:spPr/>
+      <dgm:t>
+        <a:bodyPr/>
+        <a:lstStyle/>
+        <a:p>
+          <a:endParaRPr lang="zh-TW" altLang="en-US"/>
+        </a:p>
+      </dgm:t>
     </dgm:pt>
     <dgm:pt modelId="{BDD00B7E-F8B0-7B4A-848E-B574E49A7CD8}" type="pres">
       <dgm:prSet presAssocID="{4E158C13-669D-9044-9FFF-00076ACA3C72}" presName="hierRoot2" presStyleCnt="0">
@@ -3257,6 +3306,13 @@
     <dgm:pt modelId="{6EE4A430-4360-C944-8418-82DED00309BC}" type="pres">
       <dgm:prSet presAssocID="{4E158C13-669D-9044-9FFF-00076ACA3C72}" presName="rootConnector" presStyleLbl="node3" presStyleIdx="0" presStyleCnt="1"/>
       <dgm:spPr/>
+      <dgm:t>
+        <a:bodyPr/>
+        <a:lstStyle/>
+        <a:p>
+          <a:endParaRPr lang="zh-TW" altLang="en-US"/>
+        </a:p>
+      </dgm:t>
     </dgm:pt>
     <dgm:pt modelId="{86D32B64-488C-E24C-B113-774B07B829D0}" type="pres">
       <dgm:prSet presAssocID="{4E158C13-669D-9044-9FFF-00076ACA3C72}" presName="hierChild4" presStyleCnt="0"/>
@@ -3273,6 +3329,13 @@
     <dgm:pt modelId="{1180A75B-B978-C341-822F-79E7EAF44E9A}" type="pres">
       <dgm:prSet presAssocID="{FF7AFBB5-198B-5E43-B130-F2342CFAFDF4}" presName="Name37" presStyleLbl="parChTrans1D2" presStyleIdx="1" presStyleCnt="2"/>
       <dgm:spPr/>
+      <dgm:t>
+        <a:bodyPr/>
+        <a:lstStyle/>
+        <a:p>
+          <a:endParaRPr lang="zh-TW" altLang="en-US"/>
+        </a:p>
+      </dgm:t>
     </dgm:pt>
     <dgm:pt modelId="{34AFCEA8-EAA0-BC46-A3F6-61BBC673562E}" type="pres">
       <dgm:prSet presAssocID="{91A0A43B-667A-6F45-845B-CC95337C31B6}" presName="hierRoot2" presStyleCnt="0">
@@ -3293,10 +3356,24 @@
         </dgm:presLayoutVars>
       </dgm:prSet>
       <dgm:spPr/>
+      <dgm:t>
+        <a:bodyPr/>
+        <a:lstStyle/>
+        <a:p>
+          <a:endParaRPr lang="zh-TW" altLang="en-US"/>
+        </a:p>
+      </dgm:t>
     </dgm:pt>
     <dgm:pt modelId="{03D57D47-DCC3-EF45-A0D2-9EC7B65C0178}" type="pres">
       <dgm:prSet presAssocID="{91A0A43B-667A-6F45-845B-CC95337C31B6}" presName="rootConnector" presStyleLbl="node2" presStyleIdx="1" presStyleCnt="2"/>
       <dgm:spPr/>
+      <dgm:t>
+        <a:bodyPr/>
+        <a:lstStyle/>
+        <a:p>
+          <a:endParaRPr lang="zh-TW" altLang="en-US"/>
+        </a:p>
+      </dgm:t>
     </dgm:pt>
     <dgm:pt modelId="{898D11FE-75BF-F047-B350-B6819D80F514}" type="pres">
       <dgm:prSet presAssocID="{91A0A43B-667A-6F45-845B-CC95337C31B6}" presName="hierChild4" presStyleCnt="0"/>
@@ -3312,22 +3389,22 @@
     </dgm:pt>
   </dgm:ptLst>
   <dgm:cxnLst>
+    <dgm:cxn modelId="{C20C5957-6934-6946-AFF9-B0A0C0ECF6E3}" type="presOf" srcId="{E4C4CC2F-F6A7-394C-B5E8-1C5384BDB989}" destId="{D4F2AA69-3851-FC49-ACE3-BD70B1DAE1E7}" srcOrd="0" destOrd="0" presId="urn:microsoft.com/office/officeart/2005/8/layout/orgChart1"/>
     <dgm:cxn modelId="{8F2FA405-AF8F-D84F-840C-6A2BDD66AFC2}" type="presOf" srcId="{838841C7-2933-F249-A2FF-A00098A04267}" destId="{945C1E65-F4E0-DF46-9FBB-C0BC802C4590}" srcOrd="0" destOrd="0" presId="urn:microsoft.com/office/officeart/2005/8/layout/orgChart1"/>
-    <dgm:cxn modelId="{1CB77799-4778-A549-A043-D9C1DB360E4E}" srcId="{E4C4CC2F-F6A7-394C-B5E8-1C5384BDB989}" destId="{3508AEB0-FE9A-1D4F-86F4-8876427F7D40}" srcOrd="0" destOrd="0" parTransId="{269A2813-1E92-8F48-83E6-C8AFB2E8E8EB}" sibTransId="{AE291052-D4D1-3940-AA39-194F0F786E6F}"/>
-    <dgm:cxn modelId="{2378657F-87DD-AF46-A975-A849547FF3A8}" srcId="{3508AEB0-FE9A-1D4F-86F4-8876427F7D40}" destId="{91A0A43B-667A-6F45-845B-CC95337C31B6}" srcOrd="1" destOrd="0" parTransId="{FF7AFBB5-198B-5E43-B130-F2342CFAFDF4}" sibTransId="{AFF827AD-DEDD-094D-A713-572C2F79E922}"/>
-    <dgm:cxn modelId="{887945C8-ADF8-8A4F-827B-5AA66C24A48E}" type="presOf" srcId="{4E158C13-669D-9044-9FFF-00076ACA3C72}" destId="{6EE4A430-4360-C944-8418-82DED00309BC}" srcOrd="1" destOrd="0" presId="urn:microsoft.com/office/officeart/2005/8/layout/orgChart1"/>
-    <dgm:cxn modelId="{4509CA39-A133-894A-9929-E42065888097}" srcId="{3508AEB0-FE9A-1D4F-86F4-8876427F7D40}" destId="{CD9EE388-7219-664F-84F1-AD7E9A318605}" srcOrd="0" destOrd="0" parTransId="{1E0A919C-E1F3-8C4F-B2C9-9D77A984CE7E}" sibTransId="{1EE838BF-D4F2-8149-A0FA-1B9C34EC4433}"/>
-    <dgm:cxn modelId="{C20C5957-6934-6946-AFF9-B0A0C0ECF6E3}" type="presOf" srcId="{E4C4CC2F-F6A7-394C-B5E8-1C5384BDB989}" destId="{D4F2AA69-3851-FC49-ACE3-BD70B1DAE1E7}" srcOrd="0" destOrd="0" presId="urn:microsoft.com/office/officeart/2005/8/layout/orgChart1"/>
-    <dgm:cxn modelId="{66BA0E54-5B02-544F-AE50-78C0B69AA9C9}" type="presOf" srcId="{CD9EE388-7219-664F-84F1-AD7E9A318605}" destId="{47354800-F961-E940-A917-978711E90772}" srcOrd="1" destOrd="0" presId="urn:microsoft.com/office/officeart/2005/8/layout/orgChart1"/>
-    <dgm:cxn modelId="{58DB1D3C-D541-624F-B229-E96303399EBB}" type="presOf" srcId="{4E158C13-669D-9044-9FFF-00076ACA3C72}" destId="{86DC5E27-C6A6-6A43-B761-BD082EA2D0BC}" srcOrd="0" destOrd="0" presId="urn:microsoft.com/office/officeart/2005/8/layout/orgChart1"/>
-    <dgm:cxn modelId="{9B8E6CD0-1194-BF45-89AF-26633FA70D99}" type="presOf" srcId="{FF7AFBB5-198B-5E43-B130-F2342CFAFDF4}" destId="{1180A75B-B978-C341-822F-79E7EAF44E9A}" srcOrd="0" destOrd="0" presId="urn:microsoft.com/office/officeart/2005/8/layout/orgChart1"/>
-    <dgm:cxn modelId="{A283E344-BA10-A540-82E8-CB02A184C982}" type="presOf" srcId="{1E0A919C-E1F3-8C4F-B2C9-9D77A984CE7E}" destId="{4EABEFEC-7695-3B45-A88F-E2BEB53EDCFE}" srcOrd="0" destOrd="0" presId="urn:microsoft.com/office/officeart/2005/8/layout/orgChart1"/>
+    <dgm:cxn modelId="{0257244D-D76C-774F-9EF7-FD2D7E65750A}" type="presOf" srcId="{3508AEB0-FE9A-1D4F-86F4-8876427F7D40}" destId="{DE6AD4C7-9861-8346-B79F-14A60C030635}" srcOrd="1" destOrd="0" presId="urn:microsoft.com/office/officeart/2005/8/layout/orgChart1"/>
     <dgm:cxn modelId="{5E50DCC6-2B0E-9A4A-821D-4CFCC748E747}" type="presOf" srcId="{3508AEB0-FE9A-1D4F-86F4-8876427F7D40}" destId="{692E464D-A5B7-014B-8D6B-92C9514B3DDD}" srcOrd="0" destOrd="0" presId="urn:microsoft.com/office/officeart/2005/8/layout/orgChart1"/>
     <dgm:cxn modelId="{57ED55BF-B3A5-6C45-93D9-B2335F76345D}" srcId="{CD9EE388-7219-664F-84F1-AD7E9A318605}" destId="{4E158C13-669D-9044-9FFF-00076ACA3C72}" srcOrd="0" destOrd="0" parTransId="{838841C7-2933-F249-A2FF-A00098A04267}" sibTransId="{0E3D2A80-E704-BF40-954C-23C5699D1551}"/>
+    <dgm:cxn modelId="{A283E344-BA10-A540-82E8-CB02A184C982}" type="presOf" srcId="{1E0A919C-E1F3-8C4F-B2C9-9D77A984CE7E}" destId="{4EABEFEC-7695-3B45-A88F-E2BEB53EDCFE}" srcOrd="0" destOrd="0" presId="urn:microsoft.com/office/officeart/2005/8/layout/orgChart1"/>
+    <dgm:cxn modelId="{58DB1D3C-D541-624F-B229-E96303399EBB}" type="presOf" srcId="{4E158C13-669D-9044-9FFF-00076ACA3C72}" destId="{86DC5E27-C6A6-6A43-B761-BD082EA2D0BC}" srcOrd="0" destOrd="0" presId="urn:microsoft.com/office/officeart/2005/8/layout/orgChart1"/>
+    <dgm:cxn modelId="{2378657F-87DD-AF46-A975-A849547FF3A8}" srcId="{3508AEB0-FE9A-1D4F-86F4-8876427F7D40}" destId="{91A0A43B-667A-6F45-845B-CC95337C31B6}" srcOrd="1" destOrd="0" parTransId="{FF7AFBB5-198B-5E43-B130-F2342CFAFDF4}" sibTransId="{AFF827AD-DEDD-094D-A713-572C2F79E922}"/>
     <dgm:cxn modelId="{09B75C84-E3AA-9F4F-BB7D-97415FEDA9B6}" type="presOf" srcId="{91A0A43B-667A-6F45-845B-CC95337C31B6}" destId="{03D57D47-DCC3-EF45-A0D2-9EC7B65C0178}" srcOrd="1" destOrd="0" presId="urn:microsoft.com/office/officeart/2005/8/layout/orgChart1"/>
-    <dgm:cxn modelId="{0257244D-D76C-774F-9EF7-FD2D7E65750A}" type="presOf" srcId="{3508AEB0-FE9A-1D4F-86F4-8876427F7D40}" destId="{DE6AD4C7-9861-8346-B79F-14A60C030635}" srcOrd="1" destOrd="0" presId="urn:microsoft.com/office/officeart/2005/8/layout/orgChart1"/>
+    <dgm:cxn modelId="{0516ACB1-15FA-1D41-9F5E-2A9D10B33D1A}" type="presOf" srcId="{91A0A43B-667A-6F45-845B-CC95337C31B6}" destId="{98757D78-FC82-1344-8A46-DE02A9AAB254}" srcOrd="0" destOrd="0" presId="urn:microsoft.com/office/officeart/2005/8/layout/orgChart1"/>
     <dgm:cxn modelId="{00B9855E-65D4-7B45-BADD-85C9B2933728}" type="presOf" srcId="{CD9EE388-7219-664F-84F1-AD7E9A318605}" destId="{64E78AB6-D812-EA47-ABAD-A01EE8DB5658}" srcOrd="0" destOrd="0" presId="urn:microsoft.com/office/officeart/2005/8/layout/orgChart1"/>
-    <dgm:cxn modelId="{0516ACB1-15FA-1D41-9F5E-2A9D10B33D1A}" type="presOf" srcId="{91A0A43B-667A-6F45-845B-CC95337C31B6}" destId="{98757D78-FC82-1344-8A46-DE02A9AAB254}" srcOrd="0" destOrd="0" presId="urn:microsoft.com/office/officeart/2005/8/layout/orgChart1"/>
+    <dgm:cxn modelId="{887945C8-ADF8-8A4F-827B-5AA66C24A48E}" type="presOf" srcId="{4E158C13-669D-9044-9FFF-00076ACA3C72}" destId="{6EE4A430-4360-C944-8418-82DED00309BC}" srcOrd="1" destOrd="0" presId="urn:microsoft.com/office/officeart/2005/8/layout/orgChart1"/>
+    <dgm:cxn modelId="{1CB77799-4778-A549-A043-D9C1DB360E4E}" srcId="{E4C4CC2F-F6A7-394C-B5E8-1C5384BDB989}" destId="{3508AEB0-FE9A-1D4F-86F4-8876427F7D40}" srcOrd="0" destOrd="0" parTransId="{269A2813-1E92-8F48-83E6-C8AFB2E8E8EB}" sibTransId="{AE291052-D4D1-3940-AA39-194F0F786E6F}"/>
+    <dgm:cxn modelId="{66BA0E54-5B02-544F-AE50-78C0B69AA9C9}" type="presOf" srcId="{CD9EE388-7219-664F-84F1-AD7E9A318605}" destId="{47354800-F961-E940-A917-978711E90772}" srcOrd="1" destOrd="0" presId="urn:microsoft.com/office/officeart/2005/8/layout/orgChart1"/>
+    <dgm:cxn modelId="{4509CA39-A133-894A-9929-E42065888097}" srcId="{3508AEB0-FE9A-1D4F-86F4-8876427F7D40}" destId="{CD9EE388-7219-664F-84F1-AD7E9A318605}" srcOrd="0" destOrd="0" parTransId="{1E0A919C-E1F3-8C4F-B2C9-9D77A984CE7E}" sibTransId="{1EE838BF-D4F2-8149-A0FA-1B9C34EC4433}"/>
+    <dgm:cxn modelId="{9B8E6CD0-1194-BF45-89AF-26633FA70D99}" type="presOf" srcId="{FF7AFBB5-198B-5E43-B130-F2342CFAFDF4}" destId="{1180A75B-B978-C341-822F-79E7EAF44E9A}" srcOrd="0" destOrd="0" presId="urn:microsoft.com/office/officeart/2005/8/layout/orgChart1"/>
     <dgm:cxn modelId="{F92FF163-BE0C-D74D-B2C4-E5D3D3C16A11}" type="presParOf" srcId="{D4F2AA69-3851-FC49-ACE3-BD70B1DAE1E7}" destId="{005354CA-B6AF-7E45-A9E8-C6A707894EEA}" srcOrd="0" destOrd="0" presId="urn:microsoft.com/office/officeart/2005/8/layout/orgChart1"/>
     <dgm:cxn modelId="{52559D00-E599-E244-BA5D-E6C1FF80D79C}" type="presParOf" srcId="{005354CA-B6AF-7E45-A9E8-C6A707894EEA}" destId="{80675D6B-96DA-1B42-80C5-98DC673C026E}" srcOrd="0" destOrd="0" presId="urn:microsoft.com/office/officeart/2005/8/layout/orgChart1"/>
     <dgm:cxn modelId="{F8D804A8-C1F1-2B41-B59E-7B25750A9C4E}" type="presParOf" srcId="{80675D6B-96DA-1B42-80C5-98DC673C026E}" destId="{692E464D-A5B7-014B-8D6B-92C9514B3DDD}" srcOrd="0" destOrd="0" presId="urn:microsoft.com/office/officeart/2005/8/layout/orgChart1"/>
@@ -11848,11 +11925,7 @@
             </a:r>
             <a:r>
               <a:rPr kumimoji="1" lang="zh-TW" altLang="en-US" dirty="0" smtClean="0"/>
-              <a:t>的物件</a:t>
-            </a:r>
-            <a:r>
-              <a:rPr kumimoji="1" lang="zh-TW" altLang="en-US" dirty="0" smtClean="0"/>
-              <a:t>所組成</a:t>
+              <a:t>的物件所組成</a:t>
             </a:r>
             <a:endParaRPr kumimoji="1" lang="en-US" altLang="zh-TW" dirty="0" smtClean="0"/>
           </a:p>
@@ -12316,7 +12389,7 @@
         <p:spPr/>
         <p:txBody>
           <a:bodyPr>
-            <a:normAutofit/>
+            <a:normAutofit lnSpcReduction="10000"/>
           </a:bodyPr>
           <a:lstStyle/>
           <a:p>
@@ -12329,15 +12402,7 @@
             <a:pPr lvl="1"/>
             <a:r>
               <a:rPr kumimoji="1" lang="zh-TW" altLang="en-US" sz="4000" dirty="0" smtClean="0"/>
-              <a:t>操作</a:t>
-            </a:r>
-            <a:r>
-              <a:rPr kumimoji="1" lang="zh-TW" altLang="en-US" sz="4000" dirty="0" smtClean="0"/>
-              <a:t>網頁裡</a:t>
-            </a:r>
-            <a:r>
-              <a:rPr kumimoji="1" lang="zh-TW" altLang="en-US" sz="4000" dirty="0" smtClean="0"/>
-              <a:t>的</a:t>
+              <a:t>操作網頁裡的</a:t>
             </a:r>
             <a:r>
               <a:rPr kumimoji="1" lang="en-US" altLang="zh-TW" sz="4000" dirty="0" smtClean="0"/>
@@ -12364,14 +12429,91 @@
               <a:t>AJAX</a:t>
             </a:r>
             <a:r>
-              <a:rPr kumimoji="1" lang="zh-TW" altLang="en-US" sz="4000" smtClean="0"/>
-              <a:t>非同步資料處理</a:t>
-            </a:r>
-            <a:endParaRPr kumimoji="1" lang="en-US" altLang="zh-TW" sz="4000" dirty="0" smtClean="0"/>
+              <a:rPr kumimoji="1" lang="zh-TW" altLang="en-US" sz="4000" dirty="0" smtClean="0"/>
+              <a:t>非同步資料</a:t>
+            </a:r>
+            <a:r>
+              <a:rPr kumimoji="1" lang="zh-TW" altLang="en-US" sz="4000" dirty="0" smtClean="0"/>
+              <a:t>處理</a:t>
+            </a:r>
+            <a:endParaRPr kumimoji="1" lang="en-US" altLang="zh-TW" sz="4400" dirty="0"/>
+          </a:p>
+          <a:p>
+            <a:r>
+              <a:rPr kumimoji="1" lang="zh-TW" altLang="en-US" sz="4400" dirty="0" smtClean="0"/>
+              <a:t>寫網頁常用的工具</a:t>
+            </a:r>
+            <a:endParaRPr kumimoji="1" lang="en-US" altLang="zh-TW" sz="4400" dirty="0" smtClean="0"/>
           </a:p>
           <a:p>
             <a:pPr lvl="1"/>
-            <a:endParaRPr kumimoji="1" lang="en-US" altLang="zh-TW" sz="4000" dirty="0" smtClean="0"/>
+            <a:r>
+              <a:rPr kumimoji="1" lang="en-US" altLang="zh-TW" sz="4000" dirty="0" smtClean="0"/>
+              <a:t>Google</a:t>
+            </a:r>
+            <a:r>
+              <a:rPr kumimoji="1" lang="zh-TW" altLang="en-US" sz="4000" dirty="0" smtClean="0"/>
+              <a:t> </a:t>
+            </a:r>
+            <a:r>
+              <a:rPr kumimoji="1" lang="en-US" altLang="zh-TW" sz="4000" dirty="0" smtClean="0"/>
+              <a:t>Chrome</a:t>
+            </a:r>
+            <a:r>
+              <a:rPr kumimoji="1" lang="zh-TW" altLang="en-US" sz="4000" dirty="0" smtClean="0"/>
+              <a:t> </a:t>
+            </a:r>
+            <a:r>
+              <a:rPr kumimoji="1" lang="en-US" altLang="zh-TW" sz="4000" dirty="0" smtClean="0"/>
+              <a:t>Console</a:t>
+            </a:r>
+          </a:p>
+          <a:p>
+            <a:r>
+              <a:rPr kumimoji="1" lang="en-US" altLang="zh-TW" sz="4400" dirty="0" smtClean="0">
+                <a:solidFill>
+                  <a:srgbClr val="FF0000"/>
+                </a:solidFill>
+              </a:rPr>
+              <a:t>Section1</a:t>
+            </a:r>
+            <a:r>
+              <a:rPr kumimoji="1" lang="zh-TW" altLang="en-US" sz="4400" dirty="0" smtClean="0">
+                <a:solidFill>
+                  <a:srgbClr val="FF0000"/>
+                </a:solidFill>
+              </a:rPr>
+              <a:t> </a:t>
+            </a:r>
+            <a:r>
+              <a:rPr kumimoji="1" lang="en-US" altLang="zh-TW" sz="4400" dirty="0" smtClean="0">
+                <a:solidFill>
+                  <a:srgbClr val="FF0000"/>
+                </a:solidFill>
+              </a:rPr>
+              <a:t>Hands</a:t>
+            </a:r>
+            <a:r>
+              <a:rPr kumimoji="1" lang="zh-TW" altLang="en-US" sz="4400" dirty="0" smtClean="0">
+                <a:solidFill>
+                  <a:srgbClr val="FF0000"/>
+                </a:solidFill>
+              </a:rPr>
+              <a:t> </a:t>
+            </a:r>
+            <a:r>
+              <a:rPr kumimoji="1" lang="en-US" altLang="zh-TW" sz="4400" dirty="0" smtClean="0">
+                <a:solidFill>
+                  <a:srgbClr val="FF0000"/>
+                </a:solidFill>
+              </a:rPr>
+              <a:t>On</a:t>
+            </a:r>
+            <a:endParaRPr kumimoji="1" lang="en-US" altLang="zh-TW" sz="4400" dirty="0" smtClean="0">
+              <a:solidFill>
+                <a:srgbClr val="FF0000"/>
+              </a:solidFill>
+            </a:endParaRPr>
           </a:p>
         </p:txBody>
       </p:sp>

--- a/jquerytutorial.pptx
+++ b/jquerytutorial.pptx
@@ -9,7 +9,8 @@
     <p:sldId id="257" r:id="rId3"/>
     <p:sldId id="259" r:id="rId4"/>
     <p:sldId id="260" r:id="rId5"/>
-    <p:sldId id="258" r:id="rId6"/>
+    <p:sldId id="261" r:id="rId6"/>
+    <p:sldId id="258" r:id="rId7"/>
   </p:sldIdLst>
   <p:sldSz cx="12192000" cy="6858000"/>
   <p:notesSz cx="6858000" cy="9144000"/>
@@ -12389,20 +12390,54 @@
         <p:spPr/>
         <p:txBody>
           <a:bodyPr>
-            <a:normAutofit lnSpcReduction="10000"/>
+            <a:normAutofit/>
           </a:bodyPr>
           <a:lstStyle/>
           <a:p>
-            <a:r>
-              <a:rPr kumimoji="1" lang="en-US" altLang="zh-TW" sz="4400" dirty="0" smtClean="0"/>
+            <a:pPr marL="228600" lvl="1">
+              <a:spcBef>
+                <a:spcPts val="1000"/>
+              </a:spcBef>
+            </a:pPr>
+            <a:r>
+              <a:rPr kumimoji="1" lang="en-US" altLang="zh-TW" sz="4400" b="1" dirty="0" smtClean="0"/>
               <a:t>jQuery</a:t>
             </a:r>
+            <a:r>
+              <a:rPr kumimoji="1" lang="zh-TW" altLang="en-US" sz="4400" b="1" dirty="0" smtClean="0"/>
+              <a:t> </a:t>
+            </a:r>
+            <a:r>
+              <a:rPr kumimoji="1" lang="en-US" altLang="zh-TW" sz="4400" b="1" dirty="0" smtClean="0"/>
+              <a:t>-</a:t>
+            </a:r>
+            <a:r>
+              <a:rPr kumimoji="1" lang="zh-TW" altLang="en-US" sz="4400" b="1" dirty="0" smtClean="0"/>
+              <a:t> </a:t>
+            </a:r>
+            <a:r>
+              <a:rPr kumimoji="1" lang="en-US" altLang="zh-TW" sz="4000" b="1" dirty="0"/>
+              <a:t>JavaScript</a:t>
+            </a:r>
+            <a:r>
+              <a:rPr kumimoji="1" lang="zh-TW" altLang="en-US" sz="4000" b="1" dirty="0"/>
+              <a:t>的涵式</a:t>
+            </a:r>
+            <a:r>
+              <a:rPr kumimoji="1" lang="zh-TW" altLang="en-US" sz="4000" b="1" dirty="0" smtClean="0"/>
+              <a:t>庫</a:t>
+            </a:r>
+            <a:endParaRPr kumimoji="1" lang="en-US" altLang="zh-TW" sz="4400" b="1" dirty="0" smtClean="0"/>
           </a:p>
           <a:p>
             <a:pPr lvl="1"/>
             <a:r>
               <a:rPr kumimoji="1" lang="zh-TW" altLang="en-US" sz="4000" dirty="0" smtClean="0"/>
-              <a:t>操作網頁裡的</a:t>
+              <a:t>操作</a:t>
+            </a:r>
+            <a:r>
+              <a:rPr kumimoji="1" lang="zh-TW" altLang="en-US" sz="4000" dirty="0" smtClean="0"/>
+              <a:t>網頁裡的</a:t>
             </a:r>
             <a:r>
               <a:rPr kumimoji="1" lang="en-US" altLang="zh-TW" sz="4000" dirty="0" smtClean="0"/>
@@ -12440,10 +12475,10 @@
           </a:p>
           <a:p>
             <a:r>
-              <a:rPr kumimoji="1" lang="zh-TW" altLang="en-US" sz="4400" dirty="0" smtClean="0"/>
+              <a:rPr kumimoji="1" lang="zh-TW" altLang="en-US" sz="4400" b="1" dirty="0" smtClean="0"/>
               <a:t>寫網頁常用的工具</a:t>
             </a:r>
-            <a:endParaRPr kumimoji="1" lang="en-US" altLang="zh-TW" sz="4400" dirty="0" smtClean="0"/>
+            <a:endParaRPr kumimoji="1" lang="en-US" altLang="zh-TW" sz="4400" b="1" dirty="0" smtClean="0"/>
           </a:p>
           <a:p>
             <a:pPr lvl="1"/>
@@ -12467,53 +12502,6 @@
               <a:rPr kumimoji="1" lang="en-US" altLang="zh-TW" sz="4000" dirty="0" smtClean="0"/>
               <a:t>Console</a:t>
             </a:r>
-          </a:p>
-          <a:p>
-            <a:r>
-              <a:rPr kumimoji="1" lang="en-US" altLang="zh-TW" sz="4400" dirty="0" smtClean="0">
-                <a:solidFill>
-                  <a:srgbClr val="FF0000"/>
-                </a:solidFill>
-              </a:rPr>
-              <a:t>Section1</a:t>
-            </a:r>
-            <a:r>
-              <a:rPr kumimoji="1" lang="zh-TW" altLang="en-US" sz="4400" dirty="0" smtClean="0">
-                <a:solidFill>
-                  <a:srgbClr val="FF0000"/>
-                </a:solidFill>
-              </a:rPr>
-              <a:t> </a:t>
-            </a:r>
-            <a:r>
-              <a:rPr kumimoji="1" lang="en-US" altLang="zh-TW" sz="4400" dirty="0" smtClean="0">
-                <a:solidFill>
-                  <a:srgbClr val="FF0000"/>
-                </a:solidFill>
-              </a:rPr>
-              <a:t>Hands</a:t>
-            </a:r>
-            <a:r>
-              <a:rPr kumimoji="1" lang="zh-TW" altLang="en-US" sz="4400" dirty="0" smtClean="0">
-                <a:solidFill>
-                  <a:srgbClr val="FF0000"/>
-                </a:solidFill>
-              </a:rPr>
-              <a:t> </a:t>
-            </a:r>
-            <a:r>
-              <a:rPr kumimoji="1" lang="en-US" altLang="zh-TW" sz="4400" dirty="0" smtClean="0">
-                <a:solidFill>
-                  <a:srgbClr val="FF0000"/>
-                </a:solidFill>
-              </a:rPr>
-              <a:t>On</a:t>
-            </a:r>
-            <a:endParaRPr kumimoji="1" lang="en-US" altLang="zh-TW" sz="4400" dirty="0" smtClean="0">
-              <a:solidFill>
-                <a:srgbClr val="FF0000"/>
-              </a:solidFill>
-            </a:endParaRPr>
           </a:p>
         </p:txBody>
       </p:sp>
@@ -12538,6 +12526,269 @@
 </file>
 
 <file path=ppt/slides/slide5.xml><?xml version="1.0" encoding="utf-8"?>
+<p:sld xmlns:a="http://schemas.openxmlformats.org/drawingml/2006/main" xmlns:r="http://schemas.openxmlformats.org/officeDocument/2006/relationships" xmlns:p="http://schemas.openxmlformats.org/presentationml/2006/main">
+  <p:cSld>
+    <p:spTree>
+      <p:nvGrpSpPr>
+        <p:cNvPr id="1" name=""/>
+        <p:cNvGrpSpPr/>
+        <p:nvPr/>
+      </p:nvGrpSpPr>
+      <p:grpSpPr>
+        <a:xfrm>
+          <a:off x="0" y="0"/>
+          <a:ext cx="0" cy="0"/>
+          <a:chOff x="0" y="0"/>
+          <a:chExt cx="0" cy="0"/>
+        </a:xfrm>
+      </p:grpSpPr>
+      <p:sp>
+        <p:nvSpPr>
+          <p:cNvPr id="2" name="標題 1"/>
+          <p:cNvSpPr>
+            <a:spLocks noGrp="1"/>
+          </p:cNvSpPr>
+          <p:nvPr>
+            <p:ph type="title"/>
+          </p:nvPr>
+        </p:nvSpPr>
+        <p:spPr/>
+        <p:txBody>
+          <a:bodyPr/>
+          <a:lstStyle/>
+          <a:p>
+            <a:r>
+              <a:rPr kumimoji="1" lang="zh-TW" altLang="en-US" dirty="0" smtClean="0"/>
+              <a:t>一、簡介</a:t>
+            </a:r>
+            <a:endParaRPr kumimoji="1" lang="zh-TW" altLang="en-US" dirty="0"/>
+          </a:p>
+        </p:txBody>
+      </p:sp>
+      <p:sp>
+        <p:nvSpPr>
+          <p:cNvPr id="3" name="內容版面配置區 2"/>
+          <p:cNvSpPr>
+            <a:spLocks noGrp="1"/>
+          </p:cNvSpPr>
+          <p:nvPr>
+            <p:ph idx="1"/>
+          </p:nvPr>
+        </p:nvSpPr>
+        <p:spPr/>
+        <p:txBody>
+          <a:bodyPr>
+            <a:normAutofit/>
+          </a:bodyPr>
+          <a:lstStyle/>
+          <a:p>
+            <a:r>
+              <a:rPr kumimoji="1" lang="en-US" altLang="zh-TW" sz="4400" dirty="0" smtClean="0"/>
+              <a:t>jQuery</a:t>
+            </a:r>
+            <a:r>
+              <a:rPr kumimoji="1" lang="zh-TW" altLang="en-US" sz="4400" dirty="0" smtClean="0"/>
+              <a:t>引用方式</a:t>
+            </a:r>
+            <a:endParaRPr kumimoji="1" lang="en-US" altLang="zh-TW" sz="4400" dirty="0" smtClean="0"/>
+          </a:p>
+          <a:p>
+            <a:pPr lvl="1"/>
+            <a:r>
+              <a:rPr kumimoji="1" lang="en-US" altLang="zh-TW" sz="4000" dirty="0" smtClean="0"/>
+              <a:t>(1)</a:t>
+            </a:r>
+            <a:r>
+              <a:rPr kumimoji="1" lang="zh-TW" altLang="en-US" sz="4000" dirty="0" smtClean="0"/>
+              <a:t> 在</a:t>
+            </a:r>
+            <a:r>
+              <a:rPr kumimoji="1" lang="en-US" altLang="zh-TW" sz="4000" dirty="0" smtClean="0"/>
+              <a:t>html</a:t>
+            </a:r>
+            <a:r>
+              <a:rPr kumimoji="1" lang="zh-TW" altLang="en-US" sz="4000" dirty="0" smtClean="0"/>
+              <a:t>檔加入</a:t>
+            </a:r>
+            <a:r>
+              <a:rPr kumimoji="1" lang="en-US" altLang="zh-TW" sz="4000" dirty="0" smtClean="0"/>
+              <a:t>jQuery</a:t>
+            </a:r>
+            <a:r>
+              <a:rPr kumimoji="1" lang="zh-TW" altLang="en-US" sz="4000" dirty="0" smtClean="0"/>
+              <a:t>套件</a:t>
+            </a:r>
+            <a:endParaRPr kumimoji="1" lang="en-US" altLang="zh-TW" sz="4000" dirty="0" smtClean="0"/>
+          </a:p>
+          <a:p>
+            <a:pPr lvl="1"/>
+            <a:r>
+              <a:rPr kumimoji="1" lang="en-US" altLang="zh-TW" sz="4000" dirty="0" smtClean="0"/>
+              <a:t>(2)</a:t>
+            </a:r>
+            <a:r>
+              <a:rPr kumimoji="1" lang="zh-TW" altLang="en-US" sz="4000" dirty="0" smtClean="0"/>
+              <a:t>在</a:t>
+            </a:r>
+            <a:r>
+              <a:rPr kumimoji="1" lang="en-US" altLang="zh-TW" sz="4000" dirty="0" smtClean="0"/>
+              <a:t>script</a:t>
+            </a:r>
+            <a:r>
+              <a:rPr kumimoji="1" lang="zh-TW" altLang="en-US" sz="4000" dirty="0" smtClean="0"/>
+              <a:t> </a:t>
+            </a:r>
+            <a:r>
+              <a:rPr kumimoji="1" lang="en-US" altLang="zh-TW" sz="4000" dirty="0" smtClean="0"/>
+              <a:t>tag</a:t>
+            </a:r>
+            <a:r>
+              <a:rPr kumimoji="1" lang="zh-TW" altLang="en-US" sz="4000" dirty="0" smtClean="0"/>
+              <a:t>裡呼叫</a:t>
+            </a:r>
+            <a:r>
+              <a:rPr kumimoji="1" lang="en-US" altLang="zh-TW" sz="4000" dirty="0" smtClean="0"/>
+              <a:t>jQuery</a:t>
+            </a:r>
+            <a:r>
+              <a:rPr kumimoji="1" lang="zh-TW" altLang="en-US" sz="4000" dirty="0" smtClean="0"/>
+              <a:t>，呼叫方式：</a:t>
+            </a:r>
+            <a:endParaRPr kumimoji="1" lang="en-US" altLang="zh-TW" sz="4000" dirty="0" smtClean="0"/>
+          </a:p>
+          <a:p>
+            <a:pPr lvl="3"/>
+            <a:r>
+              <a:rPr kumimoji="1" lang="en-US" altLang="zh-TW" sz="3400" dirty="0" smtClean="0"/>
+              <a:t>(a)</a:t>
+            </a:r>
+            <a:r>
+              <a:rPr kumimoji="1" lang="zh-TW" altLang="en-US" sz="3400" dirty="0" smtClean="0"/>
+              <a:t> </a:t>
+            </a:r>
+            <a:r>
+              <a:rPr kumimoji="1" lang="en-US" altLang="zh-TW" sz="3400" dirty="0" smtClean="0"/>
+              <a:t>jQuery(....)</a:t>
+            </a:r>
+          </a:p>
+          <a:p>
+            <a:pPr lvl="3"/>
+            <a:r>
+              <a:rPr kumimoji="1" lang="en-US" altLang="zh-TW" sz="3400" dirty="0" smtClean="0">
+                <a:solidFill>
+                  <a:srgbClr val="FF0000"/>
+                </a:solidFill>
+              </a:rPr>
+              <a:t>(b)</a:t>
+            </a:r>
+            <a:r>
+              <a:rPr kumimoji="1" lang="zh-TW" altLang="en-US" sz="3400" dirty="0" smtClean="0">
+                <a:solidFill>
+                  <a:srgbClr val="FF0000"/>
+                </a:solidFill>
+              </a:rPr>
+              <a:t> </a:t>
+            </a:r>
+            <a:r>
+              <a:rPr kumimoji="1" lang="en-US" altLang="zh-TW" sz="3400" dirty="0" smtClean="0">
+                <a:solidFill>
+                  <a:srgbClr val="FF0000"/>
+                </a:solidFill>
+              </a:rPr>
+              <a:t>$(</a:t>
+            </a:r>
+            <a:r>
+              <a:rPr kumimoji="1" lang="mr-IN" altLang="zh-TW" sz="3400" dirty="0" smtClean="0">
+                <a:solidFill>
+                  <a:srgbClr val="FF0000"/>
+                </a:solidFill>
+              </a:rPr>
+              <a:t>…</a:t>
+            </a:r>
+            <a:r>
+              <a:rPr kumimoji="1" lang="en-US" altLang="zh-TW" sz="3400" dirty="0" smtClean="0">
+                <a:solidFill>
+                  <a:srgbClr val="FF0000"/>
+                </a:solidFill>
+              </a:rPr>
+              <a:t>)</a:t>
+            </a:r>
+            <a:endParaRPr kumimoji="1" lang="en-US" altLang="zh-TW" sz="3400" dirty="0" smtClean="0">
+              <a:solidFill>
+                <a:srgbClr val="FF0000"/>
+              </a:solidFill>
+            </a:endParaRPr>
+          </a:p>
+          <a:p>
+            <a:r>
+              <a:rPr kumimoji="1" lang="en-US" altLang="zh-TW" sz="4400" b="1" dirty="0" smtClean="0">
+                <a:solidFill>
+                  <a:srgbClr val="FF0000"/>
+                </a:solidFill>
+              </a:rPr>
+              <a:t>Section1</a:t>
+            </a:r>
+            <a:r>
+              <a:rPr kumimoji="1" lang="zh-TW" altLang="en-US" sz="4400" b="1" dirty="0" smtClean="0">
+                <a:solidFill>
+                  <a:srgbClr val="FF0000"/>
+                </a:solidFill>
+              </a:rPr>
+              <a:t> </a:t>
+            </a:r>
+            <a:r>
+              <a:rPr kumimoji="1" lang="en-US" altLang="zh-TW" sz="4400" b="1" dirty="0" smtClean="0">
+                <a:solidFill>
+                  <a:srgbClr val="FF0000"/>
+                </a:solidFill>
+              </a:rPr>
+              <a:t>Hands</a:t>
+            </a:r>
+            <a:r>
+              <a:rPr kumimoji="1" lang="zh-TW" altLang="en-US" sz="4400" b="1" dirty="0" smtClean="0">
+                <a:solidFill>
+                  <a:srgbClr val="FF0000"/>
+                </a:solidFill>
+              </a:rPr>
+              <a:t> </a:t>
+            </a:r>
+            <a:r>
+              <a:rPr kumimoji="1" lang="en-US" altLang="zh-TW" sz="4400" b="1" dirty="0" smtClean="0">
+                <a:solidFill>
+                  <a:srgbClr val="FF0000"/>
+                </a:solidFill>
+              </a:rPr>
+              <a:t>On</a:t>
+            </a:r>
+            <a:endParaRPr kumimoji="1" lang="en-US" altLang="zh-TW" sz="4400" b="1" dirty="0" smtClean="0">
+              <a:solidFill>
+                <a:srgbClr val="FF0000"/>
+              </a:solidFill>
+            </a:endParaRPr>
+          </a:p>
+        </p:txBody>
+      </p:sp>
+    </p:spTree>
+    <p:extLst>
+      <p:ext uri="{BB962C8B-B14F-4D97-AF65-F5344CB8AC3E}">
+        <p14:creationId xmlns:p14="http://schemas.microsoft.com/office/powerpoint/2010/main" val="1016136818"/>
+      </p:ext>
+    </p:extLst>
+  </p:cSld>
+  <p:clrMapOvr>
+    <a:masterClrMapping/>
+  </p:clrMapOvr>
+  <p:timing>
+    <p:tnLst>
+      <p:par>
+        <p:cTn id="1" dur="indefinite" restart="never" nodeType="tmRoot"/>
+      </p:par>
+    </p:tnLst>
+  </p:timing>
+</p:sld>
+</file>
+
+<file path=ppt/slides/slide6.xml><?xml version="1.0" encoding="utf-8"?>
 <p:sld xmlns:a="http://schemas.openxmlformats.org/drawingml/2006/main" xmlns:r="http://schemas.openxmlformats.org/officeDocument/2006/relationships" xmlns:p="http://schemas.openxmlformats.org/presentationml/2006/main">
   <p:cSld>
     <p:spTree>

--- a/jquerytutorial.pptx
+++ b/jquerytutorial.pptx
@@ -3390,22 +3390,22 @@
     </dgm:pt>
   </dgm:ptLst>
   <dgm:cxnLst>
+    <dgm:cxn modelId="{8F2FA405-AF8F-D84F-840C-6A2BDD66AFC2}" type="presOf" srcId="{838841C7-2933-F249-A2FF-A00098A04267}" destId="{945C1E65-F4E0-DF46-9FBB-C0BC802C4590}" srcOrd="0" destOrd="0" presId="urn:microsoft.com/office/officeart/2005/8/layout/orgChart1"/>
+    <dgm:cxn modelId="{2378657F-87DD-AF46-A975-A849547FF3A8}" srcId="{3508AEB0-FE9A-1D4F-86F4-8876427F7D40}" destId="{91A0A43B-667A-6F45-845B-CC95337C31B6}" srcOrd="1" destOrd="0" parTransId="{FF7AFBB5-198B-5E43-B130-F2342CFAFDF4}" sibTransId="{AFF827AD-DEDD-094D-A713-572C2F79E922}"/>
+    <dgm:cxn modelId="{1CB77799-4778-A549-A043-D9C1DB360E4E}" srcId="{E4C4CC2F-F6A7-394C-B5E8-1C5384BDB989}" destId="{3508AEB0-FE9A-1D4F-86F4-8876427F7D40}" srcOrd="0" destOrd="0" parTransId="{269A2813-1E92-8F48-83E6-C8AFB2E8E8EB}" sibTransId="{AE291052-D4D1-3940-AA39-194F0F786E6F}"/>
+    <dgm:cxn modelId="{887945C8-ADF8-8A4F-827B-5AA66C24A48E}" type="presOf" srcId="{4E158C13-669D-9044-9FFF-00076ACA3C72}" destId="{6EE4A430-4360-C944-8418-82DED00309BC}" srcOrd="1" destOrd="0" presId="urn:microsoft.com/office/officeart/2005/8/layout/orgChart1"/>
+    <dgm:cxn modelId="{4509CA39-A133-894A-9929-E42065888097}" srcId="{3508AEB0-FE9A-1D4F-86F4-8876427F7D40}" destId="{CD9EE388-7219-664F-84F1-AD7E9A318605}" srcOrd="0" destOrd="0" parTransId="{1E0A919C-E1F3-8C4F-B2C9-9D77A984CE7E}" sibTransId="{1EE838BF-D4F2-8149-A0FA-1B9C34EC4433}"/>
     <dgm:cxn modelId="{C20C5957-6934-6946-AFF9-B0A0C0ECF6E3}" type="presOf" srcId="{E4C4CC2F-F6A7-394C-B5E8-1C5384BDB989}" destId="{D4F2AA69-3851-FC49-ACE3-BD70B1DAE1E7}" srcOrd="0" destOrd="0" presId="urn:microsoft.com/office/officeart/2005/8/layout/orgChart1"/>
-    <dgm:cxn modelId="{8F2FA405-AF8F-D84F-840C-6A2BDD66AFC2}" type="presOf" srcId="{838841C7-2933-F249-A2FF-A00098A04267}" destId="{945C1E65-F4E0-DF46-9FBB-C0BC802C4590}" srcOrd="0" destOrd="0" presId="urn:microsoft.com/office/officeart/2005/8/layout/orgChart1"/>
-    <dgm:cxn modelId="{0257244D-D76C-774F-9EF7-FD2D7E65750A}" type="presOf" srcId="{3508AEB0-FE9A-1D4F-86F4-8876427F7D40}" destId="{DE6AD4C7-9861-8346-B79F-14A60C030635}" srcOrd="1" destOrd="0" presId="urn:microsoft.com/office/officeart/2005/8/layout/orgChart1"/>
+    <dgm:cxn modelId="{66BA0E54-5B02-544F-AE50-78C0B69AA9C9}" type="presOf" srcId="{CD9EE388-7219-664F-84F1-AD7E9A318605}" destId="{47354800-F961-E940-A917-978711E90772}" srcOrd="1" destOrd="0" presId="urn:microsoft.com/office/officeart/2005/8/layout/orgChart1"/>
+    <dgm:cxn modelId="{58DB1D3C-D541-624F-B229-E96303399EBB}" type="presOf" srcId="{4E158C13-669D-9044-9FFF-00076ACA3C72}" destId="{86DC5E27-C6A6-6A43-B761-BD082EA2D0BC}" srcOrd="0" destOrd="0" presId="urn:microsoft.com/office/officeart/2005/8/layout/orgChart1"/>
+    <dgm:cxn modelId="{9B8E6CD0-1194-BF45-89AF-26633FA70D99}" type="presOf" srcId="{FF7AFBB5-198B-5E43-B130-F2342CFAFDF4}" destId="{1180A75B-B978-C341-822F-79E7EAF44E9A}" srcOrd="0" destOrd="0" presId="urn:microsoft.com/office/officeart/2005/8/layout/orgChart1"/>
+    <dgm:cxn modelId="{A283E344-BA10-A540-82E8-CB02A184C982}" type="presOf" srcId="{1E0A919C-E1F3-8C4F-B2C9-9D77A984CE7E}" destId="{4EABEFEC-7695-3B45-A88F-E2BEB53EDCFE}" srcOrd="0" destOrd="0" presId="urn:microsoft.com/office/officeart/2005/8/layout/orgChart1"/>
     <dgm:cxn modelId="{5E50DCC6-2B0E-9A4A-821D-4CFCC748E747}" type="presOf" srcId="{3508AEB0-FE9A-1D4F-86F4-8876427F7D40}" destId="{692E464D-A5B7-014B-8D6B-92C9514B3DDD}" srcOrd="0" destOrd="0" presId="urn:microsoft.com/office/officeart/2005/8/layout/orgChart1"/>
     <dgm:cxn modelId="{57ED55BF-B3A5-6C45-93D9-B2335F76345D}" srcId="{CD9EE388-7219-664F-84F1-AD7E9A318605}" destId="{4E158C13-669D-9044-9FFF-00076ACA3C72}" srcOrd="0" destOrd="0" parTransId="{838841C7-2933-F249-A2FF-A00098A04267}" sibTransId="{0E3D2A80-E704-BF40-954C-23C5699D1551}"/>
-    <dgm:cxn modelId="{A283E344-BA10-A540-82E8-CB02A184C982}" type="presOf" srcId="{1E0A919C-E1F3-8C4F-B2C9-9D77A984CE7E}" destId="{4EABEFEC-7695-3B45-A88F-E2BEB53EDCFE}" srcOrd="0" destOrd="0" presId="urn:microsoft.com/office/officeart/2005/8/layout/orgChart1"/>
-    <dgm:cxn modelId="{58DB1D3C-D541-624F-B229-E96303399EBB}" type="presOf" srcId="{4E158C13-669D-9044-9FFF-00076ACA3C72}" destId="{86DC5E27-C6A6-6A43-B761-BD082EA2D0BC}" srcOrd="0" destOrd="0" presId="urn:microsoft.com/office/officeart/2005/8/layout/orgChart1"/>
-    <dgm:cxn modelId="{2378657F-87DD-AF46-A975-A849547FF3A8}" srcId="{3508AEB0-FE9A-1D4F-86F4-8876427F7D40}" destId="{91A0A43B-667A-6F45-845B-CC95337C31B6}" srcOrd="1" destOrd="0" parTransId="{FF7AFBB5-198B-5E43-B130-F2342CFAFDF4}" sibTransId="{AFF827AD-DEDD-094D-A713-572C2F79E922}"/>
     <dgm:cxn modelId="{09B75C84-E3AA-9F4F-BB7D-97415FEDA9B6}" type="presOf" srcId="{91A0A43B-667A-6F45-845B-CC95337C31B6}" destId="{03D57D47-DCC3-EF45-A0D2-9EC7B65C0178}" srcOrd="1" destOrd="0" presId="urn:microsoft.com/office/officeart/2005/8/layout/orgChart1"/>
+    <dgm:cxn modelId="{0257244D-D76C-774F-9EF7-FD2D7E65750A}" type="presOf" srcId="{3508AEB0-FE9A-1D4F-86F4-8876427F7D40}" destId="{DE6AD4C7-9861-8346-B79F-14A60C030635}" srcOrd="1" destOrd="0" presId="urn:microsoft.com/office/officeart/2005/8/layout/orgChart1"/>
+    <dgm:cxn modelId="{00B9855E-65D4-7B45-BADD-85C9B2933728}" type="presOf" srcId="{CD9EE388-7219-664F-84F1-AD7E9A318605}" destId="{64E78AB6-D812-EA47-ABAD-A01EE8DB5658}" srcOrd="0" destOrd="0" presId="urn:microsoft.com/office/officeart/2005/8/layout/orgChart1"/>
     <dgm:cxn modelId="{0516ACB1-15FA-1D41-9F5E-2A9D10B33D1A}" type="presOf" srcId="{91A0A43B-667A-6F45-845B-CC95337C31B6}" destId="{98757D78-FC82-1344-8A46-DE02A9AAB254}" srcOrd="0" destOrd="0" presId="urn:microsoft.com/office/officeart/2005/8/layout/orgChart1"/>
-    <dgm:cxn modelId="{00B9855E-65D4-7B45-BADD-85C9B2933728}" type="presOf" srcId="{CD9EE388-7219-664F-84F1-AD7E9A318605}" destId="{64E78AB6-D812-EA47-ABAD-A01EE8DB5658}" srcOrd="0" destOrd="0" presId="urn:microsoft.com/office/officeart/2005/8/layout/orgChart1"/>
-    <dgm:cxn modelId="{887945C8-ADF8-8A4F-827B-5AA66C24A48E}" type="presOf" srcId="{4E158C13-669D-9044-9FFF-00076ACA3C72}" destId="{6EE4A430-4360-C944-8418-82DED00309BC}" srcOrd="1" destOrd="0" presId="urn:microsoft.com/office/officeart/2005/8/layout/orgChart1"/>
-    <dgm:cxn modelId="{1CB77799-4778-A549-A043-D9C1DB360E4E}" srcId="{E4C4CC2F-F6A7-394C-B5E8-1C5384BDB989}" destId="{3508AEB0-FE9A-1D4F-86F4-8876427F7D40}" srcOrd="0" destOrd="0" parTransId="{269A2813-1E92-8F48-83E6-C8AFB2E8E8EB}" sibTransId="{AE291052-D4D1-3940-AA39-194F0F786E6F}"/>
-    <dgm:cxn modelId="{66BA0E54-5B02-544F-AE50-78C0B69AA9C9}" type="presOf" srcId="{CD9EE388-7219-664F-84F1-AD7E9A318605}" destId="{47354800-F961-E940-A917-978711E90772}" srcOrd="1" destOrd="0" presId="urn:microsoft.com/office/officeart/2005/8/layout/orgChart1"/>
-    <dgm:cxn modelId="{4509CA39-A133-894A-9929-E42065888097}" srcId="{3508AEB0-FE9A-1D4F-86F4-8876427F7D40}" destId="{CD9EE388-7219-664F-84F1-AD7E9A318605}" srcOrd="0" destOrd="0" parTransId="{1E0A919C-E1F3-8C4F-B2C9-9D77A984CE7E}" sibTransId="{1EE838BF-D4F2-8149-A0FA-1B9C34EC4433}"/>
-    <dgm:cxn modelId="{9B8E6CD0-1194-BF45-89AF-26633FA70D99}" type="presOf" srcId="{FF7AFBB5-198B-5E43-B130-F2342CFAFDF4}" destId="{1180A75B-B978-C341-822F-79E7EAF44E9A}" srcOrd="0" destOrd="0" presId="urn:microsoft.com/office/officeart/2005/8/layout/orgChart1"/>
     <dgm:cxn modelId="{F92FF163-BE0C-D74D-B2C4-E5D3D3C16A11}" type="presParOf" srcId="{D4F2AA69-3851-FC49-ACE3-BD70B1DAE1E7}" destId="{005354CA-B6AF-7E45-A9E8-C6A707894EEA}" srcOrd="0" destOrd="0" presId="urn:microsoft.com/office/officeart/2005/8/layout/orgChart1"/>
     <dgm:cxn modelId="{52559D00-E599-E244-BA5D-E6C1FF80D79C}" type="presParOf" srcId="{005354CA-B6AF-7E45-A9E8-C6A707894EEA}" destId="{80675D6B-96DA-1B42-80C5-98DC673C026E}" srcOrd="0" destOrd="0" presId="urn:microsoft.com/office/officeart/2005/8/layout/orgChart1"/>
     <dgm:cxn modelId="{F8D804A8-C1F1-2B41-B59E-7B25750A9C4E}" type="presParOf" srcId="{80675D6B-96DA-1B42-80C5-98DC673C026E}" destId="{692E464D-A5B7-014B-8D6B-92C9514B3DDD}" srcOrd="0" destOrd="0" presId="urn:microsoft.com/office/officeart/2005/8/layout/orgChart1"/>
@@ -12433,11 +12433,7 @@
             <a:pPr lvl="1"/>
             <a:r>
               <a:rPr kumimoji="1" lang="zh-TW" altLang="en-US" sz="4000" dirty="0" smtClean="0"/>
-              <a:t>操作</a:t>
-            </a:r>
-            <a:r>
-              <a:rPr kumimoji="1" lang="zh-TW" altLang="en-US" sz="4000" dirty="0" smtClean="0"/>
-              <a:t>網頁裡的</a:t>
+              <a:t>操作網頁裡的</a:t>
             </a:r>
             <a:r>
               <a:rPr kumimoji="1" lang="en-US" altLang="zh-TW" sz="4000" dirty="0" smtClean="0"/>
@@ -12465,11 +12461,7 @@
             </a:r>
             <a:r>
               <a:rPr kumimoji="1" lang="zh-TW" altLang="en-US" sz="4000" dirty="0" smtClean="0"/>
-              <a:t>非同步資料</a:t>
-            </a:r>
-            <a:r>
-              <a:rPr kumimoji="1" lang="zh-TW" altLang="en-US" sz="4000" dirty="0" smtClean="0"/>
-              <a:t>處理</a:t>
+              <a:t>非同步資料處理</a:t>
             </a:r>
             <a:endParaRPr kumimoji="1" lang="en-US" altLang="zh-TW" sz="4400" dirty="0"/>
           </a:p>
@@ -12713,11 +12705,6 @@
               </a:rPr>
               <a:t>)</a:t>
             </a:r>
-            <a:endParaRPr kumimoji="1" lang="en-US" altLang="zh-TW" sz="3400" dirty="0" smtClean="0">
-              <a:solidFill>
-                <a:srgbClr val="FF0000"/>
-              </a:solidFill>
-            </a:endParaRPr>
           </a:p>
           <a:p>
             <a:r>
@@ -12760,11 +12747,6 @@
               </a:rPr>
               <a:t>On</a:t>
             </a:r>
-            <a:endParaRPr kumimoji="1" lang="en-US" altLang="zh-TW" sz="4400" b="1" dirty="0" smtClean="0">
-              <a:solidFill>
-                <a:srgbClr val="FF0000"/>
-              </a:solidFill>
-            </a:endParaRPr>
           </a:p>
         </p:txBody>
       </p:sp>

--- a/jquerytutorial.pptx
+++ b/jquerytutorial.pptx
@@ -11926,7 +11926,31 @@
             </a:r>
             <a:r>
               <a:rPr kumimoji="1" lang="zh-TW" altLang="en-US" dirty="0" smtClean="0"/>
-              <a:t>的物件所組成</a:t>
+              <a:t>的</a:t>
+            </a:r>
+            <a:r>
+              <a:rPr kumimoji="1" lang="zh-TW" altLang="en-US" dirty="0" smtClean="0"/>
+              <a:t>物件 </a:t>
+            </a:r>
+            <a:r>
+              <a:rPr kumimoji="1" lang="en-US" altLang="zh-TW" dirty="0" smtClean="0"/>
+              <a:t>(</a:t>
+            </a:r>
+            <a:r>
+              <a:rPr kumimoji="1" lang="zh-TW" altLang="en-US" dirty="0" smtClean="0"/>
+              <a:t>標籤或元素</a:t>
+            </a:r>
+            <a:r>
+              <a:rPr kumimoji="1" lang="en-US" altLang="zh-TW" dirty="0" smtClean="0"/>
+              <a:t>)</a:t>
+            </a:r>
+            <a:r>
+              <a:rPr kumimoji="1" lang="zh-TW" altLang="en-US" dirty="0" smtClean="0"/>
+              <a:t> 所</a:t>
+            </a:r>
+            <a:r>
+              <a:rPr kumimoji="1" lang="zh-TW" altLang="en-US" dirty="0" smtClean="0"/>
+              <a:t>組成</a:t>
             </a:r>
             <a:endParaRPr kumimoji="1" lang="en-US" altLang="zh-TW" dirty="0" smtClean="0"/>
           </a:p>
@@ -12441,7 +12465,19 @@
             </a:r>
             <a:r>
               <a:rPr kumimoji="1" lang="zh-TW" altLang="en-US" sz="4000" dirty="0" smtClean="0"/>
-              <a:t>物件</a:t>
+              <a:t>物件 </a:t>
+            </a:r>
+            <a:r>
+              <a:rPr kumimoji="1" lang="en-US" altLang="zh-TW" sz="4000" dirty="0" smtClean="0"/>
+              <a:t>(</a:t>
+            </a:r>
+            <a:r>
+              <a:rPr kumimoji="1" lang="zh-TW" altLang="en-US" sz="4000" dirty="0" smtClean="0"/>
+              <a:t>元素</a:t>
+            </a:r>
+            <a:r>
+              <a:rPr kumimoji="1" lang="en-US" altLang="zh-TW" sz="4000" dirty="0" smtClean="0"/>
+              <a:t>)</a:t>
             </a:r>
             <a:endParaRPr kumimoji="1" lang="en-US" altLang="zh-TW" sz="4000" dirty="0" smtClean="0"/>
           </a:p>

--- a/jquerytutorial.pptx
+++ b/jquerytutorial.pptx
@@ -10,7 +10,8 @@
     <p:sldId id="259" r:id="rId4"/>
     <p:sldId id="260" r:id="rId5"/>
     <p:sldId id="261" r:id="rId6"/>
-    <p:sldId id="258" r:id="rId7"/>
+    <p:sldId id="262" r:id="rId7"/>
+    <p:sldId id="258" r:id="rId8"/>
   </p:sldIdLst>
   <p:sldSz cx="12192000" cy="6858000"/>
   <p:notesSz cx="6858000" cy="9144000"/>
@@ -12835,6 +12836,78 @@
         </p:nvSpPr>
         <p:spPr/>
         <p:txBody>
+          <a:bodyPr/>
+          <a:lstStyle/>
+          <a:p>
+            <a:r>
+              <a:rPr kumimoji="1" lang="zh-TW" altLang="en-US" smtClean="0"/>
+              <a:t>二、選擇器</a:t>
+            </a:r>
+            <a:endParaRPr kumimoji="1" lang="zh-TW" altLang="en-US"/>
+          </a:p>
+        </p:txBody>
+      </p:sp>
+      <p:sp>
+        <p:nvSpPr>
+          <p:cNvPr id="3" name="內容版面配置區 2"/>
+          <p:cNvSpPr>
+            <a:spLocks noGrp="1"/>
+          </p:cNvSpPr>
+          <p:nvPr>
+            <p:ph idx="1"/>
+          </p:nvPr>
+        </p:nvSpPr>
+        <p:spPr/>
+        <p:txBody>
+          <a:bodyPr/>
+          <a:lstStyle/>
+          <a:p>
+            <a:endParaRPr kumimoji="1" lang="zh-TW" altLang="en-US"/>
+          </a:p>
+        </p:txBody>
+      </p:sp>
+    </p:spTree>
+    <p:extLst>
+      <p:ext uri="{BB962C8B-B14F-4D97-AF65-F5344CB8AC3E}">
+        <p14:creationId xmlns:p14="http://schemas.microsoft.com/office/powerpoint/2010/main" val="547810539"/>
+      </p:ext>
+    </p:extLst>
+  </p:cSld>
+  <p:clrMapOvr>
+    <a:masterClrMapping/>
+  </p:clrMapOvr>
+</p:sld>
+</file>
+
+<file path=ppt/slides/slide7.xml><?xml version="1.0" encoding="utf-8"?>
+<p:sld xmlns:a="http://schemas.openxmlformats.org/drawingml/2006/main" xmlns:r="http://schemas.openxmlformats.org/officeDocument/2006/relationships" xmlns:p="http://schemas.openxmlformats.org/presentationml/2006/main">
+  <p:cSld>
+    <p:spTree>
+      <p:nvGrpSpPr>
+        <p:cNvPr id="1" name=""/>
+        <p:cNvGrpSpPr/>
+        <p:nvPr/>
+      </p:nvGrpSpPr>
+      <p:grpSpPr>
+        <a:xfrm>
+          <a:off x="0" y="0"/>
+          <a:ext cx="0" cy="0"/>
+          <a:chOff x="0" y="0"/>
+          <a:chExt cx="0" cy="0"/>
+        </a:xfrm>
+      </p:grpSpPr>
+      <p:sp>
+        <p:nvSpPr>
+          <p:cNvPr id="2" name="標題 1"/>
+          <p:cNvSpPr>
+            <a:spLocks noGrp="1"/>
+          </p:cNvSpPr>
+          <p:nvPr>
+            <p:ph type="title"/>
+          </p:nvPr>
+        </p:nvSpPr>
+        <p:spPr/>
+        <p:txBody>
           <a:bodyPr>
             <a:normAutofit/>
           </a:bodyPr>

--- a/jquerytutorial.pptx
+++ b/jquerytutorial.pptx
@@ -1905,6 +1905,788 @@
   <dgm:styleLbl name="trBgShp">
     <dgm:fillClrLst meth="repeat">
       <a:schemeClr val="accent1">
+        <a:tint val="50000"/>
+        <a:alpha val="40000"/>
+      </a:schemeClr>
+    </dgm:fillClrLst>
+    <dgm:linClrLst meth="repeat">
+      <a:schemeClr val="accent2"/>
+    </dgm:linClrLst>
+    <dgm:effectClrLst/>
+    <dgm:txLinClrLst/>
+    <dgm:txFillClrLst meth="repeat">
+      <a:schemeClr val="lt1"/>
+    </dgm:txFillClrLst>
+    <dgm:txEffectClrLst/>
+  </dgm:styleLbl>
+  <dgm:styleLbl name="fgShp">
+    <dgm:fillClrLst meth="repeat">
+      <a:schemeClr val="accent2">
+        <a:tint val="40000"/>
+      </a:schemeClr>
+    </dgm:fillClrLst>
+    <dgm:linClrLst meth="repeat">
+      <a:schemeClr val="lt1"/>
+    </dgm:linClrLst>
+    <dgm:effectClrLst/>
+    <dgm:txLinClrLst/>
+    <dgm:txFillClrLst meth="repeat">
+      <a:schemeClr val="dk1"/>
+    </dgm:txFillClrLst>
+    <dgm:txEffectClrLst/>
+  </dgm:styleLbl>
+  <dgm:styleLbl name="revTx">
+    <dgm:fillClrLst meth="repeat">
+      <a:schemeClr val="lt1">
+        <a:alpha val="0"/>
+      </a:schemeClr>
+    </dgm:fillClrLst>
+    <dgm:linClrLst meth="repeat">
+      <a:schemeClr val="dk1">
+        <a:alpha val="0"/>
+      </a:schemeClr>
+    </dgm:linClrLst>
+    <dgm:effectClrLst/>
+    <dgm:txLinClrLst/>
+    <dgm:txFillClrLst meth="repeat">
+      <a:schemeClr val="tx1"/>
+    </dgm:txFillClrLst>
+    <dgm:txEffectClrLst/>
+  </dgm:styleLbl>
+</dgm:colorsDef>
+</file>
+
+<file path=ppt/diagrams/colors3.xml><?xml version="1.0" encoding="utf-8"?>
+<dgm:colorsDef xmlns:dgm="http://schemas.openxmlformats.org/drawingml/2006/diagram" xmlns:a="http://schemas.openxmlformats.org/drawingml/2006/main" uniqueId="urn:microsoft.com/office/officeart/2005/8/colors/colorful2">
+  <dgm:title val=""/>
+  <dgm:desc val=""/>
+  <dgm:catLst>
+    <dgm:cat type="colorful" pri="10200"/>
+  </dgm:catLst>
+  <dgm:styleLbl name="node0">
+    <dgm:fillClrLst meth="repeat">
+      <a:schemeClr val="accent1"/>
+    </dgm:fillClrLst>
+    <dgm:linClrLst meth="repeat">
+      <a:schemeClr val="lt1"/>
+    </dgm:linClrLst>
+    <dgm:effectClrLst/>
+    <dgm:txLinClrLst/>
+    <dgm:txFillClrLst/>
+    <dgm:txEffectClrLst/>
+  </dgm:styleLbl>
+  <dgm:styleLbl name="node1">
+    <dgm:fillClrLst>
+      <a:schemeClr val="accent2"/>
+      <a:schemeClr val="accent3"/>
+    </dgm:fillClrLst>
+    <dgm:linClrLst meth="repeat">
+      <a:schemeClr val="lt1"/>
+    </dgm:linClrLst>
+    <dgm:effectClrLst/>
+    <dgm:txLinClrLst/>
+    <dgm:txFillClrLst/>
+    <dgm:txEffectClrLst/>
+  </dgm:styleLbl>
+  <dgm:styleLbl name="alignNode1">
+    <dgm:fillClrLst>
+      <a:schemeClr val="accent2"/>
+      <a:schemeClr val="accent3"/>
+    </dgm:fillClrLst>
+    <dgm:linClrLst>
+      <a:schemeClr val="accent2"/>
+      <a:schemeClr val="accent3"/>
+    </dgm:linClrLst>
+    <dgm:effectClrLst/>
+    <dgm:txLinClrLst/>
+    <dgm:txFillClrLst/>
+    <dgm:txEffectClrLst/>
+  </dgm:styleLbl>
+  <dgm:styleLbl name="lnNode1">
+    <dgm:fillClrLst>
+      <a:schemeClr val="accent2"/>
+      <a:schemeClr val="accent3"/>
+    </dgm:fillClrLst>
+    <dgm:linClrLst meth="repeat">
+      <a:schemeClr val="lt1"/>
+    </dgm:linClrLst>
+    <dgm:effectClrLst/>
+    <dgm:txLinClrLst/>
+    <dgm:txFillClrLst/>
+    <dgm:txEffectClrLst/>
+  </dgm:styleLbl>
+  <dgm:styleLbl name="vennNode1">
+    <dgm:fillClrLst>
+      <a:schemeClr val="accent2">
+        <a:alpha val="50000"/>
+      </a:schemeClr>
+      <a:schemeClr val="accent3">
+        <a:alpha val="50000"/>
+      </a:schemeClr>
+    </dgm:fillClrLst>
+    <dgm:linClrLst meth="repeat">
+      <a:schemeClr val="lt1"/>
+    </dgm:linClrLst>
+    <dgm:effectClrLst/>
+    <dgm:txLinClrLst/>
+    <dgm:txFillClrLst/>
+    <dgm:txEffectClrLst/>
+  </dgm:styleLbl>
+  <dgm:styleLbl name="node2">
+    <dgm:fillClrLst>
+      <a:schemeClr val="accent3"/>
+    </dgm:fillClrLst>
+    <dgm:linClrLst meth="repeat">
+      <a:schemeClr val="lt1"/>
+    </dgm:linClrLst>
+    <dgm:effectClrLst/>
+    <dgm:txLinClrLst/>
+    <dgm:txFillClrLst/>
+    <dgm:txEffectClrLst/>
+  </dgm:styleLbl>
+  <dgm:styleLbl name="node3">
+    <dgm:fillClrLst>
+      <a:schemeClr val="accent4"/>
+    </dgm:fillClrLst>
+    <dgm:linClrLst meth="repeat">
+      <a:schemeClr val="lt1"/>
+    </dgm:linClrLst>
+    <dgm:effectClrLst/>
+    <dgm:txLinClrLst/>
+    <dgm:txFillClrLst/>
+    <dgm:txEffectClrLst/>
+  </dgm:styleLbl>
+  <dgm:styleLbl name="node4">
+    <dgm:fillClrLst>
+      <a:schemeClr val="accent5"/>
+    </dgm:fillClrLst>
+    <dgm:linClrLst meth="repeat">
+      <a:schemeClr val="lt1"/>
+    </dgm:linClrLst>
+    <dgm:effectClrLst/>
+    <dgm:txLinClrLst/>
+    <dgm:txFillClrLst/>
+    <dgm:txEffectClrLst/>
+  </dgm:styleLbl>
+  <dgm:styleLbl name="fgImgPlace1">
+    <dgm:fillClrLst>
+      <a:schemeClr val="accent2">
+        <a:tint val="50000"/>
+      </a:schemeClr>
+      <a:schemeClr val="accent3">
+        <a:tint val="50000"/>
+      </a:schemeClr>
+    </dgm:fillClrLst>
+    <dgm:linClrLst meth="repeat">
+      <a:schemeClr val="lt1"/>
+    </dgm:linClrLst>
+    <dgm:effectClrLst/>
+    <dgm:txLinClrLst/>
+    <dgm:txFillClrLst meth="repeat">
+      <a:schemeClr val="lt1"/>
+    </dgm:txFillClrLst>
+    <dgm:txEffectClrLst/>
+  </dgm:styleLbl>
+  <dgm:styleLbl name="alignImgPlace1">
+    <dgm:fillClrLst>
+      <a:schemeClr val="accent2">
+        <a:tint val="50000"/>
+      </a:schemeClr>
+      <a:schemeClr val="accent3">
+        <a:tint val="20000"/>
+      </a:schemeClr>
+    </dgm:fillClrLst>
+    <dgm:linClrLst meth="repeat">
+      <a:schemeClr val="lt1"/>
+    </dgm:linClrLst>
+    <dgm:effectClrLst/>
+    <dgm:txLinClrLst/>
+    <dgm:txFillClrLst meth="repeat">
+      <a:schemeClr val="lt1"/>
+    </dgm:txFillClrLst>
+    <dgm:txEffectClrLst/>
+  </dgm:styleLbl>
+  <dgm:styleLbl name="bgImgPlace1">
+    <dgm:fillClrLst>
+      <a:schemeClr val="accent2">
+        <a:tint val="50000"/>
+      </a:schemeClr>
+      <a:schemeClr val="accent3">
+        <a:tint val="20000"/>
+      </a:schemeClr>
+    </dgm:fillClrLst>
+    <dgm:linClrLst meth="repeat">
+      <a:schemeClr val="lt1"/>
+    </dgm:linClrLst>
+    <dgm:effectClrLst/>
+    <dgm:txLinClrLst/>
+    <dgm:txFillClrLst meth="repeat">
+      <a:schemeClr val="lt1"/>
+    </dgm:txFillClrLst>
+    <dgm:txEffectClrLst/>
+  </dgm:styleLbl>
+  <dgm:styleLbl name="sibTrans2D1">
+    <dgm:fillClrLst>
+      <a:schemeClr val="accent2"/>
+      <a:schemeClr val="accent3"/>
+    </dgm:fillClrLst>
+    <dgm:linClrLst meth="repeat">
+      <a:schemeClr val="lt1"/>
+    </dgm:linClrLst>
+    <dgm:effectClrLst/>
+    <dgm:txLinClrLst/>
+    <dgm:txFillClrLst/>
+    <dgm:txEffectClrLst/>
+  </dgm:styleLbl>
+  <dgm:styleLbl name="fgSibTrans2D1">
+    <dgm:fillClrLst>
+      <a:schemeClr val="accent2"/>
+      <a:schemeClr val="accent3"/>
+    </dgm:fillClrLst>
+    <dgm:linClrLst meth="repeat">
+      <a:schemeClr val="lt1"/>
+    </dgm:linClrLst>
+    <dgm:effectClrLst/>
+    <dgm:txLinClrLst/>
+    <dgm:txFillClrLst meth="repeat">
+      <a:schemeClr val="lt1"/>
+    </dgm:txFillClrLst>
+    <dgm:txEffectClrLst/>
+  </dgm:styleLbl>
+  <dgm:styleLbl name="bgSibTrans2D1">
+    <dgm:fillClrLst>
+      <a:schemeClr val="accent2"/>
+      <a:schemeClr val="accent3"/>
+    </dgm:fillClrLst>
+    <dgm:linClrLst meth="repeat">
+      <a:schemeClr val="lt1"/>
+    </dgm:linClrLst>
+    <dgm:effectClrLst/>
+    <dgm:txLinClrLst/>
+    <dgm:txFillClrLst meth="repeat">
+      <a:schemeClr val="lt1"/>
+    </dgm:txFillClrLst>
+    <dgm:txEffectClrLst/>
+  </dgm:styleLbl>
+  <dgm:styleLbl name="sibTrans1D1">
+    <dgm:fillClrLst/>
+    <dgm:linClrLst>
+      <a:schemeClr val="accent2"/>
+      <a:schemeClr val="accent3"/>
+    </dgm:linClrLst>
+    <dgm:effectClrLst/>
+    <dgm:txLinClrLst/>
+    <dgm:txFillClrLst meth="repeat">
+      <a:schemeClr val="tx1"/>
+    </dgm:txFillClrLst>
+    <dgm:txEffectClrLst/>
+  </dgm:styleLbl>
+  <dgm:styleLbl name="callout">
+    <dgm:fillClrLst meth="repeat">
+      <a:schemeClr val="accent2"/>
+    </dgm:fillClrLst>
+    <dgm:linClrLst meth="repeat">
+      <a:schemeClr val="accent2">
+        <a:tint val="50000"/>
+      </a:schemeClr>
+    </dgm:linClrLst>
+    <dgm:effectClrLst/>
+    <dgm:txLinClrLst/>
+    <dgm:txFillClrLst meth="repeat">
+      <a:schemeClr val="tx1"/>
+    </dgm:txFillClrLst>
+    <dgm:txEffectClrLst/>
+  </dgm:styleLbl>
+  <dgm:styleLbl name="asst0">
+    <dgm:fillClrLst meth="repeat">
+      <a:schemeClr val="accent2"/>
+    </dgm:fillClrLst>
+    <dgm:linClrLst meth="repeat">
+      <a:schemeClr val="lt1">
+        <a:shade val="80000"/>
+      </a:schemeClr>
+    </dgm:linClrLst>
+    <dgm:effectClrLst/>
+    <dgm:txLinClrLst/>
+    <dgm:txFillClrLst/>
+    <dgm:txEffectClrLst/>
+  </dgm:styleLbl>
+  <dgm:styleLbl name="asst1">
+    <dgm:fillClrLst meth="repeat">
+      <a:schemeClr val="accent3"/>
+    </dgm:fillClrLst>
+    <dgm:linClrLst meth="repeat">
+      <a:schemeClr val="lt1">
+        <a:shade val="80000"/>
+      </a:schemeClr>
+    </dgm:linClrLst>
+    <dgm:effectClrLst/>
+    <dgm:txLinClrLst/>
+    <dgm:txFillClrLst/>
+    <dgm:txEffectClrLst/>
+  </dgm:styleLbl>
+  <dgm:styleLbl name="asst2">
+    <dgm:fillClrLst>
+      <a:schemeClr val="accent4"/>
+    </dgm:fillClrLst>
+    <dgm:linClrLst meth="repeat">
+      <a:schemeClr val="lt1"/>
+    </dgm:linClrLst>
+    <dgm:effectClrLst/>
+    <dgm:txLinClrLst/>
+    <dgm:txFillClrLst/>
+    <dgm:txEffectClrLst/>
+  </dgm:styleLbl>
+  <dgm:styleLbl name="asst3">
+    <dgm:fillClrLst>
+      <a:schemeClr val="accent5"/>
+    </dgm:fillClrLst>
+    <dgm:linClrLst meth="repeat">
+      <a:schemeClr val="lt1"/>
+    </dgm:linClrLst>
+    <dgm:effectClrLst/>
+    <dgm:txLinClrLst/>
+    <dgm:txFillClrLst/>
+    <dgm:txEffectClrLst/>
+  </dgm:styleLbl>
+  <dgm:styleLbl name="asst4">
+    <dgm:fillClrLst>
+      <a:schemeClr val="accent6"/>
+    </dgm:fillClrLst>
+    <dgm:linClrLst meth="repeat">
+      <a:schemeClr val="lt1"/>
+    </dgm:linClrLst>
+    <dgm:effectClrLst/>
+    <dgm:txLinClrLst/>
+    <dgm:txFillClrLst/>
+    <dgm:txEffectClrLst/>
+  </dgm:styleLbl>
+  <dgm:styleLbl name="parChTrans2D1">
+    <dgm:fillClrLst meth="repeat">
+      <a:schemeClr val="accent2"/>
+    </dgm:fillClrLst>
+    <dgm:linClrLst meth="repeat">
+      <a:schemeClr val="lt1"/>
+    </dgm:linClrLst>
+    <dgm:effectClrLst/>
+    <dgm:txLinClrLst/>
+    <dgm:txFillClrLst meth="repeat">
+      <a:schemeClr val="lt1"/>
+    </dgm:txFillClrLst>
+    <dgm:txEffectClrLst/>
+  </dgm:styleLbl>
+  <dgm:styleLbl name="parChTrans2D2">
+    <dgm:fillClrLst meth="repeat">
+      <a:schemeClr val="accent3"/>
+    </dgm:fillClrLst>
+    <dgm:linClrLst meth="repeat">
+      <a:schemeClr val="lt1"/>
+    </dgm:linClrLst>
+    <dgm:effectClrLst/>
+    <dgm:txLinClrLst/>
+    <dgm:txFillClrLst/>
+    <dgm:txEffectClrLst/>
+  </dgm:styleLbl>
+  <dgm:styleLbl name="parChTrans2D3">
+    <dgm:fillClrLst meth="repeat">
+      <a:schemeClr val="accent4"/>
+    </dgm:fillClrLst>
+    <dgm:linClrLst meth="repeat">
+      <a:schemeClr val="lt1"/>
+    </dgm:linClrLst>
+    <dgm:effectClrLst/>
+    <dgm:txLinClrLst/>
+    <dgm:txFillClrLst/>
+    <dgm:txEffectClrLst/>
+  </dgm:styleLbl>
+  <dgm:styleLbl name="parChTrans2D4">
+    <dgm:fillClrLst meth="repeat">
+      <a:schemeClr val="accent5"/>
+    </dgm:fillClrLst>
+    <dgm:linClrLst meth="repeat">
+      <a:schemeClr val="lt1"/>
+    </dgm:linClrLst>
+    <dgm:effectClrLst/>
+    <dgm:txLinClrLst/>
+    <dgm:txFillClrLst meth="repeat">
+      <a:schemeClr val="lt1"/>
+    </dgm:txFillClrLst>
+    <dgm:txEffectClrLst/>
+  </dgm:styleLbl>
+  <dgm:styleLbl name="parChTrans1D1">
+    <dgm:fillClrLst meth="repeat">
+      <a:schemeClr val="accent2"/>
+    </dgm:fillClrLst>
+    <dgm:linClrLst meth="repeat">
+      <a:schemeClr val="accent2"/>
+    </dgm:linClrLst>
+    <dgm:effectClrLst/>
+    <dgm:txLinClrLst/>
+    <dgm:txFillClrLst meth="repeat">
+      <a:schemeClr val="tx1"/>
+    </dgm:txFillClrLst>
+    <dgm:txEffectClrLst/>
+  </dgm:styleLbl>
+  <dgm:styleLbl name="parChTrans1D2">
+    <dgm:fillClrLst meth="repeat">
+      <a:schemeClr val="accent2">
+        <a:tint val="90000"/>
+      </a:schemeClr>
+    </dgm:fillClrLst>
+    <dgm:linClrLst meth="repeat">
+      <a:schemeClr val="accent3"/>
+    </dgm:linClrLst>
+    <dgm:effectClrLst/>
+    <dgm:txLinClrLst/>
+    <dgm:txFillClrLst meth="repeat">
+      <a:schemeClr val="tx1"/>
+    </dgm:txFillClrLst>
+    <dgm:txEffectClrLst/>
+  </dgm:styleLbl>
+  <dgm:styleLbl name="parChTrans1D3">
+    <dgm:fillClrLst meth="repeat">
+      <a:schemeClr val="accent2">
+        <a:tint val="70000"/>
+      </a:schemeClr>
+    </dgm:fillClrLst>
+    <dgm:linClrLst meth="repeat">
+      <a:schemeClr val="accent4"/>
+    </dgm:linClrLst>
+    <dgm:effectClrLst/>
+    <dgm:txLinClrLst/>
+    <dgm:txFillClrLst meth="repeat">
+      <a:schemeClr val="tx1"/>
+    </dgm:txFillClrLst>
+    <dgm:txEffectClrLst/>
+  </dgm:styleLbl>
+  <dgm:styleLbl name="parChTrans1D4">
+    <dgm:fillClrLst meth="repeat">
+      <a:schemeClr val="accent2">
+        <a:tint val="50000"/>
+      </a:schemeClr>
+    </dgm:fillClrLst>
+    <dgm:linClrLst meth="repeat">
+      <a:schemeClr val="accent5"/>
+    </dgm:linClrLst>
+    <dgm:effectClrLst/>
+    <dgm:txLinClrLst/>
+    <dgm:txFillClrLst meth="repeat">
+      <a:schemeClr val="tx1"/>
+    </dgm:txFillClrLst>
+    <dgm:txEffectClrLst/>
+  </dgm:styleLbl>
+  <dgm:styleLbl name="fgAcc1">
+    <dgm:fillClrLst meth="repeat">
+      <a:schemeClr val="lt1">
+        <a:alpha val="90000"/>
+      </a:schemeClr>
+    </dgm:fillClrLst>
+    <dgm:linClrLst>
+      <a:schemeClr val="accent2"/>
+      <a:schemeClr val="accent3"/>
+    </dgm:linClrLst>
+    <dgm:effectClrLst/>
+    <dgm:txLinClrLst/>
+    <dgm:txFillClrLst meth="repeat">
+      <a:schemeClr val="dk1"/>
+    </dgm:txFillClrLst>
+    <dgm:txEffectClrLst/>
+  </dgm:styleLbl>
+  <dgm:styleLbl name="conFgAcc1">
+    <dgm:fillClrLst meth="repeat">
+      <a:schemeClr val="lt1">
+        <a:alpha val="90000"/>
+      </a:schemeClr>
+    </dgm:fillClrLst>
+    <dgm:linClrLst>
+      <a:schemeClr val="accent2"/>
+      <a:schemeClr val="accent3"/>
+    </dgm:linClrLst>
+    <dgm:effectClrLst/>
+    <dgm:txLinClrLst/>
+    <dgm:txFillClrLst meth="repeat">
+      <a:schemeClr val="dk1"/>
+    </dgm:txFillClrLst>
+    <dgm:txEffectClrLst/>
+  </dgm:styleLbl>
+  <dgm:styleLbl name="alignAcc1">
+    <dgm:fillClrLst meth="repeat">
+      <a:schemeClr val="lt1">
+        <a:alpha val="90000"/>
+      </a:schemeClr>
+    </dgm:fillClrLst>
+    <dgm:linClrLst>
+      <a:schemeClr val="accent2"/>
+      <a:schemeClr val="accent3"/>
+    </dgm:linClrLst>
+    <dgm:effectClrLst/>
+    <dgm:txLinClrLst/>
+    <dgm:txFillClrLst meth="repeat">
+      <a:schemeClr val="dk1"/>
+    </dgm:txFillClrLst>
+    <dgm:txEffectClrLst/>
+  </dgm:styleLbl>
+  <dgm:styleLbl name="trAlignAcc1">
+    <dgm:fillClrLst meth="repeat">
+      <a:schemeClr val="lt1">
+        <a:alpha val="40000"/>
+      </a:schemeClr>
+    </dgm:fillClrLst>
+    <dgm:linClrLst meth="repeat">
+      <a:schemeClr val="accent2"/>
+    </dgm:linClrLst>
+    <dgm:effectClrLst/>
+    <dgm:txLinClrLst/>
+    <dgm:txFillClrLst meth="repeat">
+      <a:schemeClr val="dk1"/>
+    </dgm:txFillClrLst>
+    <dgm:txEffectClrLst/>
+  </dgm:styleLbl>
+  <dgm:styleLbl name="bgAcc1">
+    <dgm:fillClrLst meth="repeat">
+      <a:schemeClr val="lt1">
+        <a:alpha val="90000"/>
+      </a:schemeClr>
+    </dgm:fillClrLst>
+    <dgm:linClrLst>
+      <a:schemeClr val="accent2"/>
+      <a:schemeClr val="accent3"/>
+    </dgm:linClrLst>
+    <dgm:effectClrLst/>
+    <dgm:txLinClrLst/>
+    <dgm:txFillClrLst meth="repeat">
+      <a:schemeClr val="dk1"/>
+    </dgm:txFillClrLst>
+    <dgm:txEffectClrLst/>
+  </dgm:styleLbl>
+  <dgm:styleLbl name="solidFgAcc1">
+    <dgm:fillClrLst meth="repeat">
+      <a:schemeClr val="lt1"/>
+    </dgm:fillClrLst>
+    <dgm:linClrLst>
+      <a:schemeClr val="accent2"/>
+      <a:schemeClr val="accent3"/>
+    </dgm:linClrLst>
+    <dgm:effectClrLst/>
+    <dgm:txLinClrLst/>
+    <dgm:txFillClrLst meth="repeat">
+      <a:schemeClr val="dk1"/>
+    </dgm:txFillClrLst>
+    <dgm:txEffectClrLst/>
+  </dgm:styleLbl>
+  <dgm:styleLbl name="solidAlignAcc1">
+    <dgm:fillClrLst meth="repeat">
+      <a:schemeClr val="lt1"/>
+    </dgm:fillClrLst>
+    <dgm:linClrLst>
+      <a:schemeClr val="accent2"/>
+      <a:schemeClr val="accent3"/>
+    </dgm:linClrLst>
+    <dgm:effectClrLst/>
+    <dgm:txLinClrLst/>
+    <dgm:txFillClrLst meth="repeat">
+      <a:schemeClr val="dk1"/>
+    </dgm:txFillClrLst>
+    <dgm:txEffectClrLst/>
+  </dgm:styleLbl>
+  <dgm:styleLbl name="solidBgAcc1">
+    <dgm:fillClrLst meth="repeat">
+      <a:schemeClr val="lt1"/>
+    </dgm:fillClrLst>
+    <dgm:linClrLst>
+      <a:schemeClr val="accent2"/>
+      <a:schemeClr val="accent3"/>
+    </dgm:linClrLst>
+    <dgm:effectClrLst/>
+    <dgm:txLinClrLst/>
+    <dgm:txFillClrLst meth="repeat">
+      <a:schemeClr val="dk1"/>
+    </dgm:txFillClrLst>
+    <dgm:txEffectClrLst/>
+  </dgm:styleLbl>
+  <dgm:styleLbl name="fgAccFollowNode1">
+    <dgm:fillClrLst>
+      <a:schemeClr val="accent2">
+        <a:tint val="40000"/>
+        <a:alpha val="90000"/>
+      </a:schemeClr>
+      <a:schemeClr val="accent3">
+        <a:tint val="40000"/>
+        <a:alpha val="90000"/>
+      </a:schemeClr>
+    </dgm:fillClrLst>
+    <dgm:linClrLst>
+      <a:schemeClr val="accent2">
+        <a:tint val="40000"/>
+        <a:alpha val="90000"/>
+      </a:schemeClr>
+      <a:schemeClr val="accent3">
+        <a:tint val="40000"/>
+        <a:alpha val="90000"/>
+      </a:schemeClr>
+    </dgm:linClrLst>
+    <dgm:effectClrLst/>
+    <dgm:txLinClrLst/>
+    <dgm:txFillClrLst meth="repeat">
+      <a:schemeClr val="dk1"/>
+    </dgm:txFillClrLst>
+    <dgm:txEffectClrLst/>
+  </dgm:styleLbl>
+  <dgm:styleLbl name="alignAccFollowNode1">
+    <dgm:fillClrLst>
+      <a:schemeClr val="accent2">
+        <a:tint val="40000"/>
+        <a:alpha val="90000"/>
+      </a:schemeClr>
+      <a:schemeClr val="accent3">
+        <a:tint val="40000"/>
+        <a:alpha val="90000"/>
+      </a:schemeClr>
+    </dgm:fillClrLst>
+    <dgm:linClrLst>
+      <a:schemeClr val="accent2">
+        <a:tint val="40000"/>
+        <a:alpha val="90000"/>
+      </a:schemeClr>
+      <a:schemeClr val="accent3">
+        <a:tint val="40000"/>
+        <a:alpha val="90000"/>
+      </a:schemeClr>
+    </dgm:linClrLst>
+    <dgm:effectClrLst/>
+    <dgm:txLinClrLst/>
+    <dgm:txFillClrLst meth="repeat">
+      <a:schemeClr val="dk1"/>
+    </dgm:txFillClrLst>
+    <dgm:txEffectClrLst/>
+  </dgm:styleLbl>
+  <dgm:styleLbl name="bgAccFollowNode1">
+    <dgm:fillClrLst>
+      <a:schemeClr val="accent2">
+        <a:tint val="40000"/>
+        <a:alpha val="90000"/>
+      </a:schemeClr>
+      <a:schemeClr val="accent3">
+        <a:tint val="40000"/>
+        <a:alpha val="90000"/>
+      </a:schemeClr>
+    </dgm:fillClrLst>
+    <dgm:linClrLst>
+      <a:schemeClr val="accent2">
+        <a:tint val="40000"/>
+        <a:alpha val="90000"/>
+      </a:schemeClr>
+      <a:schemeClr val="accent3">
+        <a:tint val="40000"/>
+        <a:alpha val="90000"/>
+      </a:schemeClr>
+    </dgm:linClrLst>
+    <dgm:effectClrLst/>
+    <dgm:txLinClrLst/>
+    <dgm:txFillClrLst meth="repeat">
+      <a:schemeClr val="dk1"/>
+    </dgm:txFillClrLst>
+    <dgm:txEffectClrLst/>
+  </dgm:styleLbl>
+  <dgm:styleLbl name="fgAcc0">
+    <dgm:fillClrLst meth="repeat">
+      <a:schemeClr val="lt1">
+        <a:alpha val="90000"/>
+      </a:schemeClr>
+    </dgm:fillClrLst>
+    <dgm:linClrLst>
+      <a:schemeClr val="accent1"/>
+    </dgm:linClrLst>
+    <dgm:effectClrLst/>
+    <dgm:txLinClrLst/>
+    <dgm:txFillClrLst meth="repeat">
+      <a:schemeClr val="dk1"/>
+    </dgm:txFillClrLst>
+    <dgm:txEffectClrLst/>
+  </dgm:styleLbl>
+  <dgm:styleLbl name="fgAcc2">
+    <dgm:fillClrLst meth="repeat">
+      <a:schemeClr val="lt1">
+        <a:alpha val="90000"/>
+      </a:schemeClr>
+    </dgm:fillClrLst>
+    <dgm:linClrLst>
+      <a:schemeClr val="accent3"/>
+    </dgm:linClrLst>
+    <dgm:effectClrLst/>
+    <dgm:txLinClrLst/>
+    <dgm:txFillClrLst meth="repeat">
+      <a:schemeClr val="dk1"/>
+    </dgm:txFillClrLst>
+    <dgm:txEffectClrLst/>
+  </dgm:styleLbl>
+  <dgm:styleLbl name="fgAcc3">
+    <dgm:fillClrLst meth="repeat">
+      <a:schemeClr val="lt1">
+        <a:alpha val="90000"/>
+      </a:schemeClr>
+    </dgm:fillClrLst>
+    <dgm:linClrLst>
+      <a:schemeClr val="accent4"/>
+    </dgm:linClrLst>
+    <dgm:effectClrLst/>
+    <dgm:txLinClrLst/>
+    <dgm:txFillClrLst meth="repeat">
+      <a:schemeClr val="dk1"/>
+    </dgm:txFillClrLst>
+    <dgm:txEffectClrLst/>
+  </dgm:styleLbl>
+  <dgm:styleLbl name="fgAcc4">
+    <dgm:fillClrLst meth="repeat">
+      <a:schemeClr val="lt1">
+        <a:alpha val="90000"/>
+      </a:schemeClr>
+    </dgm:fillClrLst>
+    <dgm:linClrLst>
+      <a:schemeClr val="accent5"/>
+    </dgm:linClrLst>
+    <dgm:effectClrLst/>
+    <dgm:txLinClrLst/>
+    <dgm:txFillClrLst meth="repeat">
+      <a:schemeClr val="dk1"/>
+    </dgm:txFillClrLst>
+    <dgm:txEffectClrLst/>
+  </dgm:styleLbl>
+  <dgm:styleLbl name="bgShp">
+    <dgm:fillClrLst meth="repeat">
+      <a:schemeClr val="accent2">
+        <a:tint val="40000"/>
+      </a:schemeClr>
+    </dgm:fillClrLst>
+    <dgm:linClrLst meth="repeat">
+      <a:schemeClr val="dk1"/>
+    </dgm:linClrLst>
+    <dgm:effectClrLst/>
+    <dgm:txLinClrLst/>
+    <dgm:txFillClrLst meth="repeat">
+      <a:schemeClr val="dk1"/>
+    </dgm:txFillClrLst>
+    <dgm:txEffectClrLst/>
+  </dgm:styleLbl>
+  <dgm:styleLbl name="dkBgShp">
+    <dgm:fillClrLst meth="repeat">
+      <a:schemeClr val="accent2">
+        <a:shade val="90000"/>
+      </a:schemeClr>
+    </dgm:fillClrLst>
+    <dgm:linClrLst meth="repeat">
+      <a:schemeClr val="dk1"/>
+    </dgm:linClrLst>
+    <dgm:effectClrLst/>
+    <dgm:txLinClrLst/>
+    <dgm:txFillClrLst meth="repeat">
+      <a:schemeClr val="lt1"/>
+    </dgm:txFillClrLst>
+    <dgm:txEffectClrLst/>
+  </dgm:styleLbl>
+  <dgm:styleLbl name="trBgShp">
+    <dgm:fillClrLst meth="repeat">
+      <a:schemeClr val="accent2">
         <a:tint val="50000"/>
         <a:alpha val="40000"/>
       </a:schemeClr>
@@ -3434,6 +4216,457 @@
     <dgm:cxn modelId="{F1B35805-834C-EC48-BECF-46A627B3277B}" type="presParOf" srcId="{34AFCEA8-EAA0-BC46-A3F6-61BBC673562E}" destId="{898D11FE-75BF-F047-B350-B6819D80F514}" srcOrd="1" destOrd="0" presId="urn:microsoft.com/office/officeart/2005/8/layout/orgChart1"/>
     <dgm:cxn modelId="{49F65FD0-1EAB-B44A-940C-AB35563A959E}" type="presParOf" srcId="{34AFCEA8-EAA0-BC46-A3F6-61BBC673562E}" destId="{F40A5BF3-9DA8-5647-9322-DB69E72DC77A}" srcOrd="2" destOrd="0" presId="urn:microsoft.com/office/officeart/2005/8/layout/orgChart1"/>
     <dgm:cxn modelId="{8C3B0E0D-7E81-7B4B-A6CB-16594B72FB31}" type="presParOf" srcId="{005354CA-B6AF-7E45-A9E8-C6A707894EEA}" destId="{0C758A06-668F-8A47-896D-37A54538EA74}" srcOrd="2" destOrd="0" presId="urn:microsoft.com/office/officeart/2005/8/layout/orgChart1"/>
+  </dgm:cxnLst>
+  <dgm:bg/>
+  <dgm:whole/>
+  <dgm:extLst>
+    <a:ext uri="http://schemas.microsoft.com/office/drawing/2008/diagram">
+      <dsp:dataModelExt xmlns:dsp="http://schemas.microsoft.com/office/drawing/2008/diagram" relId="rId6" minVer="http://schemas.openxmlformats.org/drawingml/2006/diagram"/>
+    </a:ext>
+  </dgm:extLst>
+</dgm:dataModel>
+</file>
+
+<file path=ppt/diagrams/data3.xml><?xml version="1.0" encoding="utf-8"?>
+<dgm:dataModel xmlns:dgm="http://schemas.openxmlformats.org/drawingml/2006/diagram" xmlns:a="http://schemas.openxmlformats.org/drawingml/2006/main">
+  <dgm:ptLst>
+    <dgm:pt modelId="{85ABAE0C-0B35-AE4C-AB29-4F3BFF77E203}" type="doc">
+      <dgm:prSet loTypeId="urn:microsoft.com/office/officeart/2005/8/layout/list1" loCatId="" qsTypeId="urn:microsoft.com/office/officeart/2005/8/quickstyle/simple4" qsCatId="simple" csTypeId="urn:microsoft.com/office/officeart/2005/8/colors/colorful2" csCatId="colorful" phldr="1"/>
+      <dgm:spPr/>
+      <dgm:t>
+        <a:bodyPr/>
+        <a:lstStyle/>
+        <a:p>
+          <a:endParaRPr lang="zh-TW" altLang="en-US"/>
+        </a:p>
+      </dgm:t>
+    </dgm:pt>
+    <dgm:pt modelId="{8DC90EA7-D6DE-254D-8A2E-A8E1742B6FD7}">
+      <dgm:prSet phldrT="[文字]"/>
+      <dgm:spPr/>
+      <dgm:t>
+        <a:bodyPr/>
+        <a:lstStyle/>
+        <a:p>
+          <a:r>
+            <a:rPr lang="en-US" altLang="zh-TW" dirty="0" smtClean="0"/>
+            <a:t>Element</a:t>
+          </a:r>
+          <a:r>
+            <a:rPr lang="zh-TW" altLang="en-US" dirty="0" smtClean="0"/>
+            <a:t> </a:t>
+          </a:r>
+          <a:r>
+            <a:rPr lang="en-US" altLang="zh-TW" dirty="0" smtClean="0"/>
+            <a:t>Selector</a:t>
+          </a:r>
+          <a:r>
+            <a:rPr lang="zh-TW" altLang="en-US" dirty="0" smtClean="0"/>
+            <a:t> </a:t>
+          </a:r>
+          <a:r>
+            <a:rPr lang="en-US" altLang="zh-TW" dirty="0" smtClean="0"/>
+            <a:t>(</a:t>
+          </a:r>
+          <a:r>
+            <a:rPr lang="zh-TW" altLang="en-US" dirty="0" smtClean="0"/>
+            <a:t>元素選擇器</a:t>
+          </a:r>
+          <a:r>
+            <a:rPr lang="en-US" altLang="zh-TW" dirty="0" smtClean="0"/>
+            <a:t>)</a:t>
+          </a:r>
+          <a:endParaRPr lang="zh-TW" altLang="en-US" dirty="0"/>
+        </a:p>
+      </dgm:t>
+    </dgm:pt>
+    <dgm:pt modelId="{5EDFADC5-8E40-9740-8E18-52F5A1187B0F}" type="parTrans" cxnId="{8C159DD4-6EDD-E640-816C-81B828626664}">
+      <dgm:prSet/>
+      <dgm:spPr/>
+      <dgm:t>
+        <a:bodyPr/>
+        <a:lstStyle/>
+        <a:p>
+          <a:endParaRPr lang="zh-TW" altLang="en-US"/>
+        </a:p>
+      </dgm:t>
+    </dgm:pt>
+    <dgm:pt modelId="{0B9C5843-B764-6C42-B5E7-95E825E6FAC5}" type="sibTrans" cxnId="{8C159DD4-6EDD-E640-816C-81B828626664}">
+      <dgm:prSet/>
+      <dgm:spPr/>
+      <dgm:t>
+        <a:bodyPr/>
+        <a:lstStyle/>
+        <a:p>
+          <a:endParaRPr lang="zh-TW" altLang="en-US"/>
+        </a:p>
+      </dgm:t>
+    </dgm:pt>
+    <dgm:pt modelId="{0067259C-21F3-B043-9141-94B17CDE3244}">
+      <dgm:prSet phldrT="[文字]"/>
+      <dgm:spPr/>
+      <dgm:t>
+        <a:bodyPr/>
+        <a:lstStyle/>
+        <a:p>
+          <a:r>
+            <a:rPr lang="en-US" altLang="zh-TW" dirty="0" smtClean="0"/>
+            <a:t>Class</a:t>
+          </a:r>
+          <a:r>
+            <a:rPr lang="zh-TW" altLang="en-US" dirty="0" smtClean="0"/>
+            <a:t> </a:t>
+          </a:r>
+          <a:r>
+            <a:rPr lang="en-US" altLang="zh-TW" dirty="0" smtClean="0"/>
+            <a:t>Selector</a:t>
+          </a:r>
+          <a:r>
+            <a:rPr lang="zh-TW" altLang="en-US" dirty="0" smtClean="0"/>
+            <a:t> </a:t>
+          </a:r>
+          <a:r>
+            <a:rPr lang="en-US" altLang="zh-TW" dirty="0" smtClean="0"/>
+            <a:t>(</a:t>
+          </a:r>
+          <a:r>
+            <a:rPr lang="zh-TW" altLang="en-US" dirty="0" smtClean="0"/>
+            <a:t>類別選擇器</a:t>
+          </a:r>
+          <a:r>
+            <a:rPr lang="en-US" altLang="zh-TW" dirty="0" smtClean="0"/>
+            <a:t>)</a:t>
+          </a:r>
+          <a:endParaRPr lang="zh-TW" altLang="en-US" dirty="0"/>
+        </a:p>
+      </dgm:t>
+    </dgm:pt>
+    <dgm:pt modelId="{829034B9-6F1B-3141-BE15-6F7F04D1AA4D}" type="parTrans" cxnId="{4D57586E-82D0-3645-B70D-0B15036CFE14}">
+      <dgm:prSet/>
+      <dgm:spPr/>
+      <dgm:t>
+        <a:bodyPr/>
+        <a:lstStyle/>
+        <a:p>
+          <a:endParaRPr lang="zh-TW" altLang="en-US"/>
+        </a:p>
+      </dgm:t>
+    </dgm:pt>
+    <dgm:pt modelId="{4308312B-9EE2-1743-9821-3597672B4CFF}" type="sibTrans" cxnId="{4D57586E-82D0-3645-B70D-0B15036CFE14}">
+      <dgm:prSet/>
+      <dgm:spPr/>
+      <dgm:t>
+        <a:bodyPr/>
+        <a:lstStyle/>
+        <a:p>
+          <a:endParaRPr lang="zh-TW" altLang="en-US"/>
+        </a:p>
+      </dgm:t>
+    </dgm:pt>
+    <dgm:pt modelId="{B3B6766E-1E1A-FC4D-86B3-429C787DF509}">
+      <dgm:prSet phldrT="[文字]"/>
+      <dgm:spPr/>
+      <dgm:t>
+        <a:bodyPr/>
+        <a:lstStyle/>
+        <a:p>
+          <a:r>
+            <a:rPr lang="en-US" altLang="zh-TW" dirty="0" smtClean="0"/>
+            <a:t>ID</a:t>
+          </a:r>
+          <a:r>
+            <a:rPr lang="zh-TW" altLang="en-US" dirty="0" smtClean="0"/>
+            <a:t> </a:t>
+          </a:r>
+          <a:r>
+            <a:rPr lang="en-US" altLang="zh-TW" dirty="0" smtClean="0"/>
+            <a:t>Selector</a:t>
+          </a:r>
+          <a:r>
+            <a:rPr lang="zh-TW" altLang="en-US" dirty="0" smtClean="0"/>
+            <a:t> </a:t>
+          </a:r>
+          <a:r>
+            <a:rPr lang="en-US" altLang="zh-TW" dirty="0" smtClean="0"/>
+            <a:t>(ID</a:t>
+          </a:r>
+          <a:r>
+            <a:rPr lang="zh-TW" altLang="en-US" dirty="0" smtClean="0"/>
+            <a:t>選擇器</a:t>
+          </a:r>
+          <a:r>
+            <a:rPr lang="en-US" altLang="zh-TW" dirty="0" smtClean="0"/>
+            <a:t>)</a:t>
+          </a:r>
+          <a:endParaRPr lang="zh-TW" altLang="en-US" dirty="0"/>
+        </a:p>
+      </dgm:t>
+    </dgm:pt>
+    <dgm:pt modelId="{501C8EB2-8D69-4947-83D0-0A7C5725FF21}" type="parTrans" cxnId="{7E33739F-B29D-9846-AC1C-469B31D1F2D8}">
+      <dgm:prSet/>
+      <dgm:spPr/>
+      <dgm:t>
+        <a:bodyPr/>
+        <a:lstStyle/>
+        <a:p>
+          <a:endParaRPr lang="zh-TW" altLang="en-US"/>
+        </a:p>
+      </dgm:t>
+    </dgm:pt>
+    <dgm:pt modelId="{9589E215-84B5-214E-A3B3-5075353B52F4}" type="sibTrans" cxnId="{7E33739F-B29D-9846-AC1C-469B31D1F2D8}">
+      <dgm:prSet/>
+      <dgm:spPr/>
+      <dgm:t>
+        <a:bodyPr/>
+        <a:lstStyle/>
+        <a:p>
+          <a:endParaRPr lang="zh-TW" altLang="en-US"/>
+        </a:p>
+      </dgm:t>
+    </dgm:pt>
+    <dgm:pt modelId="{D97BF9F7-34E6-5A41-8EBC-0CB660FB42A5}">
+      <dgm:prSet phldrT="[文字]"/>
+      <dgm:spPr/>
+      <dgm:t>
+        <a:bodyPr/>
+        <a:lstStyle/>
+        <a:p>
+          <a:r>
+            <a:rPr lang="zh-TW" altLang="en-US" dirty="0" smtClean="0">
+              <a:hlinkClick xmlns:r="http://schemas.openxmlformats.org/officeDocument/2006/relationships" r:id="rId1"/>
+            </a:rPr>
+            <a:t>進階型選擇器</a:t>
+          </a:r>
+          <a:endParaRPr lang="zh-TW" altLang="en-US" dirty="0"/>
+        </a:p>
+      </dgm:t>
+    </dgm:pt>
+    <dgm:pt modelId="{3F20D720-56E8-8448-82D2-56B97C53F81C}" type="parTrans" cxnId="{6D17301B-7573-CD46-827B-D6252F0BA9A8}">
+      <dgm:prSet/>
+      <dgm:spPr/>
+      <dgm:t>
+        <a:bodyPr/>
+        <a:lstStyle/>
+        <a:p>
+          <a:endParaRPr lang="zh-TW" altLang="en-US"/>
+        </a:p>
+      </dgm:t>
+    </dgm:pt>
+    <dgm:pt modelId="{9F59850E-A17A-7D40-80C4-3090A47CE0DA}" type="sibTrans" cxnId="{6D17301B-7573-CD46-827B-D6252F0BA9A8}">
+      <dgm:prSet/>
+      <dgm:spPr/>
+      <dgm:t>
+        <a:bodyPr/>
+        <a:lstStyle/>
+        <a:p>
+          <a:endParaRPr lang="zh-TW" altLang="en-US"/>
+        </a:p>
+      </dgm:t>
+    </dgm:pt>
+    <dgm:pt modelId="{A6B5530C-D407-7C45-8481-9270582A72F5}" type="pres">
+      <dgm:prSet presAssocID="{85ABAE0C-0B35-AE4C-AB29-4F3BFF77E203}" presName="linear" presStyleCnt="0">
+        <dgm:presLayoutVars>
+          <dgm:dir/>
+          <dgm:animLvl val="lvl"/>
+          <dgm:resizeHandles val="exact"/>
+        </dgm:presLayoutVars>
+      </dgm:prSet>
+      <dgm:spPr/>
+    </dgm:pt>
+    <dgm:pt modelId="{1611007A-6C8D-A64F-92A5-CCB34E015551}" type="pres">
+      <dgm:prSet presAssocID="{8DC90EA7-D6DE-254D-8A2E-A8E1742B6FD7}" presName="parentLin" presStyleCnt="0"/>
+      <dgm:spPr/>
+    </dgm:pt>
+    <dgm:pt modelId="{2D6F919E-A0BA-7849-BA2F-EFFAA73056D3}" type="pres">
+      <dgm:prSet presAssocID="{8DC90EA7-D6DE-254D-8A2E-A8E1742B6FD7}" presName="parentLeftMargin" presStyleLbl="node1" presStyleIdx="0" presStyleCnt="4"/>
+      <dgm:spPr/>
+    </dgm:pt>
+    <dgm:pt modelId="{23A9D41C-B109-FE41-8ACE-0282DA397AF7}" type="pres">
+      <dgm:prSet presAssocID="{8DC90EA7-D6DE-254D-8A2E-A8E1742B6FD7}" presName="parentText" presStyleLbl="node1" presStyleIdx="0" presStyleCnt="4">
+        <dgm:presLayoutVars>
+          <dgm:chMax val="0"/>
+          <dgm:bulletEnabled val="1"/>
+        </dgm:presLayoutVars>
+      </dgm:prSet>
+      <dgm:spPr/>
+      <dgm:t>
+        <a:bodyPr/>
+        <a:lstStyle/>
+        <a:p>
+          <a:endParaRPr lang="zh-TW" altLang="en-US"/>
+        </a:p>
+      </dgm:t>
+    </dgm:pt>
+    <dgm:pt modelId="{ED7E22A7-C7A8-324D-A9E7-B062E870BA48}" type="pres">
+      <dgm:prSet presAssocID="{8DC90EA7-D6DE-254D-8A2E-A8E1742B6FD7}" presName="negativeSpace" presStyleCnt="0"/>
+      <dgm:spPr/>
+    </dgm:pt>
+    <dgm:pt modelId="{887874FD-090D-0245-86DA-B41E4E113773}" type="pres">
+      <dgm:prSet presAssocID="{8DC90EA7-D6DE-254D-8A2E-A8E1742B6FD7}" presName="childText" presStyleLbl="conFgAcc1" presStyleIdx="0" presStyleCnt="4">
+        <dgm:presLayoutVars>
+          <dgm:bulletEnabled val="1"/>
+        </dgm:presLayoutVars>
+      </dgm:prSet>
+      <dgm:spPr/>
+    </dgm:pt>
+    <dgm:pt modelId="{568FB333-1010-874E-8699-DAEB545441CF}" type="pres">
+      <dgm:prSet presAssocID="{0B9C5843-B764-6C42-B5E7-95E825E6FAC5}" presName="spaceBetweenRectangles" presStyleCnt="0"/>
+      <dgm:spPr/>
+    </dgm:pt>
+    <dgm:pt modelId="{B747210A-920D-FF40-AA2A-F03A3E0EC47D}" type="pres">
+      <dgm:prSet presAssocID="{0067259C-21F3-B043-9141-94B17CDE3244}" presName="parentLin" presStyleCnt="0"/>
+      <dgm:spPr/>
+    </dgm:pt>
+    <dgm:pt modelId="{9A2E53F5-3248-BB4D-9B11-8E77F19AADFB}" type="pres">
+      <dgm:prSet presAssocID="{0067259C-21F3-B043-9141-94B17CDE3244}" presName="parentLeftMargin" presStyleLbl="node1" presStyleIdx="0" presStyleCnt="4"/>
+      <dgm:spPr/>
+    </dgm:pt>
+    <dgm:pt modelId="{1488148C-4C11-8C45-94C6-1E7CFF1D5123}" type="pres">
+      <dgm:prSet presAssocID="{0067259C-21F3-B043-9141-94B17CDE3244}" presName="parentText" presStyleLbl="node1" presStyleIdx="1" presStyleCnt="4">
+        <dgm:presLayoutVars>
+          <dgm:chMax val="0"/>
+          <dgm:bulletEnabled val="1"/>
+        </dgm:presLayoutVars>
+      </dgm:prSet>
+      <dgm:spPr/>
+      <dgm:t>
+        <a:bodyPr/>
+        <a:lstStyle/>
+        <a:p>
+          <a:endParaRPr lang="zh-TW" altLang="en-US"/>
+        </a:p>
+      </dgm:t>
+    </dgm:pt>
+    <dgm:pt modelId="{3F5C5878-3E1C-C144-A20F-FFE1D07105D8}" type="pres">
+      <dgm:prSet presAssocID="{0067259C-21F3-B043-9141-94B17CDE3244}" presName="negativeSpace" presStyleCnt="0"/>
+      <dgm:spPr/>
+    </dgm:pt>
+    <dgm:pt modelId="{B12CF78E-1EB9-4048-BF4B-69A43B35A7DF}" type="pres">
+      <dgm:prSet presAssocID="{0067259C-21F3-B043-9141-94B17CDE3244}" presName="childText" presStyleLbl="conFgAcc1" presStyleIdx="1" presStyleCnt="4">
+        <dgm:presLayoutVars>
+          <dgm:bulletEnabled val="1"/>
+        </dgm:presLayoutVars>
+      </dgm:prSet>
+      <dgm:spPr/>
+    </dgm:pt>
+    <dgm:pt modelId="{DE43CDA9-2AD4-E446-AC6B-8E0FFABB5904}" type="pres">
+      <dgm:prSet presAssocID="{4308312B-9EE2-1743-9821-3597672B4CFF}" presName="spaceBetweenRectangles" presStyleCnt="0"/>
+      <dgm:spPr/>
+    </dgm:pt>
+    <dgm:pt modelId="{E1971BFC-2089-2148-B7E7-77235256FA7E}" type="pres">
+      <dgm:prSet presAssocID="{B3B6766E-1E1A-FC4D-86B3-429C787DF509}" presName="parentLin" presStyleCnt="0"/>
+      <dgm:spPr/>
+    </dgm:pt>
+    <dgm:pt modelId="{C7F77AAA-45FF-B644-8B1E-4AD45FB9B123}" type="pres">
+      <dgm:prSet presAssocID="{B3B6766E-1E1A-FC4D-86B3-429C787DF509}" presName="parentLeftMargin" presStyleLbl="node1" presStyleIdx="1" presStyleCnt="4"/>
+      <dgm:spPr/>
+    </dgm:pt>
+    <dgm:pt modelId="{9840C5E5-BFF7-E04C-8B60-30189D3ADF0D}" type="pres">
+      <dgm:prSet presAssocID="{B3B6766E-1E1A-FC4D-86B3-429C787DF509}" presName="parentText" presStyleLbl="node1" presStyleIdx="2" presStyleCnt="4">
+        <dgm:presLayoutVars>
+          <dgm:chMax val="0"/>
+          <dgm:bulletEnabled val="1"/>
+        </dgm:presLayoutVars>
+      </dgm:prSet>
+      <dgm:spPr/>
+      <dgm:t>
+        <a:bodyPr/>
+        <a:lstStyle/>
+        <a:p>
+          <a:endParaRPr lang="zh-TW" altLang="en-US"/>
+        </a:p>
+      </dgm:t>
+    </dgm:pt>
+    <dgm:pt modelId="{DCF31C38-D67E-8D4D-BD60-6B9282B347C9}" type="pres">
+      <dgm:prSet presAssocID="{B3B6766E-1E1A-FC4D-86B3-429C787DF509}" presName="negativeSpace" presStyleCnt="0"/>
+      <dgm:spPr/>
+    </dgm:pt>
+    <dgm:pt modelId="{10FF0A7F-EED5-004C-9284-4B6FD1F02C2A}" type="pres">
+      <dgm:prSet presAssocID="{B3B6766E-1E1A-FC4D-86B3-429C787DF509}" presName="childText" presStyleLbl="conFgAcc1" presStyleIdx="2" presStyleCnt="4">
+        <dgm:presLayoutVars>
+          <dgm:bulletEnabled val="1"/>
+        </dgm:presLayoutVars>
+      </dgm:prSet>
+      <dgm:spPr/>
+    </dgm:pt>
+    <dgm:pt modelId="{0DB52174-647B-1A47-8073-1890F3FF1DB9}" type="pres">
+      <dgm:prSet presAssocID="{9589E215-84B5-214E-A3B3-5075353B52F4}" presName="spaceBetweenRectangles" presStyleCnt="0"/>
+      <dgm:spPr/>
+    </dgm:pt>
+    <dgm:pt modelId="{D43D97B9-78FE-844D-8817-F9B6C473DF1B}" type="pres">
+      <dgm:prSet presAssocID="{D97BF9F7-34E6-5A41-8EBC-0CB660FB42A5}" presName="parentLin" presStyleCnt="0"/>
+      <dgm:spPr/>
+    </dgm:pt>
+    <dgm:pt modelId="{5C20F24C-38DB-7947-AB4E-EC9932FDFB46}" type="pres">
+      <dgm:prSet presAssocID="{D97BF9F7-34E6-5A41-8EBC-0CB660FB42A5}" presName="parentLeftMargin" presStyleLbl="node1" presStyleIdx="2" presStyleCnt="4"/>
+      <dgm:spPr/>
+    </dgm:pt>
+    <dgm:pt modelId="{866CDAC6-6737-5644-BDF5-BCEC26BEE0B9}" type="pres">
+      <dgm:prSet presAssocID="{D97BF9F7-34E6-5A41-8EBC-0CB660FB42A5}" presName="parentText" presStyleLbl="node1" presStyleIdx="3" presStyleCnt="4">
+        <dgm:presLayoutVars>
+          <dgm:chMax val="0"/>
+          <dgm:bulletEnabled val="1"/>
+        </dgm:presLayoutVars>
+      </dgm:prSet>
+      <dgm:spPr/>
+      <dgm:t>
+        <a:bodyPr/>
+        <a:lstStyle/>
+        <a:p>
+          <a:endParaRPr lang="zh-TW" altLang="en-US"/>
+        </a:p>
+      </dgm:t>
+    </dgm:pt>
+    <dgm:pt modelId="{6B386C2D-FFC3-764E-B4F6-CEDEE9255F05}" type="pres">
+      <dgm:prSet presAssocID="{D97BF9F7-34E6-5A41-8EBC-0CB660FB42A5}" presName="negativeSpace" presStyleCnt="0"/>
+      <dgm:spPr/>
+    </dgm:pt>
+    <dgm:pt modelId="{28D68FCF-23AF-4F4E-A466-BC8EEE24F611}" type="pres">
+      <dgm:prSet presAssocID="{D97BF9F7-34E6-5A41-8EBC-0CB660FB42A5}" presName="childText" presStyleLbl="conFgAcc1" presStyleIdx="3" presStyleCnt="4">
+        <dgm:presLayoutVars>
+          <dgm:bulletEnabled val="1"/>
+        </dgm:presLayoutVars>
+      </dgm:prSet>
+      <dgm:spPr/>
+    </dgm:pt>
+  </dgm:ptLst>
+  <dgm:cxnLst>
+    <dgm:cxn modelId="{0C935B22-F124-8042-9912-E6A112AC98A6}" type="presOf" srcId="{B3B6766E-1E1A-FC4D-86B3-429C787DF509}" destId="{9840C5E5-BFF7-E04C-8B60-30189D3ADF0D}" srcOrd="1" destOrd="0" presId="urn:microsoft.com/office/officeart/2005/8/layout/list1"/>
+    <dgm:cxn modelId="{C5091EE1-5692-B541-8B11-B977FFA9F57D}" type="presOf" srcId="{8DC90EA7-D6DE-254D-8A2E-A8E1742B6FD7}" destId="{2D6F919E-A0BA-7849-BA2F-EFFAA73056D3}" srcOrd="0" destOrd="0" presId="urn:microsoft.com/office/officeart/2005/8/layout/list1"/>
+    <dgm:cxn modelId="{5914D6C9-45FE-6B4F-AD89-7C5FF449A953}" type="presOf" srcId="{8DC90EA7-D6DE-254D-8A2E-A8E1742B6FD7}" destId="{23A9D41C-B109-FE41-8ACE-0282DA397AF7}" srcOrd="1" destOrd="0" presId="urn:microsoft.com/office/officeart/2005/8/layout/list1"/>
+    <dgm:cxn modelId="{72BE88A9-C955-AA4A-A348-D3B471C3C0C3}" type="presOf" srcId="{85ABAE0C-0B35-AE4C-AB29-4F3BFF77E203}" destId="{A6B5530C-D407-7C45-8481-9270582A72F5}" srcOrd="0" destOrd="0" presId="urn:microsoft.com/office/officeart/2005/8/layout/list1"/>
+    <dgm:cxn modelId="{4D57586E-82D0-3645-B70D-0B15036CFE14}" srcId="{85ABAE0C-0B35-AE4C-AB29-4F3BFF77E203}" destId="{0067259C-21F3-B043-9141-94B17CDE3244}" srcOrd="1" destOrd="0" parTransId="{829034B9-6F1B-3141-BE15-6F7F04D1AA4D}" sibTransId="{4308312B-9EE2-1743-9821-3597672B4CFF}"/>
+    <dgm:cxn modelId="{6D17301B-7573-CD46-827B-D6252F0BA9A8}" srcId="{85ABAE0C-0B35-AE4C-AB29-4F3BFF77E203}" destId="{D97BF9F7-34E6-5A41-8EBC-0CB660FB42A5}" srcOrd="3" destOrd="0" parTransId="{3F20D720-56E8-8448-82D2-56B97C53F81C}" sibTransId="{9F59850E-A17A-7D40-80C4-3090A47CE0DA}"/>
+    <dgm:cxn modelId="{7728B281-A1A3-AF42-ACB7-DB55FB6D5D47}" type="presOf" srcId="{D97BF9F7-34E6-5A41-8EBC-0CB660FB42A5}" destId="{866CDAC6-6737-5644-BDF5-BCEC26BEE0B9}" srcOrd="1" destOrd="0" presId="urn:microsoft.com/office/officeart/2005/8/layout/list1"/>
+    <dgm:cxn modelId="{39641E01-FC0B-A546-85EE-037509609BEE}" type="presOf" srcId="{0067259C-21F3-B043-9141-94B17CDE3244}" destId="{1488148C-4C11-8C45-94C6-1E7CFF1D5123}" srcOrd="1" destOrd="0" presId="urn:microsoft.com/office/officeart/2005/8/layout/list1"/>
+    <dgm:cxn modelId="{8C159DD4-6EDD-E640-816C-81B828626664}" srcId="{85ABAE0C-0B35-AE4C-AB29-4F3BFF77E203}" destId="{8DC90EA7-D6DE-254D-8A2E-A8E1742B6FD7}" srcOrd="0" destOrd="0" parTransId="{5EDFADC5-8E40-9740-8E18-52F5A1187B0F}" sibTransId="{0B9C5843-B764-6C42-B5E7-95E825E6FAC5}"/>
+    <dgm:cxn modelId="{49035C34-D801-C743-B68E-756D108857BA}" type="presOf" srcId="{0067259C-21F3-B043-9141-94B17CDE3244}" destId="{9A2E53F5-3248-BB4D-9B11-8E77F19AADFB}" srcOrd="0" destOrd="0" presId="urn:microsoft.com/office/officeart/2005/8/layout/list1"/>
+    <dgm:cxn modelId="{7E33739F-B29D-9846-AC1C-469B31D1F2D8}" srcId="{85ABAE0C-0B35-AE4C-AB29-4F3BFF77E203}" destId="{B3B6766E-1E1A-FC4D-86B3-429C787DF509}" srcOrd="2" destOrd="0" parTransId="{501C8EB2-8D69-4947-83D0-0A7C5725FF21}" sibTransId="{9589E215-84B5-214E-A3B3-5075353B52F4}"/>
+    <dgm:cxn modelId="{F8BF6F3D-DED1-334A-BF06-F509E8832029}" type="presOf" srcId="{D97BF9F7-34E6-5A41-8EBC-0CB660FB42A5}" destId="{5C20F24C-38DB-7947-AB4E-EC9932FDFB46}" srcOrd="0" destOrd="0" presId="urn:microsoft.com/office/officeart/2005/8/layout/list1"/>
+    <dgm:cxn modelId="{07F7173B-800E-DE4E-9E19-851A3AA8626E}" type="presOf" srcId="{B3B6766E-1E1A-FC4D-86B3-429C787DF509}" destId="{C7F77AAA-45FF-B644-8B1E-4AD45FB9B123}" srcOrd="0" destOrd="0" presId="urn:microsoft.com/office/officeart/2005/8/layout/list1"/>
+    <dgm:cxn modelId="{33CC702B-6DED-5D45-8A2E-587760287F14}" type="presParOf" srcId="{A6B5530C-D407-7C45-8481-9270582A72F5}" destId="{1611007A-6C8D-A64F-92A5-CCB34E015551}" srcOrd="0" destOrd="0" presId="urn:microsoft.com/office/officeart/2005/8/layout/list1"/>
+    <dgm:cxn modelId="{A9ABDE11-7171-C04F-A908-404BADFAB82A}" type="presParOf" srcId="{1611007A-6C8D-A64F-92A5-CCB34E015551}" destId="{2D6F919E-A0BA-7849-BA2F-EFFAA73056D3}" srcOrd="0" destOrd="0" presId="urn:microsoft.com/office/officeart/2005/8/layout/list1"/>
+    <dgm:cxn modelId="{2992A152-BF30-274B-8203-CCD26E3E4DE0}" type="presParOf" srcId="{1611007A-6C8D-A64F-92A5-CCB34E015551}" destId="{23A9D41C-B109-FE41-8ACE-0282DA397AF7}" srcOrd="1" destOrd="0" presId="urn:microsoft.com/office/officeart/2005/8/layout/list1"/>
+    <dgm:cxn modelId="{5409FE5B-023C-1348-9FAF-C87C04FEF951}" type="presParOf" srcId="{A6B5530C-D407-7C45-8481-9270582A72F5}" destId="{ED7E22A7-C7A8-324D-A9E7-B062E870BA48}" srcOrd="1" destOrd="0" presId="urn:microsoft.com/office/officeart/2005/8/layout/list1"/>
+    <dgm:cxn modelId="{21356E64-0A92-194E-A13C-03F00413B8AE}" type="presParOf" srcId="{A6B5530C-D407-7C45-8481-9270582A72F5}" destId="{887874FD-090D-0245-86DA-B41E4E113773}" srcOrd="2" destOrd="0" presId="urn:microsoft.com/office/officeart/2005/8/layout/list1"/>
+    <dgm:cxn modelId="{58DE30C0-751F-CA42-B208-A1E3BE30140D}" type="presParOf" srcId="{A6B5530C-D407-7C45-8481-9270582A72F5}" destId="{568FB333-1010-874E-8699-DAEB545441CF}" srcOrd="3" destOrd="0" presId="urn:microsoft.com/office/officeart/2005/8/layout/list1"/>
+    <dgm:cxn modelId="{1212A0C1-8515-B044-9FFC-BDE6BD6CAACA}" type="presParOf" srcId="{A6B5530C-D407-7C45-8481-9270582A72F5}" destId="{B747210A-920D-FF40-AA2A-F03A3E0EC47D}" srcOrd="4" destOrd="0" presId="urn:microsoft.com/office/officeart/2005/8/layout/list1"/>
+    <dgm:cxn modelId="{7CDACFB4-2900-5B46-87AF-83DD26A70625}" type="presParOf" srcId="{B747210A-920D-FF40-AA2A-F03A3E0EC47D}" destId="{9A2E53F5-3248-BB4D-9B11-8E77F19AADFB}" srcOrd="0" destOrd="0" presId="urn:microsoft.com/office/officeart/2005/8/layout/list1"/>
+    <dgm:cxn modelId="{473FC5DB-C68C-9C43-87CA-9EBD4D5F2A0B}" type="presParOf" srcId="{B747210A-920D-FF40-AA2A-F03A3E0EC47D}" destId="{1488148C-4C11-8C45-94C6-1E7CFF1D5123}" srcOrd="1" destOrd="0" presId="urn:microsoft.com/office/officeart/2005/8/layout/list1"/>
+    <dgm:cxn modelId="{D1E8AB56-35AE-3046-BC02-072CD649D5BA}" type="presParOf" srcId="{A6B5530C-D407-7C45-8481-9270582A72F5}" destId="{3F5C5878-3E1C-C144-A20F-FFE1D07105D8}" srcOrd="5" destOrd="0" presId="urn:microsoft.com/office/officeart/2005/8/layout/list1"/>
+    <dgm:cxn modelId="{EB081FA8-64D6-9341-9567-F34A5106EFD6}" type="presParOf" srcId="{A6B5530C-D407-7C45-8481-9270582A72F5}" destId="{B12CF78E-1EB9-4048-BF4B-69A43B35A7DF}" srcOrd="6" destOrd="0" presId="urn:microsoft.com/office/officeart/2005/8/layout/list1"/>
+    <dgm:cxn modelId="{B2D18827-98C9-2246-A514-660FE9455ECC}" type="presParOf" srcId="{A6B5530C-D407-7C45-8481-9270582A72F5}" destId="{DE43CDA9-2AD4-E446-AC6B-8E0FFABB5904}" srcOrd="7" destOrd="0" presId="urn:microsoft.com/office/officeart/2005/8/layout/list1"/>
+    <dgm:cxn modelId="{67CBB06D-C842-9143-A75A-B561F7FA5E53}" type="presParOf" srcId="{A6B5530C-D407-7C45-8481-9270582A72F5}" destId="{E1971BFC-2089-2148-B7E7-77235256FA7E}" srcOrd="8" destOrd="0" presId="urn:microsoft.com/office/officeart/2005/8/layout/list1"/>
+    <dgm:cxn modelId="{906ACC49-69AA-9C46-9A4F-5E11F247F17B}" type="presParOf" srcId="{E1971BFC-2089-2148-B7E7-77235256FA7E}" destId="{C7F77AAA-45FF-B644-8B1E-4AD45FB9B123}" srcOrd="0" destOrd="0" presId="urn:microsoft.com/office/officeart/2005/8/layout/list1"/>
+    <dgm:cxn modelId="{F97E838E-8E1A-3448-A88C-09056916E42B}" type="presParOf" srcId="{E1971BFC-2089-2148-B7E7-77235256FA7E}" destId="{9840C5E5-BFF7-E04C-8B60-30189D3ADF0D}" srcOrd="1" destOrd="0" presId="urn:microsoft.com/office/officeart/2005/8/layout/list1"/>
+    <dgm:cxn modelId="{4E5F0246-BF9D-C643-ACD5-91CB6B1044D1}" type="presParOf" srcId="{A6B5530C-D407-7C45-8481-9270582A72F5}" destId="{DCF31C38-D67E-8D4D-BD60-6B9282B347C9}" srcOrd="9" destOrd="0" presId="urn:microsoft.com/office/officeart/2005/8/layout/list1"/>
+    <dgm:cxn modelId="{5AAE0210-2C42-9647-92A6-95F58D91BE5C}" type="presParOf" srcId="{A6B5530C-D407-7C45-8481-9270582A72F5}" destId="{10FF0A7F-EED5-004C-9284-4B6FD1F02C2A}" srcOrd="10" destOrd="0" presId="urn:microsoft.com/office/officeart/2005/8/layout/list1"/>
+    <dgm:cxn modelId="{D1628C7B-4A26-2044-8B2E-1391EE533FE7}" type="presParOf" srcId="{A6B5530C-D407-7C45-8481-9270582A72F5}" destId="{0DB52174-647B-1A47-8073-1890F3FF1DB9}" srcOrd="11" destOrd="0" presId="urn:microsoft.com/office/officeart/2005/8/layout/list1"/>
+    <dgm:cxn modelId="{11B433F7-93C3-FC49-8FBA-CBB7EC209A43}" type="presParOf" srcId="{A6B5530C-D407-7C45-8481-9270582A72F5}" destId="{D43D97B9-78FE-844D-8817-F9B6C473DF1B}" srcOrd="12" destOrd="0" presId="urn:microsoft.com/office/officeart/2005/8/layout/list1"/>
+    <dgm:cxn modelId="{A219C32C-23BF-3245-8CFE-6B98B1E73343}" type="presParOf" srcId="{D43D97B9-78FE-844D-8817-F9B6C473DF1B}" destId="{5C20F24C-38DB-7947-AB4E-EC9932FDFB46}" srcOrd="0" destOrd="0" presId="urn:microsoft.com/office/officeart/2005/8/layout/list1"/>
+    <dgm:cxn modelId="{3A44C90F-4BF2-7047-861F-BD13AAFE781E}" type="presParOf" srcId="{D43D97B9-78FE-844D-8817-F9B6C473DF1B}" destId="{866CDAC6-6737-5644-BDF5-BCEC26BEE0B9}" srcOrd="1" destOrd="0" presId="urn:microsoft.com/office/officeart/2005/8/layout/list1"/>
+    <dgm:cxn modelId="{5E8B7B34-C702-8948-AC7C-DA4CD1A7430D}" type="presParOf" srcId="{A6B5530C-D407-7C45-8481-9270582A72F5}" destId="{6B386C2D-FFC3-764E-B4F6-CEDEE9255F05}" srcOrd="13" destOrd="0" presId="urn:microsoft.com/office/officeart/2005/8/layout/list1"/>
+    <dgm:cxn modelId="{4945B341-5915-4146-B678-F0FACB108383}" type="presParOf" srcId="{A6B5530C-D407-7C45-8481-9270582A72F5}" destId="{28D68FCF-23AF-4F4E-A466-BC8EEE24F611}" srcOrd="14" destOrd="0" presId="urn:microsoft.com/office/officeart/2005/8/layout/list1"/>
   </dgm:cxnLst>
   <dgm:bg/>
   <dgm:whole/>
@@ -5381,6 +6614,684 @@
 </dsp:drawing>
 </file>
 
+<file path=ppt/diagrams/drawing3.xml><?xml version="1.0" encoding="utf-8"?>
+<dsp:drawing xmlns:dgm="http://schemas.openxmlformats.org/drawingml/2006/diagram" xmlns:dsp="http://schemas.microsoft.com/office/drawing/2008/diagram" xmlns:a="http://schemas.openxmlformats.org/drawingml/2006/main">
+  <dsp:spTree>
+    <dsp:nvGrpSpPr>
+      <dsp:cNvPr id="0" name=""/>
+      <dsp:cNvGrpSpPr/>
+    </dsp:nvGrpSpPr>
+    <dsp:grpSpPr/>
+    <dsp:sp modelId="{887874FD-090D-0245-86DA-B41E4E113773}">
+      <dsp:nvSpPr>
+        <dsp:cNvPr id="0" name=""/>
+        <dsp:cNvSpPr/>
+      </dsp:nvSpPr>
+      <dsp:spPr>
+        <a:xfrm>
+          <a:off x="0" y="417429"/>
+          <a:ext cx="10515600" cy="604800"/>
+        </a:xfrm>
+        <a:prstGeom prst="rect">
+          <a:avLst/>
+        </a:prstGeom>
+        <a:solidFill>
+          <a:schemeClr val="lt1">
+            <a:alpha val="90000"/>
+            <a:hueOff val="0"/>
+            <a:satOff val="0"/>
+            <a:lumOff val="0"/>
+            <a:alphaOff val="0"/>
+          </a:schemeClr>
+        </a:solidFill>
+        <a:ln w="6350" cap="flat" cmpd="sng" algn="ctr">
+          <a:solidFill>
+            <a:schemeClr val="accent2">
+              <a:hueOff val="0"/>
+              <a:satOff val="0"/>
+              <a:lumOff val="0"/>
+              <a:alphaOff val="0"/>
+            </a:schemeClr>
+          </a:solidFill>
+          <a:prstDash val="solid"/>
+          <a:miter lim="800000"/>
+        </a:ln>
+        <a:effectLst/>
+      </dsp:spPr>
+      <dsp:style>
+        <a:lnRef idx="1">
+          <a:scrgbClr r="0" g="0" b="0"/>
+        </a:lnRef>
+        <a:fillRef idx="1">
+          <a:scrgbClr r="0" g="0" b="0"/>
+        </a:fillRef>
+        <a:effectRef idx="0">
+          <a:scrgbClr r="0" g="0" b="0"/>
+        </a:effectRef>
+        <a:fontRef idx="minor"/>
+      </dsp:style>
+    </dsp:sp>
+    <dsp:sp modelId="{23A9D41C-B109-FE41-8ACE-0282DA397AF7}">
+      <dsp:nvSpPr>
+        <dsp:cNvPr id="0" name=""/>
+        <dsp:cNvSpPr/>
+      </dsp:nvSpPr>
+      <dsp:spPr>
+        <a:xfrm>
+          <a:off x="525780" y="63189"/>
+          <a:ext cx="7360920" cy="708480"/>
+        </a:xfrm>
+        <a:prstGeom prst="roundRect">
+          <a:avLst/>
+        </a:prstGeom>
+        <a:gradFill rotWithShape="0">
+          <a:gsLst>
+            <a:gs pos="0">
+              <a:schemeClr val="accent2">
+                <a:hueOff val="0"/>
+                <a:satOff val="0"/>
+                <a:lumOff val="0"/>
+                <a:alphaOff val="0"/>
+                <a:satMod val="103000"/>
+                <a:lumMod val="102000"/>
+                <a:tint val="94000"/>
+              </a:schemeClr>
+            </a:gs>
+            <a:gs pos="50000">
+              <a:schemeClr val="accent2">
+                <a:hueOff val="0"/>
+                <a:satOff val="0"/>
+                <a:lumOff val="0"/>
+                <a:alphaOff val="0"/>
+                <a:satMod val="110000"/>
+                <a:lumMod val="100000"/>
+                <a:shade val="100000"/>
+              </a:schemeClr>
+            </a:gs>
+            <a:gs pos="100000">
+              <a:schemeClr val="accent2">
+                <a:hueOff val="0"/>
+                <a:satOff val="0"/>
+                <a:lumOff val="0"/>
+                <a:alphaOff val="0"/>
+                <a:lumMod val="99000"/>
+                <a:satMod val="120000"/>
+                <a:shade val="78000"/>
+              </a:schemeClr>
+            </a:gs>
+          </a:gsLst>
+          <a:lin ang="5400000" scaled="0"/>
+        </a:gradFill>
+        <a:ln>
+          <a:noFill/>
+        </a:ln>
+        <a:effectLst/>
+      </dsp:spPr>
+      <dsp:style>
+        <a:lnRef idx="0">
+          <a:scrgbClr r="0" g="0" b="0"/>
+        </a:lnRef>
+        <a:fillRef idx="3">
+          <a:scrgbClr r="0" g="0" b="0"/>
+        </a:fillRef>
+        <a:effectRef idx="2">
+          <a:scrgbClr r="0" g="0" b="0"/>
+        </a:effectRef>
+        <a:fontRef idx="minor">
+          <a:schemeClr val="lt1"/>
+        </a:fontRef>
+      </dsp:style>
+      <dsp:txBody>
+        <a:bodyPr spcFirstLastPara="0" vert="horz" wrap="square" lIns="278225" tIns="0" rIns="278225" bIns="0" numCol="1" spcCol="1270" anchor="ctr" anchorCtr="0">
+          <a:noAutofit/>
+        </a:bodyPr>
+        <a:lstStyle/>
+        <a:p>
+          <a:pPr lvl="0" algn="l" defTabSz="1066800">
+            <a:lnSpc>
+              <a:spcPct val="90000"/>
+            </a:lnSpc>
+            <a:spcBef>
+              <a:spcPct val="0"/>
+            </a:spcBef>
+            <a:spcAft>
+              <a:spcPct val="35000"/>
+            </a:spcAft>
+          </a:pPr>
+          <a:r>
+            <a:rPr lang="en-US" altLang="zh-TW" sz="2400" kern="1200" dirty="0" smtClean="0"/>
+            <a:t>Element</a:t>
+          </a:r>
+          <a:r>
+            <a:rPr lang="zh-TW" altLang="en-US" sz="2400" kern="1200" dirty="0" smtClean="0"/>
+            <a:t> </a:t>
+          </a:r>
+          <a:r>
+            <a:rPr lang="en-US" altLang="zh-TW" sz="2400" kern="1200" dirty="0" smtClean="0"/>
+            <a:t>Selector</a:t>
+          </a:r>
+          <a:r>
+            <a:rPr lang="zh-TW" altLang="en-US" sz="2400" kern="1200" dirty="0" smtClean="0"/>
+            <a:t> </a:t>
+          </a:r>
+          <a:r>
+            <a:rPr lang="en-US" altLang="zh-TW" sz="2400" kern="1200" dirty="0" smtClean="0"/>
+            <a:t>(</a:t>
+          </a:r>
+          <a:r>
+            <a:rPr lang="zh-TW" altLang="en-US" sz="2400" kern="1200" dirty="0" smtClean="0"/>
+            <a:t>元素選擇器</a:t>
+          </a:r>
+          <a:r>
+            <a:rPr lang="en-US" altLang="zh-TW" sz="2400" kern="1200" dirty="0" smtClean="0"/>
+            <a:t>)</a:t>
+          </a:r>
+          <a:endParaRPr lang="zh-TW" altLang="en-US" sz="2400" kern="1200" dirty="0"/>
+        </a:p>
+      </dsp:txBody>
+      <dsp:txXfrm>
+        <a:off x="560365" y="97774"/>
+        <a:ext cx="7291750" cy="639310"/>
+      </dsp:txXfrm>
+    </dsp:sp>
+    <dsp:sp modelId="{B12CF78E-1EB9-4048-BF4B-69A43B35A7DF}">
+      <dsp:nvSpPr>
+        <dsp:cNvPr id="0" name=""/>
+        <dsp:cNvSpPr/>
+      </dsp:nvSpPr>
+      <dsp:spPr>
+        <a:xfrm>
+          <a:off x="0" y="1506069"/>
+          <a:ext cx="10515600" cy="604800"/>
+        </a:xfrm>
+        <a:prstGeom prst="rect">
+          <a:avLst/>
+        </a:prstGeom>
+        <a:solidFill>
+          <a:schemeClr val="lt1">
+            <a:alpha val="90000"/>
+            <a:hueOff val="0"/>
+            <a:satOff val="0"/>
+            <a:lumOff val="0"/>
+            <a:alphaOff val="0"/>
+          </a:schemeClr>
+        </a:solidFill>
+        <a:ln w="6350" cap="flat" cmpd="sng" algn="ctr">
+          <a:solidFill>
+            <a:schemeClr val="accent2">
+              <a:hueOff val="-485121"/>
+              <a:satOff val="-27976"/>
+              <a:lumOff val="2876"/>
+              <a:alphaOff val="0"/>
+            </a:schemeClr>
+          </a:solidFill>
+          <a:prstDash val="solid"/>
+          <a:miter lim="800000"/>
+        </a:ln>
+        <a:effectLst/>
+      </dsp:spPr>
+      <dsp:style>
+        <a:lnRef idx="1">
+          <a:scrgbClr r="0" g="0" b="0"/>
+        </a:lnRef>
+        <a:fillRef idx="1">
+          <a:scrgbClr r="0" g="0" b="0"/>
+        </a:fillRef>
+        <a:effectRef idx="0">
+          <a:scrgbClr r="0" g="0" b="0"/>
+        </a:effectRef>
+        <a:fontRef idx="minor"/>
+      </dsp:style>
+    </dsp:sp>
+    <dsp:sp modelId="{1488148C-4C11-8C45-94C6-1E7CFF1D5123}">
+      <dsp:nvSpPr>
+        <dsp:cNvPr id="0" name=""/>
+        <dsp:cNvSpPr/>
+      </dsp:nvSpPr>
+      <dsp:spPr>
+        <a:xfrm>
+          <a:off x="525780" y="1151829"/>
+          <a:ext cx="7360920" cy="708480"/>
+        </a:xfrm>
+        <a:prstGeom prst="roundRect">
+          <a:avLst/>
+        </a:prstGeom>
+        <a:gradFill rotWithShape="0">
+          <a:gsLst>
+            <a:gs pos="0">
+              <a:schemeClr val="accent2">
+                <a:hueOff val="-485121"/>
+                <a:satOff val="-27976"/>
+                <a:lumOff val="2876"/>
+                <a:alphaOff val="0"/>
+                <a:satMod val="103000"/>
+                <a:lumMod val="102000"/>
+                <a:tint val="94000"/>
+              </a:schemeClr>
+            </a:gs>
+            <a:gs pos="50000">
+              <a:schemeClr val="accent2">
+                <a:hueOff val="-485121"/>
+                <a:satOff val="-27976"/>
+                <a:lumOff val="2876"/>
+                <a:alphaOff val="0"/>
+                <a:satMod val="110000"/>
+                <a:lumMod val="100000"/>
+                <a:shade val="100000"/>
+              </a:schemeClr>
+            </a:gs>
+            <a:gs pos="100000">
+              <a:schemeClr val="accent2">
+                <a:hueOff val="-485121"/>
+                <a:satOff val="-27976"/>
+                <a:lumOff val="2876"/>
+                <a:alphaOff val="0"/>
+                <a:lumMod val="99000"/>
+                <a:satMod val="120000"/>
+                <a:shade val="78000"/>
+              </a:schemeClr>
+            </a:gs>
+          </a:gsLst>
+          <a:lin ang="5400000" scaled="0"/>
+        </a:gradFill>
+        <a:ln>
+          <a:noFill/>
+        </a:ln>
+        <a:effectLst/>
+      </dsp:spPr>
+      <dsp:style>
+        <a:lnRef idx="0">
+          <a:scrgbClr r="0" g="0" b="0"/>
+        </a:lnRef>
+        <a:fillRef idx="3">
+          <a:scrgbClr r="0" g="0" b="0"/>
+        </a:fillRef>
+        <a:effectRef idx="2">
+          <a:scrgbClr r="0" g="0" b="0"/>
+        </a:effectRef>
+        <a:fontRef idx="minor">
+          <a:schemeClr val="lt1"/>
+        </a:fontRef>
+      </dsp:style>
+      <dsp:txBody>
+        <a:bodyPr spcFirstLastPara="0" vert="horz" wrap="square" lIns="278225" tIns="0" rIns="278225" bIns="0" numCol="1" spcCol="1270" anchor="ctr" anchorCtr="0">
+          <a:noAutofit/>
+        </a:bodyPr>
+        <a:lstStyle/>
+        <a:p>
+          <a:pPr lvl="0" algn="l" defTabSz="1066800">
+            <a:lnSpc>
+              <a:spcPct val="90000"/>
+            </a:lnSpc>
+            <a:spcBef>
+              <a:spcPct val="0"/>
+            </a:spcBef>
+            <a:spcAft>
+              <a:spcPct val="35000"/>
+            </a:spcAft>
+          </a:pPr>
+          <a:r>
+            <a:rPr lang="en-US" altLang="zh-TW" sz="2400" kern="1200" dirty="0" smtClean="0"/>
+            <a:t>Class</a:t>
+          </a:r>
+          <a:r>
+            <a:rPr lang="zh-TW" altLang="en-US" sz="2400" kern="1200" dirty="0" smtClean="0"/>
+            <a:t> </a:t>
+          </a:r>
+          <a:r>
+            <a:rPr lang="en-US" altLang="zh-TW" sz="2400" kern="1200" dirty="0" smtClean="0"/>
+            <a:t>Selector</a:t>
+          </a:r>
+          <a:r>
+            <a:rPr lang="zh-TW" altLang="en-US" sz="2400" kern="1200" dirty="0" smtClean="0"/>
+            <a:t> </a:t>
+          </a:r>
+          <a:r>
+            <a:rPr lang="en-US" altLang="zh-TW" sz="2400" kern="1200" dirty="0" smtClean="0"/>
+            <a:t>(</a:t>
+          </a:r>
+          <a:r>
+            <a:rPr lang="zh-TW" altLang="en-US" sz="2400" kern="1200" dirty="0" smtClean="0"/>
+            <a:t>類別選擇器</a:t>
+          </a:r>
+          <a:r>
+            <a:rPr lang="en-US" altLang="zh-TW" sz="2400" kern="1200" dirty="0" smtClean="0"/>
+            <a:t>)</a:t>
+          </a:r>
+          <a:endParaRPr lang="zh-TW" altLang="en-US" sz="2400" kern="1200" dirty="0"/>
+        </a:p>
+      </dsp:txBody>
+      <dsp:txXfrm>
+        <a:off x="560365" y="1186414"/>
+        <a:ext cx="7291750" cy="639310"/>
+      </dsp:txXfrm>
+    </dsp:sp>
+    <dsp:sp modelId="{10FF0A7F-EED5-004C-9284-4B6FD1F02C2A}">
+      <dsp:nvSpPr>
+        <dsp:cNvPr id="0" name=""/>
+        <dsp:cNvSpPr/>
+      </dsp:nvSpPr>
+      <dsp:spPr>
+        <a:xfrm>
+          <a:off x="0" y="2594709"/>
+          <a:ext cx="10515600" cy="604800"/>
+        </a:xfrm>
+        <a:prstGeom prst="rect">
+          <a:avLst/>
+        </a:prstGeom>
+        <a:solidFill>
+          <a:schemeClr val="lt1">
+            <a:alpha val="90000"/>
+            <a:hueOff val="0"/>
+            <a:satOff val="0"/>
+            <a:lumOff val="0"/>
+            <a:alphaOff val="0"/>
+          </a:schemeClr>
+        </a:solidFill>
+        <a:ln w="6350" cap="flat" cmpd="sng" algn="ctr">
+          <a:solidFill>
+            <a:schemeClr val="accent2">
+              <a:hueOff val="-970242"/>
+              <a:satOff val="-55952"/>
+              <a:lumOff val="5752"/>
+              <a:alphaOff val="0"/>
+            </a:schemeClr>
+          </a:solidFill>
+          <a:prstDash val="solid"/>
+          <a:miter lim="800000"/>
+        </a:ln>
+        <a:effectLst/>
+      </dsp:spPr>
+      <dsp:style>
+        <a:lnRef idx="1">
+          <a:scrgbClr r="0" g="0" b="0"/>
+        </a:lnRef>
+        <a:fillRef idx="1">
+          <a:scrgbClr r="0" g="0" b="0"/>
+        </a:fillRef>
+        <a:effectRef idx="0">
+          <a:scrgbClr r="0" g="0" b="0"/>
+        </a:effectRef>
+        <a:fontRef idx="minor"/>
+      </dsp:style>
+    </dsp:sp>
+    <dsp:sp modelId="{9840C5E5-BFF7-E04C-8B60-30189D3ADF0D}">
+      <dsp:nvSpPr>
+        <dsp:cNvPr id="0" name=""/>
+        <dsp:cNvSpPr/>
+      </dsp:nvSpPr>
+      <dsp:spPr>
+        <a:xfrm>
+          <a:off x="525780" y="2240469"/>
+          <a:ext cx="7360920" cy="708480"/>
+        </a:xfrm>
+        <a:prstGeom prst="roundRect">
+          <a:avLst/>
+        </a:prstGeom>
+        <a:gradFill rotWithShape="0">
+          <a:gsLst>
+            <a:gs pos="0">
+              <a:schemeClr val="accent2">
+                <a:hueOff val="-970242"/>
+                <a:satOff val="-55952"/>
+                <a:lumOff val="5752"/>
+                <a:alphaOff val="0"/>
+                <a:satMod val="103000"/>
+                <a:lumMod val="102000"/>
+                <a:tint val="94000"/>
+              </a:schemeClr>
+            </a:gs>
+            <a:gs pos="50000">
+              <a:schemeClr val="accent2">
+                <a:hueOff val="-970242"/>
+                <a:satOff val="-55952"/>
+                <a:lumOff val="5752"/>
+                <a:alphaOff val="0"/>
+                <a:satMod val="110000"/>
+                <a:lumMod val="100000"/>
+                <a:shade val="100000"/>
+              </a:schemeClr>
+            </a:gs>
+            <a:gs pos="100000">
+              <a:schemeClr val="accent2">
+                <a:hueOff val="-970242"/>
+                <a:satOff val="-55952"/>
+                <a:lumOff val="5752"/>
+                <a:alphaOff val="0"/>
+                <a:lumMod val="99000"/>
+                <a:satMod val="120000"/>
+                <a:shade val="78000"/>
+              </a:schemeClr>
+            </a:gs>
+          </a:gsLst>
+          <a:lin ang="5400000" scaled="0"/>
+        </a:gradFill>
+        <a:ln>
+          <a:noFill/>
+        </a:ln>
+        <a:effectLst/>
+      </dsp:spPr>
+      <dsp:style>
+        <a:lnRef idx="0">
+          <a:scrgbClr r="0" g="0" b="0"/>
+        </a:lnRef>
+        <a:fillRef idx="3">
+          <a:scrgbClr r="0" g="0" b="0"/>
+        </a:fillRef>
+        <a:effectRef idx="2">
+          <a:scrgbClr r="0" g="0" b="0"/>
+        </a:effectRef>
+        <a:fontRef idx="minor">
+          <a:schemeClr val="lt1"/>
+        </a:fontRef>
+      </dsp:style>
+      <dsp:txBody>
+        <a:bodyPr spcFirstLastPara="0" vert="horz" wrap="square" lIns="278225" tIns="0" rIns="278225" bIns="0" numCol="1" spcCol="1270" anchor="ctr" anchorCtr="0">
+          <a:noAutofit/>
+        </a:bodyPr>
+        <a:lstStyle/>
+        <a:p>
+          <a:pPr lvl="0" algn="l" defTabSz="1066800">
+            <a:lnSpc>
+              <a:spcPct val="90000"/>
+            </a:lnSpc>
+            <a:spcBef>
+              <a:spcPct val="0"/>
+            </a:spcBef>
+            <a:spcAft>
+              <a:spcPct val="35000"/>
+            </a:spcAft>
+          </a:pPr>
+          <a:r>
+            <a:rPr lang="en-US" altLang="zh-TW" sz="2400" kern="1200" dirty="0" smtClean="0"/>
+            <a:t>ID</a:t>
+          </a:r>
+          <a:r>
+            <a:rPr lang="zh-TW" altLang="en-US" sz="2400" kern="1200" dirty="0" smtClean="0"/>
+            <a:t> </a:t>
+          </a:r>
+          <a:r>
+            <a:rPr lang="en-US" altLang="zh-TW" sz="2400" kern="1200" dirty="0" smtClean="0"/>
+            <a:t>Selector</a:t>
+          </a:r>
+          <a:r>
+            <a:rPr lang="zh-TW" altLang="en-US" sz="2400" kern="1200" dirty="0" smtClean="0"/>
+            <a:t> </a:t>
+          </a:r>
+          <a:r>
+            <a:rPr lang="en-US" altLang="zh-TW" sz="2400" kern="1200" dirty="0" smtClean="0"/>
+            <a:t>(ID</a:t>
+          </a:r>
+          <a:r>
+            <a:rPr lang="zh-TW" altLang="en-US" sz="2400" kern="1200" dirty="0" smtClean="0"/>
+            <a:t>選擇器</a:t>
+          </a:r>
+          <a:r>
+            <a:rPr lang="en-US" altLang="zh-TW" sz="2400" kern="1200" dirty="0" smtClean="0"/>
+            <a:t>)</a:t>
+          </a:r>
+          <a:endParaRPr lang="zh-TW" altLang="en-US" sz="2400" kern="1200" dirty="0"/>
+        </a:p>
+      </dsp:txBody>
+      <dsp:txXfrm>
+        <a:off x="560365" y="2275054"/>
+        <a:ext cx="7291750" cy="639310"/>
+      </dsp:txXfrm>
+    </dsp:sp>
+    <dsp:sp modelId="{28D68FCF-23AF-4F4E-A466-BC8EEE24F611}">
+      <dsp:nvSpPr>
+        <dsp:cNvPr id="0" name=""/>
+        <dsp:cNvSpPr/>
+      </dsp:nvSpPr>
+      <dsp:spPr>
+        <a:xfrm>
+          <a:off x="0" y="3683349"/>
+          <a:ext cx="10515600" cy="604800"/>
+        </a:xfrm>
+        <a:prstGeom prst="rect">
+          <a:avLst/>
+        </a:prstGeom>
+        <a:solidFill>
+          <a:schemeClr val="lt1">
+            <a:alpha val="90000"/>
+            <a:hueOff val="0"/>
+            <a:satOff val="0"/>
+            <a:lumOff val="0"/>
+            <a:alphaOff val="0"/>
+          </a:schemeClr>
+        </a:solidFill>
+        <a:ln w="6350" cap="flat" cmpd="sng" algn="ctr">
+          <a:solidFill>
+            <a:schemeClr val="accent2">
+              <a:hueOff val="-1455363"/>
+              <a:satOff val="-83928"/>
+              <a:lumOff val="8628"/>
+              <a:alphaOff val="0"/>
+            </a:schemeClr>
+          </a:solidFill>
+          <a:prstDash val="solid"/>
+          <a:miter lim="800000"/>
+        </a:ln>
+        <a:effectLst/>
+      </dsp:spPr>
+      <dsp:style>
+        <a:lnRef idx="1">
+          <a:scrgbClr r="0" g="0" b="0"/>
+        </a:lnRef>
+        <a:fillRef idx="1">
+          <a:scrgbClr r="0" g="0" b="0"/>
+        </a:fillRef>
+        <a:effectRef idx="0">
+          <a:scrgbClr r="0" g="0" b="0"/>
+        </a:effectRef>
+        <a:fontRef idx="minor"/>
+      </dsp:style>
+    </dsp:sp>
+    <dsp:sp modelId="{866CDAC6-6737-5644-BDF5-BCEC26BEE0B9}">
+      <dsp:nvSpPr>
+        <dsp:cNvPr id="0" name=""/>
+        <dsp:cNvSpPr/>
+      </dsp:nvSpPr>
+      <dsp:spPr>
+        <a:xfrm>
+          <a:off x="525780" y="3329109"/>
+          <a:ext cx="7360920" cy="708480"/>
+        </a:xfrm>
+        <a:prstGeom prst="roundRect">
+          <a:avLst/>
+        </a:prstGeom>
+        <a:gradFill rotWithShape="0">
+          <a:gsLst>
+            <a:gs pos="0">
+              <a:schemeClr val="accent2">
+                <a:hueOff val="-1455363"/>
+                <a:satOff val="-83928"/>
+                <a:lumOff val="8628"/>
+                <a:alphaOff val="0"/>
+                <a:satMod val="103000"/>
+                <a:lumMod val="102000"/>
+                <a:tint val="94000"/>
+              </a:schemeClr>
+            </a:gs>
+            <a:gs pos="50000">
+              <a:schemeClr val="accent2">
+                <a:hueOff val="-1455363"/>
+                <a:satOff val="-83928"/>
+                <a:lumOff val="8628"/>
+                <a:alphaOff val="0"/>
+                <a:satMod val="110000"/>
+                <a:lumMod val="100000"/>
+                <a:shade val="100000"/>
+              </a:schemeClr>
+            </a:gs>
+            <a:gs pos="100000">
+              <a:schemeClr val="accent2">
+                <a:hueOff val="-1455363"/>
+                <a:satOff val="-83928"/>
+                <a:lumOff val="8628"/>
+                <a:alphaOff val="0"/>
+                <a:lumMod val="99000"/>
+                <a:satMod val="120000"/>
+                <a:shade val="78000"/>
+              </a:schemeClr>
+            </a:gs>
+          </a:gsLst>
+          <a:lin ang="5400000" scaled="0"/>
+        </a:gradFill>
+        <a:ln>
+          <a:noFill/>
+        </a:ln>
+        <a:effectLst/>
+      </dsp:spPr>
+      <dsp:style>
+        <a:lnRef idx="0">
+          <a:scrgbClr r="0" g="0" b="0"/>
+        </a:lnRef>
+        <a:fillRef idx="3">
+          <a:scrgbClr r="0" g="0" b="0"/>
+        </a:fillRef>
+        <a:effectRef idx="2">
+          <a:scrgbClr r="0" g="0" b="0"/>
+        </a:effectRef>
+        <a:fontRef idx="minor">
+          <a:schemeClr val="lt1"/>
+        </a:fontRef>
+      </dsp:style>
+      <dsp:txBody>
+        <a:bodyPr spcFirstLastPara="0" vert="horz" wrap="square" lIns="278225" tIns="0" rIns="278225" bIns="0" numCol="1" spcCol="1270" anchor="ctr" anchorCtr="0">
+          <a:noAutofit/>
+        </a:bodyPr>
+        <a:lstStyle/>
+        <a:p>
+          <a:pPr lvl="0" algn="l" defTabSz="1066800">
+            <a:lnSpc>
+              <a:spcPct val="90000"/>
+            </a:lnSpc>
+            <a:spcBef>
+              <a:spcPct val="0"/>
+            </a:spcBef>
+            <a:spcAft>
+              <a:spcPct val="35000"/>
+            </a:spcAft>
+          </a:pPr>
+          <a:r>
+            <a:rPr lang="zh-TW" altLang="en-US" sz="2400" kern="1200" dirty="0" smtClean="0">
+              <a:hlinkClick xmlns:r="http://schemas.openxmlformats.org/officeDocument/2006/relationships" r:id="rId1"/>
+            </a:rPr>
+            <a:t>進階型選擇器</a:t>
+          </a:r>
+          <a:endParaRPr lang="zh-TW" altLang="en-US" sz="2400" kern="1200" dirty="0"/>
+        </a:p>
+      </dsp:txBody>
+      <dsp:txXfrm>
+        <a:off x="560365" y="3363694"/>
+        <a:ext cx="7291750" cy="639310"/>
+      </dsp:txXfrm>
+    </dsp:sp>
+  </dsp:spTree>
+</dsp:drawing>
+</file>
+
 <file path=ppt/diagrams/layout1.xml><?xml version="1.0" encoding="utf-8"?>
 <dgm:layoutDef xmlns:dgm="http://schemas.openxmlformats.org/drawingml/2006/diagram" xmlns:a="http://schemas.openxmlformats.org/drawingml/2006/main" uniqueId="urn:microsoft.com/office/officeart/2005/8/layout/list1">
   <dgm:title val=""/>
@@ -6752,6 +8663,231 @@
 </dgm:layoutDef>
 </file>
 
+<file path=ppt/diagrams/layout3.xml><?xml version="1.0" encoding="utf-8"?>
+<dgm:layoutDef xmlns:dgm="http://schemas.openxmlformats.org/drawingml/2006/diagram" xmlns:a="http://schemas.openxmlformats.org/drawingml/2006/main" uniqueId="urn:microsoft.com/office/officeart/2005/8/layout/list1">
+  <dgm:title val=""/>
+  <dgm:desc val=""/>
+  <dgm:catLst>
+    <dgm:cat type="list" pri="4000"/>
+  </dgm:catLst>
+  <dgm:sampData>
+    <dgm:dataModel>
+      <dgm:ptLst>
+        <dgm:pt modelId="0" type="doc"/>
+        <dgm:pt modelId="1">
+          <dgm:prSet phldr="1"/>
+        </dgm:pt>
+        <dgm:pt modelId="2">
+          <dgm:prSet phldr="1"/>
+        </dgm:pt>
+        <dgm:pt modelId="3">
+          <dgm:prSet phldr="1"/>
+        </dgm:pt>
+      </dgm:ptLst>
+      <dgm:cxnLst>
+        <dgm:cxn modelId="4" srcId="0" destId="1" srcOrd="0" destOrd="0"/>
+        <dgm:cxn modelId="5" srcId="0" destId="2" srcOrd="1" destOrd="0"/>
+        <dgm:cxn modelId="6" srcId="0" destId="3" srcOrd="2" destOrd="0"/>
+      </dgm:cxnLst>
+      <dgm:bg/>
+      <dgm:whole/>
+    </dgm:dataModel>
+  </dgm:sampData>
+  <dgm:styleData>
+    <dgm:dataModel>
+      <dgm:ptLst>
+        <dgm:pt modelId="0" type="doc"/>
+        <dgm:pt modelId="1"/>
+        <dgm:pt modelId="2"/>
+      </dgm:ptLst>
+      <dgm:cxnLst>
+        <dgm:cxn modelId="4" srcId="0" destId="1" srcOrd="0" destOrd="0"/>
+        <dgm:cxn modelId="5" srcId="0" destId="2" srcOrd="1" destOrd="0"/>
+      </dgm:cxnLst>
+      <dgm:bg/>
+      <dgm:whole/>
+    </dgm:dataModel>
+  </dgm:styleData>
+  <dgm:clrData>
+    <dgm:dataModel>
+      <dgm:ptLst>
+        <dgm:pt modelId="0" type="doc"/>
+        <dgm:pt modelId="1"/>
+        <dgm:pt modelId="2"/>
+        <dgm:pt modelId="3"/>
+        <dgm:pt modelId="4"/>
+      </dgm:ptLst>
+      <dgm:cxnLst>
+        <dgm:cxn modelId="5" srcId="0" destId="1" srcOrd="0" destOrd="0"/>
+        <dgm:cxn modelId="6" srcId="0" destId="2" srcOrd="1" destOrd="0"/>
+        <dgm:cxn modelId="7" srcId="0" destId="3" srcOrd="2" destOrd="0"/>
+        <dgm:cxn modelId="8" srcId="0" destId="4" srcOrd="3" destOrd="0"/>
+      </dgm:cxnLst>
+      <dgm:bg/>
+      <dgm:whole/>
+    </dgm:dataModel>
+  </dgm:clrData>
+  <dgm:layoutNode name="linear">
+    <dgm:varLst>
+      <dgm:dir/>
+      <dgm:animLvl val="lvl"/>
+      <dgm:resizeHandles val="exact"/>
+    </dgm:varLst>
+    <dgm:choose name="Name0">
+      <dgm:if name="Name1" func="var" arg="dir" op="equ" val="norm">
+        <dgm:alg type="lin">
+          <dgm:param type="linDir" val="fromT"/>
+          <dgm:param type="vertAlign" val="mid"/>
+          <dgm:param type="horzAlign" val="l"/>
+          <dgm:param type="nodeHorzAlign" val="l"/>
+        </dgm:alg>
+      </dgm:if>
+      <dgm:else name="Name2">
+        <dgm:alg type="lin">
+          <dgm:param type="linDir" val="fromT"/>
+          <dgm:param type="vertAlign" val="mid"/>
+          <dgm:param type="horzAlign" val="r"/>
+          <dgm:param type="nodeHorzAlign" val="r"/>
+        </dgm:alg>
+      </dgm:else>
+    </dgm:choose>
+    <dgm:shape xmlns:r="http://schemas.openxmlformats.org/officeDocument/2006/relationships" r:blip="">
+      <dgm:adjLst/>
+    </dgm:shape>
+    <dgm:presOf/>
+    <dgm:constrLst>
+      <dgm:constr type="w" for="ch" forName="parentLin" refType="w"/>
+      <dgm:constr type="h" for="ch" forName="parentLin" val="INF"/>
+      <dgm:constr type="w" for="des" forName="parentLeftMargin" refType="w" fact="0.05"/>
+      <dgm:constr type="w" for="des" forName="parentText" refType="w" fact="0.7"/>
+      <dgm:constr type="h" for="des" forName="parentText" refType="primFontSz" refFor="des" refForName="parentText" fact="0.82"/>
+      <dgm:constr type="h" for="ch" forName="negativeSpace" refType="primFontSz" refFor="des" refForName="parentText" fact="-0.41"/>
+      <dgm:constr type="h" for="ch" forName="negativeSpace" refType="h" refFor="des" refForName="parentText" op="lte" fact="-0.82"/>
+      <dgm:constr type="h" for="ch" forName="negativeSpace" refType="h" refFor="des" refForName="parentText" op="gte" fact="-0.82"/>
+      <dgm:constr type="w" for="ch" forName="childText" refType="w"/>
+      <dgm:constr type="h" for="ch" forName="childText" refType="primFontSz" refFor="des" refForName="parentText" fact="0.7"/>
+      <dgm:constr type="primFontSz" for="des" forName="parentText" val="65"/>
+      <dgm:constr type="primFontSz" for="ch" forName="childText" refType="primFontSz" refFor="des" refForName="parentText"/>
+      <dgm:constr type="tMarg" for="ch" forName="childText" refType="primFontSz" refFor="des" refForName="parentText" fact="1.64"/>
+      <dgm:constr type="tMarg" for="ch" forName="childText" refType="h" refFor="des" refForName="parentText" op="lte" fact="3.28"/>
+      <dgm:constr type="tMarg" for="ch" forName="childText" refType="h" refFor="des" refForName="parentText" op="gte" fact="3.28"/>
+      <dgm:constr type="lMarg" for="ch" forName="childText" refType="w" fact="0.22"/>
+      <dgm:constr type="rMarg" for="ch" forName="childText" refType="lMarg" refFor="ch" refForName="childText"/>
+      <dgm:constr type="lMarg" for="des" forName="parentText" refType="w" fact="0.075"/>
+      <dgm:constr type="rMarg" for="des" forName="parentText" refType="lMarg" refFor="des" refForName="parentText"/>
+      <dgm:constr type="h" for="ch" forName="spaceBetweenRectangles" refType="primFontSz" refFor="des" refForName="parentText" fact="0.15"/>
+    </dgm:constrLst>
+    <dgm:ruleLst>
+      <dgm:rule type="primFontSz" for="des" forName="parentText" val="5" fact="NaN" max="NaN"/>
+    </dgm:ruleLst>
+    <dgm:forEach name="Name3" axis="ch" ptType="node">
+      <dgm:layoutNode name="parentLin">
+        <dgm:choose name="Name4">
+          <dgm:if name="Name5" func="var" arg="dir" op="equ" val="norm">
+            <dgm:alg type="lin">
+              <dgm:param type="linDir" val="fromL"/>
+              <dgm:param type="horzAlign" val="l"/>
+              <dgm:param type="nodeHorzAlign" val="l"/>
+            </dgm:alg>
+          </dgm:if>
+          <dgm:else name="Name6">
+            <dgm:alg type="lin">
+              <dgm:param type="linDir" val="fromR"/>
+              <dgm:param type="horzAlign" val="r"/>
+              <dgm:param type="nodeHorzAlign" val="r"/>
+            </dgm:alg>
+          </dgm:else>
+        </dgm:choose>
+        <dgm:shape xmlns:r="http://schemas.openxmlformats.org/officeDocument/2006/relationships" r:blip="">
+          <dgm:adjLst/>
+        </dgm:shape>
+        <dgm:presOf/>
+        <dgm:constrLst/>
+        <dgm:ruleLst/>
+        <dgm:layoutNode name="parentLeftMargin">
+          <dgm:alg type="sp"/>
+          <dgm:shape xmlns:r="http://schemas.openxmlformats.org/officeDocument/2006/relationships" type="rect" r:blip="" hideGeom="1">
+            <dgm:adjLst/>
+          </dgm:shape>
+          <dgm:presOf axis="self"/>
+          <dgm:constrLst>
+            <dgm:constr type="h"/>
+          </dgm:constrLst>
+          <dgm:ruleLst/>
+        </dgm:layoutNode>
+        <dgm:layoutNode name="parentText" styleLbl="node1">
+          <dgm:varLst>
+            <dgm:chMax val="0"/>
+            <dgm:bulletEnabled val="1"/>
+          </dgm:varLst>
+          <dgm:choose name="Name7">
+            <dgm:if name="Name8" func="var" arg="dir" op="equ" val="norm">
+              <dgm:alg type="tx">
+                <dgm:param type="parTxLTRAlign" val="l"/>
+                <dgm:param type="parTxRTLAlign" val="l"/>
+              </dgm:alg>
+            </dgm:if>
+            <dgm:else name="Name9">
+              <dgm:alg type="tx">
+                <dgm:param type="parTxLTRAlign" val="r"/>
+                <dgm:param type="parTxRTLAlign" val="r"/>
+              </dgm:alg>
+            </dgm:else>
+          </dgm:choose>
+          <dgm:shape xmlns:r="http://schemas.openxmlformats.org/officeDocument/2006/relationships" type="roundRect" r:blip="">
+            <dgm:adjLst/>
+          </dgm:shape>
+          <dgm:presOf axis="self" ptType="node"/>
+          <dgm:constrLst>
+            <dgm:constr type="tMarg"/>
+            <dgm:constr type="bMarg"/>
+          </dgm:constrLst>
+          <dgm:ruleLst/>
+        </dgm:layoutNode>
+      </dgm:layoutNode>
+      <dgm:layoutNode name="negativeSpace">
+        <dgm:alg type="sp"/>
+        <dgm:shape xmlns:r="http://schemas.openxmlformats.org/officeDocument/2006/relationships" r:blip="">
+          <dgm:adjLst/>
+        </dgm:shape>
+        <dgm:presOf/>
+        <dgm:constrLst/>
+        <dgm:ruleLst/>
+      </dgm:layoutNode>
+      <dgm:layoutNode name="childText" styleLbl="conFgAcc1">
+        <dgm:varLst>
+          <dgm:bulletEnabled val="1"/>
+        </dgm:varLst>
+        <dgm:alg type="tx">
+          <dgm:param type="stBulletLvl" val="1"/>
+        </dgm:alg>
+        <dgm:shape xmlns:r="http://schemas.openxmlformats.org/officeDocument/2006/relationships" type="rect" r:blip="" zOrderOff="-2">
+          <dgm:adjLst/>
+        </dgm:shape>
+        <dgm:presOf axis="des" ptType="node"/>
+        <dgm:constrLst>
+          <dgm:constr type="secFontSz" refType="primFontSz"/>
+        </dgm:constrLst>
+        <dgm:ruleLst>
+          <dgm:rule type="h" val="INF" fact="NaN" max="NaN"/>
+        </dgm:ruleLst>
+      </dgm:layoutNode>
+      <dgm:forEach name="Name10" axis="followSib" ptType="sibTrans" cnt="1">
+        <dgm:layoutNode name="spaceBetweenRectangles">
+          <dgm:alg type="sp"/>
+          <dgm:shape xmlns:r="http://schemas.openxmlformats.org/officeDocument/2006/relationships" r:blip="">
+            <dgm:adjLst/>
+          </dgm:shape>
+          <dgm:presOf/>
+          <dgm:constrLst/>
+          <dgm:ruleLst/>
+        </dgm:layoutNode>
+      </dgm:forEach>
+    </dgm:forEach>
+  </dgm:layoutNode>
+</dgm:layoutDef>
+</file>
+
 <file path=ppt/diagrams/quickStyle1.xml><?xml version="1.0" encoding="utf-8"?>
 <dgm:styleDef xmlns:dgm="http://schemas.openxmlformats.org/drawingml/2006/diagram" xmlns:a="http://schemas.openxmlformats.org/drawingml/2006/main" uniqueId="urn:microsoft.com/office/officeart/2005/8/quickstyle/simple4">
   <dgm:title val=""/>
@@ -7787,6 +9923,1040 @@
 </file>
 
 <file path=ppt/diagrams/quickStyle2.xml><?xml version="1.0" encoding="utf-8"?>
+<dgm:styleDef xmlns:dgm="http://schemas.openxmlformats.org/drawingml/2006/diagram" xmlns:a="http://schemas.openxmlformats.org/drawingml/2006/main" uniqueId="urn:microsoft.com/office/officeart/2005/8/quickstyle/simple4">
+  <dgm:title val=""/>
+  <dgm:desc val=""/>
+  <dgm:catLst>
+    <dgm:cat type="simple" pri="10400"/>
+  </dgm:catLst>
+  <dgm:scene3d>
+    <a:camera prst="orthographicFront"/>
+    <a:lightRig rig="threePt" dir="t"/>
+  </dgm:scene3d>
+  <dgm:styleLbl name="node0">
+    <dgm:scene3d>
+      <a:camera prst="orthographicFront"/>
+      <a:lightRig rig="threePt" dir="t"/>
+    </dgm:scene3d>
+    <dgm:sp3d/>
+    <dgm:txPr/>
+    <dgm:style>
+      <a:lnRef idx="0">
+        <a:scrgbClr r="0" g="0" b="0"/>
+      </a:lnRef>
+      <a:fillRef idx="3">
+        <a:scrgbClr r="0" g="0" b="0"/>
+      </a:fillRef>
+      <a:effectRef idx="2">
+        <a:scrgbClr r="0" g="0" b="0"/>
+      </a:effectRef>
+      <a:fontRef idx="minor">
+        <a:schemeClr val="lt1"/>
+      </a:fontRef>
+    </dgm:style>
+  </dgm:styleLbl>
+  <dgm:styleLbl name="lnNode1">
+    <dgm:scene3d>
+      <a:camera prst="orthographicFront"/>
+      <a:lightRig rig="threePt" dir="t"/>
+    </dgm:scene3d>
+    <dgm:sp3d/>
+    <dgm:txPr/>
+    <dgm:style>
+      <a:lnRef idx="1">
+        <a:scrgbClr r="0" g="0" b="0"/>
+      </a:lnRef>
+      <a:fillRef idx="3">
+        <a:scrgbClr r="0" g="0" b="0"/>
+      </a:fillRef>
+      <a:effectRef idx="2">
+        <a:scrgbClr r="0" g="0" b="0"/>
+      </a:effectRef>
+      <a:fontRef idx="minor">
+        <a:schemeClr val="lt1"/>
+      </a:fontRef>
+    </dgm:style>
+  </dgm:styleLbl>
+  <dgm:styleLbl name="vennNode1">
+    <dgm:scene3d>
+      <a:camera prst="orthographicFront"/>
+      <a:lightRig rig="threePt" dir="t"/>
+    </dgm:scene3d>
+    <dgm:sp3d/>
+    <dgm:txPr/>
+    <dgm:style>
+      <a:lnRef idx="0">
+        <a:scrgbClr r="0" g="0" b="0"/>
+      </a:lnRef>
+      <a:fillRef idx="3">
+        <a:scrgbClr r="0" g="0" b="0"/>
+      </a:fillRef>
+      <a:effectRef idx="0">
+        <a:scrgbClr r="0" g="0" b="0"/>
+      </a:effectRef>
+      <a:fontRef idx="minor">
+        <a:schemeClr val="tx1"/>
+      </a:fontRef>
+    </dgm:style>
+  </dgm:styleLbl>
+  <dgm:styleLbl name="alignNode1">
+    <dgm:scene3d>
+      <a:camera prst="orthographicFront"/>
+      <a:lightRig rig="threePt" dir="t"/>
+    </dgm:scene3d>
+    <dgm:sp3d/>
+    <dgm:txPr/>
+    <dgm:style>
+      <a:lnRef idx="1">
+        <a:scrgbClr r="0" g="0" b="0"/>
+      </a:lnRef>
+      <a:fillRef idx="3">
+        <a:scrgbClr r="0" g="0" b="0"/>
+      </a:fillRef>
+      <a:effectRef idx="2">
+        <a:scrgbClr r="0" g="0" b="0"/>
+      </a:effectRef>
+      <a:fontRef idx="minor">
+        <a:schemeClr val="lt1"/>
+      </a:fontRef>
+    </dgm:style>
+  </dgm:styleLbl>
+  <dgm:styleLbl name="node1">
+    <dgm:scene3d>
+      <a:camera prst="orthographicFront"/>
+      <a:lightRig rig="threePt" dir="t"/>
+    </dgm:scene3d>
+    <dgm:sp3d/>
+    <dgm:txPr/>
+    <dgm:style>
+      <a:lnRef idx="0">
+        <a:scrgbClr r="0" g="0" b="0"/>
+      </a:lnRef>
+      <a:fillRef idx="3">
+        <a:scrgbClr r="0" g="0" b="0"/>
+      </a:fillRef>
+      <a:effectRef idx="2">
+        <a:scrgbClr r="0" g="0" b="0"/>
+      </a:effectRef>
+      <a:fontRef idx="minor">
+        <a:schemeClr val="lt1"/>
+      </a:fontRef>
+    </dgm:style>
+  </dgm:styleLbl>
+  <dgm:styleLbl name="node2">
+    <dgm:scene3d>
+      <a:camera prst="orthographicFront"/>
+      <a:lightRig rig="threePt" dir="t"/>
+    </dgm:scene3d>
+    <dgm:sp3d/>
+    <dgm:txPr/>
+    <dgm:style>
+      <a:lnRef idx="0">
+        <a:scrgbClr r="0" g="0" b="0"/>
+      </a:lnRef>
+      <a:fillRef idx="3">
+        <a:scrgbClr r="0" g="0" b="0"/>
+      </a:fillRef>
+      <a:effectRef idx="2">
+        <a:scrgbClr r="0" g="0" b="0"/>
+      </a:effectRef>
+      <a:fontRef idx="minor">
+        <a:schemeClr val="lt1"/>
+      </a:fontRef>
+    </dgm:style>
+  </dgm:styleLbl>
+  <dgm:styleLbl name="node3">
+    <dgm:scene3d>
+      <a:camera prst="orthographicFront"/>
+      <a:lightRig rig="threePt" dir="t"/>
+    </dgm:scene3d>
+    <dgm:sp3d/>
+    <dgm:txPr/>
+    <dgm:style>
+      <a:lnRef idx="0">
+        <a:scrgbClr r="0" g="0" b="0"/>
+      </a:lnRef>
+      <a:fillRef idx="3">
+        <a:scrgbClr r="0" g="0" b="0"/>
+      </a:fillRef>
+      <a:effectRef idx="2">
+        <a:scrgbClr r="0" g="0" b="0"/>
+      </a:effectRef>
+      <a:fontRef idx="minor">
+        <a:schemeClr val="lt1"/>
+      </a:fontRef>
+    </dgm:style>
+  </dgm:styleLbl>
+  <dgm:styleLbl name="node4">
+    <dgm:scene3d>
+      <a:camera prst="orthographicFront"/>
+      <a:lightRig rig="threePt" dir="t"/>
+    </dgm:scene3d>
+    <dgm:sp3d/>
+    <dgm:txPr/>
+    <dgm:style>
+      <a:lnRef idx="0">
+        <a:scrgbClr r="0" g="0" b="0"/>
+      </a:lnRef>
+      <a:fillRef idx="3">
+        <a:scrgbClr r="0" g="0" b="0"/>
+      </a:fillRef>
+      <a:effectRef idx="2">
+        <a:scrgbClr r="0" g="0" b="0"/>
+      </a:effectRef>
+      <a:fontRef idx="minor">
+        <a:schemeClr val="lt1"/>
+      </a:fontRef>
+    </dgm:style>
+  </dgm:styleLbl>
+  <dgm:styleLbl name="fgImgPlace1">
+    <dgm:scene3d>
+      <a:camera prst="orthographicFront"/>
+      <a:lightRig rig="threePt" dir="t"/>
+    </dgm:scene3d>
+    <dgm:sp3d/>
+    <dgm:txPr/>
+    <dgm:style>
+      <a:lnRef idx="0">
+        <a:scrgbClr r="0" g="0" b="0"/>
+      </a:lnRef>
+      <a:fillRef idx="1">
+        <a:scrgbClr r="0" g="0" b="0"/>
+      </a:fillRef>
+      <a:effectRef idx="2">
+        <a:scrgbClr r="0" g="0" b="0"/>
+      </a:effectRef>
+      <a:fontRef idx="minor"/>
+    </dgm:style>
+  </dgm:styleLbl>
+  <dgm:styleLbl name="alignImgPlace1">
+    <dgm:scene3d>
+      <a:camera prst="orthographicFront"/>
+      <a:lightRig rig="threePt" dir="t"/>
+    </dgm:scene3d>
+    <dgm:sp3d/>
+    <dgm:txPr/>
+    <dgm:style>
+      <a:lnRef idx="0">
+        <a:scrgbClr r="0" g="0" b="0"/>
+      </a:lnRef>
+      <a:fillRef idx="1">
+        <a:scrgbClr r="0" g="0" b="0"/>
+      </a:fillRef>
+      <a:effectRef idx="2">
+        <a:scrgbClr r="0" g="0" b="0"/>
+      </a:effectRef>
+      <a:fontRef idx="minor"/>
+    </dgm:style>
+  </dgm:styleLbl>
+  <dgm:styleLbl name="bgImgPlace1">
+    <dgm:scene3d>
+      <a:camera prst="orthographicFront"/>
+      <a:lightRig rig="threePt" dir="t"/>
+    </dgm:scene3d>
+    <dgm:sp3d/>
+    <dgm:txPr/>
+    <dgm:style>
+      <a:lnRef idx="0">
+        <a:scrgbClr r="0" g="0" b="0"/>
+      </a:lnRef>
+      <a:fillRef idx="1">
+        <a:scrgbClr r="0" g="0" b="0"/>
+      </a:fillRef>
+      <a:effectRef idx="2">
+        <a:scrgbClr r="0" g="0" b="0"/>
+      </a:effectRef>
+      <a:fontRef idx="minor"/>
+    </dgm:style>
+  </dgm:styleLbl>
+  <dgm:styleLbl name="sibTrans2D1">
+    <dgm:scene3d>
+      <a:camera prst="orthographicFront"/>
+      <a:lightRig rig="threePt" dir="t"/>
+    </dgm:scene3d>
+    <dgm:sp3d/>
+    <dgm:txPr/>
+    <dgm:style>
+      <a:lnRef idx="0">
+        <a:scrgbClr r="0" g="0" b="0"/>
+      </a:lnRef>
+      <a:fillRef idx="3">
+        <a:scrgbClr r="0" g="0" b="0"/>
+      </a:fillRef>
+      <a:effectRef idx="2">
+        <a:scrgbClr r="0" g="0" b="0"/>
+      </a:effectRef>
+      <a:fontRef idx="minor">
+        <a:schemeClr val="lt1"/>
+      </a:fontRef>
+    </dgm:style>
+  </dgm:styleLbl>
+  <dgm:styleLbl name="fgSibTrans2D1">
+    <dgm:scene3d>
+      <a:camera prst="orthographicFront"/>
+      <a:lightRig rig="threePt" dir="t"/>
+    </dgm:scene3d>
+    <dgm:sp3d/>
+    <dgm:txPr/>
+    <dgm:style>
+      <a:lnRef idx="0">
+        <a:scrgbClr r="0" g="0" b="0"/>
+      </a:lnRef>
+      <a:fillRef idx="3">
+        <a:scrgbClr r="0" g="0" b="0"/>
+      </a:fillRef>
+      <a:effectRef idx="2">
+        <a:scrgbClr r="0" g="0" b="0"/>
+      </a:effectRef>
+      <a:fontRef idx="minor">
+        <a:schemeClr val="lt1"/>
+      </a:fontRef>
+    </dgm:style>
+  </dgm:styleLbl>
+  <dgm:styleLbl name="bgSibTrans2D1">
+    <dgm:scene3d>
+      <a:camera prst="orthographicFront"/>
+      <a:lightRig rig="threePt" dir="t"/>
+    </dgm:scene3d>
+    <dgm:sp3d/>
+    <dgm:txPr/>
+    <dgm:style>
+      <a:lnRef idx="0">
+        <a:scrgbClr r="0" g="0" b="0"/>
+      </a:lnRef>
+      <a:fillRef idx="3">
+        <a:scrgbClr r="0" g="0" b="0"/>
+      </a:fillRef>
+      <a:effectRef idx="2">
+        <a:scrgbClr r="0" g="0" b="0"/>
+      </a:effectRef>
+      <a:fontRef idx="minor">
+        <a:schemeClr val="lt1"/>
+      </a:fontRef>
+    </dgm:style>
+  </dgm:styleLbl>
+  <dgm:styleLbl name="sibTrans1D1">
+    <dgm:scene3d>
+      <a:camera prst="orthographicFront"/>
+      <a:lightRig rig="threePt" dir="t"/>
+    </dgm:scene3d>
+    <dgm:sp3d/>
+    <dgm:txPr/>
+    <dgm:style>
+      <a:lnRef idx="1">
+        <a:scrgbClr r="0" g="0" b="0"/>
+      </a:lnRef>
+      <a:fillRef idx="0">
+        <a:scrgbClr r="0" g="0" b="0"/>
+      </a:fillRef>
+      <a:effectRef idx="0">
+        <a:scrgbClr r="0" g="0" b="0"/>
+      </a:effectRef>
+      <a:fontRef idx="minor"/>
+    </dgm:style>
+  </dgm:styleLbl>
+  <dgm:styleLbl name="callout">
+    <dgm:scene3d>
+      <a:camera prst="orthographicFront"/>
+      <a:lightRig rig="threePt" dir="t"/>
+    </dgm:scene3d>
+    <dgm:sp3d/>
+    <dgm:txPr/>
+    <dgm:style>
+      <a:lnRef idx="2">
+        <a:scrgbClr r="0" g="0" b="0"/>
+      </a:lnRef>
+      <a:fillRef idx="1">
+        <a:scrgbClr r="0" g="0" b="0"/>
+      </a:fillRef>
+      <a:effectRef idx="1">
+        <a:scrgbClr r="0" g="0" b="0"/>
+      </a:effectRef>
+      <a:fontRef idx="minor"/>
+    </dgm:style>
+  </dgm:styleLbl>
+  <dgm:styleLbl name="asst0">
+    <dgm:scene3d>
+      <a:camera prst="orthographicFront"/>
+      <a:lightRig rig="threePt" dir="t"/>
+    </dgm:scene3d>
+    <dgm:sp3d/>
+    <dgm:txPr/>
+    <dgm:style>
+      <a:lnRef idx="0">
+        <a:scrgbClr r="0" g="0" b="0"/>
+      </a:lnRef>
+      <a:fillRef idx="3">
+        <a:scrgbClr r="0" g="0" b="0"/>
+      </a:fillRef>
+      <a:effectRef idx="2">
+        <a:scrgbClr r="0" g="0" b="0"/>
+      </a:effectRef>
+      <a:fontRef idx="minor">
+        <a:schemeClr val="lt1"/>
+      </a:fontRef>
+    </dgm:style>
+  </dgm:styleLbl>
+  <dgm:styleLbl name="asst1">
+    <dgm:scene3d>
+      <a:camera prst="orthographicFront"/>
+      <a:lightRig rig="threePt" dir="t"/>
+    </dgm:scene3d>
+    <dgm:sp3d/>
+    <dgm:txPr/>
+    <dgm:style>
+      <a:lnRef idx="0">
+        <a:scrgbClr r="0" g="0" b="0"/>
+      </a:lnRef>
+      <a:fillRef idx="3">
+        <a:scrgbClr r="0" g="0" b="0"/>
+      </a:fillRef>
+      <a:effectRef idx="2">
+        <a:scrgbClr r="0" g="0" b="0"/>
+      </a:effectRef>
+      <a:fontRef idx="minor">
+        <a:schemeClr val="lt1"/>
+      </a:fontRef>
+    </dgm:style>
+  </dgm:styleLbl>
+  <dgm:styleLbl name="asst2">
+    <dgm:scene3d>
+      <a:camera prst="orthographicFront"/>
+      <a:lightRig rig="threePt" dir="t"/>
+    </dgm:scene3d>
+    <dgm:sp3d/>
+    <dgm:txPr/>
+    <dgm:style>
+      <a:lnRef idx="0">
+        <a:scrgbClr r="0" g="0" b="0"/>
+      </a:lnRef>
+      <a:fillRef idx="3">
+        <a:scrgbClr r="0" g="0" b="0"/>
+      </a:fillRef>
+      <a:effectRef idx="2">
+        <a:scrgbClr r="0" g="0" b="0"/>
+      </a:effectRef>
+      <a:fontRef idx="minor">
+        <a:schemeClr val="lt1"/>
+      </a:fontRef>
+    </dgm:style>
+  </dgm:styleLbl>
+  <dgm:styleLbl name="asst3">
+    <dgm:scene3d>
+      <a:camera prst="orthographicFront"/>
+      <a:lightRig rig="threePt" dir="t"/>
+    </dgm:scene3d>
+    <dgm:sp3d/>
+    <dgm:txPr/>
+    <dgm:style>
+      <a:lnRef idx="0">
+        <a:scrgbClr r="0" g="0" b="0"/>
+      </a:lnRef>
+      <a:fillRef idx="3">
+        <a:scrgbClr r="0" g="0" b="0"/>
+      </a:fillRef>
+      <a:effectRef idx="2">
+        <a:scrgbClr r="0" g="0" b="0"/>
+      </a:effectRef>
+      <a:fontRef idx="minor">
+        <a:schemeClr val="lt1"/>
+      </a:fontRef>
+    </dgm:style>
+  </dgm:styleLbl>
+  <dgm:styleLbl name="asst4">
+    <dgm:scene3d>
+      <a:camera prst="orthographicFront"/>
+      <a:lightRig rig="threePt" dir="t"/>
+    </dgm:scene3d>
+    <dgm:sp3d/>
+    <dgm:txPr/>
+    <dgm:style>
+      <a:lnRef idx="0">
+        <a:scrgbClr r="0" g="0" b="0"/>
+      </a:lnRef>
+      <a:fillRef idx="3">
+        <a:scrgbClr r="0" g="0" b="0"/>
+      </a:fillRef>
+      <a:effectRef idx="2">
+        <a:scrgbClr r="0" g="0" b="0"/>
+      </a:effectRef>
+      <a:fontRef idx="minor">
+        <a:schemeClr val="lt1"/>
+      </a:fontRef>
+    </dgm:style>
+  </dgm:styleLbl>
+  <dgm:styleLbl name="parChTrans2D1">
+    <dgm:scene3d>
+      <a:camera prst="orthographicFront"/>
+      <a:lightRig rig="threePt" dir="t"/>
+    </dgm:scene3d>
+    <dgm:sp3d/>
+    <dgm:txPr/>
+    <dgm:style>
+      <a:lnRef idx="0">
+        <a:scrgbClr r="0" g="0" b="0"/>
+      </a:lnRef>
+      <a:fillRef idx="3">
+        <a:scrgbClr r="0" g="0" b="0"/>
+      </a:fillRef>
+      <a:effectRef idx="2">
+        <a:scrgbClr r="0" g="0" b="0"/>
+      </a:effectRef>
+      <a:fontRef idx="minor">
+        <a:schemeClr val="lt1"/>
+      </a:fontRef>
+    </dgm:style>
+  </dgm:styleLbl>
+  <dgm:styleLbl name="parChTrans2D2">
+    <dgm:scene3d>
+      <a:camera prst="orthographicFront"/>
+      <a:lightRig rig="threePt" dir="t"/>
+    </dgm:scene3d>
+    <dgm:sp3d/>
+    <dgm:txPr/>
+    <dgm:style>
+      <a:lnRef idx="0">
+        <a:scrgbClr r="0" g="0" b="0"/>
+      </a:lnRef>
+      <a:fillRef idx="3">
+        <a:scrgbClr r="0" g="0" b="0"/>
+      </a:fillRef>
+      <a:effectRef idx="2">
+        <a:scrgbClr r="0" g="0" b="0"/>
+      </a:effectRef>
+      <a:fontRef idx="minor">
+        <a:schemeClr val="lt1"/>
+      </a:fontRef>
+    </dgm:style>
+  </dgm:styleLbl>
+  <dgm:styleLbl name="parChTrans2D3">
+    <dgm:scene3d>
+      <a:camera prst="orthographicFront"/>
+      <a:lightRig rig="threePt" dir="t"/>
+    </dgm:scene3d>
+    <dgm:sp3d/>
+    <dgm:txPr/>
+    <dgm:style>
+      <a:lnRef idx="1">
+        <a:scrgbClr r="0" g="0" b="0"/>
+      </a:lnRef>
+      <a:fillRef idx="3">
+        <a:scrgbClr r="0" g="0" b="0"/>
+      </a:fillRef>
+      <a:effectRef idx="2">
+        <a:scrgbClr r="0" g="0" b="0"/>
+      </a:effectRef>
+      <a:fontRef idx="minor">
+        <a:schemeClr val="lt1"/>
+      </a:fontRef>
+    </dgm:style>
+  </dgm:styleLbl>
+  <dgm:styleLbl name="parChTrans2D4">
+    <dgm:scene3d>
+      <a:camera prst="orthographicFront"/>
+      <a:lightRig rig="threePt" dir="t"/>
+    </dgm:scene3d>
+    <dgm:sp3d/>
+    <dgm:txPr/>
+    <dgm:style>
+      <a:lnRef idx="1">
+        <a:scrgbClr r="0" g="0" b="0"/>
+      </a:lnRef>
+      <a:fillRef idx="3">
+        <a:scrgbClr r="0" g="0" b="0"/>
+      </a:fillRef>
+      <a:effectRef idx="2">
+        <a:scrgbClr r="0" g="0" b="0"/>
+      </a:effectRef>
+      <a:fontRef idx="minor">
+        <a:schemeClr val="lt1"/>
+      </a:fontRef>
+    </dgm:style>
+  </dgm:styleLbl>
+  <dgm:styleLbl name="parChTrans1D1">
+    <dgm:scene3d>
+      <a:camera prst="orthographicFront"/>
+      <a:lightRig rig="threePt" dir="t"/>
+    </dgm:scene3d>
+    <dgm:sp3d/>
+    <dgm:txPr/>
+    <dgm:style>
+      <a:lnRef idx="1">
+        <a:scrgbClr r="0" g="0" b="0"/>
+      </a:lnRef>
+      <a:fillRef idx="0">
+        <a:scrgbClr r="0" g="0" b="0"/>
+      </a:fillRef>
+      <a:effectRef idx="0">
+        <a:scrgbClr r="0" g="0" b="0"/>
+      </a:effectRef>
+      <a:fontRef idx="minor"/>
+    </dgm:style>
+  </dgm:styleLbl>
+  <dgm:styleLbl name="parChTrans1D2">
+    <dgm:scene3d>
+      <a:camera prst="orthographicFront"/>
+      <a:lightRig rig="threePt" dir="t"/>
+    </dgm:scene3d>
+    <dgm:sp3d/>
+    <dgm:txPr/>
+    <dgm:style>
+      <a:lnRef idx="1">
+        <a:scrgbClr r="0" g="0" b="0"/>
+      </a:lnRef>
+      <a:fillRef idx="0">
+        <a:scrgbClr r="0" g="0" b="0"/>
+      </a:fillRef>
+      <a:effectRef idx="0">
+        <a:scrgbClr r="0" g="0" b="0"/>
+      </a:effectRef>
+      <a:fontRef idx="minor"/>
+    </dgm:style>
+  </dgm:styleLbl>
+  <dgm:styleLbl name="parChTrans1D3">
+    <dgm:scene3d>
+      <a:camera prst="orthographicFront"/>
+      <a:lightRig rig="threePt" dir="t"/>
+    </dgm:scene3d>
+    <dgm:sp3d/>
+    <dgm:txPr/>
+    <dgm:style>
+      <a:lnRef idx="1">
+        <a:scrgbClr r="0" g="0" b="0"/>
+      </a:lnRef>
+      <a:fillRef idx="0">
+        <a:scrgbClr r="0" g="0" b="0"/>
+      </a:fillRef>
+      <a:effectRef idx="0">
+        <a:scrgbClr r="0" g="0" b="0"/>
+      </a:effectRef>
+      <a:fontRef idx="minor"/>
+    </dgm:style>
+  </dgm:styleLbl>
+  <dgm:styleLbl name="parChTrans1D4">
+    <dgm:scene3d>
+      <a:camera prst="orthographicFront"/>
+      <a:lightRig rig="threePt" dir="t"/>
+    </dgm:scene3d>
+    <dgm:sp3d/>
+    <dgm:txPr/>
+    <dgm:style>
+      <a:lnRef idx="1">
+        <a:scrgbClr r="0" g="0" b="0"/>
+      </a:lnRef>
+      <a:fillRef idx="0">
+        <a:scrgbClr r="0" g="0" b="0"/>
+      </a:fillRef>
+      <a:effectRef idx="0">
+        <a:scrgbClr r="0" g="0" b="0"/>
+      </a:effectRef>
+      <a:fontRef idx="minor"/>
+    </dgm:style>
+  </dgm:styleLbl>
+  <dgm:styleLbl name="fgAcc1">
+    <dgm:scene3d>
+      <a:camera prst="orthographicFront"/>
+      <a:lightRig rig="threePt" dir="t"/>
+    </dgm:scene3d>
+    <dgm:sp3d/>
+    <dgm:txPr/>
+    <dgm:style>
+      <a:lnRef idx="1">
+        <a:scrgbClr r="0" g="0" b="0"/>
+      </a:lnRef>
+      <a:fillRef idx="1">
+        <a:scrgbClr r="0" g="0" b="0"/>
+      </a:fillRef>
+      <a:effectRef idx="0">
+        <a:scrgbClr r="0" g="0" b="0"/>
+      </a:effectRef>
+      <a:fontRef idx="minor"/>
+    </dgm:style>
+  </dgm:styleLbl>
+  <dgm:styleLbl name="conFgAcc1">
+    <dgm:scene3d>
+      <a:camera prst="orthographicFront"/>
+      <a:lightRig rig="threePt" dir="t"/>
+    </dgm:scene3d>
+    <dgm:sp3d/>
+    <dgm:txPr/>
+    <dgm:style>
+      <a:lnRef idx="1">
+        <a:scrgbClr r="0" g="0" b="0"/>
+      </a:lnRef>
+      <a:fillRef idx="1">
+        <a:scrgbClr r="0" g="0" b="0"/>
+      </a:fillRef>
+      <a:effectRef idx="0">
+        <a:scrgbClr r="0" g="0" b="0"/>
+      </a:effectRef>
+      <a:fontRef idx="minor"/>
+    </dgm:style>
+  </dgm:styleLbl>
+  <dgm:styleLbl name="alignAcc1">
+    <dgm:scene3d>
+      <a:camera prst="orthographicFront"/>
+      <a:lightRig rig="threePt" dir="t"/>
+    </dgm:scene3d>
+    <dgm:sp3d/>
+    <dgm:txPr/>
+    <dgm:style>
+      <a:lnRef idx="1">
+        <a:scrgbClr r="0" g="0" b="0"/>
+      </a:lnRef>
+      <a:fillRef idx="1">
+        <a:scrgbClr r="0" g="0" b="0"/>
+      </a:fillRef>
+      <a:effectRef idx="0">
+        <a:scrgbClr r="0" g="0" b="0"/>
+      </a:effectRef>
+      <a:fontRef idx="minor"/>
+    </dgm:style>
+  </dgm:styleLbl>
+  <dgm:styleLbl name="trAlignAcc1">
+    <dgm:scene3d>
+      <a:camera prst="orthographicFront"/>
+      <a:lightRig rig="threePt" dir="t"/>
+    </dgm:scene3d>
+    <dgm:sp3d/>
+    <dgm:txPr/>
+    <dgm:style>
+      <a:lnRef idx="1">
+        <a:scrgbClr r="0" g="0" b="0"/>
+      </a:lnRef>
+      <a:fillRef idx="1">
+        <a:scrgbClr r="0" g="0" b="0"/>
+      </a:fillRef>
+      <a:effectRef idx="0">
+        <a:scrgbClr r="0" g="0" b="0"/>
+      </a:effectRef>
+      <a:fontRef idx="minor"/>
+    </dgm:style>
+  </dgm:styleLbl>
+  <dgm:styleLbl name="bgAcc1">
+    <dgm:scene3d>
+      <a:camera prst="orthographicFront"/>
+      <a:lightRig rig="threePt" dir="t"/>
+    </dgm:scene3d>
+    <dgm:sp3d/>
+    <dgm:txPr/>
+    <dgm:style>
+      <a:lnRef idx="1">
+        <a:scrgbClr r="0" g="0" b="0"/>
+      </a:lnRef>
+      <a:fillRef idx="1">
+        <a:scrgbClr r="0" g="0" b="0"/>
+      </a:fillRef>
+      <a:effectRef idx="0">
+        <a:scrgbClr r="0" g="0" b="0"/>
+      </a:effectRef>
+      <a:fontRef idx="minor"/>
+    </dgm:style>
+  </dgm:styleLbl>
+  <dgm:styleLbl name="solidFgAcc1">
+    <dgm:scene3d>
+      <a:camera prst="orthographicFront"/>
+      <a:lightRig rig="threePt" dir="t"/>
+    </dgm:scene3d>
+    <dgm:sp3d/>
+    <dgm:txPr/>
+    <dgm:style>
+      <a:lnRef idx="1">
+        <a:scrgbClr r="0" g="0" b="0"/>
+      </a:lnRef>
+      <a:fillRef idx="1">
+        <a:scrgbClr r="0" g="0" b="0"/>
+      </a:fillRef>
+      <a:effectRef idx="0">
+        <a:scrgbClr r="0" g="0" b="0"/>
+      </a:effectRef>
+      <a:fontRef idx="minor"/>
+    </dgm:style>
+  </dgm:styleLbl>
+  <dgm:styleLbl name="solidAlignAcc1">
+    <dgm:scene3d>
+      <a:camera prst="orthographicFront"/>
+      <a:lightRig rig="threePt" dir="t"/>
+    </dgm:scene3d>
+    <dgm:sp3d/>
+    <dgm:txPr/>
+    <dgm:style>
+      <a:lnRef idx="1">
+        <a:scrgbClr r="0" g="0" b="0"/>
+      </a:lnRef>
+      <a:fillRef idx="1">
+        <a:scrgbClr r="0" g="0" b="0"/>
+      </a:fillRef>
+      <a:effectRef idx="0">
+        <a:scrgbClr r="0" g="0" b="0"/>
+      </a:effectRef>
+      <a:fontRef idx="minor"/>
+    </dgm:style>
+  </dgm:styleLbl>
+  <dgm:styleLbl name="solidBgAcc1">
+    <dgm:scene3d>
+      <a:camera prst="orthographicFront"/>
+      <a:lightRig rig="threePt" dir="t"/>
+    </dgm:scene3d>
+    <dgm:sp3d/>
+    <dgm:txPr/>
+    <dgm:style>
+      <a:lnRef idx="1">
+        <a:scrgbClr r="0" g="0" b="0"/>
+      </a:lnRef>
+      <a:fillRef idx="1">
+        <a:scrgbClr r="0" g="0" b="0"/>
+      </a:fillRef>
+      <a:effectRef idx="0">
+        <a:scrgbClr r="0" g="0" b="0"/>
+      </a:effectRef>
+      <a:fontRef idx="minor"/>
+    </dgm:style>
+  </dgm:styleLbl>
+  <dgm:styleLbl name="fgAccFollowNode1">
+    <dgm:scene3d>
+      <a:camera prst="orthographicFront"/>
+      <a:lightRig rig="threePt" dir="t"/>
+    </dgm:scene3d>
+    <dgm:sp3d/>
+    <dgm:txPr/>
+    <dgm:style>
+      <a:lnRef idx="1">
+        <a:scrgbClr r="0" g="0" b="0"/>
+      </a:lnRef>
+      <a:fillRef idx="1">
+        <a:scrgbClr r="0" g="0" b="0"/>
+      </a:fillRef>
+      <a:effectRef idx="0">
+        <a:scrgbClr r="0" g="0" b="0"/>
+      </a:effectRef>
+      <a:fontRef idx="minor"/>
+    </dgm:style>
+  </dgm:styleLbl>
+  <dgm:styleLbl name="alignAccFollowNode1">
+    <dgm:scene3d>
+      <a:camera prst="orthographicFront"/>
+      <a:lightRig rig="threePt" dir="t"/>
+    </dgm:scene3d>
+    <dgm:sp3d/>
+    <dgm:txPr/>
+    <dgm:style>
+      <a:lnRef idx="1">
+        <a:scrgbClr r="0" g="0" b="0"/>
+      </a:lnRef>
+      <a:fillRef idx="1">
+        <a:scrgbClr r="0" g="0" b="0"/>
+      </a:fillRef>
+      <a:effectRef idx="0">
+        <a:scrgbClr r="0" g="0" b="0"/>
+      </a:effectRef>
+      <a:fontRef idx="minor"/>
+    </dgm:style>
+  </dgm:styleLbl>
+  <dgm:styleLbl name="bgAccFollowNode1">
+    <dgm:scene3d>
+      <a:camera prst="orthographicFront"/>
+      <a:lightRig rig="threePt" dir="t"/>
+    </dgm:scene3d>
+    <dgm:sp3d/>
+    <dgm:txPr/>
+    <dgm:style>
+      <a:lnRef idx="1">
+        <a:scrgbClr r="0" g="0" b="0"/>
+      </a:lnRef>
+      <a:fillRef idx="1">
+        <a:scrgbClr r="0" g="0" b="0"/>
+      </a:fillRef>
+      <a:effectRef idx="0">
+        <a:scrgbClr r="0" g="0" b="0"/>
+      </a:effectRef>
+      <a:fontRef idx="minor"/>
+    </dgm:style>
+  </dgm:styleLbl>
+  <dgm:styleLbl name="fgAcc0">
+    <dgm:scene3d>
+      <a:camera prst="orthographicFront"/>
+      <a:lightRig rig="threePt" dir="t"/>
+    </dgm:scene3d>
+    <dgm:sp3d/>
+    <dgm:txPr/>
+    <dgm:style>
+      <a:lnRef idx="1">
+        <a:scrgbClr r="0" g="0" b="0"/>
+      </a:lnRef>
+      <a:fillRef idx="1">
+        <a:scrgbClr r="0" g="0" b="0"/>
+      </a:fillRef>
+      <a:effectRef idx="0">
+        <a:scrgbClr r="0" g="0" b="0"/>
+      </a:effectRef>
+      <a:fontRef idx="minor"/>
+    </dgm:style>
+  </dgm:styleLbl>
+  <dgm:styleLbl name="fgAcc2">
+    <dgm:scene3d>
+      <a:camera prst="orthographicFront"/>
+      <a:lightRig rig="threePt" dir="t"/>
+    </dgm:scene3d>
+    <dgm:sp3d/>
+    <dgm:txPr/>
+    <dgm:style>
+      <a:lnRef idx="1">
+        <a:scrgbClr r="0" g="0" b="0"/>
+      </a:lnRef>
+      <a:fillRef idx="1">
+        <a:scrgbClr r="0" g="0" b="0"/>
+      </a:fillRef>
+      <a:effectRef idx="0">
+        <a:scrgbClr r="0" g="0" b="0"/>
+      </a:effectRef>
+      <a:fontRef idx="minor"/>
+    </dgm:style>
+  </dgm:styleLbl>
+  <dgm:styleLbl name="fgAcc3">
+    <dgm:scene3d>
+      <a:camera prst="orthographicFront"/>
+      <a:lightRig rig="threePt" dir="t"/>
+    </dgm:scene3d>
+    <dgm:sp3d/>
+    <dgm:txPr/>
+    <dgm:style>
+      <a:lnRef idx="1">
+        <a:scrgbClr r="0" g="0" b="0"/>
+      </a:lnRef>
+      <a:fillRef idx="1">
+        <a:scrgbClr r="0" g="0" b="0"/>
+      </a:fillRef>
+      <a:effectRef idx="0">
+        <a:scrgbClr r="0" g="0" b="0"/>
+      </a:effectRef>
+      <a:fontRef idx="minor"/>
+    </dgm:style>
+  </dgm:styleLbl>
+  <dgm:styleLbl name="fgAcc4">
+    <dgm:scene3d>
+      <a:camera prst="orthographicFront"/>
+      <a:lightRig rig="threePt" dir="t"/>
+    </dgm:scene3d>
+    <dgm:sp3d/>
+    <dgm:txPr/>
+    <dgm:style>
+      <a:lnRef idx="1">
+        <a:scrgbClr r="0" g="0" b="0"/>
+      </a:lnRef>
+      <a:fillRef idx="1">
+        <a:scrgbClr r="0" g="0" b="0"/>
+      </a:fillRef>
+      <a:effectRef idx="0">
+        <a:scrgbClr r="0" g="0" b="0"/>
+      </a:effectRef>
+      <a:fontRef idx="minor"/>
+    </dgm:style>
+  </dgm:styleLbl>
+  <dgm:styleLbl name="bgShp">
+    <dgm:scene3d>
+      <a:camera prst="orthographicFront"/>
+      <a:lightRig rig="threePt" dir="t"/>
+    </dgm:scene3d>
+    <dgm:sp3d/>
+    <dgm:txPr/>
+    <dgm:style>
+      <a:lnRef idx="0">
+        <a:scrgbClr r="0" g="0" b="0"/>
+      </a:lnRef>
+      <a:fillRef idx="1">
+        <a:scrgbClr r="0" g="0" b="0"/>
+      </a:fillRef>
+      <a:effectRef idx="2">
+        <a:scrgbClr r="0" g="0" b="0"/>
+      </a:effectRef>
+      <a:fontRef idx="minor"/>
+    </dgm:style>
+  </dgm:styleLbl>
+  <dgm:styleLbl name="dkBgShp">
+    <dgm:scene3d>
+      <a:camera prst="orthographicFront"/>
+      <a:lightRig rig="threePt" dir="t"/>
+    </dgm:scene3d>
+    <dgm:sp3d/>
+    <dgm:txPr/>
+    <dgm:style>
+      <a:lnRef idx="0">
+        <a:scrgbClr r="0" g="0" b="0"/>
+      </a:lnRef>
+      <a:fillRef idx="1">
+        <a:scrgbClr r="0" g="0" b="0"/>
+      </a:fillRef>
+      <a:effectRef idx="2">
+        <a:scrgbClr r="0" g="0" b="0"/>
+      </a:effectRef>
+      <a:fontRef idx="minor"/>
+    </dgm:style>
+  </dgm:styleLbl>
+  <dgm:styleLbl name="trBgShp">
+    <dgm:scene3d>
+      <a:camera prst="orthographicFront"/>
+      <a:lightRig rig="threePt" dir="t"/>
+    </dgm:scene3d>
+    <dgm:sp3d/>
+    <dgm:txPr/>
+    <dgm:style>
+      <a:lnRef idx="0">
+        <a:scrgbClr r="0" g="0" b="0"/>
+      </a:lnRef>
+      <a:fillRef idx="1">
+        <a:scrgbClr r="0" g="0" b="0"/>
+      </a:fillRef>
+      <a:effectRef idx="0">
+        <a:scrgbClr r="0" g="0" b="0"/>
+      </a:effectRef>
+      <a:fontRef idx="minor"/>
+    </dgm:style>
+  </dgm:styleLbl>
+  <dgm:styleLbl name="fgShp">
+    <dgm:scene3d>
+      <a:camera prst="orthographicFront"/>
+      <a:lightRig rig="threePt" dir="t"/>
+    </dgm:scene3d>
+    <dgm:sp3d/>
+    <dgm:txPr/>
+    <dgm:style>
+      <a:lnRef idx="0">
+        <a:scrgbClr r="0" g="0" b="0"/>
+      </a:lnRef>
+      <a:fillRef idx="3">
+        <a:scrgbClr r="0" g="0" b="0"/>
+      </a:fillRef>
+      <a:effectRef idx="2">
+        <a:scrgbClr r="0" g="0" b="0"/>
+      </a:effectRef>
+      <a:fontRef idx="minor"/>
+    </dgm:style>
+  </dgm:styleLbl>
+  <dgm:styleLbl name="revTx">
+    <dgm:scene3d>
+      <a:camera prst="orthographicFront"/>
+      <a:lightRig rig="threePt" dir="t"/>
+    </dgm:scene3d>
+    <dgm:sp3d/>
+    <dgm:txPr/>
+    <dgm:style>
+      <a:lnRef idx="0">
+        <a:scrgbClr r="0" g="0" b="0"/>
+      </a:lnRef>
+      <a:fillRef idx="0">
+        <a:scrgbClr r="0" g="0" b="0"/>
+      </a:fillRef>
+      <a:effectRef idx="0">
+        <a:scrgbClr r="0" g="0" b="0"/>
+      </a:effectRef>
+      <a:fontRef idx="minor"/>
+    </dgm:style>
+  </dgm:styleLbl>
+</dgm:styleDef>
+</file>
+
+<file path=ppt/diagrams/quickStyle3.xml><?xml version="1.0" encoding="utf-8"?>
 <dgm:styleDef xmlns:dgm="http://schemas.openxmlformats.org/drawingml/2006/diagram" xmlns:a="http://schemas.openxmlformats.org/drawingml/2006/main" uniqueId="urn:microsoft.com/office/officeart/2005/8/quickstyle/simple4">
   <dgm:title val=""/>
   <dgm:desc val=""/>
@@ -12840,32 +16010,38 @@
           <a:lstStyle/>
           <a:p>
             <a:r>
-              <a:rPr kumimoji="1" lang="zh-TW" altLang="en-US" smtClean="0"/>
+              <a:rPr kumimoji="1" lang="zh-TW" altLang="en-US" dirty="0" smtClean="0"/>
               <a:t>二、選擇器</a:t>
             </a:r>
-            <a:endParaRPr kumimoji="1" lang="zh-TW" altLang="en-US"/>
+            <a:endParaRPr kumimoji="1" lang="zh-TW" altLang="en-US" dirty="0"/>
           </a:p>
         </p:txBody>
       </p:sp>
-      <p:sp>
-        <p:nvSpPr>
-          <p:cNvPr id="3" name="內容版面配置區 2"/>
-          <p:cNvSpPr>
-            <a:spLocks noGrp="1"/>
-          </p:cNvSpPr>
+      <p:graphicFrame>
+        <p:nvGraphicFramePr>
+          <p:cNvPr id="6" name="內容版面配置區 5"/>
+          <p:cNvGraphicFramePr>
+            <a:graphicFrameLocks noGrp="1"/>
+          </p:cNvGraphicFramePr>
           <p:nvPr>
             <p:ph idx="1"/>
+            <p:extLst>
+              <p:ext uri="{D42A27DB-BD31-4B8C-83A1-F6EECF244321}">
+                <p14:modId xmlns:p14="http://schemas.microsoft.com/office/powerpoint/2010/main" val="848830269"/>
+              </p:ext>
+            </p:extLst>
           </p:nvPr>
-        </p:nvSpPr>
-        <p:spPr/>
-        <p:txBody>
-          <a:bodyPr/>
-          <a:lstStyle/>
-          <a:p>
-            <a:endParaRPr kumimoji="1" lang="zh-TW" altLang="en-US"/>
-          </a:p>
-        </p:txBody>
-      </p:sp>
+        </p:nvGraphicFramePr>
+        <p:xfrm>
+          <a:off x="838200" y="1825625"/>
+          <a:ext cx="10515600" cy="4351338"/>
+        </p:xfrm>
+        <a:graphic>
+          <a:graphicData uri="http://schemas.openxmlformats.org/drawingml/2006/diagram">
+            <dgm:relIds xmlns:dgm="http://schemas.openxmlformats.org/drawingml/2006/diagram" xmlns:r="http://schemas.openxmlformats.org/officeDocument/2006/relationships" r:dm="rId2" r:lo="rId3" r:qs="rId4" r:cs="rId5"/>
+          </a:graphicData>
+        </a:graphic>
+      </p:graphicFrame>
     </p:spTree>
     <p:extLst>
       <p:ext uri="{BB962C8B-B14F-4D97-AF65-F5344CB8AC3E}">
@@ -12876,6 +16052,13 @@
   <p:clrMapOvr>
     <a:masterClrMapping/>
   </p:clrMapOvr>
+  <p:timing>
+    <p:tnLst>
+      <p:par>
+        <p:cTn id="1" dur="indefinite" restart="never" nodeType="tmRoot"/>
+      </p:par>
+    </p:tnLst>
+  </p:timing>
 </p:sld>
 </file>
 

--- a/jquerytutorial.pptx
+++ b/jquerytutorial.pptx
@@ -6629,8 +6629,8 @@
       </dsp:nvSpPr>
       <dsp:spPr>
         <a:xfrm>
-          <a:off x="0" y="417429"/>
-          <a:ext cx="10515600" cy="604800"/>
+          <a:off x="0" y="394508"/>
+          <a:ext cx="8747234" cy="579600"/>
         </a:xfrm>
         <a:prstGeom prst="rect">
           <a:avLst/>
@@ -6678,8 +6678,8 @@
       </dsp:nvSpPr>
       <dsp:spPr>
         <a:xfrm>
-          <a:off x="525780" y="63189"/>
-          <a:ext cx="7360920" cy="708480"/>
+          <a:off x="437361" y="55028"/>
+          <a:ext cx="6123063" cy="678960"/>
         </a:xfrm>
         <a:prstGeom prst="roundRect">
           <a:avLst/>
@@ -6742,12 +6742,12 @@
         </a:fontRef>
       </dsp:style>
       <dsp:txBody>
-        <a:bodyPr spcFirstLastPara="0" vert="horz" wrap="square" lIns="278225" tIns="0" rIns="278225" bIns="0" numCol="1" spcCol="1270" anchor="ctr" anchorCtr="0">
+        <a:bodyPr spcFirstLastPara="0" vert="horz" wrap="square" lIns="231437" tIns="0" rIns="231437" bIns="0" numCol="1" spcCol="1270" anchor="ctr" anchorCtr="0">
           <a:noAutofit/>
         </a:bodyPr>
         <a:lstStyle/>
         <a:p>
-          <a:pPr lvl="0" algn="l" defTabSz="1066800">
+          <a:pPr lvl="0" algn="l" defTabSz="1022350">
             <a:lnSpc>
               <a:spcPct val="90000"/>
             </a:lnSpc>
@@ -6759,39 +6759,39 @@
             </a:spcAft>
           </a:pPr>
           <a:r>
-            <a:rPr lang="en-US" altLang="zh-TW" sz="2400" kern="1200" dirty="0" smtClean="0"/>
+            <a:rPr lang="en-US" altLang="zh-TW" sz="2300" kern="1200" dirty="0" smtClean="0"/>
             <a:t>Element</a:t>
           </a:r>
           <a:r>
-            <a:rPr lang="zh-TW" altLang="en-US" sz="2400" kern="1200" dirty="0" smtClean="0"/>
+            <a:rPr lang="zh-TW" altLang="en-US" sz="2300" kern="1200" dirty="0" smtClean="0"/>
             <a:t> </a:t>
           </a:r>
           <a:r>
-            <a:rPr lang="en-US" altLang="zh-TW" sz="2400" kern="1200" dirty="0" smtClean="0"/>
+            <a:rPr lang="en-US" altLang="zh-TW" sz="2300" kern="1200" dirty="0" smtClean="0"/>
             <a:t>Selector</a:t>
           </a:r>
           <a:r>
-            <a:rPr lang="zh-TW" altLang="en-US" sz="2400" kern="1200" dirty="0" smtClean="0"/>
+            <a:rPr lang="zh-TW" altLang="en-US" sz="2300" kern="1200" dirty="0" smtClean="0"/>
             <a:t> </a:t>
           </a:r>
           <a:r>
-            <a:rPr lang="en-US" altLang="zh-TW" sz="2400" kern="1200" dirty="0" smtClean="0"/>
+            <a:rPr lang="en-US" altLang="zh-TW" sz="2300" kern="1200" dirty="0" smtClean="0"/>
             <a:t>(</a:t>
           </a:r>
           <a:r>
-            <a:rPr lang="zh-TW" altLang="en-US" sz="2400" kern="1200" dirty="0" smtClean="0"/>
+            <a:rPr lang="zh-TW" altLang="en-US" sz="2300" kern="1200" dirty="0" smtClean="0"/>
             <a:t>元素選擇器</a:t>
           </a:r>
           <a:r>
-            <a:rPr lang="en-US" altLang="zh-TW" sz="2400" kern="1200" dirty="0" smtClean="0"/>
+            <a:rPr lang="en-US" altLang="zh-TW" sz="2300" kern="1200" dirty="0" smtClean="0"/>
             <a:t>)</a:t>
           </a:r>
-          <a:endParaRPr lang="zh-TW" altLang="en-US" sz="2400" kern="1200" dirty="0"/>
+          <a:endParaRPr lang="zh-TW" altLang="en-US" sz="2300" kern="1200" dirty="0"/>
         </a:p>
       </dsp:txBody>
       <dsp:txXfrm>
-        <a:off x="560365" y="97774"/>
-        <a:ext cx="7291750" cy="639310"/>
+        <a:off x="470505" y="88172"/>
+        <a:ext cx="6056775" cy="612672"/>
       </dsp:txXfrm>
     </dsp:sp>
     <dsp:sp modelId="{B12CF78E-1EB9-4048-BF4B-69A43B35A7DF}">
@@ -6801,8 +6801,8 @@
       </dsp:nvSpPr>
       <dsp:spPr>
         <a:xfrm>
-          <a:off x="0" y="1506069"/>
-          <a:ext cx="10515600" cy="604800"/>
+          <a:off x="0" y="1437788"/>
+          <a:ext cx="8747234" cy="579600"/>
         </a:xfrm>
         <a:prstGeom prst="rect">
           <a:avLst/>
@@ -6850,8 +6850,8 @@
       </dsp:nvSpPr>
       <dsp:spPr>
         <a:xfrm>
-          <a:off x="525780" y="1151829"/>
-          <a:ext cx="7360920" cy="708480"/>
+          <a:off x="437361" y="1098308"/>
+          <a:ext cx="6123063" cy="678960"/>
         </a:xfrm>
         <a:prstGeom prst="roundRect">
           <a:avLst/>
@@ -6914,12 +6914,12 @@
         </a:fontRef>
       </dsp:style>
       <dsp:txBody>
-        <a:bodyPr spcFirstLastPara="0" vert="horz" wrap="square" lIns="278225" tIns="0" rIns="278225" bIns="0" numCol="1" spcCol="1270" anchor="ctr" anchorCtr="0">
+        <a:bodyPr spcFirstLastPara="0" vert="horz" wrap="square" lIns="231437" tIns="0" rIns="231437" bIns="0" numCol="1" spcCol="1270" anchor="ctr" anchorCtr="0">
           <a:noAutofit/>
         </a:bodyPr>
         <a:lstStyle/>
         <a:p>
-          <a:pPr lvl="0" algn="l" defTabSz="1066800">
+          <a:pPr lvl="0" algn="l" defTabSz="1022350">
             <a:lnSpc>
               <a:spcPct val="90000"/>
             </a:lnSpc>
@@ -6931,39 +6931,39 @@
             </a:spcAft>
           </a:pPr>
           <a:r>
-            <a:rPr lang="en-US" altLang="zh-TW" sz="2400" kern="1200" dirty="0" smtClean="0"/>
+            <a:rPr lang="en-US" altLang="zh-TW" sz="2300" kern="1200" dirty="0" smtClean="0"/>
             <a:t>Class</a:t>
           </a:r>
           <a:r>
-            <a:rPr lang="zh-TW" altLang="en-US" sz="2400" kern="1200" dirty="0" smtClean="0"/>
+            <a:rPr lang="zh-TW" altLang="en-US" sz="2300" kern="1200" dirty="0" smtClean="0"/>
             <a:t> </a:t>
           </a:r>
           <a:r>
-            <a:rPr lang="en-US" altLang="zh-TW" sz="2400" kern="1200" dirty="0" smtClean="0"/>
+            <a:rPr lang="en-US" altLang="zh-TW" sz="2300" kern="1200" dirty="0" smtClean="0"/>
             <a:t>Selector</a:t>
           </a:r>
           <a:r>
-            <a:rPr lang="zh-TW" altLang="en-US" sz="2400" kern="1200" dirty="0" smtClean="0"/>
+            <a:rPr lang="zh-TW" altLang="en-US" sz="2300" kern="1200" dirty="0" smtClean="0"/>
             <a:t> </a:t>
           </a:r>
           <a:r>
-            <a:rPr lang="en-US" altLang="zh-TW" sz="2400" kern="1200" dirty="0" smtClean="0"/>
+            <a:rPr lang="en-US" altLang="zh-TW" sz="2300" kern="1200" dirty="0" smtClean="0"/>
             <a:t>(</a:t>
           </a:r>
           <a:r>
-            <a:rPr lang="zh-TW" altLang="en-US" sz="2400" kern="1200" dirty="0" smtClean="0"/>
+            <a:rPr lang="zh-TW" altLang="en-US" sz="2300" kern="1200" dirty="0" smtClean="0"/>
             <a:t>類別選擇器</a:t>
           </a:r>
           <a:r>
-            <a:rPr lang="en-US" altLang="zh-TW" sz="2400" kern="1200" dirty="0" smtClean="0"/>
+            <a:rPr lang="en-US" altLang="zh-TW" sz="2300" kern="1200" dirty="0" smtClean="0"/>
             <a:t>)</a:t>
           </a:r>
-          <a:endParaRPr lang="zh-TW" altLang="en-US" sz="2400" kern="1200" dirty="0"/>
+          <a:endParaRPr lang="zh-TW" altLang="en-US" sz="2300" kern="1200" dirty="0"/>
         </a:p>
       </dsp:txBody>
       <dsp:txXfrm>
-        <a:off x="560365" y="1186414"/>
-        <a:ext cx="7291750" cy="639310"/>
+        <a:off x="470505" y="1131452"/>
+        <a:ext cx="6056775" cy="612672"/>
       </dsp:txXfrm>
     </dsp:sp>
     <dsp:sp modelId="{10FF0A7F-EED5-004C-9284-4B6FD1F02C2A}">
@@ -6973,8 +6973,8 @@
       </dsp:nvSpPr>
       <dsp:spPr>
         <a:xfrm>
-          <a:off x="0" y="2594709"/>
-          <a:ext cx="10515600" cy="604800"/>
+          <a:off x="0" y="2481068"/>
+          <a:ext cx="8747234" cy="579600"/>
         </a:xfrm>
         <a:prstGeom prst="rect">
           <a:avLst/>
@@ -7022,8 +7022,8 @@
       </dsp:nvSpPr>
       <dsp:spPr>
         <a:xfrm>
-          <a:off x="525780" y="2240469"/>
-          <a:ext cx="7360920" cy="708480"/>
+          <a:off x="437361" y="2141588"/>
+          <a:ext cx="6123063" cy="678960"/>
         </a:xfrm>
         <a:prstGeom prst="roundRect">
           <a:avLst/>
@@ -7086,12 +7086,12 @@
         </a:fontRef>
       </dsp:style>
       <dsp:txBody>
-        <a:bodyPr spcFirstLastPara="0" vert="horz" wrap="square" lIns="278225" tIns="0" rIns="278225" bIns="0" numCol="1" spcCol="1270" anchor="ctr" anchorCtr="0">
+        <a:bodyPr spcFirstLastPara="0" vert="horz" wrap="square" lIns="231437" tIns="0" rIns="231437" bIns="0" numCol="1" spcCol="1270" anchor="ctr" anchorCtr="0">
           <a:noAutofit/>
         </a:bodyPr>
         <a:lstStyle/>
         <a:p>
-          <a:pPr lvl="0" algn="l" defTabSz="1066800">
+          <a:pPr lvl="0" algn="l" defTabSz="1022350">
             <a:lnSpc>
               <a:spcPct val="90000"/>
             </a:lnSpc>
@@ -7103,39 +7103,39 @@
             </a:spcAft>
           </a:pPr>
           <a:r>
-            <a:rPr lang="en-US" altLang="zh-TW" sz="2400" kern="1200" dirty="0" smtClean="0"/>
+            <a:rPr lang="en-US" altLang="zh-TW" sz="2300" kern="1200" dirty="0" smtClean="0"/>
             <a:t>ID</a:t>
           </a:r>
           <a:r>
-            <a:rPr lang="zh-TW" altLang="en-US" sz="2400" kern="1200" dirty="0" smtClean="0"/>
+            <a:rPr lang="zh-TW" altLang="en-US" sz="2300" kern="1200" dirty="0" smtClean="0"/>
             <a:t> </a:t>
           </a:r>
           <a:r>
-            <a:rPr lang="en-US" altLang="zh-TW" sz="2400" kern="1200" dirty="0" smtClean="0"/>
+            <a:rPr lang="en-US" altLang="zh-TW" sz="2300" kern="1200" dirty="0" smtClean="0"/>
             <a:t>Selector</a:t>
           </a:r>
           <a:r>
-            <a:rPr lang="zh-TW" altLang="en-US" sz="2400" kern="1200" dirty="0" smtClean="0"/>
+            <a:rPr lang="zh-TW" altLang="en-US" sz="2300" kern="1200" dirty="0" smtClean="0"/>
             <a:t> </a:t>
           </a:r>
           <a:r>
-            <a:rPr lang="en-US" altLang="zh-TW" sz="2400" kern="1200" dirty="0" smtClean="0"/>
+            <a:rPr lang="en-US" altLang="zh-TW" sz="2300" kern="1200" dirty="0" smtClean="0"/>
             <a:t>(ID</a:t>
           </a:r>
           <a:r>
-            <a:rPr lang="zh-TW" altLang="en-US" sz="2400" kern="1200" dirty="0" smtClean="0"/>
+            <a:rPr lang="zh-TW" altLang="en-US" sz="2300" kern="1200" dirty="0" smtClean="0"/>
             <a:t>選擇器</a:t>
           </a:r>
           <a:r>
-            <a:rPr lang="en-US" altLang="zh-TW" sz="2400" kern="1200" dirty="0" smtClean="0"/>
+            <a:rPr lang="en-US" altLang="zh-TW" sz="2300" kern="1200" dirty="0" smtClean="0"/>
             <a:t>)</a:t>
           </a:r>
-          <a:endParaRPr lang="zh-TW" altLang="en-US" sz="2400" kern="1200" dirty="0"/>
+          <a:endParaRPr lang="zh-TW" altLang="en-US" sz="2300" kern="1200" dirty="0"/>
         </a:p>
       </dsp:txBody>
       <dsp:txXfrm>
-        <a:off x="560365" y="2275054"/>
-        <a:ext cx="7291750" cy="639310"/>
+        <a:off x="470505" y="2174732"/>
+        <a:ext cx="6056775" cy="612672"/>
       </dsp:txXfrm>
     </dsp:sp>
     <dsp:sp modelId="{28D68FCF-23AF-4F4E-A466-BC8EEE24F611}">
@@ -7145,8 +7145,8 @@
       </dsp:nvSpPr>
       <dsp:spPr>
         <a:xfrm>
-          <a:off x="0" y="3683349"/>
-          <a:ext cx="10515600" cy="604800"/>
+          <a:off x="0" y="3524348"/>
+          <a:ext cx="8747234" cy="579600"/>
         </a:xfrm>
         <a:prstGeom prst="rect">
           <a:avLst/>
@@ -7194,8 +7194,8 @@
       </dsp:nvSpPr>
       <dsp:spPr>
         <a:xfrm>
-          <a:off x="525780" y="3329109"/>
-          <a:ext cx="7360920" cy="708480"/>
+          <a:off x="437361" y="3184868"/>
+          <a:ext cx="6123063" cy="678960"/>
         </a:xfrm>
         <a:prstGeom prst="roundRect">
           <a:avLst/>
@@ -7258,12 +7258,12 @@
         </a:fontRef>
       </dsp:style>
       <dsp:txBody>
-        <a:bodyPr spcFirstLastPara="0" vert="horz" wrap="square" lIns="278225" tIns="0" rIns="278225" bIns="0" numCol="1" spcCol="1270" anchor="ctr" anchorCtr="0">
+        <a:bodyPr spcFirstLastPara="0" vert="horz" wrap="square" lIns="231437" tIns="0" rIns="231437" bIns="0" numCol="1" spcCol="1270" anchor="ctr" anchorCtr="0">
           <a:noAutofit/>
         </a:bodyPr>
         <a:lstStyle/>
         <a:p>
-          <a:pPr lvl="0" algn="l" defTabSz="1066800">
+          <a:pPr lvl="0" algn="l" defTabSz="1022350">
             <a:lnSpc>
               <a:spcPct val="90000"/>
             </a:lnSpc>
@@ -7275,17 +7275,17 @@
             </a:spcAft>
           </a:pPr>
           <a:r>
-            <a:rPr lang="zh-TW" altLang="en-US" sz="2400" kern="1200" dirty="0" smtClean="0">
+            <a:rPr lang="zh-TW" altLang="en-US" sz="2300" kern="1200" dirty="0" smtClean="0">
               <a:hlinkClick xmlns:r="http://schemas.openxmlformats.org/officeDocument/2006/relationships" r:id="rId1"/>
             </a:rPr>
             <a:t>進階型選擇器</a:t>
           </a:r>
-          <a:endParaRPr lang="zh-TW" altLang="en-US" sz="2400" kern="1200" dirty="0"/>
+          <a:endParaRPr lang="zh-TW" altLang="en-US" sz="2300" kern="1200" dirty="0"/>
         </a:p>
       </dsp:txBody>
       <dsp:txXfrm>
-        <a:off x="560365" y="3363694"/>
-        <a:ext cx="7291750" cy="639310"/>
+        <a:off x="470505" y="3218012"/>
+        <a:ext cx="6056775" cy="612672"/>
       </dsp:txXfrm>
     </dsp:sp>
   </dsp:spTree>
@@ -16011,7 +16011,11 @@
           <a:p>
             <a:r>
               <a:rPr kumimoji="1" lang="zh-TW" altLang="en-US" dirty="0" smtClean="0"/>
-              <a:t>二、選擇器</a:t>
+              <a:t>二、選擇器 </a:t>
+            </a:r>
+            <a:r>
+              <a:rPr kumimoji="1" lang="en-US" altLang="zh-TW" dirty="0" smtClean="0"/>
+              <a:t>(Selector)</a:t>
             </a:r>
             <a:endParaRPr kumimoji="1" lang="zh-TW" altLang="en-US" dirty="0"/>
           </a:p>
@@ -16027,14 +16031,14 @@
             <p:ph idx="1"/>
             <p:extLst>
               <p:ext uri="{D42A27DB-BD31-4B8C-83A1-F6EECF244321}">
-                <p14:modId xmlns:p14="http://schemas.microsoft.com/office/powerpoint/2010/main" val="848830269"/>
+                <p14:modId xmlns:p14="http://schemas.microsoft.com/office/powerpoint/2010/main" val="157939722"/>
               </p:ext>
             </p:extLst>
           </p:nvPr>
         </p:nvGraphicFramePr>
         <p:xfrm>
-          <a:off x="838200" y="1825625"/>
-          <a:ext cx="10515600" cy="4351338"/>
+          <a:off x="838200" y="1418896"/>
+          <a:ext cx="8747234" cy="4158977"/>
         </p:xfrm>
         <a:graphic>
           <a:graphicData uri="http://schemas.openxmlformats.org/drawingml/2006/diagram">
@@ -16042,6 +16046,70 @@
           </a:graphicData>
         </a:graphic>
       </p:graphicFrame>
+      <p:sp>
+        <p:nvSpPr>
+          <p:cNvPr id="9" name="矩形 8"/>
+          <p:cNvSpPr/>
+          <p:nvPr/>
+        </p:nvSpPr>
+        <p:spPr>
+          <a:xfrm>
+            <a:off x="838200" y="5745789"/>
+            <a:ext cx="3940502" cy="584775"/>
+          </a:xfrm>
+          <a:prstGeom prst="rect">
+            <a:avLst/>
+          </a:prstGeom>
+        </p:spPr>
+        <p:txBody>
+          <a:bodyPr wrap="none">
+            <a:spAutoFit/>
+          </a:bodyPr>
+          <a:lstStyle/>
+          <a:p>
+            <a:r>
+              <a:rPr kumimoji="1" lang="en-US" altLang="zh-TW" sz="3200" b="1" dirty="0" smtClean="0">
+                <a:solidFill>
+                  <a:srgbClr val="FF0000"/>
+                </a:solidFill>
+              </a:rPr>
+              <a:t>Section2</a:t>
+            </a:r>
+            <a:r>
+              <a:rPr kumimoji="1" lang="zh-TW" altLang="en-US" sz="3200" b="1" dirty="0" smtClean="0">
+                <a:solidFill>
+                  <a:srgbClr val="FF0000"/>
+                </a:solidFill>
+              </a:rPr>
+              <a:t> </a:t>
+            </a:r>
+            <a:r>
+              <a:rPr kumimoji="1" lang="en-US" altLang="zh-TW" sz="3200" b="1" dirty="0">
+                <a:solidFill>
+                  <a:srgbClr val="FF0000"/>
+                </a:solidFill>
+              </a:rPr>
+              <a:t>Hands</a:t>
+            </a:r>
+            <a:r>
+              <a:rPr kumimoji="1" lang="zh-TW" altLang="en-US" sz="3200" b="1" dirty="0">
+                <a:solidFill>
+                  <a:srgbClr val="FF0000"/>
+                </a:solidFill>
+              </a:rPr>
+              <a:t> </a:t>
+            </a:r>
+            <a:r>
+              <a:rPr kumimoji="1" lang="en-US" altLang="zh-TW" sz="3200" b="1" dirty="0">
+                <a:solidFill>
+                  <a:srgbClr val="FF0000"/>
+                </a:solidFill>
+              </a:rPr>
+              <a:t>On</a:t>
+            </a:r>
+          </a:p>
+        </p:txBody>
+      </p:sp>
     </p:spTree>
     <p:extLst>
       <p:ext uri="{BB962C8B-B14F-4D97-AF65-F5344CB8AC3E}">

--- a/jquerytutorial.pptx
+++ b/jquerytutorial.pptx
@@ -11,7 +11,9 @@
     <p:sldId id="260" r:id="rId5"/>
     <p:sldId id="261" r:id="rId6"/>
     <p:sldId id="262" r:id="rId7"/>
-    <p:sldId id="258" r:id="rId8"/>
+    <p:sldId id="263" r:id="rId8"/>
+    <p:sldId id="264" r:id="rId9"/>
+    <p:sldId id="258" r:id="rId10"/>
   </p:sldIdLst>
   <p:sldSz cx="12192000" cy="6858000"/>
   <p:notesSz cx="6858000" cy="9144000"/>
@@ -16055,7 +16057,7 @@
         <p:spPr>
           <a:xfrm>
             <a:off x="838200" y="5745789"/>
-            <a:ext cx="3940502" cy="584775"/>
+            <a:ext cx="4884671" cy="707886"/>
           </a:xfrm>
           <a:prstGeom prst="rect">
             <a:avLst/>
@@ -16068,7 +16070,7 @@
           <a:lstStyle/>
           <a:p>
             <a:r>
-              <a:rPr kumimoji="1" lang="en-US" altLang="zh-TW" sz="3200" b="1" dirty="0" smtClean="0">
+              <a:rPr kumimoji="1" lang="en-US" altLang="zh-TW" sz="4000" b="1" dirty="0" smtClean="0">
                 <a:solidFill>
                   <a:srgbClr val="FF0000"/>
                 </a:solidFill>
@@ -16076,7 +16078,7 @@
               <a:t>Section2</a:t>
             </a:r>
             <a:r>
-              <a:rPr kumimoji="1" lang="zh-TW" altLang="en-US" sz="3200" b="1" dirty="0" smtClean="0">
+              <a:rPr kumimoji="1" lang="zh-TW" altLang="en-US" sz="4000" b="1" dirty="0" smtClean="0">
                 <a:solidFill>
                   <a:srgbClr val="FF0000"/>
                 </a:solidFill>
@@ -16084,7 +16086,7 @@
               <a:t> </a:t>
             </a:r>
             <a:r>
-              <a:rPr kumimoji="1" lang="en-US" altLang="zh-TW" sz="3200" b="1" dirty="0">
+              <a:rPr kumimoji="1" lang="en-US" altLang="zh-TW" sz="4000" b="1" dirty="0">
                 <a:solidFill>
                   <a:srgbClr val="FF0000"/>
                 </a:solidFill>
@@ -16092,7 +16094,7 @@
               <a:t>Hands</a:t>
             </a:r>
             <a:r>
-              <a:rPr kumimoji="1" lang="zh-TW" altLang="en-US" sz="3200" b="1" dirty="0">
+              <a:rPr kumimoji="1" lang="zh-TW" altLang="en-US" sz="4000" b="1" dirty="0">
                 <a:solidFill>
                   <a:srgbClr val="FF0000"/>
                 </a:solidFill>
@@ -16100,7 +16102,7 @@
               <a:t> </a:t>
             </a:r>
             <a:r>
-              <a:rPr kumimoji="1" lang="en-US" altLang="zh-TW" sz="3200" b="1" dirty="0">
+              <a:rPr kumimoji="1" lang="en-US" altLang="zh-TW" sz="4000" b="1" dirty="0">
                 <a:solidFill>
                   <a:srgbClr val="FF0000"/>
                 </a:solidFill>
@@ -16131,6 +16133,238 @@
 </file>
 
 <file path=ppt/slides/slide7.xml><?xml version="1.0" encoding="utf-8"?>
+<p:sld xmlns:a="http://schemas.openxmlformats.org/drawingml/2006/main" xmlns:r="http://schemas.openxmlformats.org/officeDocument/2006/relationships" xmlns:p="http://schemas.openxmlformats.org/presentationml/2006/main">
+  <p:cSld>
+    <p:spTree>
+      <p:nvGrpSpPr>
+        <p:cNvPr id="1" name=""/>
+        <p:cNvGrpSpPr/>
+        <p:nvPr/>
+      </p:nvGrpSpPr>
+      <p:grpSpPr>
+        <a:xfrm>
+          <a:off x="0" y="0"/>
+          <a:ext cx="0" cy="0"/>
+          <a:chOff x="0" y="0"/>
+          <a:chExt cx="0" cy="0"/>
+        </a:xfrm>
+      </p:grpSpPr>
+      <p:sp>
+        <p:nvSpPr>
+          <p:cNvPr id="2" name="標題 1"/>
+          <p:cNvSpPr>
+            <a:spLocks noGrp="1"/>
+          </p:cNvSpPr>
+          <p:nvPr>
+            <p:ph type="title"/>
+          </p:nvPr>
+        </p:nvSpPr>
+        <p:spPr/>
+        <p:txBody>
+          <a:bodyPr/>
+          <a:lstStyle/>
+          <a:p>
+            <a:r>
+              <a:rPr kumimoji="1" lang="zh-TW" altLang="en-US" dirty="0" smtClean="0"/>
+              <a:t>三、事件類型</a:t>
+            </a:r>
+            <a:endParaRPr kumimoji="1" lang="zh-TW" altLang="en-US" dirty="0"/>
+          </a:p>
+        </p:txBody>
+      </p:sp>
+      <p:pic>
+        <p:nvPicPr>
+          <p:cNvPr id="4" name="圖片 3"/>
+          <p:cNvPicPr>
+            <a:picLocks noChangeAspect="1"/>
+          </p:cNvPicPr>
+          <p:nvPr/>
+        </p:nvPicPr>
+        <p:blipFill>
+          <a:blip r:embed="rId2"/>
+          <a:stretch>
+            <a:fillRect/>
+          </a:stretch>
+        </p:blipFill>
+        <p:spPr>
+          <a:xfrm>
+            <a:off x="139313" y="2342330"/>
+            <a:ext cx="11913373" cy="2324264"/>
+          </a:xfrm>
+          <a:prstGeom prst="rect">
+            <a:avLst/>
+          </a:prstGeom>
+        </p:spPr>
+      </p:pic>
+    </p:spTree>
+    <p:extLst>
+      <p:ext uri="{BB962C8B-B14F-4D97-AF65-F5344CB8AC3E}">
+        <p14:creationId xmlns:p14="http://schemas.microsoft.com/office/powerpoint/2010/main" val="415794360"/>
+      </p:ext>
+    </p:extLst>
+  </p:cSld>
+  <p:clrMapOvr>
+    <a:masterClrMapping/>
+  </p:clrMapOvr>
+  <p:timing>
+    <p:tnLst>
+      <p:par>
+        <p:cTn id="1" dur="indefinite" restart="never" nodeType="tmRoot"/>
+      </p:par>
+    </p:tnLst>
+  </p:timing>
+</p:sld>
+</file>
+
+<file path=ppt/slides/slide8.xml><?xml version="1.0" encoding="utf-8"?>
+<p:sld xmlns:a="http://schemas.openxmlformats.org/drawingml/2006/main" xmlns:r="http://schemas.openxmlformats.org/officeDocument/2006/relationships" xmlns:p="http://schemas.openxmlformats.org/presentationml/2006/main">
+  <p:cSld>
+    <p:spTree>
+      <p:nvGrpSpPr>
+        <p:cNvPr id="1" name=""/>
+        <p:cNvGrpSpPr/>
+        <p:nvPr/>
+      </p:nvGrpSpPr>
+      <p:grpSpPr>
+        <a:xfrm>
+          <a:off x="0" y="0"/>
+          <a:ext cx="0" cy="0"/>
+          <a:chOff x="0" y="0"/>
+          <a:chExt cx="0" cy="0"/>
+        </a:xfrm>
+      </p:grpSpPr>
+      <p:sp>
+        <p:nvSpPr>
+          <p:cNvPr id="2" name="標題 1"/>
+          <p:cNvSpPr>
+            <a:spLocks noGrp="1"/>
+          </p:cNvSpPr>
+          <p:nvPr>
+            <p:ph type="title"/>
+          </p:nvPr>
+        </p:nvSpPr>
+        <p:spPr/>
+        <p:txBody>
+          <a:bodyPr/>
+          <a:lstStyle/>
+          <a:p>
+            <a:r>
+              <a:rPr kumimoji="1" lang="zh-TW" altLang="en-US" dirty="0" smtClean="0"/>
+              <a:t>三、事件類型</a:t>
+            </a:r>
+            <a:endParaRPr kumimoji="1" lang="zh-TW" altLang="en-US" dirty="0"/>
+          </a:p>
+        </p:txBody>
+      </p:sp>
+      <p:sp>
+        <p:nvSpPr>
+          <p:cNvPr id="5" name="內容版面配置區 2"/>
+          <p:cNvSpPr>
+            <a:spLocks noGrp="1"/>
+          </p:cNvSpPr>
+          <p:nvPr>
+            <p:ph idx="1"/>
+          </p:nvPr>
+        </p:nvSpPr>
+        <p:spPr>
+          <a:xfrm>
+            <a:off x="838200" y="1825625"/>
+            <a:ext cx="10515600" cy="4351338"/>
+          </a:xfrm>
+        </p:spPr>
+        <p:txBody>
+          <a:bodyPr>
+            <a:normAutofit/>
+          </a:bodyPr>
+          <a:lstStyle/>
+          <a:p>
+            <a:r>
+              <a:rPr kumimoji="1" lang="zh-TW" altLang="en-US" sz="4400" b="1" dirty="0" smtClean="0"/>
+              <a:t>事件註冊方式</a:t>
+            </a:r>
+            <a:endParaRPr kumimoji="1" lang="en-US" altLang="zh-TW" sz="4400" b="1" dirty="0" smtClean="0"/>
+          </a:p>
+          <a:p>
+            <a:pPr lvl="1"/>
+            <a:r>
+              <a:rPr kumimoji="1" lang="zh-TW" altLang="en-US" sz="4000" b="1" dirty="0" smtClean="0"/>
+              <a:t>單一註冊</a:t>
+            </a:r>
+            <a:endParaRPr kumimoji="1" lang="en-US" altLang="zh-TW" sz="4000" b="1" dirty="0" smtClean="0"/>
+          </a:p>
+          <a:p>
+            <a:pPr lvl="1"/>
+            <a:r>
+              <a:rPr kumimoji="1" lang="zh-TW" altLang="en-US" sz="4000" b="1" dirty="0" smtClean="0"/>
+              <a:t>多重註冊</a:t>
+            </a:r>
+            <a:endParaRPr kumimoji="1" lang="en-US" altLang="zh-TW" sz="4000" b="1" dirty="0" smtClean="0"/>
+          </a:p>
+          <a:p>
+            <a:r>
+              <a:rPr kumimoji="1" lang="en-US" altLang="zh-TW" sz="4400" b="1" dirty="0" smtClean="0">
+                <a:solidFill>
+                  <a:srgbClr val="FF0000"/>
+                </a:solidFill>
+              </a:rPr>
+              <a:t>Section3</a:t>
+            </a:r>
+            <a:r>
+              <a:rPr kumimoji="1" lang="zh-TW" altLang="en-US" sz="4400" b="1" dirty="0" smtClean="0">
+                <a:solidFill>
+                  <a:srgbClr val="FF0000"/>
+                </a:solidFill>
+              </a:rPr>
+              <a:t> </a:t>
+            </a:r>
+            <a:r>
+              <a:rPr kumimoji="1" lang="en-US" altLang="zh-TW" sz="4400" b="1" dirty="0" smtClean="0">
+                <a:solidFill>
+                  <a:srgbClr val="FF0000"/>
+                </a:solidFill>
+              </a:rPr>
+              <a:t>Hands</a:t>
+            </a:r>
+            <a:r>
+              <a:rPr kumimoji="1" lang="zh-TW" altLang="en-US" sz="4400" b="1" dirty="0" smtClean="0">
+                <a:solidFill>
+                  <a:srgbClr val="FF0000"/>
+                </a:solidFill>
+              </a:rPr>
+              <a:t> </a:t>
+            </a:r>
+            <a:r>
+              <a:rPr kumimoji="1" lang="en-US" altLang="zh-TW" sz="4400" b="1" dirty="0" smtClean="0">
+                <a:solidFill>
+                  <a:srgbClr val="FF0000"/>
+                </a:solidFill>
+              </a:rPr>
+              <a:t>On</a:t>
+            </a:r>
+          </a:p>
+        </p:txBody>
+      </p:sp>
+    </p:spTree>
+    <p:extLst>
+      <p:ext uri="{BB962C8B-B14F-4D97-AF65-F5344CB8AC3E}">
+        <p14:creationId xmlns:p14="http://schemas.microsoft.com/office/powerpoint/2010/main" val="1578044349"/>
+      </p:ext>
+    </p:extLst>
+  </p:cSld>
+  <p:clrMapOvr>
+    <a:masterClrMapping/>
+  </p:clrMapOvr>
+  <p:timing>
+    <p:tnLst>
+      <p:par>
+        <p:cTn id="1" dur="indefinite" restart="never" nodeType="tmRoot"/>
+      </p:par>
+    </p:tnLst>
+  </p:timing>
+</p:sld>
+</file>
+
+<file path=ppt/slides/slide9.xml><?xml version="1.0" encoding="utf-8"?>
 <p:sld xmlns:a="http://schemas.openxmlformats.org/drawingml/2006/main" xmlns:r="http://schemas.openxmlformats.org/officeDocument/2006/relationships" xmlns:p="http://schemas.openxmlformats.org/presentationml/2006/main">
   <p:cSld>
     <p:spTree>

--- a/jquerytutorial.pptx
+++ b/jquerytutorial.pptx
@@ -16280,7 +16280,27 @@
           <a:p>
             <a:r>
               <a:rPr kumimoji="1" lang="zh-TW" altLang="en-US" sz="4400" b="1" dirty="0" smtClean="0"/>
-              <a:t>事件註冊方式</a:t>
+              <a:t>事件註冊方式 </a:t>
+            </a:r>
+            <a:r>
+              <a:rPr kumimoji="1" lang="en-US" altLang="zh-TW" sz="4400" b="1" dirty="0" smtClean="0"/>
+              <a:t>(</a:t>
+            </a:r>
+            <a:r>
+              <a:rPr kumimoji="1" lang="zh-TW" altLang="en-US" sz="4400" b="1" dirty="0" smtClean="0"/>
+              <a:t>不支援 </a:t>
+            </a:r>
+            <a:r>
+              <a:rPr kumimoji="1" lang="en-US" altLang="zh-TW" sz="4400" b="1" dirty="0" smtClean="0"/>
+              <a:t>ID</a:t>
+            </a:r>
+            <a:r>
+              <a:rPr kumimoji="1" lang="zh-TW" altLang="en-US" sz="4400" b="1" dirty="0" smtClean="0"/>
+              <a:t> </a:t>
+            </a:r>
+            <a:r>
+              <a:rPr kumimoji="1" lang="en-US" altLang="zh-TW" sz="4400" b="1" smtClean="0"/>
+              <a:t>Selector)</a:t>
             </a:r>
             <a:endParaRPr kumimoji="1" lang="en-US" altLang="zh-TW" sz="4400" b="1" dirty="0" smtClean="0"/>
           </a:p>

--- a/jquerytutorial.pptx
+++ b/jquerytutorial.pptx
@@ -16299,10 +16299,9 @@
               <a:t> </a:t>
             </a:r>
             <a:r>
-              <a:rPr kumimoji="1" lang="en-US" altLang="zh-TW" sz="4400" b="1" smtClean="0"/>
+              <a:rPr kumimoji="1" lang="en-US" altLang="zh-TW" sz="4400" b="1" dirty="0" smtClean="0"/>
               <a:t>Selector)</a:t>
             </a:r>
-            <a:endParaRPr kumimoji="1" lang="en-US" altLang="zh-TW" sz="4400" b="1" dirty="0" smtClean="0"/>
           </a:p>
           <a:p>
             <a:pPr lvl="1"/>

--- a/jquerytutorial.pptx
+++ b/jquerytutorial.pptx
@@ -13,7 +13,8 @@
     <p:sldId id="262" r:id="rId7"/>
     <p:sldId id="263" r:id="rId8"/>
     <p:sldId id="264" r:id="rId9"/>
-    <p:sldId id="258" r:id="rId10"/>
+    <p:sldId id="265" r:id="rId10"/>
+    <p:sldId id="258" r:id="rId11"/>
   </p:sldIdLst>
   <p:sldSz cx="12192000" cy="6858000"/>
   <p:notesSz cx="6858000" cy="9144000"/>
@@ -4175,22 +4176,22 @@
     </dgm:pt>
   </dgm:ptLst>
   <dgm:cxnLst>
+    <dgm:cxn modelId="{C20C5957-6934-6946-AFF9-B0A0C0ECF6E3}" type="presOf" srcId="{E4C4CC2F-F6A7-394C-B5E8-1C5384BDB989}" destId="{D4F2AA69-3851-FC49-ACE3-BD70B1DAE1E7}" srcOrd="0" destOrd="0" presId="urn:microsoft.com/office/officeart/2005/8/layout/orgChart1"/>
     <dgm:cxn modelId="{8F2FA405-AF8F-D84F-840C-6A2BDD66AFC2}" type="presOf" srcId="{838841C7-2933-F249-A2FF-A00098A04267}" destId="{945C1E65-F4E0-DF46-9FBB-C0BC802C4590}" srcOrd="0" destOrd="0" presId="urn:microsoft.com/office/officeart/2005/8/layout/orgChart1"/>
-    <dgm:cxn modelId="{2378657F-87DD-AF46-A975-A849547FF3A8}" srcId="{3508AEB0-FE9A-1D4F-86F4-8876427F7D40}" destId="{91A0A43B-667A-6F45-845B-CC95337C31B6}" srcOrd="1" destOrd="0" parTransId="{FF7AFBB5-198B-5E43-B130-F2342CFAFDF4}" sibTransId="{AFF827AD-DEDD-094D-A713-572C2F79E922}"/>
-    <dgm:cxn modelId="{1CB77799-4778-A549-A043-D9C1DB360E4E}" srcId="{E4C4CC2F-F6A7-394C-B5E8-1C5384BDB989}" destId="{3508AEB0-FE9A-1D4F-86F4-8876427F7D40}" srcOrd="0" destOrd="0" parTransId="{269A2813-1E92-8F48-83E6-C8AFB2E8E8EB}" sibTransId="{AE291052-D4D1-3940-AA39-194F0F786E6F}"/>
-    <dgm:cxn modelId="{887945C8-ADF8-8A4F-827B-5AA66C24A48E}" type="presOf" srcId="{4E158C13-669D-9044-9FFF-00076ACA3C72}" destId="{6EE4A430-4360-C944-8418-82DED00309BC}" srcOrd="1" destOrd="0" presId="urn:microsoft.com/office/officeart/2005/8/layout/orgChart1"/>
-    <dgm:cxn modelId="{4509CA39-A133-894A-9929-E42065888097}" srcId="{3508AEB0-FE9A-1D4F-86F4-8876427F7D40}" destId="{CD9EE388-7219-664F-84F1-AD7E9A318605}" srcOrd="0" destOrd="0" parTransId="{1E0A919C-E1F3-8C4F-B2C9-9D77A984CE7E}" sibTransId="{1EE838BF-D4F2-8149-A0FA-1B9C34EC4433}"/>
-    <dgm:cxn modelId="{C20C5957-6934-6946-AFF9-B0A0C0ECF6E3}" type="presOf" srcId="{E4C4CC2F-F6A7-394C-B5E8-1C5384BDB989}" destId="{D4F2AA69-3851-FC49-ACE3-BD70B1DAE1E7}" srcOrd="0" destOrd="0" presId="urn:microsoft.com/office/officeart/2005/8/layout/orgChart1"/>
-    <dgm:cxn modelId="{66BA0E54-5B02-544F-AE50-78C0B69AA9C9}" type="presOf" srcId="{CD9EE388-7219-664F-84F1-AD7E9A318605}" destId="{47354800-F961-E940-A917-978711E90772}" srcOrd="1" destOrd="0" presId="urn:microsoft.com/office/officeart/2005/8/layout/orgChart1"/>
-    <dgm:cxn modelId="{58DB1D3C-D541-624F-B229-E96303399EBB}" type="presOf" srcId="{4E158C13-669D-9044-9FFF-00076ACA3C72}" destId="{86DC5E27-C6A6-6A43-B761-BD082EA2D0BC}" srcOrd="0" destOrd="0" presId="urn:microsoft.com/office/officeart/2005/8/layout/orgChart1"/>
-    <dgm:cxn modelId="{9B8E6CD0-1194-BF45-89AF-26633FA70D99}" type="presOf" srcId="{FF7AFBB5-198B-5E43-B130-F2342CFAFDF4}" destId="{1180A75B-B978-C341-822F-79E7EAF44E9A}" srcOrd="0" destOrd="0" presId="urn:microsoft.com/office/officeart/2005/8/layout/orgChart1"/>
-    <dgm:cxn modelId="{A283E344-BA10-A540-82E8-CB02A184C982}" type="presOf" srcId="{1E0A919C-E1F3-8C4F-B2C9-9D77A984CE7E}" destId="{4EABEFEC-7695-3B45-A88F-E2BEB53EDCFE}" srcOrd="0" destOrd="0" presId="urn:microsoft.com/office/officeart/2005/8/layout/orgChart1"/>
+    <dgm:cxn modelId="{0257244D-D76C-774F-9EF7-FD2D7E65750A}" type="presOf" srcId="{3508AEB0-FE9A-1D4F-86F4-8876427F7D40}" destId="{DE6AD4C7-9861-8346-B79F-14A60C030635}" srcOrd="1" destOrd="0" presId="urn:microsoft.com/office/officeart/2005/8/layout/orgChart1"/>
     <dgm:cxn modelId="{5E50DCC6-2B0E-9A4A-821D-4CFCC748E747}" type="presOf" srcId="{3508AEB0-FE9A-1D4F-86F4-8876427F7D40}" destId="{692E464D-A5B7-014B-8D6B-92C9514B3DDD}" srcOrd="0" destOrd="0" presId="urn:microsoft.com/office/officeart/2005/8/layout/orgChart1"/>
     <dgm:cxn modelId="{57ED55BF-B3A5-6C45-93D9-B2335F76345D}" srcId="{CD9EE388-7219-664F-84F1-AD7E9A318605}" destId="{4E158C13-669D-9044-9FFF-00076ACA3C72}" srcOrd="0" destOrd="0" parTransId="{838841C7-2933-F249-A2FF-A00098A04267}" sibTransId="{0E3D2A80-E704-BF40-954C-23C5699D1551}"/>
+    <dgm:cxn modelId="{A283E344-BA10-A540-82E8-CB02A184C982}" type="presOf" srcId="{1E0A919C-E1F3-8C4F-B2C9-9D77A984CE7E}" destId="{4EABEFEC-7695-3B45-A88F-E2BEB53EDCFE}" srcOrd="0" destOrd="0" presId="urn:microsoft.com/office/officeart/2005/8/layout/orgChart1"/>
+    <dgm:cxn modelId="{58DB1D3C-D541-624F-B229-E96303399EBB}" type="presOf" srcId="{4E158C13-669D-9044-9FFF-00076ACA3C72}" destId="{86DC5E27-C6A6-6A43-B761-BD082EA2D0BC}" srcOrd="0" destOrd="0" presId="urn:microsoft.com/office/officeart/2005/8/layout/orgChart1"/>
+    <dgm:cxn modelId="{2378657F-87DD-AF46-A975-A849547FF3A8}" srcId="{3508AEB0-FE9A-1D4F-86F4-8876427F7D40}" destId="{91A0A43B-667A-6F45-845B-CC95337C31B6}" srcOrd="1" destOrd="0" parTransId="{FF7AFBB5-198B-5E43-B130-F2342CFAFDF4}" sibTransId="{AFF827AD-DEDD-094D-A713-572C2F79E922}"/>
     <dgm:cxn modelId="{09B75C84-E3AA-9F4F-BB7D-97415FEDA9B6}" type="presOf" srcId="{91A0A43B-667A-6F45-845B-CC95337C31B6}" destId="{03D57D47-DCC3-EF45-A0D2-9EC7B65C0178}" srcOrd="1" destOrd="0" presId="urn:microsoft.com/office/officeart/2005/8/layout/orgChart1"/>
-    <dgm:cxn modelId="{0257244D-D76C-774F-9EF7-FD2D7E65750A}" type="presOf" srcId="{3508AEB0-FE9A-1D4F-86F4-8876427F7D40}" destId="{DE6AD4C7-9861-8346-B79F-14A60C030635}" srcOrd="1" destOrd="0" presId="urn:microsoft.com/office/officeart/2005/8/layout/orgChart1"/>
+    <dgm:cxn modelId="{0516ACB1-15FA-1D41-9F5E-2A9D10B33D1A}" type="presOf" srcId="{91A0A43B-667A-6F45-845B-CC95337C31B6}" destId="{98757D78-FC82-1344-8A46-DE02A9AAB254}" srcOrd="0" destOrd="0" presId="urn:microsoft.com/office/officeart/2005/8/layout/orgChart1"/>
     <dgm:cxn modelId="{00B9855E-65D4-7B45-BADD-85C9B2933728}" type="presOf" srcId="{CD9EE388-7219-664F-84F1-AD7E9A318605}" destId="{64E78AB6-D812-EA47-ABAD-A01EE8DB5658}" srcOrd="0" destOrd="0" presId="urn:microsoft.com/office/officeart/2005/8/layout/orgChart1"/>
-    <dgm:cxn modelId="{0516ACB1-15FA-1D41-9F5E-2A9D10B33D1A}" type="presOf" srcId="{91A0A43B-667A-6F45-845B-CC95337C31B6}" destId="{98757D78-FC82-1344-8A46-DE02A9AAB254}" srcOrd="0" destOrd="0" presId="urn:microsoft.com/office/officeart/2005/8/layout/orgChart1"/>
+    <dgm:cxn modelId="{887945C8-ADF8-8A4F-827B-5AA66C24A48E}" type="presOf" srcId="{4E158C13-669D-9044-9FFF-00076ACA3C72}" destId="{6EE4A430-4360-C944-8418-82DED00309BC}" srcOrd="1" destOrd="0" presId="urn:microsoft.com/office/officeart/2005/8/layout/orgChart1"/>
+    <dgm:cxn modelId="{1CB77799-4778-A549-A043-D9C1DB360E4E}" srcId="{E4C4CC2F-F6A7-394C-B5E8-1C5384BDB989}" destId="{3508AEB0-FE9A-1D4F-86F4-8876427F7D40}" srcOrd="0" destOrd="0" parTransId="{269A2813-1E92-8F48-83E6-C8AFB2E8E8EB}" sibTransId="{AE291052-D4D1-3940-AA39-194F0F786E6F}"/>
+    <dgm:cxn modelId="{66BA0E54-5B02-544F-AE50-78C0B69AA9C9}" type="presOf" srcId="{CD9EE388-7219-664F-84F1-AD7E9A318605}" destId="{47354800-F961-E940-A917-978711E90772}" srcOrd="1" destOrd="0" presId="urn:microsoft.com/office/officeart/2005/8/layout/orgChart1"/>
+    <dgm:cxn modelId="{4509CA39-A133-894A-9929-E42065888097}" srcId="{3508AEB0-FE9A-1D4F-86F4-8876427F7D40}" destId="{CD9EE388-7219-664F-84F1-AD7E9A318605}" srcOrd="0" destOrd="0" parTransId="{1E0A919C-E1F3-8C4F-B2C9-9D77A984CE7E}" sibTransId="{1EE838BF-D4F2-8149-A0FA-1B9C34EC4433}"/>
+    <dgm:cxn modelId="{9B8E6CD0-1194-BF45-89AF-26633FA70D99}" type="presOf" srcId="{FF7AFBB5-198B-5E43-B130-F2342CFAFDF4}" destId="{1180A75B-B978-C341-822F-79E7EAF44E9A}" srcOrd="0" destOrd="0" presId="urn:microsoft.com/office/officeart/2005/8/layout/orgChart1"/>
     <dgm:cxn modelId="{F92FF163-BE0C-D74D-B2C4-E5D3D3C16A11}" type="presParOf" srcId="{D4F2AA69-3851-FC49-ACE3-BD70B1DAE1E7}" destId="{005354CA-B6AF-7E45-A9E8-C6A707894EEA}" srcOrd="0" destOrd="0" presId="urn:microsoft.com/office/officeart/2005/8/layout/orgChart1"/>
     <dgm:cxn modelId="{52559D00-E599-E244-BA5D-E6C1FF80D79C}" type="presParOf" srcId="{005354CA-B6AF-7E45-A9E8-C6A707894EEA}" destId="{80675D6B-96DA-1B42-80C5-98DC673C026E}" srcOrd="0" destOrd="0" presId="urn:microsoft.com/office/officeart/2005/8/layout/orgChart1"/>
     <dgm:cxn modelId="{F8D804A8-C1F1-2B41-B59E-7B25750A9C4E}" type="presParOf" srcId="{80675D6B-96DA-1B42-80C5-98DC673C026E}" destId="{692E464D-A5B7-014B-8D6B-92C9514B3DDD}" srcOrd="0" destOrd="0" presId="urn:microsoft.com/office/officeart/2005/8/layout/orgChart1"/>
@@ -4474,6 +4475,13 @@
         </dgm:presLayoutVars>
       </dgm:prSet>
       <dgm:spPr/>
+      <dgm:t>
+        <a:bodyPr/>
+        <a:lstStyle/>
+        <a:p>
+          <a:endParaRPr lang="zh-TW" altLang="en-US"/>
+        </a:p>
+      </dgm:t>
     </dgm:pt>
     <dgm:pt modelId="{1611007A-6C8D-A64F-92A5-CCB34E015551}" type="pres">
       <dgm:prSet presAssocID="{8DC90EA7-D6DE-254D-8A2E-A8E1742B6FD7}" presName="parentLin" presStyleCnt="0"/>
@@ -4482,6 +4490,13 @@
     <dgm:pt modelId="{2D6F919E-A0BA-7849-BA2F-EFFAA73056D3}" type="pres">
       <dgm:prSet presAssocID="{8DC90EA7-D6DE-254D-8A2E-A8E1742B6FD7}" presName="parentLeftMargin" presStyleLbl="node1" presStyleIdx="0" presStyleCnt="4"/>
       <dgm:spPr/>
+      <dgm:t>
+        <a:bodyPr/>
+        <a:lstStyle/>
+        <a:p>
+          <a:endParaRPr lang="zh-TW" altLang="en-US"/>
+        </a:p>
+      </dgm:t>
     </dgm:pt>
     <dgm:pt modelId="{23A9D41C-B109-FE41-8ACE-0282DA397AF7}" type="pres">
       <dgm:prSet presAssocID="{8DC90EA7-D6DE-254D-8A2E-A8E1742B6FD7}" presName="parentText" presStyleLbl="node1" presStyleIdx="0" presStyleCnt="4">
@@ -4522,6 +4537,13 @@
     <dgm:pt modelId="{9A2E53F5-3248-BB4D-9B11-8E77F19AADFB}" type="pres">
       <dgm:prSet presAssocID="{0067259C-21F3-B043-9141-94B17CDE3244}" presName="parentLeftMargin" presStyleLbl="node1" presStyleIdx="0" presStyleCnt="4"/>
       <dgm:spPr/>
+      <dgm:t>
+        <a:bodyPr/>
+        <a:lstStyle/>
+        <a:p>
+          <a:endParaRPr lang="zh-TW" altLang="en-US"/>
+        </a:p>
+      </dgm:t>
     </dgm:pt>
     <dgm:pt modelId="{1488148C-4C11-8C45-94C6-1E7CFF1D5123}" type="pres">
       <dgm:prSet presAssocID="{0067259C-21F3-B043-9141-94B17CDE3244}" presName="parentText" presStyleLbl="node1" presStyleIdx="1" presStyleCnt="4">
@@ -4562,6 +4584,13 @@
     <dgm:pt modelId="{C7F77AAA-45FF-B644-8B1E-4AD45FB9B123}" type="pres">
       <dgm:prSet presAssocID="{B3B6766E-1E1A-FC4D-86B3-429C787DF509}" presName="parentLeftMargin" presStyleLbl="node1" presStyleIdx="1" presStyleCnt="4"/>
       <dgm:spPr/>
+      <dgm:t>
+        <a:bodyPr/>
+        <a:lstStyle/>
+        <a:p>
+          <a:endParaRPr lang="zh-TW" altLang="en-US"/>
+        </a:p>
+      </dgm:t>
     </dgm:pt>
     <dgm:pt modelId="{9840C5E5-BFF7-E04C-8B60-30189D3ADF0D}" type="pres">
       <dgm:prSet presAssocID="{B3B6766E-1E1A-FC4D-86B3-429C787DF509}" presName="parentText" presStyleLbl="node1" presStyleIdx="2" presStyleCnt="4">
@@ -4602,6 +4631,13 @@
     <dgm:pt modelId="{5C20F24C-38DB-7947-AB4E-EC9932FDFB46}" type="pres">
       <dgm:prSet presAssocID="{D97BF9F7-34E6-5A41-8EBC-0CB660FB42A5}" presName="parentLeftMargin" presStyleLbl="node1" presStyleIdx="2" presStyleCnt="4"/>
       <dgm:spPr/>
+      <dgm:t>
+        <a:bodyPr/>
+        <a:lstStyle/>
+        <a:p>
+          <a:endParaRPr lang="zh-TW" altLang="en-US"/>
+        </a:p>
+      </dgm:t>
     </dgm:pt>
     <dgm:pt modelId="{866CDAC6-6737-5644-BDF5-BCEC26BEE0B9}" type="pres">
       <dgm:prSet presAssocID="{D97BF9F7-34E6-5A41-8EBC-0CB660FB42A5}" presName="parentText" presStyleLbl="node1" presStyleIdx="3" presStyleCnt="4">
@@ -12123,7 +12159,7 @@
           <a:p>
             <a:fld id="{307D1665-0D9C-7246-B2C2-71A524F7960F}" type="datetimeFigureOut">
               <a:rPr kumimoji="1" lang="zh-TW" altLang="en-US" smtClean="0"/>
-              <a:t>2017/7/30</a:t>
+              <a:t>2017/7/31</a:t>
             </a:fld>
             <a:endParaRPr kumimoji="1" lang="zh-TW" altLang="en-US"/>
           </a:p>
@@ -12293,7 +12329,7 @@
           <a:p>
             <a:fld id="{307D1665-0D9C-7246-B2C2-71A524F7960F}" type="datetimeFigureOut">
               <a:rPr kumimoji="1" lang="zh-TW" altLang="en-US" smtClean="0"/>
-              <a:t>2017/7/30</a:t>
+              <a:t>2017/7/31</a:t>
             </a:fld>
             <a:endParaRPr kumimoji="1" lang="zh-TW" altLang="en-US"/>
           </a:p>
@@ -12473,7 +12509,7 @@
           <a:p>
             <a:fld id="{307D1665-0D9C-7246-B2C2-71A524F7960F}" type="datetimeFigureOut">
               <a:rPr kumimoji="1" lang="zh-TW" altLang="en-US" smtClean="0"/>
-              <a:t>2017/7/30</a:t>
+              <a:t>2017/7/31</a:t>
             </a:fld>
             <a:endParaRPr kumimoji="1" lang="zh-TW" altLang="en-US"/>
           </a:p>
@@ -12643,7 +12679,7 @@
           <a:p>
             <a:fld id="{307D1665-0D9C-7246-B2C2-71A524F7960F}" type="datetimeFigureOut">
               <a:rPr kumimoji="1" lang="zh-TW" altLang="en-US" smtClean="0"/>
-              <a:t>2017/7/30</a:t>
+              <a:t>2017/7/31</a:t>
             </a:fld>
             <a:endParaRPr kumimoji="1" lang="zh-TW" altLang="en-US"/>
           </a:p>
@@ -12896,7 +12932,7 @@
           <a:p>
             <a:fld id="{307D1665-0D9C-7246-B2C2-71A524F7960F}" type="datetimeFigureOut">
               <a:rPr kumimoji="1" lang="zh-TW" altLang="en-US" smtClean="0"/>
-              <a:t>2017/7/30</a:t>
+              <a:t>2017/7/31</a:t>
             </a:fld>
             <a:endParaRPr kumimoji="1" lang="zh-TW" altLang="en-US"/>
           </a:p>
@@ -13128,7 +13164,7 @@
           <a:p>
             <a:fld id="{307D1665-0D9C-7246-B2C2-71A524F7960F}" type="datetimeFigureOut">
               <a:rPr kumimoji="1" lang="zh-TW" altLang="en-US" smtClean="0"/>
-              <a:t>2017/7/30</a:t>
+              <a:t>2017/7/31</a:t>
             </a:fld>
             <a:endParaRPr kumimoji="1" lang="zh-TW" altLang="en-US"/>
           </a:p>
@@ -13495,7 +13531,7 @@
           <a:p>
             <a:fld id="{307D1665-0D9C-7246-B2C2-71A524F7960F}" type="datetimeFigureOut">
               <a:rPr kumimoji="1" lang="zh-TW" altLang="en-US" smtClean="0"/>
-              <a:t>2017/7/30</a:t>
+              <a:t>2017/7/31</a:t>
             </a:fld>
             <a:endParaRPr kumimoji="1" lang="zh-TW" altLang="en-US"/>
           </a:p>
@@ -13613,7 +13649,7 @@
           <a:p>
             <a:fld id="{307D1665-0D9C-7246-B2C2-71A524F7960F}" type="datetimeFigureOut">
               <a:rPr kumimoji="1" lang="zh-TW" altLang="en-US" smtClean="0"/>
-              <a:t>2017/7/30</a:t>
+              <a:t>2017/7/31</a:t>
             </a:fld>
             <a:endParaRPr kumimoji="1" lang="zh-TW" altLang="en-US"/>
           </a:p>
@@ -13708,7 +13744,7 @@
           <a:p>
             <a:fld id="{307D1665-0D9C-7246-B2C2-71A524F7960F}" type="datetimeFigureOut">
               <a:rPr kumimoji="1" lang="zh-TW" altLang="en-US" smtClean="0"/>
-              <a:t>2017/7/30</a:t>
+              <a:t>2017/7/31</a:t>
             </a:fld>
             <a:endParaRPr kumimoji="1" lang="zh-TW" altLang="en-US"/>
           </a:p>
@@ -13985,7 +14021,7 @@
           <a:p>
             <a:fld id="{307D1665-0D9C-7246-B2C2-71A524F7960F}" type="datetimeFigureOut">
               <a:rPr kumimoji="1" lang="zh-TW" altLang="en-US" smtClean="0"/>
-              <a:t>2017/7/30</a:t>
+              <a:t>2017/7/31</a:t>
             </a:fld>
             <a:endParaRPr kumimoji="1" lang="zh-TW" altLang="en-US"/>
           </a:p>
@@ -14238,7 +14274,7 @@
           <a:p>
             <a:fld id="{307D1665-0D9C-7246-B2C2-71A524F7960F}" type="datetimeFigureOut">
               <a:rPr kumimoji="1" lang="zh-TW" altLang="en-US" smtClean="0"/>
-              <a:t>2017/7/30</a:t>
+              <a:t>2017/7/31</a:t>
             </a:fld>
             <a:endParaRPr kumimoji="1" lang="zh-TW" altLang="en-US"/>
           </a:p>
@@ -14451,7 +14487,7 @@
           <a:p>
             <a:fld id="{307D1665-0D9C-7246-B2C2-71A524F7960F}" type="datetimeFigureOut">
               <a:rPr kumimoji="1" lang="zh-TW" altLang="en-US" smtClean="0"/>
-              <a:t>2017/7/30</a:t>
+              <a:t>2017/7/31</a:t>
             </a:fld>
             <a:endParaRPr kumimoji="1" lang="zh-TW" altLang="en-US"/>
           </a:p>
@@ -14921,6 +14957,158 @@
 </p:sld>
 </file>
 
+<file path=ppt/slides/slide10.xml><?xml version="1.0" encoding="utf-8"?>
+<p:sld xmlns:a="http://schemas.openxmlformats.org/drawingml/2006/main" xmlns:r="http://schemas.openxmlformats.org/officeDocument/2006/relationships" xmlns:p="http://schemas.openxmlformats.org/presentationml/2006/main">
+  <p:cSld>
+    <p:spTree>
+      <p:nvGrpSpPr>
+        <p:cNvPr id="1" name=""/>
+        <p:cNvGrpSpPr/>
+        <p:nvPr/>
+      </p:nvGrpSpPr>
+      <p:grpSpPr>
+        <a:xfrm>
+          <a:off x="0" y="0"/>
+          <a:ext cx="0" cy="0"/>
+          <a:chOff x="0" y="0"/>
+          <a:chExt cx="0" cy="0"/>
+        </a:xfrm>
+      </p:grpSpPr>
+      <p:sp>
+        <p:nvSpPr>
+          <p:cNvPr id="2" name="標題 1"/>
+          <p:cNvSpPr>
+            <a:spLocks noGrp="1"/>
+          </p:cNvSpPr>
+          <p:nvPr>
+            <p:ph type="title"/>
+          </p:nvPr>
+        </p:nvSpPr>
+        <p:spPr/>
+        <p:txBody>
+          <a:bodyPr>
+            <a:normAutofit/>
+          </a:bodyPr>
+          <a:lstStyle/>
+          <a:p>
+            <a:r>
+              <a:rPr kumimoji="1" lang="zh-TW" altLang="en-US" sz="5400" b="1" smtClean="0">
+                <a:latin typeface="Microsoft JhengHei" charset="-120"/>
+                <a:ea typeface="Microsoft JhengHei" charset="-120"/>
+                <a:cs typeface="Microsoft JhengHei" charset="-120"/>
+              </a:rPr>
+              <a:t>參考資料</a:t>
+            </a:r>
+            <a:endParaRPr kumimoji="1" lang="zh-TW" altLang="en-US" sz="5400" b="1">
+              <a:latin typeface="Microsoft JhengHei" charset="-120"/>
+              <a:ea typeface="Microsoft JhengHei" charset="-120"/>
+              <a:cs typeface="Microsoft JhengHei" charset="-120"/>
+            </a:endParaRPr>
+          </a:p>
+        </p:txBody>
+      </p:sp>
+      <p:sp>
+        <p:nvSpPr>
+          <p:cNvPr id="3" name="內容版面配置區 2"/>
+          <p:cNvSpPr>
+            <a:spLocks noGrp="1"/>
+          </p:cNvSpPr>
+          <p:nvPr>
+            <p:ph idx="1"/>
+          </p:nvPr>
+        </p:nvSpPr>
+        <p:spPr>
+          <a:xfrm>
+            <a:off x="838199" y="1825625"/>
+            <a:ext cx="11024937" cy="4351338"/>
+          </a:xfrm>
+        </p:spPr>
+        <p:txBody>
+          <a:bodyPr/>
+          <a:lstStyle/>
+          <a:p>
+            <a:r>
+              <a:rPr kumimoji="1" lang="en-US" altLang="zh-TW" dirty="0" smtClean="0"/>
+              <a:t>W3School</a:t>
+            </a:r>
+            <a:r>
+              <a:rPr kumimoji="1" lang="zh-TW" altLang="en-US" dirty="0" smtClean="0"/>
+              <a:t> </a:t>
+            </a:r>
+            <a:r>
+              <a:rPr kumimoji="1" lang="mr-IN" altLang="zh-TW" dirty="0" smtClean="0"/>
+              <a:t>–</a:t>
+            </a:r>
+            <a:r>
+              <a:rPr kumimoji="1" lang="zh-TW" altLang="en-US" dirty="0" smtClean="0"/>
+              <a:t> </a:t>
+            </a:r>
+            <a:r>
+              <a:rPr kumimoji="1" lang="en-US" altLang="zh-TW" dirty="0" smtClean="0"/>
+              <a:t>jQuery</a:t>
+            </a:r>
+            <a:br>
+              <a:rPr kumimoji="1" lang="en-US" altLang="zh-TW" dirty="0" smtClean="0"/>
+            </a:br>
+            <a:r>
+              <a:rPr kumimoji="1" lang="en-US" altLang="zh-TW" dirty="0" smtClean="0"/>
+              <a:t>	</a:t>
+            </a:r>
+            <a:r>
+              <a:rPr kumimoji="1" lang="en-US" altLang="zh-TW" dirty="0" smtClean="0">
+                <a:hlinkClick r:id="rId2"/>
+              </a:rPr>
+              <a:t>https://www.w3schools.com/jquery/default.asp</a:t>
+            </a:r>
+            <a:endParaRPr kumimoji="1" lang="en-US" altLang="zh-TW" dirty="0" smtClean="0"/>
+          </a:p>
+          <a:p>
+            <a:r>
+              <a:rPr kumimoji="1" lang="en-US" altLang="zh-TW" dirty="0" smtClean="0"/>
+              <a:t>DOM</a:t>
+            </a:r>
+            <a:r>
+              <a:rPr kumimoji="1" lang="zh-TW" altLang="en-US" dirty="0" smtClean="0"/>
+              <a:t>簡介</a:t>
+            </a:r>
+            <a:endParaRPr kumimoji="1" lang="en-US" altLang="zh-TW" dirty="0" smtClean="0"/>
+          </a:p>
+          <a:p>
+            <a:pPr lvl="1"/>
+            <a:r>
+              <a:rPr kumimoji="1" lang="en-US" altLang="zh-TW" dirty="0" smtClean="0">
+                <a:hlinkClick r:id="rId3"/>
+              </a:rPr>
+              <a:t>https://developer.mozilla.org/zh-TW/docs/Web/API/Document_Object_Model</a:t>
+            </a:r>
+            <a:endParaRPr kumimoji="1" lang="en-US" altLang="zh-TW" dirty="0" smtClean="0"/>
+          </a:p>
+          <a:p>
+            <a:pPr lvl="1"/>
+            <a:endParaRPr kumimoji="1" lang="zh-TW" altLang="en-US" dirty="0"/>
+          </a:p>
+        </p:txBody>
+      </p:sp>
+    </p:spTree>
+    <p:extLst>
+      <p:ext uri="{BB962C8B-B14F-4D97-AF65-F5344CB8AC3E}">
+        <p14:creationId xmlns:p14="http://schemas.microsoft.com/office/powerpoint/2010/main" val="1528673010"/>
+      </p:ext>
+    </p:extLst>
+  </p:cSld>
+  <p:clrMapOvr>
+    <a:masterClrMapping/>
+  </p:clrMapOvr>
+  <p:timing>
+    <p:tnLst>
+      <p:par>
+        <p:cTn id="1" dur="indefinite" restart="never" nodeType="tmRoot"/>
+      </p:par>
+    </p:tnLst>
+  </p:timing>
+</p:sld>
+</file>
+
 <file path=ppt/slides/slide2.xml><?xml version="1.0" encoding="utf-8"?>
 <p:sld xmlns:a="http://schemas.openxmlformats.org/drawingml/2006/main" xmlns:r="http://schemas.openxmlformats.org/officeDocument/2006/relationships" xmlns:p="http://schemas.openxmlformats.org/presentationml/2006/main">
   <p:cSld>
@@ -15099,11 +15287,7 @@
             </a:r>
             <a:r>
               <a:rPr kumimoji="1" lang="zh-TW" altLang="en-US" dirty="0" smtClean="0"/>
-              <a:t>的</a:t>
-            </a:r>
-            <a:r>
-              <a:rPr kumimoji="1" lang="zh-TW" altLang="en-US" dirty="0" smtClean="0"/>
-              <a:t>物件 </a:t>
+              <a:t>的物件 </a:t>
             </a:r>
             <a:r>
               <a:rPr kumimoji="1" lang="en-US" altLang="zh-TW" dirty="0" smtClean="0"/>
@@ -15119,11 +15303,7 @@
             </a:r>
             <a:r>
               <a:rPr kumimoji="1" lang="zh-TW" altLang="en-US" dirty="0" smtClean="0"/>
-              <a:t> 所</a:t>
-            </a:r>
-            <a:r>
-              <a:rPr kumimoji="1" lang="zh-TW" altLang="en-US" dirty="0" smtClean="0"/>
-              <a:t>組成</a:t>
+              <a:t> 所組成</a:t>
             </a:r>
             <a:endParaRPr kumimoji="1" lang="en-US" altLang="zh-TW" dirty="0" smtClean="0"/>
           </a:p>
@@ -15652,7 +15832,6 @@
               <a:rPr kumimoji="1" lang="en-US" altLang="zh-TW" sz="4000" dirty="0" smtClean="0"/>
               <a:t>)</a:t>
             </a:r>
-            <a:endParaRPr kumimoji="1" lang="en-US" altLang="zh-TW" sz="4000" dirty="0" smtClean="0"/>
           </a:p>
           <a:p>
             <a:pPr lvl="1"/>
@@ -16412,24 +16591,14 @@
         </p:nvSpPr>
         <p:spPr/>
         <p:txBody>
-          <a:bodyPr>
-            <a:normAutofit/>
-          </a:bodyPr>
+          <a:bodyPr/>
           <a:lstStyle/>
           <a:p>
             <a:r>
-              <a:rPr kumimoji="1" lang="zh-TW" altLang="en-US" sz="5400" b="1" smtClean="0">
-                <a:latin typeface="Microsoft JhengHei" charset="-120"/>
-                <a:ea typeface="Microsoft JhengHei" charset="-120"/>
-                <a:cs typeface="Microsoft JhengHei" charset="-120"/>
-              </a:rPr>
-              <a:t>參考資料</a:t>
-            </a:r>
-            <a:endParaRPr kumimoji="1" lang="zh-TW" altLang="en-US" sz="5400" b="1">
-              <a:latin typeface="Microsoft JhengHei" charset="-120"/>
-              <a:ea typeface="Microsoft JhengHei" charset="-120"/>
-              <a:cs typeface="Microsoft JhengHei" charset="-120"/>
-            </a:endParaRPr>
+              <a:rPr kumimoji="1" lang="en-US" altLang="zh-TW" dirty="0" err="1" smtClean="0"/>
+              <a:t>HomeWork</a:t>
+            </a:r>
+            <a:endParaRPr kumimoji="1" lang="zh-TW" altLang="en-US" dirty="0"/>
           </a:p>
         </p:txBody>
       </p:sp>
@@ -16445,8 +16614,8 @@
         </p:nvSpPr>
         <p:spPr>
           <a:xfrm>
-            <a:off x="838199" y="1825625"/>
-            <a:ext cx="11024937" cy="4351338"/>
+            <a:off x="693821" y="1512804"/>
+            <a:ext cx="10515600" cy="4351338"/>
           </a:xfrm>
         </p:spPr>
         <p:txBody>
@@ -16454,84 +16623,198 @@
           <a:lstStyle/>
           <a:p>
             <a:r>
-              <a:rPr kumimoji="1" lang="en-US" altLang="zh-TW" dirty="0" smtClean="0"/>
-              <a:t>W3School</a:t>
-            </a:r>
-            <a:r>
-              <a:rPr kumimoji="1" lang="zh-TW" altLang="en-US" dirty="0" smtClean="0"/>
-              <a:t> </a:t>
-            </a:r>
-            <a:r>
-              <a:rPr kumimoji="1" lang="mr-IN" altLang="zh-TW" dirty="0" smtClean="0"/>
-              <a:t>–</a:t>
-            </a:r>
-            <a:r>
-              <a:rPr kumimoji="1" lang="zh-TW" altLang="en-US" dirty="0" smtClean="0"/>
-              <a:t> </a:t>
-            </a:r>
-            <a:r>
-              <a:rPr kumimoji="1" lang="en-US" altLang="zh-TW" dirty="0" smtClean="0"/>
-              <a:t>jQuery</a:t>
-            </a:r>
-            <a:br>
-              <a:rPr kumimoji="1" lang="en-US" altLang="zh-TW" dirty="0" smtClean="0"/>
-            </a:br>
-            <a:r>
-              <a:rPr kumimoji="1" lang="en-US" altLang="zh-TW" dirty="0" smtClean="0"/>
-              <a:t>	</a:t>
-            </a:r>
-            <a:r>
-              <a:rPr kumimoji="1" lang="en-US" altLang="zh-TW" dirty="0" smtClean="0">
-                <a:hlinkClick r:id="rId2"/>
-              </a:rPr>
-              <a:t>https://www.w3schools.com/jquery/default.asp</a:t>
-            </a:r>
-            <a:endParaRPr kumimoji="1" lang="en-US" altLang="zh-TW" dirty="0" smtClean="0"/>
-          </a:p>
-          <a:p>
-            <a:r>
-              <a:rPr kumimoji="1" lang="en-US" altLang="zh-TW" dirty="0" smtClean="0"/>
-              <a:t>DOM</a:t>
-            </a:r>
-            <a:r>
-              <a:rPr kumimoji="1" lang="zh-TW" altLang="en-US" dirty="0" smtClean="0"/>
-              <a:t>簡介</a:t>
-            </a:r>
-            <a:endParaRPr kumimoji="1" lang="en-US" altLang="zh-TW" dirty="0" smtClean="0"/>
+              <a:rPr lang="zh-TW" altLang="en-US" dirty="0"/>
+              <a:t>建立一個表單，裡面有二個輸入選項，分別為</a:t>
+            </a:r>
+            <a:r>
+              <a:rPr lang="en-US" altLang="zh-TW" dirty="0"/>
+              <a:t>Name</a:t>
+            </a:r>
+            <a:r>
+              <a:rPr lang="zh-TW" altLang="en-US" dirty="0"/>
+              <a:t>和</a:t>
+            </a:r>
+            <a:r>
+              <a:rPr lang="en-US" altLang="zh-TW" dirty="0"/>
+              <a:t>Email</a:t>
+            </a:r>
+            <a:r>
+              <a:rPr lang="zh-TW" altLang="en-US" dirty="0"/>
+              <a:t>，以及一個</a:t>
+            </a:r>
+            <a:r>
+              <a:rPr lang="en-US" altLang="zh-TW" dirty="0"/>
+              <a:t>P tag</a:t>
+            </a:r>
+            <a:r>
+              <a:rPr lang="zh-TW" altLang="en-US" dirty="0"/>
+              <a:t>和一個</a:t>
+            </a:r>
+            <a:r>
+              <a:rPr lang="en-US" altLang="zh-TW" dirty="0"/>
+              <a:t>button</a:t>
+            </a:r>
+            <a:r>
+              <a:rPr lang="zh-TW" altLang="en-US" dirty="0"/>
+              <a:t>，然後，這個</a:t>
+            </a:r>
+            <a:r>
+              <a:rPr lang="en-US" altLang="zh-TW" dirty="0"/>
+              <a:t>button</a:t>
+            </a:r>
+            <a:r>
+              <a:rPr lang="zh-TW" altLang="en-US" dirty="0"/>
+              <a:t>會註冊三個事件，分別為</a:t>
+            </a:r>
+            <a:r>
+              <a:rPr lang="en-US" altLang="zh-TW" dirty="0" err="1"/>
+              <a:t>mousover</a:t>
+            </a:r>
+            <a:r>
+              <a:rPr lang="zh-TW" altLang="en-US" dirty="0"/>
+              <a:t>、</a:t>
+            </a:r>
+            <a:r>
+              <a:rPr lang="en-US" altLang="zh-TW" dirty="0" err="1"/>
+              <a:t>mouseleave</a:t>
+            </a:r>
+            <a:r>
+              <a:rPr lang="zh-TW" altLang="en-US" dirty="0"/>
+              <a:t>和</a:t>
+            </a:r>
+            <a:r>
+              <a:rPr lang="en-US" altLang="zh-TW" dirty="0"/>
+              <a:t>click</a:t>
+            </a:r>
+            <a:r>
+              <a:rPr lang="zh-TW" altLang="en-US" dirty="0"/>
+              <a:t>事件。 </a:t>
+            </a:r>
           </a:p>
           <a:p>
             <a:pPr lvl="1"/>
             <a:r>
-              <a:rPr kumimoji="1" lang="en-US" altLang="zh-TW" dirty="0" smtClean="0">
-                <a:hlinkClick r:id="rId3"/>
-              </a:rPr>
-              <a:t>https://developer.mozilla.org/zh-TW/docs/Web/API/Document_Object_Model</a:t>
-            </a:r>
-            <a:endParaRPr kumimoji="1" lang="en-US" altLang="zh-TW" dirty="0" smtClean="0"/>
+              <a:rPr lang="zh-TW" altLang="en-US" dirty="0"/>
+              <a:t>當</a:t>
+            </a:r>
+            <a:r>
+              <a:rPr lang="en-US" altLang="zh-TW" dirty="0" err="1"/>
+              <a:t>mouseover</a:t>
+            </a:r>
+            <a:r>
+              <a:rPr lang="zh-TW" altLang="en-US" dirty="0"/>
+              <a:t>事件觸發時，將</a:t>
+            </a:r>
+            <a:r>
+              <a:rPr lang="en-US" altLang="zh-TW" dirty="0"/>
+              <a:t>button</a:t>
+            </a:r>
+            <a:r>
+              <a:rPr lang="zh-TW" altLang="en-US" dirty="0"/>
+              <a:t>的背景改為紅色 </a:t>
+            </a:r>
           </a:p>
           <a:p>
             <a:pPr lvl="1"/>
+            <a:r>
+              <a:rPr lang="zh-TW" altLang="en-US" dirty="0"/>
+              <a:t>當</a:t>
+            </a:r>
+            <a:r>
+              <a:rPr lang="en-US" altLang="zh-TW" dirty="0" err="1"/>
+              <a:t>mouseleave</a:t>
+            </a:r>
+            <a:r>
+              <a:rPr lang="zh-TW" altLang="en-US" dirty="0"/>
+              <a:t>事件觸發時，將</a:t>
+            </a:r>
+            <a:r>
+              <a:rPr lang="en-US" altLang="zh-TW" dirty="0"/>
+              <a:t>button</a:t>
+            </a:r>
+            <a:r>
+              <a:rPr lang="zh-TW" altLang="en-US" dirty="0"/>
+              <a:t>的背景改為綠色 </a:t>
+            </a:r>
+          </a:p>
+          <a:p>
+            <a:pPr lvl="1"/>
+            <a:r>
+              <a:rPr lang="zh-TW" altLang="en-US" dirty="0"/>
+              <a:t>當</a:t>
+            </a:r>
+            <a:r>
+              <a:rPr lang="en-US" altLang="zh-TW" dirty="0"/>
+              <a:t>click</a:t>
+            </a:r>
+            <a:r>
+              <a:rPr lang="zh-TW" altLang="en-US" dirty="0"/>
+              <a:t>事件觸發時，將</a:t>
+            </a:r>
+            <a:r>
+              <a:rPr lang="en-US" altLang="zh-TW" dirty="0"/>
+              <a:t>name</a:t>
+            </a:r>
+            <a:r>
+              <a:rPr lang="zh-TW" altLang="en-US" dirty="0"/>
+              <a:t>和</a:t>
+            </a:r>
+            <a:r>
+              <a:rPr lang="en-US" altLang="zh-TW" dirty="0"/>
+              <a:t>email</a:t>
+            </a:r>
+            <a:r>
+              <a:rPr lang="zh-TW" altLang="en-US" dirty="0"/>
+              <a:t>輸入選項的文字加入至</a:t>
+            </a:r>
+            <a:r>
+              <a:rPr lang="en-US" altLang="zh-TW" dirty="0"/>
+              <a:t>p tag </a:t>
+            </a:r>
+            <a:r>
+              <a:rPr lang="zh-TW" altLang="en-US" dirty="0"/>
+              <a:t>裡 </a:t>
+            </a:r>
+          </a:p>
+          <a:p>
             <a:endParaRPr kumimoji="1" lang="zh-TW" altLang="en-US" dirty="0"/>
           </a:p>
         </p:txBody>
       </p:sp>
+      <p:pic>
+        <p:nvPicPr>
+          <p:cNvPr id="4" name="圖片 3"/>
+          <p:cNvPicPr>
+            <a:picLocks noChangeAspect="1"/>
+          </p:cNvPicPr>
+          <p:nvPr/>
+        </p:nvPicPr>
+        <p:blipFill>
+          <a:blip r:embed="rId2"/>
+          <a:stretch>
+            <a:fillRect/>
+          </a:stretch>
+        </p:blipFill>
+        <p:spPr>
+          <a:xfrm>
+            <a:off x="1054100" y="4146885"/>
+            <a:ext cx="10083800" cy="1981200"/>
+          </a:xfrm>
+          <a:prstGeom prst="rect">
+            <a:avLst/>
+          </a:prstGeom>
+        </p:spPr>
+      </p:pic>
     </p:spTree>
     <p:extLst>
       <p:ext uri="{BB962C8B-B14F-4D97-AF65-F5344CB8AC3E}">
-        <p14:creationId xmlns:p14="http://schemas.microsoft.com/office/powerpoint/2010/main" val="1528673010"/>
+        <p14:creationId xmlns:p14="http://schemas.microsoft.com/office/powerpoint/2010/main" val="1277646188"/>
       </p:ext>
     </p:extLst>
   </p:cSld>
   <p:clrMapOvr>
     <a:masterClrMapping/>
   </p:clrMapOvr>
-  <p:timing>
-    <p:tnLst>
-      <p:par>
-        <p:cTn id="1" dur="indefinite" restart="never" nodeType="tmRoot"/>
-      </p:par>
-    </p:tnLst>
-  </p:timing>
 </p:sld>
 </file>
 

--- a/jquerytutorial.pptx
+++ b/jquerytutorial.pptx
@@ -16598,6 +16598,22 @@
               <a:rPr kumimoji="1" lang="en-US" altLang="zh-TW" dirty="0" err="1" smtClean="0"/>
               <a:t>HomeWork</a:t>
             </a:r>
+            <a:r>
+              <a:rPr kumimoji="1" lang="zh-TW" altLang="en-US" dirty="0" smtClean="0"/>
+              <a:t> </a:t>
+            </a:r>
+            <a:r>
+              <a:rPr kumimoji="1" lang="mr-IN" altLang="zh-TW" dirty="0" smtClean="0"/>
+              <a:t>–</a:t>
+            </a:r>
+            <a:r>
+              <a:rPr kumimoji="1" lang="zh-TW" altLang="en-US" dirty="0" smtClean="0"/>
+              <a:t> </a:t>
+            </a:r>
+            <a:r>
+              <a:rPr kumimoji="1" lang="en-US" altLang="zh-TW" smtClean="0"/>
+              <a:t>HandsOn1</a:t>
+            </a:r>
             <a:endParaRPr kumimoji="1" lang="zh-TW" altLang="en-US" dirty="0"/>
           </a:p>
         </p:txBody>
@@ -16783,22 +16799,21 @@
       </p:sp>
       <p:pic>
         <p:nvPicPr>
-          <p:cNvPr id="4" name="圖片 3"/>
+          <p:cNvPr id="5" name="圖片 4"/>
           <p:cNvPicPr>
             <a:picLocks noChangeAspect="1"/>
           </p:cNvPicPr>
           <p:nvPr/>
         </p:nvPicPr>
-        <p:blipFill>
+        <p:blipFill rotWithShape="1">
           <a:blip r:embed="rId2"/>
-          <a:stretch>
-            <a:fillRect/>
-          </a:stretch>
+          <a:srcRect t="6645"/>
+          <a:stretch/>
         </p:blipFill>
         <p:spPr>
           <a:xfrm>
-            <a:off x="1054100" y="4146885"/>
-            <a:ext cx="10083800" cy="1981200"/>
+            <a:off x="1188250" y="4225089"/>
+            <a:ext cx="9105903" cy="1639053"/>
           </a:xfrm>
           <a:prstGeom prst="rect">
             <a:avLst/>

--- a/jquerytutorial.pptx
+++ b/jquerytutorial.pptx
@@ -16611,7 +16611,7 @@
               <a:t> </a:t>
             </a:r>
             <a:r>
-              <a:rPr kumimoji="1" lang="en-US" altLang="zh-TW" smtClean="0"/>
+              <a:rPr kumimoji="1" lang="en-US" altLang="zh-TW" dirty="0" smtClean="0"/>
               <a:t>HandsOn1</a:t>
             </a:r>
             <a:endParaRPr kumimoji="1" lang="zh-TW" altLang="en-US" dirty="0"/>
@@ -16667,12 +16667,16 @@
               <a:t>和一個</a:t>
             </a:r>
             <a:r>
-              <a:rPr lang="en-US" altLang="zh-TW" dirty="0"/>
+              <a:rPr lang="en-US" altLang="zh-TW" dirty="0" smtClean="0"/>
               <a:t>button</a:t>
             </a:r>
             <a:r>
+              <a:rPr lang="zh-TW" altLang="en-US" smtClean="0"/>
+              <a:t>。然後</a:t>
+            </a:r>
+            <a:r>
               <a:rPr lang="zh-TW" altLang="en-US" dirty="0"/>
-              <a:t>，然後，這個</a:t>
+              <a:t>，這個</a:t>
             </a:r>
             <a:r>
               <a:rPr lang="en-US" altLang="zh-TW" dirty="0"/>

--- a/jquerytutorial.pptx
+++ b/jquerytutorial.pptx
@@ -15029,55 +15029,92 @@
           <a:p>
             <a:r>
               <a:rPr kumimoji="1" lang="en-US" altLang="zh-TW" dirty="0" smtClean="0"/>
-              <a:t>W3School</a:t>
+              <a:t>jQuery</a:t>
             </a:r>
             <a:r>
               <a:rPr kumimoji="1" lang="zh-TW" altLang="en-US" dirty="0" smtClean="0"/>
-              <a:t> </a:t>
-            </a:r>
-            <a:r>
-              <a:rPr kumimoji="1" lang="mr-IN" altLang="zh-TW" dirty="0" smtClean="0"/>
-              <a:t>–</a:t>
-            </a:r>
-            <a:r>
-              <a:rPr kumimoji="1" lang="zh-TW" altLang="en-US" dirty="0" smtClean="0"/>
-              <a:t> </a:t>
-            </a:r>
-            <a:r>
-              <a:rPr kumimoji="1" lang="en-US" altLang="zh-TW" dirty="0" smtClean="0"/>
-              <a:t>jQuery</a:t>
-            </a:r>
-            <a:br>
-              <a:rPr kumimoji="1" lang="en-US" altLang="zh-TW" dirty="0" smtClean="0"/>
-            </a:br>
-            <a:r>
-              <a:rPr kumimoji="1" lang="en-US" altLang="zh-TW" dirty="0" smtClean="0"/>
-              <a:t>	</a:t>
-            </a:r>
-            <a:r>
-              <a:rPr kumimoji="1" lang="en-US" altLang="zh-TW" dirty="0" smtClean="0">
-                <a:hlinkClick r:id="rId2"/>
-              </a:rPr>
-              <a:t>https://www.w3schools.com/jquery/default.asp</a:t>
-            </a:r>
-            <a:endParaRPr kumimoji="1" lang="en-US" altLang="zh-TW" dirty="0" smtClean="0"/>
-          </a:p>
-          <a:p>
-            <a:r>
-              <a:rPr kumimoji="1" lang="en-US" altLang="zh-TW" dirty="0" smtClean="0"/>
-              <a:t>DOM</a:t>
-            </a:r>
-            <a:r>
-              <a:rPr kumimoji="1" lang="zh-TW" altLang="en-US" dirty="0" smtClean="0"/>
-              <a:t>簡介</a:t>
+              <a:t> 官網</a:t>
             </a:r>
             <a:endParaRPr kumimoji="1" lang="en-US" altLang="zh-TW" dirty="0" smtClean="0"/>
           </a:p>
           <a:p>
             <a:pPr lvl="1"/>
             <a:r>
+              <a:rPr kumimoji="1" lang="en-US" altLang="zh-TW" dirty="0">
+                <a:hlinkClick r:id="rId2"/>
+              </a:rPr>
+              <a:t>https://</a:t>
+            </a:r>
+            <a:r>
+              <a:rPr kumimoji="1" lang="en-US" altLang="zh-TW" err="1">
+                <a:hlinkClick r:id="rId2"/>
+              </a:rPr>
+              <a:t>jquery.com</a:t>
+            </a:r>
+            <a:r>
+              <a:rPr kumimoji="1" lang="en-US" altLang="zh-TW" smtClean="0">
+                <a:hlinkClick r:id="rId2"/>
+              </a:rPr>
+              <a:t>/</a:t>
+            </a:r>
+            <a:r>
+              <a:rPr kumimoji="1" lang="zh-TW" altLang="en-US" smtClean="0"/>
+              <a:t> </a:t>
+            </a:r>
+            <a:endParaRPr kumimoji="1" lang="en-US" altLang="zh-TW"/>
+          </a:p>
+          <a:p>
+            <a:r>
+              <a:rPr kumimoji="1" lang="en-US" altLang="zh-TW" dirty="0" smtClean="0"/>
+              <a:t>W3School</a:t>
+            </a:r>
+            <a:r>
+              <a:rPr kumimoji="1" lang="zh-TW" altLang="en-US" dirty="0" smtClean="0"/>
+              <a:t> </a:t>
+            </a:r>
+            <a:r>
+              <a:rPr kumimoji="1" lang="mr-IN" altLang="zh-TW" dirty="0" smtClean="0"/>
+              <a:t>–</a:t>
+            </a:r>
+            <a:r>
+              <a:rPr kumimoji="1" lang="zh-TW" altLang="en-US" dirty="0" smtClean="0"/>
+              <a:t> </a:t>
+            </a:r>
+            <a:r>
+              <a:rPr kumimoji="1" lang="en-US" altLang="zh-TW" dirty="0" smtClean="0"/>
+              <a:t>jQuery</a:t>
+            </a:r>
+            <a:br>
+              <a:rPr kumimoji="1" lang="en-US" altLang="zh-TW" dirty="0" smtClean="0"/>
+            </a:br>
+            <a:r>
+              <a:rPr kumimoji="1" lang="en-US" altLang="zh-TW" dirty="0" smtClean="0"/>
+              <a:t>	</a:t>
+            </a:r>
+            <a:r>
               <a:rPr kumimoji="1" lang="en-US" altLang="zh-TW" dirty="0" smtClean="0">
                 <a:hlinkClick r:id="rId3"/>
+              </a:rPr>
+              <a:t>https://www.w3schools.com/jquery/default.asp</a:t>
+            </a:r>
+            <a:endParaRPr kumimoji="1" lang="en-US" altLang="zh-TW" dirty="0" smtClean="0"/>
+          </a:p>
+          <a:p>
+            <a:r>
+              <a:rPr kumimoji="1" lang="en-US" altLang="zh-TW" dirty="0" smtClean="0"/>
+              <a:t>DOM</a:t>
+            </a:r>
+            <a:r>
+              <a:rPr kumimoji="1" lang="zh-TW" altLang="en-US" dirty="0" smtClean="0"/>
+              <a:t>簡介</a:t>
+            </a:r>
+            <a:endParaRPr kumimoji="1" lang="en-US" altLang="zh-TW" dirty="0" smtClean="0"/>
+          </a:p>
+          <a:p>
+            <a:pPr lvl="1"/>
+            <a:r>
+              <a:rPr kumimoji="1" lang="en-US" altLang="zh-TW" dirty="0" smtClean="0">
+                <a:hlinkClick r:id="rId4"/>
               </a:rPr>
               <a:t>https://developer.mozilla.org/zh-TW/docs/Web/API/Document_Object_Model</a:t>
             </a:r>
@@ -16671,7 +16708,7 @@
               <a:t>button</a:t>
             </a:r>
             <a:r>
-              <a:rPr lang="zh-TW" altLang="en-US" smtClean="0"/>
+              <a:rPr lang="zh-TW" altLang="en-US" dirty="0" smtClean="0"/>
               <a:t>。然後</a:t>
             </a:r>
             <a:r>

--- a/jquerytutorial.pptx
+++ b/jquerytutorial.pptx
@@ -2932,7 +2932,7 @@
         </a:p>
       </dgm:t>
     </dgm:pt>
-    <dgm:pt modelId="{E942311A-82E1-EB42-ABA1-18D2611EAD65}">
+    <dgm:pt modelId="{89B6CDBD-4E01-514D-8985-732135A457BB}">
       <dgm:prSet custT="1"/>
       <dgm:spPr/>
       <dgm:t>
@@ -2946,81 +2946,6 @@
               <a:cs typeface="Microsoft JhengHei" charset="-120"/>
             </a:rPr>
             <a:t>四、</a:t>
-          </a:r>
-          <a:r>
-            <a:rPr lang="en-US" altLang="zh-TW" sz="3200" b="1" dirty="0" smtClean="0">
-              <a:latin typeface="Microsoft JhengHei" charset="-120"/>
-              <a:ea typeface="Microsoft JhengHei" charset="-120"/>
-              <a:cs typeface="Microsoft JhengHei" charset="-120"/>
-            </a:rPr>
-            <a:t>jQuery</a:t>
-          </a:r>
-          <a:r>
-            <a:rPr lang="zh-TW" altLang="en-US" sz="3200" b="1" dirty="0" smtClean="0">
-              <a:latin typeface="Microsoft JhengHei" charset="-120"/>
-              <a:ea typeface="Microsoft JhengHei" charset="-120"/>
-              <a:cs typeface="Microsoft JhengHei" charset="-120"/>
-            </a:rPr>
-            <a:t> 特定涵式</a:t>
-          </a:r>
-          <a:endParaRPr lang="zh-TW" altLang="en-US" sz="3200" b="1" dirty="0">
-            <a:latin typeface="Microsoft JhengHei" charset="-120"/>
-            <a:ea typeface="Microsoft JhengHei" charset="-120"/>
-            <a:cs typeface="Microsoft JhengHei" charset="-120"/>
-          </a:endParaRPr>
-        </a:p>
-      </dgm:t>
-    </dgm:pt>
-    <dgm:pt modelId="{773AAF9C-EFEC-C242-8DB9-D4B7DF5E3FDF}" type="parTrans" cxnId="{B7C6BA5A-DEA0-7143-AF85-4FA901A4C28D}">
-      <dgm:prSet/>
-      <dgm:spPr/>
-      <dgm:t>
-        <a:bodyPr/>
-        <a:lstStyle/>
-        <a:p>
-          <a:endParaRPr lang="zh-TW" altLang="en-US" sz="3200" b="1">
-            <a:solidFill>
-              <a:schemeClr val="bg1"/>
-            </a:solidFill>
-            <a:latin typeface="Microsoft JhengHei" charset="-120"/>
-            <a:ea typeface="Microsoft JhengHei" charset="-120"/>
-            <a:cs typeface="Microsoft JhengHei" charset="-120"/>
-          </a:endParaRPr>
-        </a:p>
-      </dgm:t>
-    </dgm:pt>
-    <dgm:pt modelId="{7A2E36C7-1F68-5C43-B708-CAFE45AE20AF}" type="sibTrans" cxnId="{B7C6BA5A-DEA0-7143-AF85-4FA901A4C28D}">
-      <dgm:prSet/>
-      <dgm:spPr/>
-      <dgm:t>
-        <a:bodyPr/>
-        <a:lstStyle/>
-        <a:p>
-          <a:endParaRPr lang="zh-TW" altLang="en-US" sz="3200" b="1">
-            <a:solidFill>
-              <a:schemeClr val="bg1"/>
-            </a:solidFill>
-            <a:latin typeface="Microsoft JhengHei" charset="-120"/>
-            <a:ea typeface="Microsoft JhengHei" charset="-120"/>
-            <a:cs typeface="Microsoft JhengHei" charset="-120"/>
-          </a:endParaRPr>
-        </a:p>
-      </dgm:t>
-    </dgm:pt>
-    <dgm:pt modelId="{89B6CDBD-4E01-514D-8985-732135A457BB}">
-      <dgm:prSet custT="1"/>
-      <dgm:spPr/>
-      <dgm:t>
-        <a:bodyPr/>
-        <a:lstStyle/>
-        <a:p>
-          <a:r>
-            <a:rPr lang="zh-TW" altLang="en-US" sz="3200" b="1" dirty="0" smtClean="0">
-              <a:latin typeface="Microsoft JhengHei" charset="-120"/>
-              <a:ea typeface="Microsoft JhengHei" charset="-120"/>
-              <a:cs typeface="Microsoft JhengHei" charset="-120"/>
-            </a:rPr>
-            <a:t>五、</a:t>
           </a:r>
           <a:r>
             <a:rPr lang="en-US" altLang="zh-TW" sz="3200" b="1" dirty="0" smtClean="0">
@@ -3095,7 +3020,7 @@
               <a:ea typeface="Microsoft JhengHei" charset="-120"/>
               <a:cs typeface="Microsoft JhengHei" charset="-120"/>
             </a:rPr>
-            <a:t>六、</a:t>
+            <a:t>五、</a:t>
           </a:r>
           <a:r>
             <a:rPr lang="en-US" altLang="zh-TW" sz="3200" b="1" dirty="0" smtClean="0">
@@ -3157,12 +3082,12 @@
         <a:lstStyle/>
         <a:p>
           <a:r>
-            <a:rPr lang="zh-TW" altLang="en-US" sz="3200" b="1" dirty="0" smtClean="0">
+            <a:rPr lang="zh-TW" altLang="en-US" sz="3200" b="1" smtClean="0">
               <a:latin typeface="Microsoft JhengHei" charset="-120"/>
               <a:ea typeface="Microsoft JhengHei" charset="-120"/>
               <a:cs typeface="Microsoft JhengHei" charset="-120"/>
             </a:rPr>
-            <a:t>八、</a:t>
+            <a:t>七、</a:t>
           </a:r>
           <a:r>
             <a:rPr lang="en-US" altLang="zh-TW" sz="3200" b="1" dirty="0" smtClean="0">
@@ -3253,7 +3178,7 @@
               <a:ea typeface="Microsoft JhengHei" charset="-120"/>
               <a:cs typeface="Microsoft JhengHei" charset="-120"/>
             </a:rPr>
-            <a:t>七、</a:t>
+            <a:t>六、</a:t>
           </a:r>
           <a:r>
             <a:rPr lang="en-US" altLang="zh-TW" sz="2800" b="1" dirty="0" smtClean="0">
@@ -3323,7 +3248,7 @@
       <dgm:spPr/>
     </dgm:pt>
     <dgm:pt modelId="{BD7E7D36-3B3F-2B49-B4B9-7523550378CF}" type="pres">
-      <dgm:prSet presAssocID="{ABD5719C-606C-4745-B738-4A1D68A62A31}" presName="parentLeftMargin" presStyleLbl="node1" presStyleIdx="0" presStyleCnt="8"/>
+      <dgm:prSet presAssocID="{ABD5719C-606C-4745-B738-4A1D68A62A31}" presName="parentLeftMargin" presStyleLbl="node1" presStyleIdx="0" presStyleCnt="7"/>
       <dgm:spPr/>
       <dgm:t>
         <a:bodyPr/>
@@ -3334,7 +3259,7 @@
       </dgm:t>
     </dgm:pt>
     <dgm:pt modelId="{6F605CB8-E4E6-4C4A-B1EB-8BB043CA0E33}" type="pres">
-      <dgm:prSet presAssocID="{ABD5719C-606C-4745-B738-4A1D68A62A31}" presName="parentText" presStyleLbl="node1" presStyleIdx="0" presStyleCnt="8">
+      <dgm:prSet presAssocID="{ABD5719C-606C-4745-B738-4A1D68A62A31}" presName="parentText" presStyleLbl="node1" presStyleIdx="0" presStyleCnt="7">
         <dgm:presLayoutVars>
           <dgm:chMax val="0"/>
           <dgm:bulletEnabled val="1"/>
@@ -3354,7 +3279,7 @@
       <dgm:spPr/>
     </dgm:pt>
     <dgm:pt modelId="{F8ACBE8D-0EB9-BA4D-B4A7-55A1BAA7293C}" type="pres">
-      <dgm:prSet presAssocID="{ABD5719C-606C-4745-B738-4A1D68A62A31}" presName="childText" presStyleLbl="conFgAcc1" presStyleIdx="0" presStyleCnt="8" custLinFactNeighborX="-148" custLinFactNeighborY="-13395">
+      <dgm:prSet presAssocID="{ABD5719C-606C-4745-B738-4A1D68A62A31}" presName="childText" presStyleLbl="conFgAcc1" presStyleIdx="0" presStyleCnt="7" custLinFactNeighborX="-148" custLinFactNeighborY="-13395">
         <dgm:presLayoutVars>
           <dgm:bulletEnabled val="1"/>
         </dgm:presLayoutVars>
@@ -3370,7 +3295,7 @@
       <dgm:spPr/>
     </dgm:pt>
     <dgm:pt modelId="{C0DA7406-62CD-9147-8D62-DB7F6F3B8104}" type="pres">
-      <dgm:prSet presAssocID="{C5B27A02-E798-5A4A-813A-517517565590}" presName="parentLeftMargin" presStyleLbl="node1" presStyleIdx="0" presStyleCnt="8"/>
+      <dgm:prSet presAssocID="{C5B27A02-E798-5A4A-813A-517517565590}" presName="parentLeftMargin" presStyleLbl="node1" presStyleIdx="0" presStyleCnt="7"/>
       <dgm:spPr/>
       <dgm:t>
         <a:bodyPr/>
@@ -3381,7 +3306,7 @@
       </dgm:t>
     </dgm:pt>
     <dgm:pt modelId="{281A77FE-B553-6D44-9276-7E02154521CA}" type="pres">
-      <dgm:prSet presAssocID="{C5B27A02-E798-5A4A-813A-517517565590}" presName="parentText" presStyleLbl="node1" presStyleIdx="1" presStyleCnt="8">
+      <dgm:prSet presAssocID="{C5B27A02-E798-5A4A-813A-517517565590}" presName="parentText" presStyleLbl="node1" presStyleIdx="1" presStyleCnt="7">
         <dgm:presLayoutVars>
           <dgm:chMax val="0"/>
           <dgm:bulletEnabled val="1"/>
@@ -3401,7 +3326,7 @@
       <dgm:spPr/>
     </dgm:pt>
     <dgm:pt modelId="{3E3DC41F-4695-2C4A-8395-C1BAEAA1C6A7}" type="pres">
-      <dgm:prSet presAssocID="{C5B27A02-E798-5A4A-813A-517517565590}" presName="childText" presStyleLbl="conFgAcc1" presStyleIdx="1" presStyleCnt="8">
+      <dgm:prSet presAssocID="{C5B27A02-E798-5A4A-813A-517517565590}" presName="childText" presStyleLbl="conFgAcc1" presStyleIdx="1" presStyleCnt="7">
         <dgm:presLayoutVars>
           <dgm:bulletEnabled val="1"/>
         </dgm:presLayoutVars>
@@ -3417,7 +3342,7 @@
       <dgm:spPr/>
     </dgm:pt>
     <dgm:pt modelId="{F50E57BC-B812-0D47-8E04-2074260FB643}" type="pres">
-      <dgm:prSet presAssocID="{505B314C-A934-5047-8B80-A015316D4B4C}" presName="parentLeftMargin" presStyleLbl="node1" presStyleIdx="1" presStyleCnt="8"/>
+      <dgm:prSet presAssocID="{505B314C-A934-5047-8B80-A015316D4B4C}" presName="parentLeftMargin" presStyleLbl="node1" presStyleIdx="1" presStyleCnt="7"/>
       <dgm:spPr/>
       <dgm:t>
         <a:bodyPr/>
@@ -3428,7 +3353,7 @@
       </dgm:t>
     </dgm:pt>
     <dgm:pt modelId="{7531408A-52A1-FB4F-AAA8-DEAEEAF5B69A}" type="pres">
-      <dgm:prSet presAssocID="{505B314C-A934-5047-8B80-A015316D4B4C}" presName="parentText" presStyleLbl="node1" presStyleIdx="2" presStyleCnt="8">
+      <dgm:prSet presAssocID="{505B314C-A934-5047-8B80-A015316D4B4C}" presName="parentText" presStyleLbl="node1" presStyleIdx="2" presStyleCnt="7">
         <dgm:presLayoutVars>
           <dgm:chMax val="0"/>
           <dgm:bulletEnabled val="1"/>
@@ -3448,7 +3373,7 @@
       <dgm:spPr/>
     </dgm:pt>
     <dgm:pt modelId="{E4AF3421-56EE-744B-921A-F16C3977CA47}" type="pres">
-      <dgm:prSet presAssocID="{505B314C-A934-5047-8B80-A015316D4B4C}" presName="childText" presStyleLbl="conFgAcc1" presStyleIdx="2" presStyleCnt="8">
+      <dgm:prSet presAssocID="{505B314C-A934-5047-8B80-A015316D4B4C}" presName="childText" presStyleLbl="conFgAcc1" presStyleIdx="2" presStyleCnt="7">
         <dgm:presLayoutVars>
           <dgm:bulletEnabled val="1"/>
         </dgm:presLayoutVars>
@@ -3459,59 +3384,12 @@
       <dgm:prSet presAssocID="{60A7BF18-D39E-BF49-A4AD-8373FDEF82B5}" presName="spaceBetweenRectangles" presStyleCnt="0"/>
       <dgm:spPr/>
     </dgm:pt>
-    <dgm:pt modelId="{917CE2D8-EC79-3149-AA5D-72E231181C45}" type="pres">
-      <dgm:prSet presAssocID="{E942311A-82E1-EB42-ABA1-18D2611EAD65}" presName="parentLin" presStyleCnt="0"/>
-      <dgm:spPr/>
-    </dgm:pt>
-    <dgm:pt modelId="{F1579EEC-6123-9947-8765-C348DD67D91C}" type="pres">
-      <dgm:prSet presAssocID="{E942311A-82E1-EB42-ABA1-18D2611EAD65}" presName="parentLeftMargin" presStyleLbl="node1" presStyleIdx="2" presStyleCnt="8"/>
-      <dgm:spPr/>
-      <dgm:t>
-        <a:bodyPr/>
-        <a:lstStyle/>
-        <a:p>
-          <a:endParaRPr lang="zh-TW" altLang="en-US"/>
-        </a:p>
-      </dgm:t>
-    </dgm:pt>
-    <dgm:pt modelId="{0274C5BA-1C1E-FE42-85DA-3DFF7A3E0E1A}" type="pres">
-      <dgm:prSet presAssocID="{E942311A-82E1-EB42-ABA1-18D2611EAD65}" presName="parentText" presStyleLbl="node1" presStyleIdx="3" presStyleCnt="8">
-        <dgm:presLayoutVars>
-          <dgm:chMax val="0"/>
-          <dgm:bulletEnabled val="1"/>
-        </dgm:presLayoutVars>
-      </dgm:prSet>
-      <dgm:spPr/>
-      <dgm:t>
-        <a:bodyPr/>
-        <a:lstStyle/>
-        <a:p>
-          <a:endParaRPr lang="zh-TW" altLang="en-US"/>
-        </a:p>
-      </dgm:t>
-    </dgm:pt>
-    <dgm:pt modelId="{6B0EDC8E-01EB-E743-8A65-FD0068EEF1BB}" type="pres">
-      <dgm:prSet presAssocID="{E942311A-82E1-EB42-ABA1-18D2611EAD65}" presName="negativeSpace" presStyleCnt="0"/>
-      <dgm:spPr/>
-    </dgm:pt>
-    <dgm:pt modelId="{E9A3EAEC-690F-264A-8CE7-0356D73ADC38}" type="pres">
-      <dgm:prSet presAssocID="{E942311A-82E1-EB42-ABA1-18D2611EAD65}" presName="childText" presStyleLbl="conFgAcc1" presStyleIdx="3" presStyleCnt="8">
-        <dgm:presLayoutVars>
-          <dgm:bulletEnabled val="1"/>
-        </dgm:presLayoutVars>
-      </dgm:prSet>
-      <dgm:spPr/>
-    </dgm:pt>
-    <dgm:pt modelId="{8E5D78E2-96DA-094B-B804-9BDA634131CC}" type="pres">
-      <dgm:prSet presAssocID="{7A2E36C7-1F68-5C43-B708-CAFE45AE20AF}" presName="spaceBetweenRectangles" presStyleCnt="0"/>
-      <dgm:spPr/>
-    </dgm:pt>
     <dgm:pt modelId="{412F80ED-AB59-E546-A3C1-845A040F8398}" type="pres">
       <dgm:prSet presAssocID="{89B6CDBD-4E01-514D-8985-732135A457BB}" presName="parentLin" presStyleCnt="0"/>
       <dgm:spPr/>
     </dgm:pt>
     <dgm:pt modelId="{6664C50E-0B5F-A945-894D-F8FF65506516}" type="pres">
-      <dgm:prSet presAssocID="{89B6CDBD-4E01-514D-8985-732135A457BB}" presName="parentLeftMargin" presStyleLbl="node1" presStyleIdx="3" presStyleCnt="8"/>
+      <dgm:prSet presAssocID="{89B6CDBD-4E01-514D-8985-732135A457BB}" presName="parentLeftMargin" presStyleLbl="node1" presStyleIdx="2" presStyleCnt="7"/>
       <dgm:spPr/>
       <dgm:t>
         <a:bodyPr/>
@@ -3522,7 +3400,7 @@
       </dgm:t>
     </dgm:pt>
     <dgm:pt modelId="{104FF4B2-1025-234C-8728-0F5CA33C6758}" type="pres">
-      <dgm:prSet presAssocID="{89B6CDBD-4E01-514D-8985-732135A457BB}" presName="parentText" presStyleLbl="node1" presStyleIdx="4" presStyleCnt="8">
+      <dgm:prSet presAssocID="{89B6CDBD-4E01-514D-8985-732135A457BB}" presName="parentText" presStyleLbl="node1" presStyleIdx="3" presStyleCnt="7">
         <dgm:presLayoutVars>
           <dgm:chMax val="0"/>
           <dgm:bulletEnabled val="1"/>
@@ -3542,7 +3420,7 @@
       <dgm:spPr/>
     </dgm:pt>
     <dgm:pt modelId="{82D90556-F7AC-D945-8D9D-826EA1BA37F8}" type="pres">
-      <dgm:prSet presAssocID="{89B6CDBD-4E01-514D-8985-732135A457BB}" presName="childText" presStyleLbl="conFgAcc1" presStyleIdx="4" presStyleCnt="8">
+      <dgm:prSet presAssocID="{89B6CDBD-4E01-514D-8985-732135A457BB}" presName="childText" presStyleLbl="conFgAcc1" presStyleIdx="3" presStyleCnt="7">
         <dgm:presLayoutVars>
           <dgm:bulletEnabled val="1"/>
         </dgm:presLayoutVars>
@@ -3558,7 +3436,7 @@
       <dgm:spPr/>
     </dgm:pt>
     <dgm:pt modelId="{CB29F890-DFC0-D147-BE0B-15410C21DB5E}" type="pres">
-      <dgm:prSet presAssocID="{52A9651C-B9EB-F147-8532-357CF0DCE3AF}" presName="parentLeftMargin" presStyleLbl="node1" presStyleIdx="4" presStyleCnt="8"/>
+      <dgm:prSet presAssocID="{52A9651C-B9EB-F147-8532-357CF0DCE3AF}" presName="parentLeftMargin" presStyleLbl="node1" presStyleIdx="3" presStyleCnt="7"/>
       <dgm:spPr/>
       <dgm:t>
         <a:bodyPr/>
@@ -3569,7 +3447,7 @@
       </dgm:t>
     </dgm:pt>
     <dgm:pt modelId="{9E33A944-5052-4D4A-9963-C5347F38B943}" type="pres">
-      <dgm:prSet presAssocID="{52A9651C-B9EB-F147-8532-357CF0DCE3AF}" presName="parentText" presStyleLbl="node1" presStyleIdx="5" presStyleCnt="8">
+      <dgm:prSet presAssocID="{52A9651C-B9EB-F147-8532-357CF0DCE3AF}" presName="parentText" presStyleLbl="node1" presStyleIdx="4" presStyleCnt="7">
         <dgm:presLayoutVars>
           <dgm:chMax val="0"/>
           <dgm:bulletEnabled val="1"/>
@@ -3589,7 +3467,7 @@
       <dgm:spPr/>
     </dgm:pt>
     <dgm:pt modelId="{525BB6E7-6ADF-A248-91CC-963DAE2F1235}" type="pres">
-      <dgm:prSet presAssocID="{52A9651C-B9EB-F147-8532-357CF0DCE3AF}" presName="childText" presStyleLbl="conFgAcc1" presStyleIdx="5" presStyleCnt="8">
+      <dgm:prSet presAssocID="{52A9651C-B9EB-F147-8532-357CF0DCE3AF}" presName="childText" presStyleLbl="conFgAcc1" presStyleIdx="4" presStyleCnt="7">
         <dgm:presLayoutVars>
           <dgm:bulletEnabled val="1"/>
         </dgm:presLayoutVars>
@@ -3605,7 +3483,7 @@
       <dgm:spPr/>
     </dgm:pt>
     <dgm:pt modelId="{C407C5CE-3668-2A4A-A575-15F449AE2841}" type="pres">
-      <dgm:prSet presAssocID="{480D03D4-5DF8-6744-BDCF-893FF8A55C03}" presName="parentLeftMargin" presStyleLbl="node1" presStyleIdx="5" presStyleCnt="8"/>
+      <dgm:prSet presAssocID="{480D03D4-5DF8-6744-BDCF-893FF8A55C03}" presName="parentLeftMargin" presStyleLbl="node1" presStyleIdx="4" presStyleCnt="7"/>
       <dgm:spPr/>
       <dgm:t>
         <a:bodyPr/>
@@ -3616,7 +3494,7 @@
       </dgm:t>
     </dgm:pt>
     <dgm:pt modelId="{FCDD1306-1B36-634E-A92F-8380AB2936B4}" type="pres">
-      <dgm:prSet presAssocID="{480D03D4-5DF8-6744-BDCF-893FF8A55C03}" presName="parentText" presStyleLbl="node1" presStyleIdx="6" presStyleCnt="8">
+      <dgm:prSet presAssocID="{480D03D4-5DF8-6744-BDCF-893FF8A55C03}" presName="parentText" presStyleLbl="node1" presStyleIdx="5" presStyleCnt="7">
         <dgm:presLayoutVars>
           <dgm:chMax val="0"/>
           <dgm:bulletEnabled val="1"/>
@@ -3636,7 +3514,7 @@
       <dgm:spPr/>
     </dgm:pt>
     <dgm:pt modelId="{093281F6-7566-AB43-AF59-5517FC4B00A0}" type="pres">
-      <dgm:prSet presAssocID="{480D03D4-5DF8-6744-BDCF-893FF8A55C03}" presName="childText" presStyleLbl="conFgAcc1" presStyleIdx="6" presStyleCnt="8">
+      <dgm:prSet presAssocID="{480D03D4-5DF8-6744-BDCF-893FF8A55C03}" presName="childText" presStyleLbl="conFgAcc1" presStyleIdx="5" presStyleCnt="7">
         <dgm:presLayoutVars>
           <dgm:bulletEnabled val="1"/>
         </dgm:presLayoutVars>
@@ -3652,7 +3530,7 @@
       <dgm:spPr/>
     </dgm:pt>
     <dgm:pt modelId="{23324418-E542-CB4E-BBA2-F5C5EC564517}" type="pres">
-      <dgm:prSet presAssocID="{C0F88658-D69B-CE49-B5F6-308640BA9F3A}" presName="parentLeftMargin" presStyleLbl="node1" presStyleIdx="6" presStyleCnt="8"/>
+      <dgm:prSet presAssocID="{C0F88658-D69B-CE49-B5F6-308640BA9F3A}" presName="parentLeftMargin" presStyleLbl="node1" presStyleIdx="5" presStyleCnt="7"/>
       <dgm:spPr/>
       <dgm:t>
         <a:bodyPr/>
@@ -3663,7 +3541,7 @@
       </dgm:t>
     </dgm:pt>
     <dgm:pt modelId="{D38B4E33-2EC5-2844-B393-FDD68E272FB6}" type="pres">
-      <dgm:prSet presAssocID="{C0F88658-D69B-CE49-B5F6-308640BA9F3A}" presName="parentText" presStyleLbl="node1" presStyleIdx="7" presStyleCnt="8">
+      <dgm:prSet presAssocID="{C0F88658-D69B-CE49-B5F6-308640BA9F3A}" presName="parentText" presStyleLbl="node1" presStyleIdx="6" presStyleCnt="7">
         <dgm:presLayoutVars>
           <dgm:chMax val="0"/>
           <dgm:bulletEnabled val="1"/>
@@ -3683,7 +3561,7 @@
       <dgm:spPr/>
     </dgm:pt>
     <dgm:pt modelId="{19A67170-2804-504E-B775-37AE6FF56167}" type="pres">
-      <dgm:prSet presAssocID="{C0F88658-D69B-CE49-B5F6-308640BA9F3A}" presName="childText" presStyleLbl="conFgAcc1" presStyleIdx="7" presStyleCnt="8">
+      <dgm:prSet presAssocID="{C0F88658-D69B-CE49-B5F6-308640BA9F3A}" presName="childText" presStyleLbl="conFgAcc1" presStyleIdx="6" presStyleCnt="7">
         <dgm:presLayoutVars>
           <dgm:bulletEnabled val="1"/>
         </dgm:presLayoutVars>
@@ -3706,17 +3584,14 @@
     <dgm:cxn modelId="{E73BBE06-B4B0-7144-A14D-034CE21F2325}" srcId="{D10C642B-8746-874E-9E9C-4CBB616251EE}" destId="{C5B27A02-E798-5A4A-813A-517517565590}" srcOrd="1" destOrd="0" parTransId="{15F1B033-456B-4044-B854-24B01660B3DD}" sibTransId="{460E2638-ECEE-7A4A-AA64-E6802AF28203}"/>
     <dgm:cxn modelId="{DDD34845-0484-564B-BADF-D6DA9E9CD62F}" type="presOf" srcId="{ABD5719C-606C-4745-B738-4A1D68A62A31}" destId="{6F605CB8-E4E6-4C4A-B1EB-8BB043CA0E33}" srcOrd="1" destOrd="0" presId="urn:microsoft.com/office/officeart/2005/8/layout/list1"/>
     <dgm:cxn modelId="{9DFEC3BF-D8DB-2645-BD8F-B6D5022689C3}" type="presOf" srcId="{C0F88658-D69B-CE49-B5F6-308640BA9F3A}" destId="{23324418-E542-CB4E-BBA2-F5C5EC564517}" srcOrd="0" destOrd="0" presId="urn:microsoft.com/office/officeart/2005/8/layout/list1"/>
-    <dgm:cxn modelId="{B7C6BA5A-DEA0-7143-AF85-4FA901A4C28D}" srcId="{D10C642B-8746-874E-9E9C-4CBB616251EE}" destId="{E942311A-82E1-EB42-ABA1-18D2611EAD65}" srcOrd="3" destOrd="0" parTransId="{773AAF9C-EFEC-C242-8DB9-D4B7DF5E3FDF}" sibTransId="{7A2E36C7-1F68-5C43-B708-CAFE45AE20AF}"/>
     <dgm:cxn modelId="{6DB22FAA-4A74-6544-AF2A-FCFEB6BF068A}" srcId="{D10C642B-8746-874E-9E9C-4CBB616251EE}" destId="{ABD5719C-606C-4745-B738-4A1D68A62A31}" srcOrd="0" destOrd="0" parTransId="{B82A5E77-9927-3041-BF6B-1DACC148035A}" sibTransId="{43DA067D-1371-9C40-87C3-174746ED491C}"/>
     <dgm:cxn modelId="{709B79A9-1166-B64D-A243-3C6F70BC0EF5}" type="presOf" srcId="{52A9651C-B9EB-F147-8532-357CF0DCE3AF}" destId="{9E33A944-5052-4D4A-9963-C5347F38B943}" srcOrd="1" destOrd="0" presId="urn:microsoft.com/office/officeart/2005/8/layout/list1"/>
     <dgm:cxn modelId="{36600338-5F77-E34B-BEBB-5D6E2960A37A}" srcId="{D10C642B-8746-874E-9E9C-4CBB616251EE}" destId="{505B314C-A934-5047-8B80-A015316D4B4C}" srcOrd="2" destOrd="0" parTransId="{79AB199A-8AEF-5F47-9636-C0086F140B11}" sibTransId="{60A7BF18-D39E-BF49-A4AD-8373FDEF82B5}"/>
-    <dgm:cxn modelId="{77074587-CD7B-AD4C-8187-746FFB1BED1F}" srcId="{D10C642B-8746-874E-9E9C-4CBB616251EE}" destId="{89B6CDBD-4E01-514D-8985-732135A457BB}" srcOrd="4" destOrd="0" parTransId="{E3BCDD7D-85FA-C64F-A612-9ED73598BB7A}" sibTransId="{8E85DAEE-A1CF-064D-BD39-A9E664C82CA2}"/>
-    <dgm:cxn modelId="{283A8DBB-A0F9-8041-9347-FCABC4B4C1ED}" type="presOf" srcId="{E942311A-82E1-EB42-ABA1-18D2611EAD65}" destId="{0274C5BA-1C1E-FE42-85DA-3DFF7A3E0E1A}" srcOrd="1" destOrd="0" presId="urn:microsoft.com/office/officeart/2005/8/layout/list1"/>
-    <dgm:cxn modelId="{88A7E76F-F6C5-3248-855A-2DF0E4B4747D}" srcId="{D10C642B-8746-874E-9E9C-4CBB616251EE}" destId="{52A9651C-B9EB-F147-8532-357CF0DCE3AF}" srcOrd="5" destOrd="0" parTransId="{97AF2C66-3E2D-A24C-BD25-988521EE9C1C}" sibTransId="{3986E809-02C5-0E44-A001-25CAFC1C0601}"/>
+    <dgm:cxn modelId="{77074587-CD7B-AD4C-8187-746FFB1BED1F}" srcId="{D10C642B-8746-874E-9E9C-4CBB616251EE}" destId="{89B6CDBD-4E01-514D-8985-732135A457BB}" srcOrd="3" destOrd="0" parTransId="{E3BCDD7D-85FA-C64F-A612-9ED73598BB7A}" sibTransId="{8E85DAEE-A1CF-064D-BD39-A9E664C82CA2}"/>
+    <dgm:cxn modelId="{88A7E76F-F6C5-3248-855A-2DF0E4B4747D}" srcId="{D10C642B-8746-874E-9E9C-4CBB616251EE}" destId="{52A9651C-B9EB-F147-8532-357CF0DCE3AF}" srcOrd="4" destOrd="0" parTransId="{97AF2C66-3E2D-A24C-BD25-988521EE9C1C}" sibTransId="{3986E809-02C5-0E44-A001-25CAFC1C0601}"/>
     <dgm:cxn modelId="{BC65AD36-5BD1-714D-9CAC-BD7A5388ABC0}" type="presOf" srcId="{ABD5719C-606C-4745-B738-4A1D68A62A31}" destId="{BD7E7D36-3B3F-2B49-B4B9-7523550378CF}" srcOrd="0" destOrd="0" presId="urn:microsoft.com/office/officeart/2005/8/layout/list1"/>
-    <dgm:cxn modelId="{1D8C0E32-9723-FA49-9B2F-D93AD272EA84}" srcId="{D10C642B-8746-874E-9E9C-4CBB616251EE}" destId="{C0F88658-D69B-CE49-B5F6-308640BA9F3A}" srcOrd="7" destOrd="0" parTransId="{67A81760-3D25-E241-9F09-B1E531CC43F1}" sibTransId="{B65B99C0-4B4B-D947-B2E3-F64D603C90EB}"/>
-    <dgm:cxn modelId="{660BBE75-43BA-ED43-A162-2780146BE7DC}" type="presOf" srcId="{E942311A-82E1-EB42-ABA1-18D2611EAD65}" destId="{F1579EEC-6123-9947-8765-C348DD67D91C}" srcOrd="0" destOrd="0" presId="urn:microsoft.com/office/officeart/2005/8/layout/list1"/>
-    <dgm:cxn modelId="{A2B594F6-FA23-9F45-A644-906BDDF77A23}" srcId="{D10C642B-8746-874E-9E9C-4CBB616251EE}" destId="{480D03D4-5DF8-6744-BDCF-893FF8A55C03}" srcOrd="6" destOrd="0" parTransId="{A780C5D4-5049-F94B-9C47-71E5CA0DBF59}" sibTransId="{CFC6D134-1A87-884C-BAB7-4A5F2C8D999E}"/>
+    <dgm:cxn modelId="{1D8C0E32-9723-FA49-9B2F-D93AD272EA84}" srcId="{D10C642B-8746-874E-9E9C-4CBB616251EE}" destId="{C0F88658-D69B-CE49-B5F6-308640BA9F3A}" srcOrd="6" destOrd="0" parTransId="{67A81760-3D25-E241-9F09-B1E531CC43F1}" sibTransId="{B65B99C0-4B4B-D947-B2E3-F64D603C90EB}"/>
+    <dgm:cxn modelId="{A2B594F6-FA23-9F45-A644-906BDDF77A23}" srcId="{D10C642B-8746-874E-9E9C-4CBB616251EE}" destId="{480D03D4-5DF8-6744-BDCF-893FF8A55C03}" srcOrd="5" destOrd="0" parTransId="{A780C5D4-5049-F94B-9C47-71E5CA0DBF59}" sibTransId="{CFC6D134-1A87-884C-BAB7-4A5F2C8D999E}"/>
     <dgm:cxn modelId="{42BAB3FE-2624-E143-AD01-C7DE9004A9E1}" type="presParOf" srcId="{4CA62D10-D4CD-D64B-9944-14391267F36A}" destId="{3D833F03-B299-654A-A73E-08E916B2E060}" srcOrd="0" destOrd="0" presId="urn:microsoft.com/office/officeart/2005/8/layout/list1"/>
     <dgm:cxn modelId="{43022B9E-9E22-A048-BEA7-E64E9797DC86}" type="presParOf" srcId="{3D833F03-B299-654A-A73E-08E916B2E060}" destId="{BD7E7D36-3B3F-2B49-B4B9-7523550378CF}" srcOrd="0" destOrd="0" presId="urn:microsoft.com/office/officeart/2005/8/layout/list1"/>
     <dgm:cxn modelId="{721EF448-AC9D-EF46-A064-A5DEBD4EDEED}" type="presParOf" srcId="{3D833F03-B299-654A-A73E-08E916B2E060}" destId="{6F605CB8-E4E6-4C4A-B1EB-8BB043CA0E33}" srcOrd="1" destOrd="0" presId="urn:microsoft.com/office/officeart/2005/8/layout/list1"/>
@@ -3735,35 +3610,29 @@
     <dgm:cxn modelId="{451FD183-54CF-1947-B4E6-C6585C1213E8}" type="presParOf" srcId="{4CA62D10-D4CD-D64B-9944-14391267F36A}" destId="{70211A35-C63D-E34A-981B-1149ED017753}" srcOrd="9" destOrd="0" presId="urn:microsoft.com/office/officeart/2005/8/layout/list1"/>
     <dgm:cxn modelId="{4FF60689-5974-9B44-8749-60ED1AF6C5F0}" type="presParOf" srcId="{4CA62D10-D4CD-D64B-9944-14391267F36A}" destId="{E4AF3421-56EE-744B-921A-F16C3977CA47}" srcOrd="10" destOrd="0" presId="urn:microsoft.com/office/officeart/2005/8/layout/list1"/>
     <dgm:cxn modelId="{29F6BF95-6C70-7944-9885-0C9FED2EE562}" type="presParOf" srcId="{4CA62D10-D4CD-D64B-9944-14391267F36A}" destId="{5CB849DF-6E88-CE4A-8138-84E1037A33E0}" srcOrd="11" destOrd="0" presId="urn:microsoft.com/office/officeart/2005/8/layout/list1"/>
-    <dgm:cxn modelId="{A5E06B5A-C908-7D43-8A28-22E064AECE9A}" type="presParOf" srcId="{4CA62D10-D4CD-D64B-9944-14391267F36A}" destId="{917CE2D8-EC79-3149-AA5D-72E231181C45}" srcOrd="12" destOrd="0" presId="urn:microsoft.com/office/officeart/2005/8/layout/list1"/>
-    <dgm:cxn modelId="{E0630BE0-AE54-3446-BCB6-5508863778BA}" type="presParOf" srcId="{917CE2D8-EC79-3149-AA5D-72E231181C45}" destId="{F1579EEC-6123-9947-8765-C348DD67D91C}" srcOrd="0" destOrd="0" presId="urn:microsoft.com/office/officeart/2005/8/layout/list1"/>
-    <dgm:cxn modelId="{15CD372D-3036-3849-9083-0B58C1ED5A9B}" type="presParOf" srcId="{917CE2D8-EC79-3149-AA5D-72E231181C45}" destId="{0274C5BA-1C1E-FE42-85DA-3DFF7A3E0E1A}" srcOrd="1" destOrd="0" presId="urn:microsoft.com/office/officeart/2005/8/layout/list1"/>
-    <dgm:cxn modelId="{4B4DD115-2531-0144-9F4C-FE75B2454B59}" type="presParOf" srcId="{4CA62D10-D4CD-D64B-9944-14391267F36A}" destId="{6B0EDC8E-01EB-E743-8A65-FD0068EEF1BB}" srcOrd="13" destOrd="0" presId="urn:microsoft.com/office/officeart/2005/8/layout/list1"/>
-    <dgm:cxn modelId="{9858184C-91F7-104A-B094-56344C78CC2A}" type="presParOf" srcId="{4CA62D10-D4CD-D64B-9944-14391267F36A}" destId="{E9A3EAEC-690F-264A-8CE7-0356D73ADC38}" srcOrd="14" destOrd="0" presId="urn:microsoft.com/office/officeart/2005/8/layout/list1"/>
-    <dgm:cxn modelId="{4FCBE9C8-FB13-2548-A445-7483C53CA37B}" type="presParOf" srcId="{4CA62D10-D4CD-D64B-9944-14391267F36A}" destId="{8E5D78E2-96DA-094B-B804-9BDA634131CC}" srcOrd="15" destOrd="0" presId="urn:microsoft.com/office/officeart/2005/8/layout/list1"/>
-    <dgm:cxn modelId="{11A3AFF3-9F62-9342-BD79-146D274EFD88}" type="presParOf" srcId="{4CA62D10-D4CD-D64B-9944-14391267F36A}" destId="{412F80ED-AB59-E546-A3C1-845A040F8398}" srcOrd="16" destOrd="0" presId="urn:microsoft.com/office/officeart/2005/8/layout/list1"/>
+    <dgm:cxn modelId="{11A3AFF3-9F62-9342-BD79-146D274EFD88}" type="presParOf" srcId="{4CA62D10-D4CD-D64B-9944-14391267F36A}" destId="{412F80ED-AB59-E546-A3C1-845A040F8398}" srcOrd="12" destOrd="0" presId="urn:microsoft.com/office/officeart/2005/8/layout/list1"/>
     <dgm:cxn modelId="{4F93C32C-E773-D547-B0CC-D94F956F0292}" type="presParOf" srcId="{412F80ED-AB59-E546-A3C1-845A040F8398}" destId="{6664C50E-0B5F-A945-894D-F8FF65506516}" srcOrd="0" destOrd="0" presId="urn:microsoft.com/office/officeart/2005/8/layout/list1"/>
     <dgm:cxn modelId="{BB52B78A-8C97-864E-AB06-4887A0976447}" type="presParOf" srcId="{412F80ED-AB59-E546-A3C1-845A040F8398}" destId="{104FF4B2-1025-234C-8728-0F5CA33C6758}" srcOrd="1" destOrd="0" presId="urn:microsoft.com/office/officeart/2005/8/layout/list1"/>
-    <dgm:cxn modelId="{6C202FEF-D687-4C49-B69B-9662EBFE38BE}" type="presParOf" srcId="{4CA62D10-D4CD-D64B-9944-14391267F36A}" destId="{E67D4DC2-743B-3E45-9B62-018B0B70C1F7}" srcOrd="17" destOrd="0" presId="urn:microsoft.com/office/officeart/2005/8/layout/list1"/>
-    <dgm:cxn modelId="{B5B2F5BC-71DB-5E46-B47E-022AB347AFE2}" type="presParOf" srcId="{4CA62D10-D4CD-D64B-9944-14391267F36A}" destId="{82D90556-F7AC-D945-8D9D-826EA1BA37F8}" srcOrd="18" destOrd="0" presId="urn:microsoft.com/office/officeart/2005/8/layout/list1"/>
-    <dgm:cxn modelId="{C050C796-E1DA-E84E-9151-C502E5840620}" type="presParOf" srcId="{4CA62D10-D4CD-D64B-9944-14391267F36A}" destId="{42675D55-90B8-BA40-B2E9-7B6A17A9A92B}" srcOrd="19" destOrd="0" presId="urn:microsoft.com/office/officeart/2005/8/layout/list1"/>
-    <dgm:cxn modelId="{7DC31371-33D4-0E48-AFCD-6CB457716DBE}" type="presParOf" srcId="{4CA62D10-D4CD-D64B-9944-14391267F36A}" destId="{66AC2114-53EC-684E-86D4-D5279E30F56D}" srcOrd="20" destOrd="0" presId="urn:microsoft.com/office/officeart/2005/8/layout/list1"/>
+    <dgm:cxn modelId="{6C202FEF-D687-4C49-B69B-9662EBFE38BE}" type="presParOf" srcId="{4CA62D10-D4CD-D64B-9944-14391267F36A}" destId="{E67D4DC2-743B-3E45-9B62-018B0B70C1F7}" srcOrd="13" destOrd="0" presId="urn:microsoft.com/office/officeart/2005/8/layout/list1"/>
+    <dgm:cxn modelId="{B5B2F5BC-71DB-5E46-B47E-022AB347AFE2}" type="presParOf" srcId="{4CA62D10-D4CD-D64B-9944-14391267F36A}" destId="{82D90556-F7AC-D945-8D9D-826EA1BA37F8}" srcOrd="14" destOrd="0" presId="urn:microsoft.com/office/officeart/2005/8/layout/list1"/>
+    <dgm:cxn modelId="{C050C796-E1DA-E84E-9151-C502E5840620}" type="presParOf" srcId="{4CA62D10-D4CD-D64B-9944-14391267F36A}" destId="{42675D55-90B8-BA40-B2E9-7B6A17A9A92B}" srcOrd="15" destOrd="0" presId="urn:microsoft.com/office/officeart/2005/8/layout/list1"/>
+    <dgm:cxn modelId="{7DC31371-33D4-0E48-AFCD-6CB457716DBE}" type="presParOf" srcId="{4CA62D10-D4CD-D64B-9944-14391267F36A}" destId="{66AC2114-53EC-684E-86D4-D5279E30F56D}" srcOrd="16" destOrd="0" presId="urn:microsoft.com/office/officeart/2005/8/layout/list1"/>
     <dgm:cxn modelId="{3D991EA6-F849-2248-8554-D8F0EDCA92E0}" type="presParOf" srcId="{66AC2114-53EC-684E-86D4-D5279E30F56D}" destId="{CB29F890-DFC0-D147-BE0B-15410C21DB5E}" srcOrd="0" destOrd="0" presId="urn:microsoft.com/office/officeart/2005/8/layout/list1"/>
     <dgm:cxn modelId="{D7A3C431-29D2-9543-A724-FEA48A0B29F5}" type="presParOf" srcId="{66AC2114-53EC-684E-86D4-D5279E30F56D}" destId="{9E33A944-5052-4D4A-9963-C5347F38B943}" srcOrd="1" destOrd="0" presId="urn:microsoft.com/office/officeart/2005/8/layout/list1"/>
-    <dgm:cxn modelId="{22D05B16-58A5-C446-AD34-D3CF155A4327}" type="presParOf" srcId="{4CA62D10-D4CD-D64B-9944-14391267F36A}" destId="{D91993E5-3239-D84E-A49B-57D1139EC49F}" srcOrd="21" destOrd="0" presId="urn:microsoft.com/office/officeart/2005/8/layout/list1"/>
-    <dgm:cxn modelId="{A4E2F1DD-C075-B947-8B82-1F27BB60ADF5}" type="presParOf" srcId="{4CA62D10-D4CD-D64B-9944-14391267F36A}" destId="{525BB6E7-6ADF-A248-91CC-963DAE2F1235}" srcOrd="22" destOrd="0" presId="urn:microsoft.com/office/officeart/2005/8/layout/list1"/>
-    <dgm:cxn modelId="{B3000A8A-1BF0-D844-8E8F-349A8CD981C4}" type="presParOf" srcId="{4CA62D10-D4CD-D64B-9944-14391267F36A}" destId="{6BFB19B8-16A3-CD40-862E-5A1B76895F2B}" srcOrd="23" destOrd="0" presId="urn:microsoft.com/office/officeart/2005/8/layout/list1"/>
-    <dgm:cxn modelId="{E9526656-56BE-AD43-868A-C50539C128D2}" type="presParOf" srcId="{4CA62D10-D4CD-D64B-9944-14391267F36A}" destId="{38AF7B69-C06E-2E4B-BA83-769436716994}" srcOrd="24" destOrd="0" presId="urn:microsoft.com/office/officeart/2005/8/layout/list1"/>
+    <dgm:cxn modelId="{22D05B16-58A5-C446-AD34-D3CF155A4327}" type="presParOf" srcId="{4CA62D10-D4CD-D64B-9944-14391267F36A}" destId="{D91993E5-3239-D84E-A49B-57D1139EC49F}" srcOrd="17" destOrd="0" presId="urn:microsoft.com/office/officeart/2005/8/layout/list1"/>
+    <dgm:cxn modelId="{A4E2F1DD-C075-B947-8B82-1F27BB60ADF5}" type="presParOf" srcId="{4CA62D10-D4CD-D64B-9944-14391267F36A}" destId="{525BB6E7-6ADF-A248-91CC-963DAE2F1235}" srcOrd="18" destOrd="0" presId="urn:microsoft.com/office/officeart/2005/8/layout/list1"/>
+    <dgm:cxn modelId="{B3000A8A-1BF0-D844-8E8F-349A8CD981C4}" type="presParOf" srcId="{4CA62D10-D4CD-D64B-9944-14391267F36A}" destId="{6BFB19B8-16A3-CD40-862E-5A1B76895F2B}" srcOrd="19" destOrd="0" presId="urn:microsoft.com/office/officeart/2005/8/layout/list1"/>
+    <dgm:cxn modelId="{E9526656-56BE-AD43-868A-C50539C128D2}" type="presParOf" srcId="{4CA62D10-D4CD-D64B-9944-14391267F36A}" destId="{38AF7B69-C06E-2E4B-BA83-769436716994}" srcOrd="20" destOrd="0" presId="urn:microsoft.com/office/officeart/2005/8/layout/list1"/>
     <dgm:cxn modelId="{AE13F8F5-89BF-3D4B-89F6-0B5ABFB30BA5}" type="presParOf" srcId="{38AF7B69-C06E-2E4B-BA83-769436716994}" destId="{C407C5CE-3668-2A4A-A575-15F449AE2841}" srcOrd="0" destOrd="0" presId="urn:microsoft.com/office/officeart/2005/8/layout/list1"/>
     <dgm:cxn modelId="{79019B4B-5BE2-5941-89A9-DCE8CF6E6F99}" type="presParOf" srcId="{38AF7B69-C06E-2E4B-BA83-769436716994}" destId="{FCDD1306-1B36-634E-A92F-8380AB2936B4}" srcOrd="1" destOrd="0" presId="urn:microsoft.com/office/officeart/2005/8/layout/list1"/>
-    <dgm:cxn modelId="{D9C2B881-23B4-224E-9F9D-68842C6EFADB}" type="presParOf" srcId="{4CA62D10-D4CD-D64B-9944-14391267F36A}" destId="{2E999E13-AD29-5D48-AF1D-AA5A4C365E7F}" srcOrd="25" destOrd="0" presId="urn:microsoft.com/office/officeart/2005/8/layout/list1"/>
-    <dgm:cxn modelId="{D5D1812B-414D-6E41-AD32-B65B4E1861D0}" type="presParOf" srcId="{4CA62D10-D4CD-D64B-9944-14391267F36A}" destId="{093281F6-7566-AB43-AF59-5517FC4B00A0}" srcOrd="26" destOrd="0" presId="urn:microsoft.com/office/officeart/2005/8/layout/list1"/>
-    <dgm:cxn modelId="{81B21BAC-B0CD-A544-9FB1-4AB0523E154A}" type="presParOf" srcId="{4CA62D10-D4CD-D64B-9944-14391267F36A}" destId="{61EDB474-B965-A544-B1FF-6ED1DC523E6C}" srcOrd="27" destOrd="0" presId="urn:microsoft.com/office/officeart/2005/8/layout/list1"/>
-    <dgm:cxn modelId="{EF6300F1-887E-314A-A030-99F7464D5FA3}" type="presParOf" srcId="{4CA62D10-D4CD-D64B-9944-14391267F36A}" destId="{43A3BD99-9936-144D-AF43-43C6252AC4DB}" srcOrd="28" destOrd="0" presId="urn:microsoft.com/office/officeart/2005/8/layout/list1"/>
+    <dgm:cxn modelId="{D9C2B881-23B4-224E-9F9D-68842C6EFADB}" type="presParOf" srcId="{4CA62D10-D4CD-D64B-9944-14391267F36A}" destId="{2E999E13-AD29-5D48-AF1D-AA5A4C365E7F}" srcOrd="21" destOrd="0" presId="urn:microsoft.com/office/officeart/2005/8/layout/list1"/>
+    <dgm:cxn modelId="{D5D1812B-414D-6E41-AD32-B65B4E1861D0}" type="presParOf" srcId="{4CA62D10-D4CD-D64B-9944-14391267F36A}" destId="{093281F6-7566-AB43-AF59-5517FC4B00A0}" srcOrd="22" destOrd="0" presId="urn:microsoft.com/office/officeart/2005/8/layout/list1"/>
+    <dgm:cxn modelId="{81B21BAC-B0CD-A544-9FB1-4AB0523E154A}" type="presParOf" srcId="{4CA62D10-D4CD-D64B-9944-14391267F36A}" destId="{61EDB474-B965-A544-B1FF-6ED1DC523E6C}" srcOrd="23" destOrd="0" presId="urn:microsoft.com/office/officeart/2005/8/layout/list1"/>
+    <dgm:cxn modelId="{EF6300F1-887E-314A-A030-99F7464D5FA3}" type="presParOf" srcId="{4CA62D10-D4CD-D64B-9944-14391267F36A}" destId="{43A3BD99-9936-144D-AF43-43C6252AC4DB}" srcOrd="24" destOrd="0" presId="urn:microsoft.com/office/officeart/2005/8/layout/list1"/>
     <dgm:cxn modelId="{A0DD9796-BF2F-8545-9ECC-2769433DC531}" type="presParOf" srcId="{43A3BD99-9936-144D-AF43-43C6252AC4DB}" destId="{23324418-E542-CB4E-BBA2-F5C5EC564517}" srcOrd="0" destOrd="0" presId="urn:microsoft.com/office/officeart/2005/8/layout/list1"/>
     <dgm:cxn modelId="{007ECD5E-4C24-DA4B-854E-FEE37781A8A0}" type="presParOf" srcId="{43A3BD99-9936-144D-AF43-43C6252AC4DB}" destId="{D38B4E33-2EC5-2844-B393-FDD68E272FB6}" srcOrd="1" destOrd="0" presId="urn:microsoft.com/office/officeart/2005/8/layout/list1"/>
-    <dgm:cxn modelId="{3BAF3CB1-243C-2349-8A76-CEE55B4375E1}" type="presParOf" srcId="{4CA62D10-D4CD-D64B-9944-14391267F36A}" destId="{0DE26540-CF3E-7F4D-B06A-563DE739A371}" srcOrd="29" destOrd="0" presId="urn:microsoft.com/office/officeart/2005/8/layout/list1"/>
-    <dgm:cxn modelId="{293CA193-0CF6-6A40-8617-1721A39C5BEA}" type="presParOf" srcId="{4CA62D10-D4CD-D64B-9944-14391267F36A}" destId="{19A67170-2804-504E-B775-37AE6FF56167}" srcOrd="30" destOrd="0" presId="urn:microsoft.com/office/officeart/2005/8/layout/list1"/>
+    <dgm:cxn modelId="{3BAF3CB1-243C-2349-8A76-CEE55B4375E1}" type="presParOf" srcId="{4CA62D10-D4CD-D64B-9944-14391267F36A}" destId="{0DE26540-CF3E-7F4D-B06A-563DE739A371}" srcOrd="25" destOrd="0" presId="urn:microsoft.com/office/officeart/2005/8/layout/list1"/>
+    <dgm:cxn modelId="{293CA193-0CF6-6A40-8617-1721A39C5BEA}" type="presParOf" srcId="{4CA62D10-D4CD-D64B-9944-14391267F36A}" destId="{19A67170-2804-504E-B775-37AE6FF56167}" srcOrd="26" destOrd="0" presId="urn:microsoft.com/office/officeart/2005/8/layout/list1"/>
   </dgm:cxnLst>
   <dgm:bg/>
   <dgm:whole/>
@@ -4731,8 +4600,8 @@
       </dsp:nvSpPr>
       <dsp:spPr>
         <a:xfrm>
-          <a:off x="0" y="311320"/>
-          <a:ext cx="9678737" cy="428400"/>
+          <a:off x="0" y="412833"/>
+          <a:ext cx="9678737" cy="478800"/>
         </a:xfrm>
         <a:prstGeom prst="rect">
           <a:avLst/>
@@ -4780,8 +4649,8 @@
       </dsp:nvSpPr>
       <dsp:spPr>
         <a:xfrm>
-          <a:off x="483936" y="72696"/>
-          <a:ext cx="6775115" cy="501840"/>
+          <a:off x="483936" y="146136"/>
+          <a:ext cx="6775115" cy="560880"/>
         </a:xfrm>
         <a:prstGeom prst="roundRect">
           <a:avLst/>
@@ -4876,8 +4745,8 @@
         </a:p>
       </dsp:txBody>
       <dsp:txXfrm>
-        <a:off x="508434" y="97194"/>
-        <a:ext cx="6726119" cy="452844"/>
+        <a:off x="511316" y="173516"/>
+        <a:ext cx="6720355" cy="506120"/>
       </dsp:txXfrm>
     </dsp:sp>
     <dsp:sp modelId="{3E3DC41F-4695-2C4A-8395-C1BAEAA1C6A7}">
@@ -4887,8 +4756,8 @@
       </dsp:nvSpPr>
       <dsp:spPr>
         <a:xfrm>
-          <a:off x="0" y="1094736"/>
-          <a:ext cx="9678737" cy="428400"/>
+          <a:off x="0" y="1288417"/>
+          <a:ext cx="9678737" cy="478800"/>
         </a:xfrm>
         <a:prstGeom prst="rect">
           <a:avLst/>
@@ -4936,8 +4805,8 @@
       </dsp:nvSpPr>
       <dsp:spPr>
         <a:xfrm>
-          <a:off x="483936" y="843816"/>
-          <a:ext cx="6775115" cy="501840"/>
+          <a:off x="483936" y="1007976"/>
+          <a:ext cx="6775115" cy="560880"/>
         </a:xfrm>
         <a:prstGeom prst="roundRect">
           <a:avLst/>
@@ -5032,8 +4901,8 @@
         </a:p>
       </dsp:txBody>
       <dsp:txXfrm>
-        <a:off x="508434" y="868314"/>
-        <a:ext cx="6726119" cy="452844"/>
+        <a:off x="511316" y="1035356"/>
+        <a:ext cx="6720355" cy="506120"/>
       </dsp:txXfrm>
     </dsp:sp>
     <dsp:sp modelId="{E4AF3421-56EE-744B-921A-F16C3977CA47}">
@@ -5043,8 +4912,8 @@
       </dsp:nvSpPr>
       <dsp:spPr>
         <a:xfrm>
-          <a:off x="0" y="1865856"/>
-          <a:ext cx="9678737" cy="428400"/>
+          <a:off x="0" y="2150257"/>
+          <a:ext cx="9678737" cy="478800"/>
         </a:xfrm>
         <a:prstGeom prst="rect">
           <a:avLst/>
@@ -5092,8 +4961,8 @@
       </dsp:nvSpPr>
       <dsp:spPr>
         <a:xfrm>
-          <a:off x="483936" y="1614936"/>
-          <a:ext cx="6775115" cy="501840"/>
+          <a:off x="483936" y="1869817"/>
+          <a:ext cx="6775115" cy="560880"/>
         </a:xfrm>
         <a:prstGeom prst="roundRect">
           <a:avLst/>
@@ -5188,19 +5057,19 @@
         </a:p>
       </dsp:txBody>
       <dsp:txXfrm>
-        <a:off x="508434" y="1639434"/>
-        <a:ext cx="6726119" cy="452844"/>
+        <a:off x="511316" y="1897197"/>
+        <a:ext cx="6720355" cy="506120"/>
       </dsp:txXfrm>
     </dsp:sp>
-    <dsp:sp modelId="{E9A3EAEC-690F-264A-8CE7-0356D73ADC38}">
+    <dsp:sp modelId="{82D90556-F7AC-D945-8D9D-826EA1BA37F8}">
       <dsp:nvSpPr>
         <dsp:cNvPr id="0" name=""/>
         <dsp:cNvSpPr/>
       </dsp:nvSpPr>
       <dsp:spPr>
         <a:xfrm>
-          <a:off x="0" y="2636976"/>
-          <a:ext cx="9678737" cy="428400"/>
+          <a:off x="0" y="3012097"/>
+          <a:ext cx="9678737" cy="478800"/>
         </a:xfrm>
         <a:prstGeom prst="rect">
           <a:avLst/>
@@ -5241,15 +5110,15 @@
         <a:fontRef idx="minor"/>
       </dsp:style>
     </dsp:sp>
-    <dsp:sp modelId="{0274C5BA-1C1E-FE42-85DA-3DFF7A3E0E1A}">
+    <dsp:sp modelId="{104FF4B2-1025-234C-8728-0F5CA33C6758}">
       <dsp:nvSpPr>
         <dsp:cNvPr id="0" name=""/>
         <dsp:cNvSpPr/>
       </dsp:nvSpPr>
       <dsp:spPr>
         <a:xfrm>
-          <a:off x="483936" y="2386056"/>
-          <a:ext cx="6775115" cy="501840"/>
+          <a:off x="483936" y="2731657"/>
+          <a:ext cx="6775115" cy="560880"/>
         </a:xfrm>
         <a:prstGeom prst="roundRect">
           <a:avLst/>
@@ -5342,7 +5211,7 @@
               <a:ea typeface="Microsoft JhengHei" charset="-120"/>
               <a:cs typeface="Microsoft JhengHei" charset="-120"/>
             </a:rPr>
-            <a:t>jQuery</a:t>
+            <a:t>DOM</a:t>
           </a:r>
           <a:r>
             <a:rPr lang="zh-TW" altLang="en-US" sz="3200" b="1" kern="1200" dirty="0" smtClean="0">
@@ -5350,7 +5219,7 @@
               <a:ea typeface="Microsoft JhengHei" charset="-120"/>
               <a:cs typeface="Microsoft JhengHei" charset="-120"/>
             </a:rPr>
-            <a:t> 特定涵式</a:t>
+            <a:t> 循迴查詢</a:t>
           </a:r>
           <a:endParaRPr lang="zh-TW" altLang="en-US" sz="3200" b="1" kern="1200" dirty="0">
             <a:latin typeface="Microsoft JhengHei" charset="-120"/>
@@ -5360,19 +5229,19 @@
         </a:p>
       </dsp:txBody>
       <dsp:txXfrm>
-        <a:off x="508434" y="2410554"/>
-        <a:ext cx="6726119" cy="452844"/>
+        <a:off x="511316" y="2759037"/>
+        <a:ext cx="6720355" cy="506120"/>
       </dsp:txXfrm>
     </dsp:sp>
-    <dsp:sp modelId="{82D90556-F7AC-D945-8D9D-826EA1BA37F8}">
+    <dsp:sp modelId="{525BB6E7-6ADF-A248-91CC-963DAE2F1235}">
       <dsp:nvSpPr>
         <dsp:cNvPr id="0" name=""/>
         <dsp:cNvSpPr/>
       </dsp:nvSpPr>
       <dsp:spPr>
         <a:xfrm>
-          <a:off x="0" y="3408097"/>
-          <a:ext cx="9678737" cy="428400"/>
+          <a:off x="0" y="3873936"/>
+          <a:ext cx="9678737" cy="478800"/>
         </a:xfrm>
         <a:prstGeom prst="rect">
           <a:avLst/>
@@ -5413,15 +5282,15 @@
         <a:fontRef idx="minor"/>
       </dsp:style>
     </dsp:sp>
-    <dsp:sp modelId="{104FF4B2-1025-234C-8728-0F5CA33C6758}">
+    <dsp:sp modelId="{9E33A944-5052-4D4A-9963-C5347F38B943}">
       <dsp:nvSpPr>
         <dsp:cNvPr id="0" name=""/>
         <dsp:cNvSpPr/>
       </dsp:nvSpPr>
       <dsp:spPr>
         <a:xfrm>
-          <a:off x="483936" y="3157176"/>
-          <a:ext cx="6775115" cy="501840"/>
+          <a:off x="483936" y="3593497"/>
+          <a:ext cx="6775115" cy="560880"/>
         </a:xfrm>
         <a:prstGeom prst="roundRect">
           <a:avLst/>
@@ -5514,15 +5383,7 @@
               <a:ea typeface="Microsoft JhengHei" charset="-120"/>
               <a:cs typeface="Microsoft JhengHei" charset="-120"/>
             </a:rPr>
-            <a:t>DOM</a:t>
-          </a:r>
-          <a:r>
-            <a:rPr lang="zh-TW" altLang="en-US" sz="3200" b="1" kern="1200" dirty="0" smtClean="0">
-              <a:latin typeface="Microsoft JhengHei" charset="-120"/>
-              <a:ea typeface="Microsoft JhengHei" charset="-120"/>
-              <a:cs typeface="Microsoft JhengHei" charset="-120"/>
-            </a:rPr>
-            <a:t> 循迴查詢</a:t>
+            <a:t>AJAX</a:t>
           </a:r>
           <a:endParaRPr lang="zh-TW" altLang="en-US" sz="3200" b="1" kern="1200" dirty="0">
             <a:latin typeface="Microsoft JhengHei" charset="-120"/>
@@ -5532,19 +5393,19 @@
         </a:p>
       </dsp:txBody>
       <dsp:txXfrm>
-        <a:off x="508434" y="3181674"/>
-        <a:ext cx="6726119" cy="452844"/>
+        <a:off x="511316" y="3620877"/>
+        <a:ext cx="6720355" cy="506120"/>
       </dsp:txXfrm>
     </dsp:sp>
-    <dsp:sp modelId="{525BB6E7-6ADF-A248-91CC-963DAE2F1235}">
+    <dsp:sp modelId="{093281F6-7566-AB43-AF59-5517FC4B00A0}">
       <dsp:nvSpPr>
         <dsp:cNvPr id="0" name=""/>
         <dsp:cNvSpPr/>
       </dsp:nvSpPr>
       <dsp:spPr>
         <a:xfrm>
-          <a:off x="0" y="4179217"/>
-          <a:ext cx="9678737" cy="428400"/>
+          <a:off x="0" y="4735776"/>
+          <a:ext cx="9678737" cy="478800"/>
         </a:xfrm>
         <a:prstGeom prst="rect">
           <a:avLst/>
@@ -5585,15 +5446,15 @@
         <a:fontRef idx="minor"/>
       </dsp:style>
     </dsp:sp>
-    <dsp:sp modelId="{9E33A944-5052-4D4A-9963-C5347F38B943}">
+    <dsp:sp modelId="{FCDD1306-1B36-634E-A92F-8380AB2936B4}">
       <dsp:nvSpPr>
         <dsp:cNvPr id="0" name=""/>
         <dsp:cNvSpPr/>
       </dsp:nvSpPr>
       <dsp:spPr>
         <a:xfrm>
-          <a:off x="483936" y="3928297"/>
-          <a:ext cx="6775115" cy="501840"/>
+          <a:off x="483936" y="4455336"/>
+          <a:ext cx="6775115" cy="560880"/>
         </a:xfrm>
         <a:prstGeom prst="roundRect">
           <a:avLst/>
@@ -5661,7 +5522,7 @@
         </a:bodyPr>
         <a:lstStyle/>
         <a:p>
-          <a:pPr lvl="0" algn="l" defTabSz="1422400">
+          <a:pPr lvl="0" algn="l" defTabSz="1244600">
             <a:lnSpc>
               <a:spcPct val="90000"/>
             </a:lnSpc>
@@ -5673,7 +5534,7 @@
             </a:spcAft>
           </a:pPr>
           <a:r>
-            <a:rPr lang="zh-TW" altLang="en-US" sz="3200" b="1" kern="1200" dirty="0" smtClean="0">
+            <a:rPr lang="zh-TW" altLang="en-US" sz="2800" b="1" kern="1200" dirty="0" smtClean="0">
               <a:latin typeface="Microsoft JhengHei" charset="-120"/>
               <a:ea typeface="Microsoft JhengHei" charset="-120"/>
               <a:cs typeface="Microsoft JhengHei" charset="-120"/>
@@ -5681,14 +5542,22 @@
             <a:t>六、</a:t>
           </a:r>
           <a:r>
-            <a:rPr lang="en-US" altLang="zh-TW" sz="3200" b="1" kern="1200" dirty="0" smtClean="0">
+            <a:rPr lang="en-US" altLang="zh-TW" sz="2800" b="1" kern="1200" dirty="0" smtClean="0">
               <a:latin typeface="Microsoft JhengHei" charset="-120"/>
               <a:ea typeface="Microsoft JhengHei" charset="-120"/>
               <a:cs typeface="Microsoft JhengHei" charset="-120"/>
             </a:rPr>
-            <a:t>AJAX</a:t>
+            <a:t>JavaScript</a:t>
           </a:r>
-          <a:endParaRPr lang="zh-TW" altLang="en-US" sz="3200" b="1" kern="1200" dirty="0">
+          <a:r>
+            <a:rPr lang="zh-TW" altLang="en-US" sz="2800" b="1" kern="1200" dirty="0" smtClean="0">
+              <a:latin typeface="Microsoft JhengHei" charset="-120"/>
+              <a:ea typeface="Microsoft JhengHei" charset="-120"/>
+              <a:cs typeface="Microsoft JhengHei" charset="-120"/>
+            </a:rPr>
+            <a:t>常用涵式</a:t>
+          </a:r>
+          <a:endParaRPr lang="zh-TW" altLang="en-US" sz="2800" b="1" kern="1200" dirty="0">
             <a:latin typeface="Microsoft JhengHei" charset="-120"/>
             <a:ea typeface="Microsoft JhengHei" charset="-120"/>
             <a:cs typeface="Microsoft JhengHei" charset="-120"/>
@@ -5696,19 +5565,19 @@
         </a:p>
       </dsp:txBody>
       <dsp:txXfrm>
-        <a:off x="508434" y="3952795"/>
-        <a:ext cx="6726119" cy="452844"/>
+        <a:off x="511316" y="4482716"/>
+        <a:ext cx="6720355" cy="506120"/>
       </dsp:txXfrm>
     </dsp:sp>
-    <dsp:sp modelId="{093281F6-7566-AB43-AF59-5517FC4B00A0}">
+    <dsp:sp modelId="{19A67170-2804-504E-B775-37AE6FF56167}">
       <dsp:nvSpPr>
         <dsp:cNvPr id="0" name=""/>
         <dsp:cNvSpPr/>
       </dsp:nvSpPr>
       <dsp:spPr>
         <a:xfrm>
-          <a:off x="0" y="4950337"/>
-          <a:ext cx="9678737" cy="428400"/>
+          <a:off x="0" y="5597617"/>
+          <a:ext cx="9678737" cy="478800"/>
         </a:xfrm>
         <a:prstGeom prst="rect">
           <a:avLst/>
@@ -5749,15 +5618,15 @@
         <a:fontRef idx="minor"/>
       </dsp:style>
     </dsp:sp>
-    <dsp:sp modelId="{FCDD1306-1B36-634E-A92F-8380AB2936B4}">
+    <dsp:sp modelId="{D38B4E33-2EC5-2844-B393-FDD68E272FB6}">
       <dsp:nvSpPr>
         <dsp:cNvPr id="0" name=""/>
         <dsp:cNvSpPr/>
       </dsp:nvSpPr>
       <dsp:spPr>
         <a:xfrm>
-          <a:off x="483936" y="4699417"/>
-          <a:ext cx="6775115" cy="501840"/>
+          <a:off x="483936" y="5317177"/>
+          <a:ext cx="6775115" cy="560880"/>
         </a:xfrm>
         <a:prstGeom prst="roundRect">
           <a:avLst/>
@@ -5825,178 +5694,6 @@
         </a:bodyPr>
         <a:lstStyle/>
         <a:p>
-          <a:pPr lvl="0" algn="l" defTabSz="1244600">
-            <a:lnSpc>
-              <a:spcPct val="90000"/>
-            </a:lnSpc>
-            <a:spcBef>
-              <a:spcPct val="0"/>
-            </a:spcBef>
-            <a:spcAft>
-              <a:spcPct val="35000"/>
-            </a:spcAft>
-          </a:pPr>
-          <a:r>
-            <a:rPr lang="zh-TW" altLang="en-US" sz="2800" b="1" kern="1200" dirty="0" smtClean="0">
-              <a:latin typeface="Microsoft JhengHei" charset="-120"/>
-              <a:ea typeface="Microsoft JhengHei" charset="-120"/>
-              <a:cs typeface="Microsoft JhengHei" charset="-120"/>
-            </a:rPr>
-            <a:t>七、</a:t>
-          </a:r>
-          <a:r>
-            <a:rPr lang="en-US" altLang="zh-TW" sz="2800" b="1" kern="1200" dirty="0" smtClean="0">
-              <a:latin typeface="Microsoft JhengHei" charset="-120"/>
-              <a:ea typeface="Microsoft JhengHei" charset="-120"/>
-              <a:cs typeface="Microsoft JhengHei" charset="-120"/>
-            </a:rPr>
-            <a:t>JavaScript</a:t>
-          </a:r>
-          <a:r>
-            <a:rPr lang="zh-TW" altLang="en-US" sz="2800" b="1" kern="1200" dirty="0" smtClean="0">
-              <a:latin typeface="Microsoft JhengHei" charset="-120"/>
-              <a:ea typeface="Microsoft JhengHei" charset="-120"/>
-              <a:cs typeface="Microsoft JhengHei" charset="-120"/>
-            </a:rPr>
-            <a:t>常用涵式</a:t>
-          </a:r>
-          <a:endParaRPr lang="zh-TW" altLang="en-US" sz="2800" b="1" kern="1200" dirty="0">
-            <a:latin typeface="Microsoft JhengHei" charset="-120"/>
-            <a:ea typeface="Microsoft JhengHei" charset="-120"/>
-            <a:cs typeface="Microsoft JhengHei" charset="-120"/>
-          </a:endParaRPr>
-        </a:p>
-      </dsp:txBody>
-      <dsp:txXfrm>
-        <a:off x="508434" y="4723915"/>
-        <a:ext cx="6726119" cy="452844"/>
-      </dsp:txXfrm>
-    </dsp:sp>
-    <dsp:sp modelId="{19A67170-2804-504E-B775-37AE6FF56167}">
-      <dsp:nvSpPr>
-        <dsp:cNvPr id="0" name=""/>
-        <dsp:cNvSpPr/>
-      </dsp:nvSpPr>
-      <dsp:spPr>
-        <a:xfrm>
-          <a:off x="0" y="5721457"/>
-          <a:ext cx="9678737" cy="428400"/>
-        </a:xfrm>
-        <a:prstGeom prst="rect">
-          <a:avLst/>
-        </a:prstGeom>
-        <a:solidFill>
-          <a:schemeClr val="lt1">
-            <a:alpha val="90000"/>
-            <a:hueOff val="0"/>
-            <a:satOff val="0"/>
-            <a:lumOff val="0"/>
-            <a:alphaOff val="0"/>
-          </a:schemeClr>
-        </a:solidFill>
-        <a:ln w="6350" cap="flat" cmpd="sng" algn="ctr">
-          <a:solidFill>
-            <a:schemeClr val="accent4">
-              <a:hueOff val="0"/>
-              <a:satOff val="0"/>
-              <a:lumOff val="0"/>
-              <a:alphaOff val="0"/>
-            </a:schemeClr>
-          </a:solidFill>
-          <a:prstDash val="solid"/>
-          <a:miter lim="800000"/>
-        </a:ln>
-        <a:effectLst/>
-      </dsp:spPr>
-      <dsp:style>
-        <a:lnRef idx="1">
-          <a:scrgbClr r="0" g="0" b="0"/>
-        </a:lnRef>
-        <a:fillRef idx="1">
-          <a:scrgbClr r="0" g="0" b="0"/>
-        </a:fillRef>
-        <a:effectRef idx="0">
-          <a:scrgbClr r="0" g="0" b="0"/>
-        </a:effectRef>
-        <a:fontRef idx="minor"/>
-      </dsp:style>
-    </dsp:sp>
-    <dsp:sp modelId="{D38B4E33-2EC5-2844-B393-FDD68E272FB6}">
-      <dsp:nvSpPr>
-        <dsp:cNvPr id="0" name=""/>
-        <dsp:cNvSpPr/>
-      </dsp:nvSpPr>
-      <dsp:spPr>
-        <a:xfrm>
-          <a:off x="483936" y="5470537"/>
-          <a:ext cx="6775115" cy="501840"/>
-        </a:xfrm>
-        <a:prstGeom prst="roundRect">
-          <a:avLst/>
-        </a:prstGeom>
-        <a:gradFill rotWithShape="0">
-          <a:gsLst>
-            <a:gs pos="0">
-              <a:schemeClr val="accent4">
-                <a:hueOff val="0"/>
-                <a:satOff val="0"/>
-                <a:lumOff val="0"/>
-                <a:alphaOff val="0"/>
-                <a:satMod val="103000"/>
-                <a:lumMod val="102000"/>
-                <a:tint val="94000"/>
-              </a:schemeClr>
-            </a:gs>
-            <a:gs pos="50000">
-              <a:schemeClr val="accent4">
-                <a:hueOff val="0"/>
-                <a:satOff val="0"/>
-                <a:lumOff val="0"/>
-                <a:alphaOff val="0"/>
-                <a:satMod val="110000"/>
-                <a:lumMod val="100000"/>
-                <a:shade val="100000"/>
-              </a:schemeClr>
-            </a:gs>
-            <a:gs pos="100000">
-              <a:schemeClr val="accent4">
-                <a:hueOff val="0"/>
-                <a:satOff val="0"/>
-                <a:lumOff val="0"/>
-                <a:alphaOff val="0"/>
-                <a:lumMod val="99000"/>
-                <a:satMod val="120000"/>
-                <a:shade val="78000"/>
-              </a:schemeClr>
-            </a:gs>
-          </a:gsLst>
-          <a:lin ang="5400000" scaled="0"/>
-        </a:gradFill>
-        <a:ln>
-          <a:noFill/>
-        </a:ln>
-        <a:effectLst/>
-      </dsp:spPr>
-      <dsp:style>
-        <a:lnRef idx="0">
-          <a:scrgbClr r="0" g="0" b="0"/>
-        </a:lnRef>
-        <a:fillRef idx="3">
-          <a:scrgbClr r="0" g="0" b="0"/>
-        </a:fillRef>
-        <a:effectRef idx="2">
-          <a:scrgbClr r="0" g="0" b="0"/>
-        </a:effectRef>
-        <a:fontRef idx="minor">
-          <a:schemeClr val="lt1"/>
-        </a:fontRef>
-      </dsp:style>
-      <dsp:txBody>
-        <a:bodyPr spcFirstLastPara="0" vert="horz" wrap="square" lIns="256083" tIns="0" rIns="256083" bIns="0" numCol="1" spcCol="1270" anchor="ctr" anchorCtr="0">
-          <a:noAutofit/>
-        </a:bodyPr>
-        <a:lstStyle/>
-        <a:p>
           <a:pPr lvl="0" algn="l" defTabSz="1422400">
             <a:lnSpc>
               <a:spcPct val="90000"/>
@@ -6009,12 +5706,12 @@
             </a:spcAft>
           </a:pPr>
           <a:r>
-            <a:rPr lang="zh-TW" altLang="en-US" sz="3200" b="1" kern="1200" dirty="0" smtClean="0">
+            <a:rPr lang="zh-TW" altLang="en-US" sz="3200" b="1" kern="1200" smtClean="0">
               <a:latin typeface="Microsoft JhengHei" charset="-120"/>
               <a:ea typeface="Microsoft JhengHei" charset="-120"/>
               <a:cs typeface="Microsoft JhengHei" charset="-120"/>
             </a:rPr>
-            <a:t>八、</a:t>
+            <a:t>七、</a:t>
           </a:r>
           <a:r>
             <a:rPr lang="en-US" altLang="zh-TW" sz="3200" b="1" kern="1200" dirty="0" smtClean="0">
@@ -6056,8 +5753,8 @@
         </a:p>
       </dsp:txBody>
       <dsp:txXfrm>
-        <a:off x="508434" y="5495035"/>
-        <a:ext cx="6726119" cy="452844"/>
+        <a:off x="511316" y="5344557"/>
+        <a:ext cx="6720355" cy="506120"/>
       </dsp:txXfrm>
     </dsp:sp>
   </dsp:spTree>
@@ -15043,25 +14740,19 @@
               <a:rPr kumimoji="1" lang="en-US" altLang="zh-TW" dirty="0">
                 <a:hlinkClick r:id="rId2"/>
               </a:rPr>
-              <a:t>https://</a:t>
-            </a:r>
-            <a:r>
-              <a:rPr kumimoji="1" lang="en-US" altLang="zh-TW" err="1">
-                <a:hlinkClick r:id="rId2"/>
-              </a:rPr>
-              <a:t>jquery.com</a:t>
-            </a:r>
-            <a:r>
-              <a:rPr kumimoji="1" lang="en-US" altLang="zh-TW" smtClean="0">
+              <a:t>https://jquery.com</a:t>
+            </a:r>
+            <a:r>
+              <a:rPr kumimoji="1" lang="en-US" altLang="zh-TW" dirty="0" smtClean="0">
                 <a:hlinkClick r:id="rId2"/>
               </a:rPr>
               <a:t>/</a:t>
             </a:r>
             <a:r>
-              <a:rPr kumimoji="1" lang="zh-TW" altLang="en-US" smtClean="0"/>
+              <a:rPr kumimoji="1" lang="zh-TW" altLang="en-US" dirty="0" smtClean="0"/>
               <a:t> </a:t>
             </a:r>
-            <a:endParaRPr kumimoji="1" lang="en-US" altLang="zh-TW"/>
+            <a:endParaRPr kumimoji="1" lang="en-US" altLang="zh-TW" dirty="0"/>
           </a:p>
           <a:p>
             <a:r>
@@ -15206,7 +14897,7 @@
           <p:nvPr>
             <p:extLst>
               <p:ext uri="{D42A27DB-BD31-4B8C-83A1-F6EECF244321}">
-                <p14:modId xmlns:p14="http://schemas.microsoft.com/office/powerpoint/2010/main" val="177389261"/>
+                <p14:modId xmlns:p14="http://schemas.microsoft.com/office/powerpoint/2010/main" val="491596047"/>
               </p:ext>
             </p:extLst>
           </p:nvPr>

--- a/jquerytutorial.pptx
+++ b/jquerytutorial.pptx
@@ -11,10 +11,11 @@
     <p:sldId id="260" r:id="rId5"/>
     <p:sldId id="261" r:id="rId6"/>
     <p:sldId id="262" r:id="rId7"/>
-    <p:sldId id="263" r:id="rId8"/>
-    <p:sldId id="264" r:id="rId9"/>
-    <p:sldId id="265" r:id="rId10"/>
-    <p:sldId id="258" r:id="rId11"/>
+    <p:sldId id="266" r:id="rId8"/>
+    <p:sldId id="263" r:id="rId9"/>
+    <p:sldId id="264" r:id="rId10"/>
+    <p:sldId id="265" r:id="rId11"/>
+    <p:sldId id="258" r:id="rId12"/>
   </p:sldIdLst>
   <p:sldSz cx="12192000" cy="6858000"/>
   <p:notesSz cx="6858000" cy="9144000"/>
@@ -3082,7 +3083,7 @@
         <a:lstStyle/>
         <a:p>
           <a:r>
-            <a:rPr lang="zh-TW" altLang="en-US" sz="3200" b="1" smtClean="0">
+            <a:rPr lang="zh-TW" altLang="en-US" sz="3200" b="1" dirty="0" smtClean="0">
               <a:latin typeface="Microsoft JhengHei" charset="-120"/>
               <a:ea typeface="Microsoft JhengHei" charset="-120"/>
               <a:cs typeface="Microsoft JhengHei" charset="-120"/>
@@ -5706,7 +5707,7 @@
             </a:spcAft>
           </a:pPr>
           <a:r>
-            <a:rPr lang="zh-TW" altLang="en-US" sz="3200" b="1" kern="1200" smtClean="0">
+            <a:rPr lang="zh-TW" altLang="en-US" sz="3200" b="1" kern="1200" dirty="0" smtClean="0">
               <a:latin typeface="Microsoft JhengHei" charset="-120"/>
               <a:ea typeface="Microsoft JhengHei" charset="-120"/>
               <a:cs typeface="Microsoft JhengHei" charset="-120"/>
@@ -14683,6 +14684,281 @@
         </p:nvSpPr>
         <p:spPr/>
         <p:txBody>
+          <a:bodyPr/>
+          <a:lstStyle/>
+          <a:p>
+            <a:r>
+              <a:rPr kumimoji="1" lang="en-US" altLang="zh-TW" dirty="0" err="1" smtClean="0"/>
+              <a:t>HomeWork</a:t>
+            </a:r>
+            <a:r>
+              <a:rPr kumimoji="1" lang="zh-TW" altLang="en-US" dirty="0" smtClean="0"/>
+              <a:t> </a:t>
+            </a:r>
+            <a:r>
+              <a:rPr kumimoji="1" lang="mr-IN" altLang="zh-TW" dirty="0" smtClean="0"/>
+              <a:t>–</a:t>
+            </a:r>
+            <a:r>
+              <a:rPr kumimoji="1" lang="zh-TW" altLang="en-US" dirty="0" smtClean="0"/>
+              <a:t> </a:t>
+            </a:r>
+            <a:r>
+              <a:rPr kumimoji="1" lang="en-US" altLang="zh-TW" dirty="0" smtClean="0"/>
+              <a:t>HandsOn1</a:t>
+            </a:r>
+            <a:endParaRPr kumimoji="1" lang="zh-TW" altLang="en-US" dirty="0"/>
+          </a:p>
+        </p:txBody>
+      </p:sp>
+      <p:sp>
+        <p:nvSpPr>
+          <p:cNvPr id="3" name="內容版面配置區 2"/>
+          <p:cNvSpPr>
+            <a:spLocks noGrp="1"/>
+          </p:cNvSpPr>
+          <p:nvPr>
+            <p:ph idx="1"/>
+          </p:nvPr>
+        </p:nvSpPr>
+        <p:spPr>
+          <a:xfrm>
+            <a:off x="693821" y="1512804"/>
+            <a:ext cx="10515600" cy="4351338"/>
+          </a:xfrm>
+        </p:spPr>
+        <p:txBody>
+          <a:bodyPr/>
+          <a:lstStyle/>
+          <a:p>
+            <a:r>
+              <a:rPr lang="zh-TW" altLang="en-US" dirty="0"/>
+              <a:t>建立一個表單，裡面有二個輸入選項，分別為</a:t>
+            </a:r>
+            <a:r>
+              <a:rPr lang="en-US" altLang="zh-TW" dirty="0"/>
+              <a:t>Name</a:t>
+            </a:r>
+            <a:r>
+              <a:rPr lang="zh-TW" altLang="en-US" dirty="0"/>
+              <a:t>和</a:t>
+            </a:r>
+            <a:r>
+              <a:rPr lang="en-US" altLang="zh-TW" dirty="0"/>
+              <a:t>Email</a:t>
+            </a:r>
+            <a:r>
+              <a:rPr lang="zh-TW" altLang="en-US" dirty="0"/>
+              <a:t>，以及一個</a:t>
+            </a:r>
+            <a:r>
+              <a:rPr lang="en-US" altLang="zh-TW" dirty="0"/>
+              <a:t>P tag</a:t>
+            </a:r>
+            <a:r>
+              <a:rPr lang="zh-TW" altLang="en-US" dirty="0"/>
+              <a:t>和一個</a:t>
+            </a:r>
+            <a:r>
+              <a:rPr lang="en-US" altLang="zh-TW" dirty="0" smtClean="0"/>
+              <a:t>button</a:t>
+            </a:r>
+            <a:r>
+              <a:rPr lang="zh-TW" altLang="en-US" dirty="0" smtClean="0"/>
+              <a:t>。然後</a:t>
+            </a:r>
+            <a:r>
+              <a:rPr lang="zh-TW" altLang="en-US" dirty="0"/>
+              <a:t>，這個</a:t>
+            </a:r>
+            <a:r>
+              <a:rPr lang="en-US" altLang="zh-TW" dirty="0"/>
+              <a:t>button</a:t>
+            </a:r>
+            <a:r>
+              <a:rPr lang="zh-TW" altLang="en-US" dirty="0"/>
+              <a:t>會註冊三個事件，分別為</a:t>
+            </a:r>
+            <a:r>
+              <a:rPr lang="en-US" altLang="zh-TW" dirty="0" err="1"/>
+              <a:t>mousover</a:t>
+            </a:r>
+            <a:r>
+              <a:rPr lang="zh-TW" altLang="en-US" dirty="0"/>
+              <a:t>、</a:t>
+            </a:r>
+            <a:r>
+              <a:rPr lang="en-US" altLang="zh-TW" dirty="0" err="1"/>
+              <a:t>mouseleave</a:t>
+            </a:r>
+            <a:r>
+              <a:rPr lang="zh-TW" altLang="en-US" dirty="0"/>
+              <a:t>和</a:t>
+            </a:r>
+            <a:r>
+              <a:rPr lang="en-US" altLang="zh-TW" dirty="0"/>
+              <a:t>click</a:t>
+            </a:r>
+            <a:r>
+              <a:rPr lang="zh-TW" altLang="en-US" dirty="0"/>
+              <a:t>事件。 </a:t>
+            </a:r>
+          </a:p>
+          <a:p>
+            <a:pPr lvl="1"/>
+            <a:r>
+              <a:rPr lang="zh-TW" altLang="en-US" dirty="0"/>
+              <a:t>當</a:t>
+            </a:r>
+            <a:r>
+              <a:rPr lang="en-US" altLang="zh-TW" dirty="0" err="1"/>
+              <a:t>mouseover</a:t>
+            </a:r>
+            <a:r>
+              <a:rPr lang="zh-TW" altLang="en-US" dirty="0"/>
+              <a:t>事件觸發時，將</a:t>
+            </a:r>
+            <a:r>
+              <a:rPr lang="en-US" altLang="zh-TW" dirty="0"/>
+              <a:t>button</a:t>
+            </a:r>
+            <a:r>
+              <a:rPr lang="zh-TW" altLang="en-US" dirty="0"/>
+              <a:t>的背景改為紅色 </a:t>
+            </a:r>
+          </a:p>
+          <a:p>
+            <a:pPr lvl="1"/>
+            <a:r>
+              <a:rPr lang="zh-TW" altLang="en-US" dirty="0"/>
+              <a:t>當</a:t>
+            </a:r>
+            <a:r>
+              <a:rPr lang="en-US" altLang="zh-TW" dirty="0" err="1"/>
+              <a:t>mouseleave</a:t>
+            </a:r>
+            <a:r>
+              <a:rPr lang="zh-TW" altLang="en-US" dirty="0"/>
+              <a:t>事件觸發時，將</a:t>
+            </a:r>
+            <a:r>
+              <a:rPr lang="en-US" altLang="zh-TW" dirty="0"/>
+              <a:t>button</a:t>
+            </a:r>
+            <a:r>
+              <a:rPr lang="zh-TW" altLang="en-US" dirty="0"/>
+              <a:t>的背景改為綠色 </a:t>
+            </a:r>
+          </a:p>
+          <a:p>
+            <a:pPr lvl="1"/>
+            <a:r>
+              <a:rPr lang="zh-TW" altLang="en-US" dirty="0"/>
+              <a:t>當</a:t>
+            </a:r>
+            <a:r>
+              <a:rPr lang="en-US" altLang="zh-TW" dirty="0"/>
+              <a:t>click</a:t>
+            </a:r>
+            <a:r>
+              <a:rPr lang="zh-TW" altLang="en-US" dirty="0"/>
+              <a:t>事件觸發時，將</a:t>
+            </a:r>
+            <a:r>
+              <a:rPr lang="en-US" altLang="zh-TW" dirty="0"/>
+              <a:t>name</a:t>
+            </a:r>
+            <a:r>
+              <a:rPr lang="zh-TW" altLang="en-US" dirty="0"/>
+              <a:t>和</a:t>
+            </a:r>
+            <a:r>
+              <a:rPr lang="en-US" altLang="zh-TW" dirty="0"/>
+              <a:t>email</a:t>
+            </a:r>
+            <a:r>
+              <a:rPr lang="zh-TW" altLang="en-US" dirty="0"/>
+              <a:t>輸入選項的文字加入至</a:t>
+            </a:r>
+            <a:r>
+              <a:rPr lang="en-US" altLang="zh-TW" dirty="0"/>
+              <a:t>p tag </a:t>
+            </a:r>
+            <a:r>
+              <a:rPr lang="zh-TW" altLang="en-US" dirty="0"/>
+              <a:t>裡 </a:t>
+            </a:r>
+          </a:p>
+          <a:p>
+            <a:endParaRPr kumimoji="1" lang="zh-TW" altLang="en-US" dirty="0"/>
+          </a:p>
+        </p:txBody>
+      </p:sp>
+      <p:pic>
+        <p:nvPicPr>
+          <p:cNvPr id="5" name="圖片 4"/>
+          <p:cNvPicPr>
+            <a:picLocks noChangeAspect="1"/>
+          </p:cNvPicPr>
+          <p:nvPr/>
+        </p:nvPicPr>
+        <p:blipFill rotWithShape="1">
+          <a:blip r:embed="rId2"/>
+          <a:srcRect t="6645"/>
+          <a:stretch/>
+        </p:blipFill>
+        <p:spPr>
+          <a:xfrm>
+            <a:off x="1188250" y="4225089"/>
+            <a:ext cx="9105903" cy="1639053"/>
+          </a:xfrm>
+          <a:prstGeom prst="rect">
+            <a:avLst/>
+          </a:prstGeom>
+        </p:spPr>
+      </p:pic>
+    </p:spTree>
+    <p:extLst>
+      <p:ext uri="{BB962C8B-B14F-4D97-AF65-F5344CB8AC3E}">
+        <p14:creationId xmlns:p14="http://schemas.microsoft.com/office/powerpoint/2010/main" val="1277646188"/>
+      </p:ext>
+    </p:extLst>
+  </p:cSld>
+  <p:clrMapOvr>
+    <a:masterClrMapping/>
+  </p:clrMapOvr>
+</p:sld>
+</file>
+
+<file path=ppt/slides/slide11.xml><?xml version="1.0" encoding="utf-8"?>
+<p:sld xmlns:a="http://schemas.openxmlformats.org/drawingml/2006/main" xmlns:r="http://schemas.openxmlformats.org/officeDocument/2006/relationships" xmlns:p="http://schemas.openxmlformats.org/presentationml/2006/main">
+  <p:cSld>
+    <p:spTree>
+      <p:nvGrpSpPr>
+        <p:cNvPr id="1" name=""/>
+        <p:cNvGrpSpPr/>
+        <p:nvPr/>
+      </p:nvGrpSpPr>
+      <p:grpSpPr>
+        <a:xfrm>
+          <a:off x="0" y="0"/>
+          <a:ext cx="0" cy="0"/>
+          <a:chOff x="0" y="0"/>
+          <a:chExt cx="0" cy="0"/>
+        </a:xfrm>
+      </p:grpSpPr>
+      <p:sp>
+        <p:nvSpPr>
+          <p:cNvPr id="2" name="標題 1"/>
+          <p:cNvSpPr>
+            <a:spLocks noGrp="1"/>
+          </p:cNvSpPr>
+          <p:nvPr>
+            <p:ph type="title"/>
+          </p:nvPr>
+        </p:nvSpPr>
+        <p:spPr/>
+        <p:txBody>
           <a:bodyPr>
             <a:normAutofit/>
           </a:bodyPr>
@@ -15964,7 +16240,7 @@
         <p:spPr>
           <a:xfrm>
             <a:off x="838200" y="5745789"/>
-            <a:ext cx="4884671" cy="707886"/>
+            <a:ext cx="5341527" cy="707886"/>
           </a:xfrm>
           <a:prstGeom prst="rect">
             <a:avLst/>
@@ -15982,7 +16258,7 @@
                   <a:srgbClr val="FF0000"/>
                 </a:solidFill>
               </a:rPr>
-              <a:t>Section2</a:t>
+              <a:t>Section2-1</a:t>
             </a:r>
             <a:r>
               <a:rPr kumimoji="1" lang="zh-TW" altLang="en-US" sz="4000" b="1" dirty="0" smtClean="0">
@@ -16073,6 +16349,313 @@
           <a:p>
             <a:r>
               <a:rPr kumimoji="1" lang="zh-TW" altLang="en-US" dirty="0" smtClean="0"/>
+              <a:t>二、選擇器 </a:t>
+            </a:r>
+            <a:r>
+              <a:rPr kumimoji="1" lang="en-US" altLang="zh-TW" dirty="0" smtClean="0"/>
+              <a:t>(Selector)</a:t>
+            </a:r>
+            <a:endParaRPr kumimoji="1" lang="zh-TW" altLang="en-US" dirty="0"/>
+          </a:p>
+        </p:txBody>
+      </p:sp>
+      <p:sp>
+        <p:nvSpPr>
+          <p:cNvPr id="9" name="矩形 8"/>
+          <p:cNvSpPr/>
+          <p:nvPr/>
+        </p:nvSpPr>
+        <p:spPr>
+          <a:xfrm>
+            <a:off x="670034" y="5893184"/>
+            <a:ext cx="5341527" cy="707886"/>
+          </a:xfrm>
+          <a:prstGeom prst="rect">
+            <a:avLst/>
+          </a:prstGeom>
+        </p:spPr>
+        <p:txBody>
+          <a:bodyPr wrap="none">
+            <a:spAutoFit/>
+          </a:bodyPr>
+          <a:lstStyle/>
+          <a:p>
+            <a:r>
+              <a:rPr kumimoji="1" lang="en-US" altLang="zh-TW" sz="4000" b="1" dirty="0" smtClean="0">
+                <a:solidFill>
+                  <a:srgbClr val="FF0000"/>
+                </a:solidFill>
+              </a:rPr>
+              <a:t>Section2-2</a:t>
+            </a:r>
+            <a:r>
+              <a:rPr kumimoji="1" lang="zh-TW" altLang="en-US" sz="4000" b="1" dirty="0" smtClean="0">
+                <a:solidFill>
+                  <a:srgbClr val="FF0000"/>
+                </a:solidFill>
+              </a:rPr>
+              <a:t> </a:t>
+            </a:r>
+            <a:r>
+              <a:rPr kumimoji="1" lang="en-US" altLang="zh-TW" sz="4000" b="1" dirty="0">
+                <a:solidFill>
+                  <a:srgbClr val="FF0000"/>
+                </a:solidFill>
+              </a:rPr>
+              <a:t>Hands</a:t>
+            </a:r>
+            <a:r>
+              <a:rPr kumimoji="1" lang="zh-TW" altLang="en-US" sz="4000" b="1" dirty="0">
+                <a:solidFill>
+                  <a:srgbClr val="FF0000"/>
+                </a:solidFill>
+              </a:rPr>
+              <a:t> </a:t>
+            </a:r>
+            <a:r>
+              <a:rPr kumimoji="1" lang="en-US" altLang="zh-TW" sz="4000" b="1" dirty="0">
+                <a:solidFill>
+                  <a:srgbClr val="FF0000"/>
+                </a:solidFill>
+              </a:rPr>
+              <a:t>On</a:t>
+            </a:r>
+          </a:p>
+        </p:txBody>
+      </p:sp>
+      <p:sp>
+        <p:nvSpPr>
+          <p:cNvPr id="3" name="內容版面配置區 2"/>
+          <p:cNvSpPr>
+            <a:spLocks noGrp="1"/>
+          </p:cNvSpPr>
+          <p:nvPr>
+            <p:ph idx="1"/>
+          </p:nvPr>
+        </p:nvSpPr>
+        <p:spPr>
+          <a:xfrm>
+            <a:off x="670034" y="1541846"/>
+            <a:ext cx="10515600" cy="4351338"/>
+          </a:xfrm>
+        </p:spPr>
+        <p:txBody>
+          <a:bodyPr/>
+          <a:lstStyle/>
+          <a:p>
+            <a:r>
+              <a:rPr kumimoji="1" lang="zh-TW" altLang="en-US" dirty="0" smtClean="0"/>
+              <a:t>選擇器與</a:t>
+            </a:r>
+            <a:r>
+              <a:rPr kumimoji="1" lang="en-US" altLang="zh-TW" dirty="0" smtClean="0"/>
+              <a:t>HTML</a:t>
+            </a:r>
+            <a:r>
+              <a:rPr kumimoji="1" lang="zh-TW" altLang="en-US" dirty="0" smtClean="0"/>
+              <a:t> </a:t>
+            </a:r>
+            <a:r>
+              <a:rPr kumimoji="1" lang="en-US" altLang="zh-TW" dirty="0" smtClean="0"/>
+              <a:t>DOM</a:t>
+            </a:r>
+            <a:r>
+              <a:rPr kumimoji="1" lang="zh-TW" altLang="en-US" dirty="0" smtClean="0"/>
+              <a:t>的互動</a:t>
+            </a:r>
+            <a:endParaRPr kumimoji="1" lang="en-US" altLang="zh-TW" dirty="0" smtClean="0"/>
+          </a:p>
+          <a:p>
+            <a:pPr lvl="1"/>
+            <a:r>
+              <a:rPr kumimoji="1" lang="en-US" altLang="zh-TW" dirty="0" smtClean="0"/>
+              <a:t>Get</a:t>
+            </a:r>
+            <a:r>
+              <a:rPr kumimoji="1" lang="zh-TW" altLang="en-US" dirty="0" smtClean="0"/>
+              <a:t>：</a:t>
+            </a:r>
+            <a:endParaRPr kumimoji="1" lang="en-US" altLang="zh-TW" dirty="0" smtClean="0"/>
+          </a:p>
+          <a:p>
+            <a:pPr lvl="2"/>
+            <a:r>
+              <a:rPr kumimoji="1" lang="zh-TW" altLang="en-US" dirty="0" smtClean="0"/>
+              <a:t>取得</a:t>
+            </a:r>
+            <a:r>
+              <a:rPr kumimoji="1" lang="en-US" altLang="zh-TW" dirty="0" smtClean="0"/>
+              <a:t>DOM</a:t>
+            </a:r>
+            <a:r>
+              <a:rPr kumimoji="1" lang="zh-TW" altLang="en-US" dirty="0" smtClean="0"/>
+              <a:t>內容</a:t>
+            </a:r>
+            <a:r>
+              <a:rPr lang="en-US" altLang="zh-TW" dirty="0" smtClean="0"/>
+              <a:t> </a:t>
+            </a:r>
+            <a:r>
+              <a:rPr lang="zh-TW" altLang="en-US" dirty="0" smtClean="0"/>
+              <a:t>：</a:t>
+            </a:r>
+            <a:r>
+              <a:rPr lang="en-US" altLang="zh-TW" dirty="0" smtClean="0"/>
+              <a:t>text</a:t>
+            </a:r>
+            <a:r>
+              <a:rPr lang="en-US" altLang="zh-TW" dirty="0"/>
+              <a:t>(), html(), and </a:t>
+            </a:r>
+            <a:r>
+              <a:rPr lang="en-US" altLang="zh-TW" dirty="0" err="1"/>
+              <a:t>val</a:t>
+            </a:r>
+            <a:r>
+              <a:rPr lang="en-US" altLang="zh-TW" dirty="0" smtClean="0"/>
+              <a:t>()</a:t>
+            </a:r>
+          </a:p>
+          <a:p>
+            <a:pPr lvl="2"/>
+            <a:r>
+              <a:rPr kumimoji="1" lang="zh-TW" altLang="en-US" dirty="0" smtClean="0"/>
+              <a:t>取得</a:t>
+            </a:r>
+            <a:r>
+              <a:rPr kumimoji="1" lang="en-US" altLang="zh-TW" dirty="0" smtClean="0"/>
+              <a:t>DOM</a:t>
+            </a:r>
+            <a:r>
+              <a:rPr kumimoji="1" lang="zh-TW" altLang="en-US" dirty="0" smtClean="0"/>
+              <a:t>屬性：</a:t>
+            </a:r>
+            <a:r>
+              <a:rPr lang="is-IS" altLang="zh-TW" dirty="0"/>
+              <a:t> </a:t>
+            </a:r>
+            <a:r>
+              <a:rPr lang="is-IS" altLang="zh-TW" dirty="0" smtClean="0"/>
+              <a:t>attr()</a:t>
+            </a:r>
+            <a:endParaRPr kumimoji="1" lang="en-US" altLang="zh-TW" dirty="0" smtClean="0"/>
+          </a:p>
+          <a:p>
+            <a:pPr lvl="1"/>
+            <a:r>
+              <a:rPr kumimoji="1" lang="en-US" altLang="zh-TW" dirty="0" smtClean="0"/>
+              <a:t>Set</a:t>
+            </a:r>
+          </a:p>
+          <a:p>
+            <a:pPr lvl="1"/>
+            <a:r>
+              <a:rPr kumimoji="1" lang="en-US" altLang="zh-TW" dirty="0" smtClean="0"/>
+              <a:t>Add</a:t>
+            </a:r>
+          </a:p>
+          <a:p>
+            <a:pPr lvl="1"/>
+            <a:r>
+              <a:rPr kumimoji="1" lang="en-US" altLang="zh-TW" dirty="0" smtClean="0"/>
+              <a:t>Remove</a:t>
+            </a:r>
+          </a:p>
+          <a:p>
+            <a:pPr lvl="1"/>
+            <a:r>
+              <a:rPr kumimoji="1" lang="en-US" altLang="zh-TW" dirty="0" err="1" smtClean="0"/>
+              <a:t>css</a:t>
+            </a:r>
+            <a:r>
+              <a:rPr kumimoji="1" lang="zh-TW" altLang="en-US" dirty="0" smtClean="0"/>
+              <a:t> </a:t>
+            </a:r>
+            <a:r>
+              <a:rPr kumimoji="1" lang="en-US" altLang="zh-TW" dirty="0" smtClean="0"/>
+              <a:t>class</a:t>
+            </a:r>
+          </a:p>
+          <a:p>
+            <a:pPr lvl="1"/>
+            <a:r>
+              <a:rPr kumimoji="1" lang="en-US" altLang="zh-TW" dirty="0" err="1" smtClean="0"/>
+              <a:t>css</a:t>
+            </a:r>
+            <a:endParaRPr kumimoji="1" lang="en-US" altLang="zh-TW" dirty="0" smtClean="0"/>
+          </a:p>
+          <a:p>
+            <a:pPr lvl="1"/>
+            <a:r>
+              <a:rPr kumimoji="1" lang="en-US" altLang="zh-TW" dirty="0" smtClean="0"/>
+              <a:t>Element</a:t>
+            </a:r>
+            <a:r>
+              <a:rPr kumimoji="1" lang="zh-TW" altLang="en-US" dirty="0" smtClean="0"/>
+              <a:t> </a:t>
+            </a:r>
+            <a:r>
+              <a:rPr kumimoji="1" lang="en-US" altLang="zh-TW" dirty="0" smtClean="0"/>
+              <a:t>Dimensions</a:t>
+            </a:r>
+            <a:endParaRPr kumimoji="1" lang="zh-TW" altLang="en-US" dirty="0"/>
+          </a:p>
+        </p:txBody>
+      </p:sp>
+    </p:spTree>
+    <p:extLst>
+      <p:ext uri="{BB962C8B-B14F-4D97-AF65-F5344CB8AC3E}">
+        <p14:creationId xmlns:p14="http://schemas.microsoft.com/office/powerpoint/2010/main" val="1826620112"/>
+      </p:ext>
+    </p:extLst>
+  </p:cSld>
+  <p:clrMapOvr>
+    <a:masterClrMapping/>
+  </p:clrMapOvr>
+  <p:timing>
+    <p:tnLst>
+      <p:par>
+        <p:cTn id="1" dur="indefinite" restart="never" nodeType="tmRoot"/>
+      </p:par>
+    </p:tnLst>
+  </p:timing>
+</p:sld>
+</file>
+
+<file path=ppt/slides/slide8.xml><?xml version="1.0" encoding="utf-8"?>
+<p:sld xmlns:a="http://schemas.openxmlformats.org/drawingml/2006/main" xmlns:r="http://schemas.openxmlformats.org/officeDocument/2006/relationships" xmlns:p="http://schemas.openxmlformats.org/presentationml/2006/main">
+  <p:cSld>
+    <p:spTree>
+      <p:nvGrpSpPr>
+        <p:cNvPr id="1" name=""/>
+        <p:cNvGrpSpPr/>
+        <p:nvPr/>
+      </p:nvGrpSpPr>
+      <p:grpSpPr>
+        <a:xfrm>
+          <a:off x="0" y="0"/>
+          <a:ext cx="0" cy="0"/>
+          <a:chOff x="0" y="0"/>
+          <a:chExt cx="0" cy="0"/>
+        </a:xfrm>
+      </p:grpSpPr>
+      <p:sp>
+        <p:nvSpPr>
+          <p:cNvPr id="2" name="標題 1"/>
+          <p:cNvSpPr>
+            <a:spLocks noGrp="1"/>
+          </p:cNvSpPr>
+          <p:nvPr>
+            <p:ph type="title"/>
+          </p:nvPr>
+        </p:nvSpPr>
+        <p:spPr/>
+        <p:txBody>
+          <a:bodyPr/>
+          <a:lstStyle/>
+          <a:p>
+            <a:r>
+              <a:rPr kumimoji="1" lang="zh-TW" altLang="en-US" dirty="0" smtClean="0"/>
               <a:t>三、事件類型</a:t>
             </a:r>
             <a:endParaRPr kumimoji="1" lang="zh-TW" altLang="en-US" dirty="0"/>
@@ -16123,173 +16706,6 @@
 </p:sld>
 </file>
 
-<file path=ppt/slides/slide8.xml><?xml version="1.0" encoding="utf-8"?>
-<p:sld xmlns:a="http://schemas.openxmlformats.org/drawingml/2006/main" xmlns:r="http://schemas.openxmlformats.org/officeDocument/2006/relationships" xmlns:p="http://schemas.openxmlformats.org/presentationml/2006/main">
-  <p:cSld>
-    <p:spTree>
-      <p:nvGrpSpPr>
-        <p:cNvPr id="1" name=""/>
-        <p:cNvGrpSpPr/>
-        <p:nvPr/>
-      </p:nvGrpSpPr>
-      <p:grpSpPr>
-        <a:xfrm>
-          <a:off x="0" y="0"/>
-          <a:ext cx="0" cy="0"/>
-          <a:chOff x="0" y="0"/>
-          <a:chExt cx="0" cy="0"/>
-        </a:xfrm>
-      </p:grpSpPr>
-      <p:sp>
-        <p:nvSpPr>
-          <p:cNvPr id="2" name="標題 1"/>
-          <p:cNvSpPr>
-            <a:spLocks noGrp="1"/>
-          </p:cNvSpPr>
-          <p:nvPr>
-            <p:ph type="title"/>
-          </p:nvPr>
-        </p:nvSpPr>
-        <p:spPr/>
-        <p:txBody>
-          <a:bodyPr/>
-          <a:lstStyle/>
-          <a:p>
-            <a:r>
-              <a:rPr kumimoji="1" lang="zh-TW" altLang="en-US" dirty="0" smtClean="0"/>
-              <a:t>三、事件類型</a:t>
-            </a:r>
-            <a:endParaRPr kumimoji="1" lang="zh-TW" altLang="en-US" dirty="0"/>
-          </a:p>
-        </p:txBody>
-      </p:sp>
-      <p:sp>
-        <p:nvSpPr>
-          <p:cNvPr id="5" name="內容版面配置區 2"/>
-          <p:cNvSpPr>
-            <a:spLocks noGrp="1"/>
-          </p:cNvSpPr>
-          <p:nvPr>
-            <p:ph idx="1"/>
-          </p:nvPr>
-        </p:nvSpPr>
-        <p:spPr>
-          <a:xfrm>
-            <a:off x="838200" y="1825625"/>
-            <a:ext cx="10515600" cy="4351338"/>
-          </a:xfrm>
-        </p:spPr>
-        <p:txBody>
-          <a:bodyPr>
-            <a:normAutofit/>
-          </a:bodyPr>
-          <a:lstStyle/>
-          <a:p>
-            <a:r>
-              <a:rPr kumimoji="1" lang="zh-TW" altLang="en-US" sz="4400" b="1" dirty="0" smtClean="0"/>
-              <a:t>事件註冊方式 </a:t>
-            </a:r>
-            <a:r>
-              <a:rPr kumimoji="1" lang="en-US" altLang="zh-TW" sz="4400" b="1" dirty="0" smtClean="0"/>
-              <a:t>(</a:t>
-            </a:r>
-            <a:r>
-              <a:rPr kumimoji="1" lang="zh-TW" altLang="en-US" sz="4400" b="1" dirty="0" smtClean="0"/>
-              <a:t>不支援 </a:t>
-            </a:r>
-            <a:r>
-              <a:rPr kumimoji="1" lang="en-US" altLang="zh-TW" sz="4400" b="1" dirty="0" smtClean="0"/>
-              <a:t>ID</a:t>
-            </a:r>
-            <a:r>
-              <a:rPr kumimoji="1" lang="zh-TW" altLang="en-US" sz="4400" b="1" dirty="0" smtClean="0"/>
-              <a:t> </a:t>
-            </a:r>
-            <a:r>
-              <a:rPr kumimoji="1" lang="en-US" altLang="zh-TW" sz="4400" b="1" dirty="0" smtClean="0"/>
-              <a:t>Selector)</a:t>
-            </a:r>
-          </a:p>
-          <a:p>
-            <a:pPr lvl="1"/>
-            <a:r>
-              <a:rPr kumimoji="1" lang="zh-TW" altLang="en-US" sz="4000" b="1" dirty="0" smtClean="0"/>
-              <a:t>單一註冊</a:t>
-            </a:r>
-            <a:endParaRPr kumimoji="1" lang="en-US" altLang="zh-TW" sz="4000" b="1" dirty="0" smtClean="0"/>
-          </a:p>
-          <a:p>
-            <a:pPr lvl="1"/>
-            <a:r>
-              <a:rPr kumimoji="1" lang="zh-TW" altLang="en-US" sz="4000" b="1" dirty="0" smtClean="0"/>
-              <a:t>多重註冊</a:t>
-            </a:r>
-            <a:endParaRPr kumimoji="1" lang="en-US" altLang="zh-TW" sz="4000" b="1" dirty="0" smtClean="0"/>
-          </a:p>
-          <a:p>
-            <a:r>
-              <a:rPr kumimoji="1" lang="en-US" altLang="zh-TW" sz="4400" b="1" dirty="0" smtClean="0">
-                <a:solidFill>
-                  <a:srgbClr val="FF0000"/>
-                </a:solidFill>
-              </a:rPr>
-              <a:t>Section3</a:t>
-            </a:r>
-            <a:r>
-              <a:rPr kumimoji="1" lang="zh-TW" altLang="en-US" sz="4400" b="1" dirty="0" smtClean="0">
-                <a:solidFill>
-                  <a:srgbClr val="FF0000"/>
-                </a:solidFill>
-              </a:rPr>
-              <a:t> </a:t>
-            </a:r>
-            <a:r>
-              <a:rPr kumimoji="1" lang="en-US" altLang="zh-TW" sz="4400" b="1" dirty="0" smtClean="0">
-                <a:solidFill>
-                  <a:srgbClr val="FF0000"/>
-                </a:solidFill>
-              </a:rPr>
-              <a:t>Hands</a:t>
-            </a:r>
-            <a:r>
-              <a:rPr kumimoji="1" lang="zh-TW" altLang="en-US" sz="4400" b="1" dirty="0" smtClean="0">
-                <a:solidFill>
-                  <a:srgbClr val="FF0000"/>
-                </a:solidFill>
-              </a:rPr>
-              <a:t> </a:t>
-            </a:r>
-            <a:r>
-              <a:rPr kumimoji="1" lang="en-US" altLang="zh-TW" sz="4400" b="1" dirty="0" smtClean="0">
-                <a:solidFill>
-                  <a:srgbClr val="FF0000"/>
-                </a:solidFill>
-              </a:rPr>
-              <a:t>On</a:t>
-            </a:r>
-          </a:p>
-        </p:txBody>
-      </p:sp>
-    </p:spTree>
-    <p:extLst>
-      <p:ext uri="{BB962C8B-B14F-4D97-AF65-F5344CB8AC3E}">
-        <p14:creationId xmlns:p14="http://schemas.microsoft.com/office/powerpoint/2010/main" val="1578044349"/>
-      </p:ext>
-    </p:extLst>
-  </p:cSld>
-  <p:clrMapOvr>
-    <a:masterClrMapping/>
-  </p:clrMapOvr>
-  <p:timing>
-    <p:tnLst>
-      <p:par>
-        <p:cTn id="1" dur="indefinite" restart="never" nodeType="tmRoot"/>
-      </p:par>
-    </p:tnLst>
-  </p:timing>
-</p:sld>
-</file>
-
 <file path=ppt/slides/slide9.xml><?xml version="1.0" encoding="utf-8"?>
 <p:sld xmlns:a="http://schemas.openxmlformats.org/drawingml/2006/main" xmlns:r="http://schemas.openxmlformats.org/officeDocument/2006/relationships" xmlns:p="http://schemas.openxmlformats.org/presentationml/2006/main">
   <p:cSld>
@@ -16323,24 +16739,8 @@
           <a:lstStyle/>
           <a:p>
             <a:r>
-              <a:rPr kumimoji="1" lang="en-US" altLang="zh-TW" dirty="0" err="1" smtClean="0"/>
-              <a:t>HomeWork</a:t>
-            </a:r>
-            <a:r>
               <a:rPr kumimoji="1" lang="zh-TW" altLang="en-US" dirty="0" smtClean="0"/>
-              <a:t> </a:t>
-            </a:r>
-            <a:r>
-              <a:rPr kumimoji="1" lang="mr-IN" altLang="zh-TW" dirty="0" smtClean="0"/>
-              <a:t>–</a:t>
-            </a:r>
-            <a:r>
-              <a:rPr kumimoji="1" lang="zh-TW" altLang="en-US" dirty="0" smtClean="0"/>
-              <a:t> </a:t>
-            </a:r>
-            <a:r>
-              <a:rPr kumimoji="1" lang="en-US" altLang="zh-TW" dirty="0" smtClean="0"/>
-              <a:t>HandsOn1</a:t>
+              <a:t>三、事件類型</a:t>
             </a:r>
             <a:endParaRPr kumimoji="1" lang="zh-TW" altLang="en-US" dirty="0"/>
           </a:p>
@@ -16348,7 +16748,7 @@
       </p:sp>
       <p:sp>
         <p:nvSpPr>
-          <p:cNvPr id="3" name="內容版面配置區 2"/>
+          <p:cNvPr id="5" name="內容版面配置區 2"/>
           <p:cNvSpPr>
             <a:spLocks noGrp="1"/>
           </p:cNvSpPr>
@@ -16358,210 +16758,118 @@
         </p:nvSpPr>
         <p:spPr>
           <a:xfrm>
-            <a:off x="693821" y="1512804"/>
+            <a:off x="838200" y="1825625"/>
             <a:ext cx="10515600" cy="4351338"/>
           </a:xfrm>
         </p:spPr>
         <p:txBody>
-          <a:bodyPr/>
+          <a:bodyPr>
+            <a:normAutofit/>
+          </a:bodyPr>
           <a:lstStyle/>
           <a:p>
             <a:r>
-              <a:rPr lang="zh-TW" altLang="en-US" dirty="0"/>
-              <a:t>建立一個表單，裡面有二個輸入選項，分別為</a:t>
-            </a:r>
-            <a:r>
-              <a:rPr lang="en-US" altLang="zh-TW" dirty="0"/>
-              <a:t>Name</a:t>
-            </a:r>
-            <a:r>
-              <a:rPr lang="zh-TW" altLang="en-US" dirty="0"/>
-              <a:t>和</a:t>
-            </a:r>
-            <a:r>
-              <a:rPr lang="en-US" altLang="zh-TW" dirty="0"/>
-              <a:t>Email</a:t>
-            </a:r>
-            <a:r>
-              <a:rPr lang="zh-TW" altLang="en-US" dirty="0"/>
-              <a:t>，以及一個</a:t>
-            </a:r>
-            <a:r>
-              <a:rPr lang="en-US" altLang="zh-TW" dirty="0"/>
-              <a:t>P tag</a:t>
-            </a:r>
-            <a:r>
-              <a:rPr lang="zh-TW" altLang="en-US" dirty="0"/>
-              <a:t>和一個</a:t>
-            </a:r>
-            <a:r>
-              <a:rPr lang="en-US" altLang="zh-TW" dirty="0" smtClean="0"/>
-              <a:t>button</a:t>
-            </a:r>
-            <a:r>
-              <a:rPr lang="zh-TW" altLang="en-US" dirty="0" smtClean="0"/>
-              <a:t>。然後</a:t>
-            </a:r>
-            <a:r>
-              <a:rPr lang="zh-TW" altLang="en-US" dirty="0"/>
-              <a:t>，這個</a:t>
-            </a:r>
-            <a:r>
-              <a:rPr lang="en-US" altLang="zh-TW" dirty="0"/>
-              <a:t>button</a:t>
-            </a:r>
-            <a:r>
-              <a:rPr lang="zh-TW" altLang="en-US" dirty="0"/>
-              <a:t>會註冊三個事件，分別為</a:t>
-            </a:r>
-            <a:r>
-              <a:rPr lang="en-US" altLang="zh-TW" dirty="0" err="1"/>
-              <a:t>mousover</a:t>
-            </a:r>
-            <a:r>
-              <a:rPr lang="zh-TW" altLang="en-US" dirty="0"/>
-              <a:t>、</a:t>
-            </a:r>
-            <a:r>
-              <a:rPr lang="en-US" altLang="zh-TW" dirty="0" err="1"/>
-              <a:t>mouseleave</a:t>
-            </a:r>
-            <a:r>
-              <a:rPr lang="zh-TW" altLang="en-US" dirty="0"/>
-              <a:t>和</a:t>
-            </a:r>
-            <a:r>
-              <a:rPr lang="en-US" altLang="zh-TW" dirty="0"/>
-              <a:t>click</a:t>
-            </a:r>
-            <a:r>
-              <a:rPr lang="zh-TW" altLang="en-US" dirty="0"/>
-              <a:t>事件。 </a:t>
+              <a:rPr kumimoji="1" lang="zh-TW" altLang="en-US" sz="4400" b="1" dirty="0" smtClean="0"/>
+              <a:t>事件註冊方式 </a:t>
+            </a:r>
+            <a:r>
+              <a:rPr kumimoji="1" lang="en-US" altLang="zh-TW" sz="4400" b="1" dirty="0" smtClean="0"/>
+              <a:t>(</a:t>
+            </a:r>
+            <a:r>
+              <a:rPr kumimoji="1" lang="zh-TW" altLang="en-US" sz="4400" b="1" dirty="0" smtClean="0"/>
+              <a:t>不支援 </a:t>
+            </a:r>
+            <a:r>
+              <a:rPr kumimoji="1" lang="en-US" altLang="zh-TW" sz="4400" b="1" dirty="0" smtClean="0"/>
+              <a:t>ID</a:t>
+            </a:r>
+            <a:r>
+              <a:rPr kumimoji="1" lang="zh-TW" altLang="en-US" sz="4400" b="1" dirty="0" smtClean="0"/>
+              <a:t> </a:t>
+            </a:r>
+            <a:r>
+              <a:rPr kumimoji="1" lang="en-US" altLang="zh-TW" sz="4400" b="1" dirty="0" smtClean="0"/>
+              <a:t>Selector)</a:t>
             </a:r>
           </a:p>
           <a:p>
             <a:pPr lvl="1"/>
             <a:r>
-              <a:rPr lang="zh-TW" altLang="en-US" dirty="0"/>
-              <a:t>當</a:t>
-            </a:r>
-            <a:r>
-              <a:rPr lang="en-US" altLang="zh-TW" dirty="0" err="1"/>
-              <a:t>mouseover</a:t>
-            </a:r>
-            <a:r>
-              <a:rPr lang="zh-TW" altLang="en-US" dirty="0"/>
-              <a:t>事件觸發時，將</a:t>
-            </a:r>
-            <a:r>
-              <a:rPr lang="en-US" altLang="zh-TW" dirty="0"/>
-              <a:t>button</a:t>
-            </a:r>
-            <a:r>
-              <a:rPr lang="zh-TW" altLang="en-US" dirty="0"/>
-              <a:t>的背景改為紅色 </a:t>
-            </a:r>
+              <a:rPr kumimoji="1" lang="zh-TW" altLang="en-US" sz="4000" b="1" dirty="0" smtClean="0"/>
+              <a:t>單一註冊</a:t>
+            </a:r>
+            <a:endParaRPr kumimoji="1" lang="en-US" altLang="zh-TW" sz="4000" b="1" dirty="0" smtClean="0"/>
           </a:p>
           <a:p>
             <a:pPr lvl="1"/>
             <a:r>
-              <a:rPr lang="zh-TW" altLang="en-US" dirty="0"/>
-              <a:t>當</a:t>
-            </a:r>
-            <a:r>
-              <a:rPr lang="en-US" altLang="zh-TW" dirty="0" err="1"/>
-              <a:t>mouseleave</a:t>
-            </a:r>
-            <a:r>
-              <a:rPr lang="zh-TW" altLang="en-US" dirty="0"/>
-              <a:t>事件觸發時，將</a:t>
-            </a:r>
-            <a:r>
-              <a:rPr lang="en-US" altLang="zh-TW" dirty="0"/>
-              <a:t>button</a:t>
-            </a:r>
-            <a:r>
-              <a:rPr lang="zh-TW" altLang="en-US" dirty="0"/>
-              <a:t>的背景改為綠色 </a:t>
-            </a:r>
+              <a:rPr kumimoji="1" lang="zh-TW" altLang="en-US" sz="4000" b="1" dirty="0" smtClean="0"/>
+              <a:t>多重註冊</a:t>
+            </a:r>
+            <a:endParaRPr kumimoji="1" lang="en-US" altLang="zh-TW" sz="4000" b="1" dirty="0" smtClean="0"/>
           </a:p>
           <a:p>
-            <a:pPr lvl="1"/>
-            <a:r>
-              <a:rPr lang="zh-TW" altLang="en-US" dirty="0"/>
-              <a:t>當</a:t>
-            </a:r>
-            <a:r>
-              <a:rPr lang="en-US" altLang="zh-TW" dirty="0"/>
-              <a:t>click</a:t>
-            </a:r>
-            <a:r>
-              <a:rPr lang="zh-TW" altLang="en-US" dirty="0"/>
-              <a:t>事件觸發時，將</a:t>
-            </a:r>
-            <a:r>
-              <a:rPr lang="en-US" altLang="zh-TW" dirty="0"/>
-              <a:t>name</a:t>
-            </a:r>
-            <a:r>
-              <a:rPr lang="zh-TW" altLang="en-US" dirty="0"/>
-              <a:t>和</a:t>
-            </a:r>
-            <a:r>
-              <a:rPr lang="en-US" altLang="zh-TW" dirty="0"/>
-              <a:t>email</a:t>
-            </a:r>
-            <a:r>
-              <a:rPr lang="zh-TW" altLang="en-US" dirty="0"/>
-              <a:t>輸入選項的文字加入至</a:t>
-            </a:r>
-            <a:r>
-              <a:rPr lang="en-US" altLang="zh-TW" dirty="0"/>
-              <a:t>p tag </a:t>
-            </a:r>
-            <a:r>
-              <a:rPr lang="zh-TW" altLang="en-US" dirty="0"/>
-              <a:t>裡 </a:t>
-            </a:r>
-          </a:p>
-          <a:p>
-            <a:endParaRPr kumimoji="1" lang="zh-TW" altLang="en-US" dirty="0"/>
+            <a:r>
+              <a:rPr kumimoji="1" lang="en-US" altLang="zh-TW" sz="4400" b="1" dirty="0" smtClean="0">
+                <a:solidFill>
+                  <a:srgbClr val="FF0000"/>
+                </a:solidFill>
+              </a:rPr>
+              <a:t>Section3</a:t>
+            </a:r>
+            <a:r>
+              <a:rPr kumimoji="1" lang="zh-TW" altLang="en-US" sz="4400" b="1" dirty="0" smtClean="0">
+                <a:solidFill>
+                  <a:srgbClr val="FF0000"/>
+                </a:solidFill>
+              </a:rPr>
+              <a:t> </a:t>
+            </a:r>
+            <a:r>
+              <a:rPr kumimoji="1" lang="en-US" altLang="zh-TW" sz="4400" b="1" dirty="0" smtClean="0">
+                <a:solidFill>
+                  <a:srgbClr val="FF0000"/>
+                </a:solidFill>
+              </a:rPr>
+              <a:t>Hands</a:t>
+            </a:r>
+            <a:r>
+              <a:rPr kumimoji="1" lang="zh-TW" altLang="en-US" sz="4400" b="1" dirty="0" smtClean="0">
+                <a:solidFill>
+                  <a:srgbClr val="FF0000"/>
+                </a:solidFill>
+              </a:rPr>
+              <a:t> </a:t>
+            </a:r>
+            <a:r>
+              <a:rPr kumimoji="1" lang="en-US" altLang="zh-TW" sz="4400" b="1" dirty="0" smtClean="0">
+                <a:solidFill>
+                  <a:srgbClr val="FF0000"/>
+                </a:solidFill>
+              </a:rPr>
+              <a:t>On</a:t>
+            </a:r>
           </a:p>
         </p:txBody>
       </p:sp>
-      <p:pic>
-        <p:nvPicPr>
-          <p:cNvPr id="5" name="圖片 4"/>
-          <p:cNvPicPr>
-            <a:picLocks noChangeAspect="1"/>
-          </p:cNvPicPr>
-          <p:nvPr/>
-        </p:nvPicPr>
-        <p:blipFill rotWithShape="1">
-          <a:blip r:embed="rId2"/>
-          <a:srcRect t="6645"/>
-          <a:stretch/>
-        </p:blipFill>
-        <p:spPr>
-          <a:xfrm>
-            <a:off x="1188250" y="4225089"/>
-            <a:ext cx="9105903" cy="1639053"/>
-          </a:xfrm>
-          <a:prstGeom prst="rect">
-            <a:avLst/>
-          </a:prstGeom>
-        </p:spPr>
-      </p:pic>
     </p:spTree>
     <p:extLst>
       <p:ext uri="{BB962C8B-B14F-4D97-AF65-F5344CB8AC3E}">
-        <p14:creationId xmlns:p14="http://schemas.microsoft.com/office/powerpoint/2010/main" val="1277646188"/>
+        <p14:creationId xmlns:p14="http://schemas.microsoft.com/office/powerpoint/2010/main" val="1578044349"/>
       </p:ext>
     </p:extLst>
   </p:cSld>
   <p:clrMapOvr>
     <a:masterClrMapping/>
   </p:clrMapOvr>
+  <p:timing>
+    <p:tnLst>
+      <p:par>
+        <p:cTn id="1" dur="indefinite" restart="never" nodeType="tmRoot"/>
+      </p:par>
+    </p:tnLst>
+  </p:timing>
 </p:sld>
 </file>
 

--- a/jquerytutorial.pptx
+++ b/jquerytutorial.pptx
@@ -16478,74 +16478,12 @@
             <a:endParaRPr kumimoji="1" lang="en-US" altLang="zh-TW" dirty="0" smtClean="0"/>
           </a:p>
           <a:p>
-            <a:pPr lvl="2"/>
-            <a:r>
-              <a:rPr kumimoji="1" lang="zh-TW" altLang="en-US" dirty="0" smtClean="0"/>
-              <a:t>取得</a:t>
-            </a:r>
-            <a:r>
-              <a:rPr kumimoji="1" lang="en-US" altLang="zh-TW" dirty="0" smtClean="0"/>
-              <a:t>DOM</a:t>
-            </a:r>
-            <a:r>
-              <a:rPr kumimoji="1" lang="zh-TW" altLang="en-US" dirty="0" smtClean="0"/>
-              <a:t>內容</a:t>
-            </a:r>
-            <a:r>
-              <a:rPr lang="en-US" altLang="zh-TW" dirty="0" smtClean="0"/>
-              <a:t> </a:t>
-            </a:r>
-            <a:r>
-              <a:rPr lang="zh-TW" altLang="en-US" dirty="0" smtClean="0"/>
-              <a:t>：</a:t>
-            </a:r>
-            <a:r>
-              <a:rPr lang="en-US" altLang="zh-TW" dirty="0" smtClean="0"/>
-              <a:t>text</a:t>
-            </a:r>
-            <a:r>
-              <a:rPr lang="en-US" altLang="zh-TW" dirty="0"/>
-              <a:t>(), html(), and </a:t>
-            </a:r>
-            <a:r>
-              <a:rPr lang="en-US" altLang="zh-TW" dirty="0" err="1"/>
-              <a:t>val</a:t>
-            </a:r>
-            <a:r>
-              <a:rPr lang="en-US" altLang="zh-TW" dirty="0" smtClean="0"/>
-              <a:t>()</a:t>
-            </a:r>
-          </a:p>
-          <a:p>
-            <a:pPr lvl="2"/>
-            <a:r>
-              <a:rPr kumimoji="1" lang="zh-TW" altLang="en-US" dirty="0" smtClean="0"/>
-              <a:t>取得</a:t>
-            </a:r>
-            <a:r>
-              <a:rPr kumimoji="1" lang="en-US" altLang="zh-TW" dirty="0" smtClean="0"/>
-              <a:t>DOM</a:t>
-            </a:r>
-            <a:r>
-              <a:rPr kumimoji="1" lang="zh-TW" altLang="en-US" dirty="0" smtClean="0"/>
-              <a:t>屬性：</a:t>
-            </a:r>
-            <a:r>
-              <a:rPr lang="is-IS" altLang="zh-TW" dirty="0"/>
-              <a:t> </a:t>
-            </a:r>
-            <a:r>
-              <a:rPr lang="is-IS" altLang="zh-TW" dirty="0" smtClean="0"/>
-              <a:t>attr()</a:t>
+            <a:pPr lvl="1"/>
+            <a:r>
+              <a:rPr kumimoji="1" lang="en-US" altLang="zh-TW" smtClean="0"/>
+              <a:t>Set</a:t>
             </a:r>
             <a:endParaRPr kumimoji="1" lang="en-US" altLang="zh-TW" dirty="0" smtClean="0"/>
-          </a:p>
-          <a:p>
-            <a:pPr lvl="1"/>
-            <a:r>
-              <a:rPr kumimoji="1" lang="en-US" altLang="zh-TW" dirty="0" smtClean="0"/>
-              <a:t>Set</a:t>
-            </a:r>
           </a:p>
           <a:p>
             <a:pPr lvl="1"/>

--- a/jquerytutorial.pptx
+++ b/jquerytutorial.pptx
@@ -16100,7 +16100,7 @@
           </a:p>
           <a:p>
             <a:r>
-              <a:rPr kumimoji="1" lang="en-US" altLang="zh-TW" sz="4400" b="1" dirty="0" smtClean="0">
+              <a:rPr kumimoji="1" lang="en-US" altLang="zh-TW" sz="4400" b="1" smtClean="0">
                 <a:solidFill>
                   <a:srgbClr val="FF0000"/>
                 </a:solidFill>
@@ -16108,7 +16108,7 @@
               <a:t>Section1</a:t>
             </a:r>
             <a:r>
-              <a:rPr kumimoji="1" lang="zh-TW" altLang="en-US" sz="4400" b="1" dirty="0" smtClean="0">
+              <a:rPr kumimoji="1" lang="zh-TW" altLang="en-US" sz="4400" b="1" smtClean="0">
                 <a:solidFill>
                   <a:srgbClr val="FF0000"/>
                 </a:solidFill>
@@ -16116,29 +16116,18 @@
               <a:t> </a:t>
             </a:r>
             <a:r>
-              <a:rPr kumimoji="1" lang="en-US" altLang="zh-TW" sz="4400" b="1" dirty="0" smtClean="0">
+              <a:rPr kumimoji="1" lang="en-US" altLang="zh-TW" sz="4400" b="1">
                 <a:solidFill>
                   <a:srgbClr val="FF0000"/>
                 </a:solidFill>
               </a:rPr>
-              <a:t>Hands</a:t>
-            </a:r>
-            <a:r>
-              <a:rPr kumimoji="1" lang="zh-TW" altLang="en-US" sz="4400" b="1" dirty="0" smtClean="0">
-                <a:solidFill>
-                  <a:srgbClr val="FF0000"/>
-                </a:solidFill>
-              </a:rPr>
-              <a:t> </a:t>
-            </a:r>
-            <a:r>
-              <a:rPr kumimoji="1" lang="en-US" altLang="zh-TW" sz="4400" b="1" dirty="0" smtClean="0">
-                <a:solidFill>
-                  <a:srgbClr val="FF0000"/>
-                </a:solidFill>
-              </a:rPr>
-              <a:t>On</a:t>
-            </a:r>
+              <a:t>Example</a:t>
+            </a:r>
+            <a:endParaRPr kumimoji="1" lang="en-US" altLang="zh-TW" sz="4400" b="1" dirty="0">
+              <a:solidFill>
+                <a:srgbClr val="FF0000"/>
+              </a:solidFill>
+            </a:endParaRPr>
           </a:p>
         </p:txBody>
       </p:sp>
@@ -16240,7 +16229,7 @@
         <p:spPr>
           <a:xfrm>
             <a:off x="838200" y="5745789"/>
-            <a:ext cx="5341527" cy="707886"/>
+            <a:ext cx="5030544" cy="707886"/>
           </a:xfrm>
           <a:prstGeom prst="rect">
             <a:avLst/>
@@ -16274,23 +16263,7 @@
                   <a:srgbClr val="FF0000"/>
                 </a:solidFill>
               </a:rPr>
-              <a:t>Hands</a:t>
-            </a:r>
-            <a:r>
-              <a:rPr kumimoji="1" lang="zh-TW" altLang="en-US" sz="4000" b="1" dirty="0">
-                <a:solidFill>
-                  <a:srgbClr val="FF0000"/>
-                </a:solidFill>
-              </a:rPr>
-              <a:t> </a:t>
-            </a:r>
-            <a:r>
-              <a:rPr kumimoji="1" lang="en-US" altLang="zh-TW" sz="4000" b="1" dirty="0">
-                <a:solidFill>
-                  <a:srgbClr val="FF0000"/>
-                </a:solidFill>
-              </a:rPr>
-              <a:t>On</a:t>
+              <a:t>Example</a:t>
             </a:r>
           </a:p>
         </p:txBody>
@@ -16368,7 +16341,7 @@
         <p:spPr>
           <a:xfrm>
             <a:off x="670034" y="5893184"/>
-            <a:ext cx="5341527" cy="707886"/>
+            <a:ext cx="5030544" cy="707886"/>
           </a:xfrm>
           <a:prstGeom prst="rect">
             <a:avLst/>
@@ -16402,23 +16375,7 @@
                   <a:srgbClr val="FF0000"/>
                 </a:solidFill>
               </a:rPr>
-              <a:t>Hands</a:t>
-            </a:r>
-            <a:r>
-              <a:rPr kumimoji="1" lang="zh-TW" altLang="en-US" sz="4000" b="1" dirty="0">
-                <a:solidFill>
-                  <a:srgbClr val="FF0000"/>
-                </a:solidFill>
-              </a:rPr>
-              <a:t> </a:t>
-            </a:r>
-            <a:r>
-              <a:rPr kumimoji="1" lang="en-US" altLang="zh-TW" sz="4000" b="1" dirty="0">
-                <a:solidFill>
-                  <a:srgbClr val="FF0000"/>
-                </a:solidFill>
-              </a:rPr>
-              <a:t>On</a:t>
+              <a:t>Example</a:t>
             </a:r>
           </a:p>
         </p:txBody>
@@ -16480,10 +16437,9 @@
           <a:p>
             <a:pPr lvl="1"/>
             <a:r>
-              <a:rPr kumimoji="1" lang="en-US" altLang="zh-TW" smtClean="0"/>
+              <a:rPr kumimoji="1" lang="en-US" altLang="zh-TW" dirty="0" smtClean="0"/>
               <a:t>Set</a:t>
             </a:r>
-            <a:endParaRPr kumimoji="1" lang="en-US" altLang="zh-TW" dirty="0" smtClean="0"/>
           </a:p>
           <a:p>
             <a:pPr lvl="1"/>
@@ -16770,24 +16726,13 @@
                   <a:srgbClr val="FF0000"/>
                 </a:solidFill>
               </a:rPr>
-              <a:t>Hands</a:t>
-            </a:r>
-            <a:r>
-              <a:rPr kumimoji="1" lang="zh-TW" altLang="en-US" sz="4400" b="1" dirty="0" smtClean="0">
-                <a:solidFill>
-                  <a:srgbClr val="FF0000"/>
-                </a:solidFill>
-              </a:rPr>
-              <a:t> </a:t>
-            </a:r>
-            <a:r>
-              <a:rPr kumimoji="1" lang="en-US" altLang="zh-TW" sz="4400" b="1" dirty="0" smtClean="0">
-                <a:solidFill>
-                  <a:srgbClr val="FF0000"/>
-                </a:solidFill>
-              </a:rPr>
-              <a:t>On</a:t>
-            </a:r>
+              <a:t>Example</a:t>
+            </a:r>
+            <a:endParaRPr kumimoji="1" lang="en-US" altLang="zh-TW" sz="4400" b="1" dirty="0" smtClean="0">
+              <a:solidFill>
+                <a:srgbClr val="FF0000"/>
+              </a:solidFill>
+            </a:endParaRPr>
           </a:p>
         </p:txBody>
       </p:sp>
